--- a/Procedural Map Generation Techniques.pptx
+++ b/Procedural Map Generation Techniques.pptx
@@ -5,7 +5,7 @@
     <p:sldMasterId id="2147483648" r:id="rId1"/>
   </p:sldMasterIdLst>
   <p:notesMasterIdLst>
-    <p:notesMasterId r:id="rId37"/>
+    <p:notesMasterId r:id="rId40"/>
   </p:notesMasterIdLst>
   <p:sldIdLst>
     <p:sldId id="256" r:id="rId2"/>
@@ -21,28 +21,31 @@
     <p:sldId id="291" r:id="rId12"/>
     <p:sldId id="260" r:id="rId13"/>
     <p:sldId id="280" r:id="rId14"/>
-    <p:sldId id="261" r:id="rId15"/>
-    <p:sldId id="282" r:id="rId16"/>
-    <p:sldId id="262" r:id="rId17"/>
-    <p:sldId id="283" r:id="rId18"/>
-    <p:sldId id="284" r:id="rId19"/>
-    <p:sldId id="263" r:id="rId20"/>
-    <p:sldId id="285" r:id="rId21"/>
-    <p:sldId id="264" r:id="rId22"/>
-    <p:sldId id="286" r:id="rId23"/>
-    <p:sldId id="265" r:id="rId24"/>
-    <p:sldId id="267" r:id="rId25"/>
-    <p:sldId id="268" r:id="rId26"/>
-    <p:sldId id="269" r:id="rId27"/>
-    <p:sldId id="270" r:id="rId28"/>
-    <p:sldId id="271" r:id="rId29"/>
-    <p:sldId id="272" r:id="rId30"/>
-    <p:sldId id="277" r:id="rId31"/>
-    <p:sldId id="273" r:id="rId32"/>
-    <p:sldId id="279" r:id="rId33"/>
-    <p:sldId id="287" r:id="rId34"/>
-    <p:sldId id="275" r:id="rId35"/>
-    <p:sldId id="276" r:id="rId36"/>
+    <p:sldId id="292" r:id="rId15"/>
+    <p:sldId id="293" r:id="rId16"/>
+    <p:sldId id="294" r:id="rId17"/>
+    <p:sldId id="295" r:id="rId18"/>
+    <p:sldId id="296" r:id="rId19"/>
+    <p:sldId id="262" r:id="rId20"/>
+    <p:sldId id="283" r:id="rId21"/>
+    <p:sldId id="284" r:id="rId22"/>
+    <p:sldId id="263" r:id="rId23"/>
+    <p:sldId id="285" r:id="rId24"/>
+    <p:sldId id="264" r:id="rId25"/>
+    <p:sldId id="286" r:id="rId26"/>
+    <p:sldId id="265" r:id="rId27"/>
+    <p:sldId id="267" r:id="rId28"/>
+    <p:sldId id="268" r:id="rId29"/>
+    <p:sldId id="269" r:id="rId30"/>
+    <p:sldId id="270" r:id="rId31"/>
+    <p:sldId id="271" r:id="rId32"/>
+    <p:sldId id="272" r:id="rId33"/>
+    <p:sldId id="277" r:id="rId34"/>
+    <p:sldId id="273" r:id="rId35"/>
+    <p:sldId id="279" r:id="rId36"/>
+    <p:sldId id="287" r:id="rId37"/>
+    <p:sldId id="275" r:id="rId38"/>
+    <p:sldId id="276" r:id="rId39"/>
   </p:sldIdLst>
   <p:sldSz cx="12192000" cy="6858000"/>
   <p:notesSz cx="6858000" cy="9144000"/>
@@ -563,7 +566,7 @@
           <a:p>
             <a:fld id="{90D22375-8765-45BF-AA5E-53059EF4DFB4}" type="slidenum">
               <a:rPr lang="en-US" smtClean="0"/>
-              <a:t>33</a:t>
+              <a:t>36</a:t>
             </a:fld>
             <a:endParaRPr lang="en-US"/>
           </a:p>
@@ -758,7 +761,7 @@
             <a:fld id="{C45E667B-40C4-4F6A-8EF0-B6EBD52DE697}" type="datetimeFigureOut">
               <a:rPr lang="en-US" smtClean="0"/>
               <a:pPr/>
-              <a:t>9/10/2020</a:t>
+              <a:t>9/11/2020</a:t>
             </a:fld>
             <a:endParaRPr lang="en-US" dirty="0"/>
           </a:p>
@@ -974,7 +977,7 @@
           <a:p>
             <a:fld id="{C45E667B-40C4-4F6A-8EF0-B6EBD52DE697}" type="datetimeFigureOut">
               <a:rPr lang="en-US" smtClean="0"/>
-              <a:t>9/10/2020</a:t>
+              <a:t>9/11/2020</a:t>
             </a:fld>
             <a:endParaRPr lang="en-US"/>
           </a:p>
@@ -1182,7 +1185,7 @@
           <a:p>
             <a:fld id="{C45E667B-40C4-4F6A-8EF0-B6EBD52DE697}" type="datetimeFigureOut">
               <a:rPr lang="en-US" smtClean="0"/>
-              <a:t>9/10/2020</a:t>
+              <a:t>9/11/2020</a:t>
             </a:fld>
             <a:endParaRPr lang="en-US"/>
           </a:p>
@@ -1442,7 +1445,7 @@
           <a:p>
             <a:fld id="{C45E667B-40C4-4F6A-8EF0-B6EBD52DE697}" type="datetimeFigureOut">
               <a:rPr lang="en-US" smtClean="0"/>
-              <a:t>9/10/2020</a:t>
+              <a:t>9/11/2020</a:t>
             </a:fld>
             <a:endParaRPr lang="en-US"/>
           </a:p>
@@ -1725,7 +1728,7 @@
           <a:p>
             <a:fld id="{C45E667B-40C4-4F6A-8EF0-B6EBD52DE697}" type="datetimeFigureOut">
               <a:rPr lang="en-US" smtClean="0"/>
-              <a:t>9/10/2020</a:t>
+              <a:t>9/11/2020</a:t>
             </a:fld>
             <a:endParaRPr lang="en-US"/>
           </a:p>
@@ -2103,7 +2106,7 @@
           <a:p>
             <a:fld id="{C45E667B-40C4-4F6A-8EF0-B6EBD52DE697}" type="datetimeFigureOut">
               <a:rPr lang="en-US" smtClean="0"/>
-              <a:t>9/10/2020</a:t>
+              <a:t>9/11/2020</a:t>
             </a:fld>
             <a:endParaRPr lang="en-US"/>
           </a:p>
@@ -2515,7 +2518,7 @@
           <a:p>
             <a:fld id="{C45E667B-40C4-4F6A-8EF0-B6EBD52DE697}" type="datetimeFigureOut">
               <a:rPr lang="en-US" smtClean="0"/>
-              <a:t>9/10/2020</a:t>
+              <a:t>9/11/2020</a:t>
             </a:fld>
             <a:endParaRPr lang="en-US"/>
           </a:p>
@@ -2656,7 +2659,7 @@
           <a:p>
             <a:fld id="{C45E667B-40C4-4F6A-8EF0-B6EBD52DE697}" type="datetimeFigureOut">
               <a:rPr lang="en-US" smtClean="0"/>
-              <a:t>9/10/2020</a:t>
+              <a:t>9/11/2020</a:t>
             </a:fld>
             <a:endParaRPr lang="en-US"/>
           </a:p>
@@ -2769,7 +2772,7 @@
           <a:p>
             <a:fld id="{C45E667B-40C4-4F6A-8EF0-B6EBD52DE697}" type="datetimeFigureOut">
               <a:rPr lang="en-US" smtClean="0"/>
-              <a:t>9/10/2020</a:t>
+              <a:t>9/11/2020</a:t>
             </a:fld>
             <a:endParaRPr lang="en-US"/>
           </a:p>
@@ -3080,7 +3083,7 @@
           <a:p>
             <a:fld id="{C45E667B-40C4-4F6A-8EF0-B6EBD52DE697}" type="datetimeFigureOut">
               <a:rPr lang="en-US" smtClean="0"/>
-              <a:t>9/10/2020</a:t>
+              <a:t>9/11/2020</a:t>
             </a:fld>
             <a:endParaRPr lang="en-US"/>
           </a:p>
@@ -3368,7 +3371,7 @@
           <a:p>
             <a:fld id="{C45E667B-40C4-4F6A-8EF0-B6EBD52DE697}" type="datetimeFigureOut">
               <a:rPr lang="en-US" smtClean="0"/>
-              <a:t>9/10/2020</a:t>
+              <a:t>9/11/2020</a:t>
             </a:fld>
             <a:endParaRPr lang="en-US"/>
           </a:p>
@@ -3618,7 +3621,7 @@
           <a:p>
             <a:fld id="{C45E667B-40C4-4F6A-8EF0-B6EBD52DE697}" type="datetimeFigureOut">
               <a:rPr lang="en-US" smtClean="0"/>
-              <a:t>9/10/2020</a:t>
+              <a:t>9/11/2020</a:t>
             </a:fld>
             <a:endParaRPr lang="en-US"/>
           </a:p>
@@ -4339,7 +4342,7 @@
           <a:p>
             <a:r>
               <a:rPr lang="en-US" dirty="0"/>
-              <a:t>BSP Room-Based Generation</a:t>
+              <a:t>Sub-Divide Room-Based Generation</a:t>
             </a:r>
           </a:p>
         </p:txBody>
@@ -4370,12 +4373,12 @@
               <a:t>Nicer room generation. </a:t>
             </a:r>
             <a:r>
-              <a:rPr lang="en-US" dirty="0" err="1"/>
+              <a:rPr lang="en-US" i="1" dirty="0" err="1"/>
               <a:t>Nethack</a:t>
             </a:r>
             <a:r>
               <a:rPr lang="en-US" dirty="0"/>
-              <a:t> uses it.</a:t>
+              <a:t> uses it. (In BSP form)</a:t>
             </a:r>
           </a:p>
           <a:p>
@@ -4459,36 +4462,43 @@
           <a:p>
             <a:r>
               <a:rPr lang="en-US" dirty="0"/>
-              <a:t>Step-by-Step Rooms</a:t>
-            </a:r>
-          </a:p>
-        </p:txBody>
-      </p:sp>
-      <p:sp>
-        <p:nvSpPr>
-          <p:cNvPr id="3" name="Content Placeholder 2">
-            <a:extLst>
-              <a:ext uri="{FF2B5EF4-FFF2-40B4-BE49-F238E27FC236}">
-                <a16:creationId xmlns:a16="http://schemas.microsoft.com/office/drawing/2014/main" id="{22A45B06-B8FC-4E16-8997-6F888A49E568}"/>
-              </a:ext>
-            </a:extLst>
-          </p:cNvPr>
-          <p:cNvSpPr>
-            <a:spLocks noGrp="1"/>
-          </p:cNvSpPr>
+              <a:t>Subdivide the map</a:t>
+            </a:r>
+          </a:p>
+        </p:txBody>
+      </p:sp>
+      <p:pic>
+        <p:nvPicPr>
+          <p:cNvPr id="4" name="Content Placeholder 3">
+            <a:extLst>
+              <a:ext uri="{FF2B5EF4-FFF2-40B4-BE49-F238E27FC236}">
+                <a16:creationId xmlns:a16="http://schemas.microsoft.com/office/drawing/2014/main" id="{0AC302BE-8D31-4247-B978-30D114EC2A22}"/>
+              </a:ext>
+            </a:extLst>
+          </p:cNvPr>
+          <p:cNvPicPr>
+            <a:picLocks noGrp="1" noChangeAspect="1"/>
+          </p:cNvPicPr>
           <p:nvPr>
             <p:ph idx="1"/>
           </p:nvPr>
-        </p:nvSpPr>
-        <p:spPr/>
-        <p:txBody>
-          <a:bodyPr/>
-          <a:lstStyle/>
-          <a:p>
-            <a:endParaRPr lang="en-US"/>
-          </a:p>
-        </p:txBody>
-      </p:sp>
+        </p:nvPicPr>
+        <p:blipFill>
+          <a:blip r:embed="rId2"/>
+          <a:stretch>
+            <a:fillRect/>
+          </a:stretch>
+        </p:blipFill>
+        <p:spPr>
+          <a:xfrm>
+            <a:off x="3038475" y="1943894"/>
+            <a:ext cx="6115050" cy="4114800"/>
+          </a:xfrm>
+          <a:prstGeom prst="rect">
+            <a:avLst/>
+          </a:prstGeom>
+        </p:spPr>
+      </p:pic>
     </p:spTree>
     <p:extLst>
       <p:ext uri="{BB962C8B-B14F-4D97-AF65-F5344CB8AC3E}">
@@ -4524,7 +4534,7 @@
           <p:cNvPr id="2" name="Title 1">
             <a:extLst>
               <a:ext uri="{FF2B5EF4-FFF2-40B4-BE49-F238E27FC236}">
-                <a16:creationId xmlns:a16="http://schemas.microsoft.com/office/drawing/2014/main" id="{23C4310A-2AB6-4155-9F12-1E3FABF8E042}"/>
+                <a16:creationId xmlns:a16="http://schemas.microsoft.com/office/drawing/2014/main" id="{34B2B265-83FB-4D5E-B78A-40F82A6DA3CB}"/>
               </a:ext>
             </a:extLst>
           </p:cNvPr>
@@ -4542,55 +4552,52 @@
           <a:p>
             <a:r>
               <a:rPr lang="en-US" dirty="0"/>
-              <a:t>Using BSP for Interior Decorating</a:t>
-            </a:r>
-          </a:p>
-        </p:txBody>
-      </p:sp>
-      <p:sp>
-        <p:nvSpPr>
-          <p:cNvPr id="3" name="Content Placeholder 2">
-            <a:extLst>
-              <a:ext uri="{FF2B5EF4-FFF2-40B4-BE49-F238E27FC236}">
-                <a16:creationId xmlns:a16="http://schemas.microsoft.com/office/drawing/2014/main" id="{F0F059B7-AC50-4C8C-BCAC-785C0317B67E}"/>
-              </a:ext>
-            </a:extLst>
-          </p:cNvPr>
-          <p:cNvSpPr>
-            <a:spLocks noGrp="1"/>
-          </p:cNvSpPr>
+              <a:t>Consider each region. Either divide,</a:t>
+            </a:r>
+            <a:r>
+              <a:rPr lang="en-US" baseline="0" dirty="0"/>
+              <a:t> or add a room.</a:t>
+            </a:r>
+            <a:endParaRPr lang="en-US" dirty="0"/>
+          </a:p>
+        </p:txBody>
+      </p:sp>
+      <p:pic>
+        <p:nvPicPr>
+          <p:cNvPr id="4" name="Content Placeholder 3">
+            <a:extLst>
+              <a:ext uri="{FF2B5EF4-FFF2-40B4-BE49-F238E27FC236}">
+                <a16:creationId xmlns:a16="http://schemas.microsoft.com/office/drawing/2014/main" id="{A134588D-5931-4DDE-BDEC-A7905BCDEE7C}"/>
+              </a:ext>
+            </a:extLst>
+          </p:cNvPr>
+          <p:cNvPicPr>
+            <a:picLocks noGrp="1" noChangeAspect="1"/>
+          </p:cNvPicPr>
           <p:nvPr>
             <p:ph idx="1"/>
           </p:nvPr>
-        </p:nvSpPr>
-        <p:spPr/>
-        <p:txBody>
-          <a:bodyPr/>
-          <a:lstStyle/>
-          <a:p>
-            <a:r>
-              <a:rPr lang="en-US" dirty="0"/>
-              <a:t>You can also use BSP for interior decorating.</a:t>
-            </a:r>
-          </a:p>
-          <a:p>
-            <a:r>
-              <a:rPr lang="en-US" dirty="0"/>
-              <a:t>Divide a square into squares, apply interior walls.</a:t>
-            </a:r>
-          </a:p>
-          <a:p>
-            <a:r>
-              <a:rPr lang="en-US" dirty="0"/>
-              <a:t>Not a great idea for a large map.</a:t>
-            </a:r>
-          </a:p>
-        </p:txBody>
-      </p:sp>
+        </p:nvPicPr>
+        <p:blipFill>
+          <a:blip r:embed="rId2"/>
+          <a:stretch>
+            <a:fillRect/>
+          </a:stretch>
+        </p:blipFill>
+        <p:spPr>
+          <a:xfrm>
+            <a:off x="3038475" y="1943894"/>
+            <a:ext cx="6115050" cy="4114800"/>
+          </a:xfrm>
+          <a:prstGeom prst="rect">
+            <a:avLst/>
+          </a:prstGeom>
+        </p:spPr>
+      </p:pic>
     </p:spTree>
     <p:extLst>
       <p:ext uri="{BB962C8B-B14F-4D97-AF65-F5344CB8AC3E}">
-        <p14:creationId xmlns:p14="http://schemas.microsoft.com/office/powerpoint/2010/main" val="4293456143"/>
+        <p14:creationId xmlns:p14="http://schemas.microsoft.com/office/powerpoint/2010/main" val="3386736805"/>
       </p:ext>
     </p:extLst>
   </p:cSld>
@@ -4622,7 +4629,7 @@
           <p:cNvPr id="2" name="Title 1">
             <a:extLst>
               <a:ext uri="{FF2B5EF4-FFF2-40B4-BE49-F238E27FC236}">
-                <a16:creationId xmlns:a16="http://schemas.microsoft.com/office/drawing/2014/main" id="{908D13F8-3F24-45B8-B171-3D0BE062207B}"/>
+                <a16:creationId xmlns:a16="http://schemas.microsoft.com/office/drawing/2014/main" id="{7BA3B8EA-1FB5-45A5-88CF-224E2020D082}"/>
               </a:ext>
             </a:extLst>
           </p:cNvPr>
@@ -4640,45 +4647,52 @@
           <a:p>
             <a:r>
               <a:rPr lang="en-US" dirty="0"/>
-              <a:t>Step-by</a:t>
+              <a:t>Keep</a:t>
             </a:r>
             <a:r>
               <a:rPr lang="en-US" baseline="0" dirty="0"/>
-              <a:t>-Step Room Filling</a:t>
+              <a:t> Adding Rooms, Sort by X</a:t>
             </a:r>
             <a:endParaRPr lang="en-US" dirty="0"/>
           </a:p>
         </p:txBody>
       </p:sp>
-      <p:sp>
-        <p:nvSpPr>
-          <p:cNvPr id="3" name="Content Placeholder 2">
-            <a:extLst>
-              <a:ext uri="{FF2B5EF4-FFF2-40B4-BE49-F238E27FC236}">
-                <a16:creationId xmlns:a16="http://schemas.microsoft.com/office/drawing/2014/main" id="{3E56AF91-7E94-48F4-B493-C3CB4B0AC3E5}"/>
-              </a:ext>
-            </a:extLst>
-          </p:cNvPr>
-          <p:cNvSpPr>
-            <a:spLocks noGrp="1"/>
-          </p:cNvSpPr>
+      <p:pic>
+        <p:nvPicPr>
+          <p:cNvPr id="4" name="Content Placeholder 3">
+            <a:extLst>
+              <a:ext uri="{FF2B5EF4-FFF2-40B4-BE49-F238E27FC236}">
+                <a16:creationId xmlns:a16="http://schemas.microsoft.com/office/drawing/2014/main" id="{9A67CD12-CA8B-4654-870C-63B75609EC1B}"/>
+              </a:ext>
+            </a:extLst>
+          </p:cNvPr>
+          <p:cNvPicPr>
+            <a:picLocks noGrp="1" noChangeAspect="1"/>
+          </p:cNvPicPr>
           <p:nvPr>
             <p:ph idx="1"/>
           </p:nvPr>
-        </p:nvSpPr>
-        <p:spPr/>
-        <p:txBody>
-          <a:bodyPr/>
-          <a:lstStyle/>
-          <a:p>
-            <a:endParaRPr lang="en-US"/>
-          </a:p>
-        </p:txBody>
-      </p:sp>
+        </p:nvPicPr>
+        <p:blipFill>
+          <a:blip r:embed="rId2"/>
+          <a:stretch>
+            <a:fillRect/>
+          </a:stretch>
+        </p:blipFill>
+        <p:spPr>
+          <a:xfrm>
+            <a:off x="3038475" y="1943894"/>
+            <a:ext cx="6115050" cy="4114800"/>
+          </a:xfrm>
+          <a:prstGeom prst="rect">
+            <a:avLst/>
+          </a:prstGeom>
+        </p:spPr>
+      </p:pic>
     </p:spTree>
     <p:extLst>
       <p:ext uri="{BB962C8B-B14F-4D97-AF65-F5344CB8AC3E}">
-        <p14:creationId xmlns:p14="http://schemas.microsoft.com/office/powerpoint/2010/main" val="1939048477"/>
+        <p14:creationId xmlns:p14="http://schemas.microsoft.com/office/powerpoint/2010/main" val="3720297811"/>
       </p:ext>
     </p:extLst>
   </p:cSld>
@@ -4710,7 +4724,7 @@
           <p:cNvPr id="2" name="Title 1">
             <a:extLst>
               <a:ext uri="{FF2B5EF4-FFF2-40B4-BE49-F238E27FC236}">
-                <a16:creationId xmlns:a16="http://schemas.microsoft.com/office/drawing/2014/main" id="{FEDDEAE6-D587-4E73-8B0A-672AC409803D}"/>
+                <a16:creationId xmlns:a16="http://schemas.microsoft.com/office/drawing/2014/main" id="{9C1E5924-4A41-49A9-93BE-6FB691D834F2}"/>
               </a:ext>
             </a:extLst>
           </p:cNvPr>
@@ -4728,40 +4742,47 @@
           <a:p>
             <a:r>
               <a:rPr lang="en-US" dirty="0"/>
-              <a:t>Cellular Automata</a:t>
-            </a:r>
-          </a:p>
-        </p:txBody>
-      </p:sp>
-      <p:sp>
-        <p:nvSpPr>
-          <p:cNvPr id="3" name="Content Placeholder 2">
-            <a:extLst>
-              <a:ext uri="{FF2B5EF4-FFF2-40B4-BE49-F238E27FC236}">
-                <a16:creationId xmlns:a16="http://schemas.microsoft.com/office/drawing/2014/main" id="{53404A0F-554C-4378-8126-DF0C6AB08DA3}"/>
-              </a:ext>
-            </a:extLst>
-          </p:cNvPr>
-          <p:cNvSpPr>
-            <a:spLocks noGrp="1"/>
-          </p:cNvSpPr>
+              <a:t>Add Corridors as Before</a:t>
+            </a:r>
+          </a:p>
+        </p:txBody>
+      </p:sp>
+      <p:pic>
+        <p:nvPicPr>
+          <p:cNvPr id="4" name="Content Placeholder 3">
+            <a:extLst>
+              <a:ext uri="{FF2B5EF4-FFF2-40B4-BE49-F238E27FC236}">
+                <a16:creationId xmlns:a16="http://schemas.microsoft.com/office/drawing/2014/main" id="{695BAAFD-9FF7-474E-B0B0-8F70C7BFA8B9}"/>
+              </a:ext>
+            </a:extLst>
+          </p:cNvPr>
+          <p:cNvPicPr>
+            <a:picLocks noGrp="1" noChangeAspect="1"/>
+          </p:cNvPicPr>
           <p:nvPr>
             <p:ph idx="1"/>
           </p:nvPr>
-        </p:nvSpPr>
-        <p:spPr/>
-        <p:txBody>
-          <a:bodyPr/>
-          <a:lstStyle/>
-          <a:p>
-            <a:endParaRPr lang="en-US"/>
-          </a:p>
-        </p:txBody>
-      </p:sp>
+        </p:nvPicPr>
+        <p:blipFill>
+          <a:blip r:embed="rId2"/>
+          <a:stretch>
+            <a:fillRect/>
+          </a:stretch>
+        </p:blipFill>
+        <p:spPr>
+          <a:xfrm>
+            <a:off x="3038475" y="1943894"/>
+            <a:ext cx="6115050" cy="4114800"/>
+          </a:xfrm>
+          <a:prstGeom prst="rect">
+            <a:avLst/>
+          </a:prstGeom>
+        </p:spPr>
+      </p:pic>
     </p:spTree>
     <p:extLst>
       <p:ext uri="{BB962C8B-B14F-4D97-AF65-F5344CB8AC3E}">
-        <p14:creationId xmlns:p14="http://schemas.microsoft.com/office/powerpoint/2010/main" val="1573621711"/>
+        <p14:creationId xmlns:p14="http://schemas.microsoft.com/office/powerpoint/2010/main" val="1708612974"/>
       </p:ext>
     </p:extLst>
   </p:cSld>
@@ -4793,7 +4814,7 @@
           <p:cNvPr id="2" name="Title 1">
             <a:extLst>
               <a:ext uri="{FF2B5EF4-FFF2-40B4-BE49-F238E27FC236}">
-                <a16:creationId xmlns:a16="http://schemas.microsoft.com/office/drawing/2014/main" id="{CE2AFD14-A62B-4FC7-89CA-8EF0C63C2198}"/>
+                <a16:creationId xmlns:a16="http://schemas.microsoft.com/office/drawing/2014/main" id="{326E43A6-A218-43C7-84CC-F5318192C0CA}"/>
               </a:ext>
             </a:extLst>
           </p:cNvPr>
@@ -4811,40 +4832,50 @@
           <a:p>
             <a:r>
               <a:rPr lang="en-US" dirty="0"/>
-              <a:t>Conway’s Game of Life</a:t>
-            </a:r>
-          </a:p>
-        </p:txBody>
-      </p:sp>
-      <p:sp>
-        <p:nvSpPr>
-          <p:cNvPr id="3" name="Content Placeholder 2">
-            <a:extLst>
-              <a:ext uri="{FF2B5EF4-FFF2-40B4-BE49-F238E27FC236}">
-                <a16:creationId xmlns:a16="http://schemas.microsoft.com/office/drawing/2014/main" id="{9091FA46-EB9D-42F4-99BC-E2DE9015D59F}"/>
-              </a:ext>
-            </a:extLst>
-          </p:cNvPr>
-          <p:cNvSpPr>
-            <a:spLocks noGrp="1"/>
-          </p:cNvSpPr>
+              <a:t>Animated Sub-Division</a:t>
+            </a:r>
+          </a:p>
+        </p:txBody>
+      </p:sp>
+      <p:pic>
+        <p:nvPicPr>
+          <p:cNvPr id="5" name="Content Placeholder 4">
+            <a:extLst>
+              <a:ext uri="{FF2B5EF4-FFF2-40B4-BE49-F238E27FC236}">
+                <a16:creationId xmlns:a16="http://schemas.microsoft.com/office/drawing/2014/main" id="{73DB8FA0-BB4C-47A8-B6EA-5B952EDC1C2A}"/>
+              </a:ext>
+            </a:extLst>
+          </p:cNvPr>
+          <p:cNvPicPr>
+            <a:picLocks noGrp="1" noChangeAspect="1"/>
+          </p:cNvPicPr>
           <p:nvPr>
             <p:ph idx="1"/>
           </p:nvPr>
-        </p:nvSpPr>
-        <p:spPr/>
-        <p:txBody>
-          <a:bodyPr/>
-          <a:lstStyle/>
-          <a:p>
-            <a:endParaRPr lang="en-US"/>
-          </a:p>
-        </p:txBody>
-      </p:sp>
+        </p:nvPicPr>
+        <p:blipFill>
+          <a:blip r:embed="rId2">
+            <a:extLst>
+              <a:ext uri="{28A0092B-C50C-407E-A947-70E740481C1C}">
+                <a14:useLocalDpi xmlns:a14="http://schemas.microsoft.com/office/drawing/2010/main" val="0"/>
+              </a:ext>
+            </a:extLst>
+          </a:blip>
+          <a:stretch>
+            <a:fillRect/>
+          </a:stretch>
+        </p:blipFill>
+        <p:spPr>
+          <a:xfrm>
+            <a:off x="3067050" y="2091531"/>
+            <a:ext cx="6057900" cy="3819525"/>
+          </a:xfrm>
+        </p:spPr>
+      </p:pic>
     </p:spTree>
     <p:extLst>
       <p:ext uri="{BB962C8B-B14F-4D97-AF65-F5344CB8AC3E}">
-        <p14:creationId xmlns:p14="http://schemas.microsoft.com/office/powerpoint/2010/main" val="3635526447"/>
+        <p14:creationId xmlns:p14="http://schemas.microsoft.com/office/powerpoint/2010/main" val="1838404314"/>
       </p:ext>
     </p:extLst>
   </p:cSld>
@@ -4876,7 +4907,7 @@
           <p:cNvPr id="2" name="Title 1">
             <a:extLst>
               <a:ext uri="{FF2B5EF4-FFF2-40B4-BE49-F238E27FC236}">
-                <a16:creationId xmlns:a16="http://schemas.microsoft.com/office/drawing/2014/main" id="{D1FC2BB4-5FE1-41A2-9E2F-0EB1D0DA46DF}"/>
+                <a16:creationId xmlns:a16="http://schemas.microsoft.com/office/drawing/2014/main" id="{38309DE9-6465-42C2-83A5-CB4050C3407E}"/>
               </a:ext>
             </a:extLst>
           </p:cNvPr>
@@ -4892,10 +4923,7 @@
           <a:bodyPr/>
           <a:lstStyle/>
           <a:p>
-            <a:r>
-              <a:rPr lang="en-US" dirty="0"/>
-              <a:t>Bringing Order from Chaos</a:t>
-            </a:r>
+            <a:endParaRPr lang="en-US" dirty="0"/>
           </a:p>
         </p:txBody>
       </p:sp>
@@ -4904,7 +4932,7 @@
           <p:cNvPr id="3" name="Content Placeholder 2">
             <a:extLst>
               <a:ext uri="{FF2B5EF4-FFF2-40B4-BE49-F238E27FC236}">
-                <a16:creationId xmlns:a16="http://schemas.microsoft.com/office/drawing/2014/main" id="{A20350D1-93D0-41FC-819C-49D3CC547C7F}"/>
+                <a16:creationId xmlns:a16="http://schemas.microsoft.com/office/drawing/2014/main" id="{A172EC57-79E1-4B0F-A8B3-638CB69BB826}"/>
               </a:ext>
             </a:extLst>
           </p:cNvPr>
@@ -4927,7 +4955,7 @@
     </p:spTree>
     <p:extLst>
       <p:ext uri="{BB962C8B-B14F-4D97-AF65-F5344CB8AC3E}">
-        <p14:creationId xmlns:p14="http://schemas.microsoft.com/office/powerpoint/2010/main" val="3563381599"/>
+        <p14:creationId xmlns:p14="http://schemas.microsoft.com/office/powerpoint/2010/main" val="3647974857"/>
       </p:ext>
     </p:extLst>
   </p:cSld>
@@ -4959,7 +4987,7 @@
           <p:cNvPr id="2" name="Title 1">
             <a:extLst>
               <a:ext uri="{FF2B5EF4-FFF2-40B4-BE49-F238E27FC236}">
-                <a16:creationId xmlns:a16="http://schemas.microsoft.com/office/drawing/2014/main" id="{BDBF7A7A-2506-4797-962E-A81FA26D2EFB}"/>
+                <a16:creationId xmlns:a16="http://schemas.microsoft.com/office/drawing/2014/main" id="{FEDDEAE6-D587-4E73-8B0A-672AC409803D}"/>
               </a:ext>
             </a:extLst>
           </p:cNvPr>
@@ -4977,13 +5005,8 @@
           <a:p>
             <a:r>
               <a:rPr lang="en-US" dirty="0"/>
-              <a:t>Drunkard’s</a:t>
-            </a:r>
-            <a:r>
-              <a:rPr lang="en-US" baseline="0" dirty="0"/>
-              <a:t> Walk</a:t>
-            </a:r>
-            <a:endParaRPr lang="en-US" dirty="0"/>
+              <a:t>Cellular Automata</a:t>
+            </a:r>
           </a:p>
         </p:txBody>
       </p:sp>
@@ -4992,7 +5015,7 @@
           <p:cNvPr id="3" name="Content Placeholder 2">
             <a:extLst>
               <a:ext uri="{FF2B5EF4-FFF2-40B4-BE49-F238E27FC236}">
-                <a16:creationId xmlns:a16="http://schemas.microsoft.com/office/drawing/2014/main" id="{59867D61-1EA3-40E4-BBC7-5983AEBF4ADE}"/>
+                <a16:creationId xmlns:a16="http://schemas.microsoft.com/office/drawing/2014/main" id="{53404A0F-554C-4378-8126-DF0C6AB08DA3}"/>
               </a:ext>
             </a:extLst>
           </p:cNvPr>
@@ -5015,7 +5038,7 @@
     </p:spTree>
     <p:extLst>
       <p:ext uri="{BB962C8B-B14F-4D97-AF65-F5344CB8AC3E}">
-        <p14:creationId xmlns:p14="http://schemas.microsoft.com/office/powerpoint/2010/main" val="2450179158"/>
+        <p14:creationId xmlns:p14="http://schemas.microsoft.com/office/powerpoint/2010/main" val="1573621711"/>
       </p:ext>
     </p:extLst>
   </p:cSld>
@@ -5187,7 +5210,7 @@
           <p:cNvPr id="2" name="Title 1">
             <a:extLst>
               <a:ext uri="{FF2B5EF4-FFF2-40B4-BE49-F238E27FC236}">
-                <a16:creationId xmlns:a16="http://schemas.microsoft.com/office/drawing/2014/main" id="{5159B735-4C3B-465B-8DD5-8B9B9E10264F}"/>
+                <a16:creationId xmlns:a16="http://schemas.microsoft.com/office/drawing/2014/main" id="{CE2AFD14-A62B-4FC7-89CA-8EF0C63C2198}"/>
               </a:ext>
             </a:extLst>
           </p:cNvPr>
@@ -5205,7 +5228,7 @@
           <a:p>
             <a:r>
               <a:rPr lang="en-US" dirty="0"/>
-              <a:t>Drunkard’s Walk Step-by-Step</a:t>
+              <a:t>Conway’s Game of Life</a:t>
             </a:r>
           </a:p>
         </p:txBody>
@@ -5215,7 +5238,7 @@
           <p:cNvPr id="3" name="Content Placeholder 2">
             <a:extLst>
               <a:ext uri="{FF2B5EF4-FFF2-40B4-BE49-F238E27FC236}">
-                <a16:creationId xmlns:a16="http://schemas.microsoft.com/office/drawing/2014/main" id="{011AC799-5C95-4243-8DFC-C2CB88C57A2D}"/>
+                <a16:creationId xmlns:a16="http://schemas.microsoft.com/office/drawing/2014/main" id="{9091FA46-EB9D-42F4-99BC-E2DE9015D59F}"/>
               </a:ext>
             </a:extLst>
           </p:cNvPr>
@@ -5238,7 +5261,7 @@
     </p:spTree>
     <p:extLst>
       <p:ext uri="{BB962C8B-B14F-4D97-AF65-F5344CB8AC3E}">
-        <p14:creationId xmlns:p14="http://schemas.microsoft.com/office/powerpoint/2010/main" val="4131603874"/>
+        <p14:creationId xmlns:p14="http://schemas.microsoft.com/office/powerpoint/2010/main" val="3635526447"/>
       </p:ext>
     </p:extLst>
   </p:cSld>
@@ -5270,7 +5293,7 @@
           <p:cNvPr id="2" name="Title 1">
             <a:extLst>
               <a:ext uri="{FF2B5EF4-FFF2-40B4-BE49-F238E27FC236}">
-                <a16:creationId xmlns:a16="http://schemas.microsoft.com/office/drawing/2014/main" id="{944765BD-7782-4971-8EBB-FBDE2B502A8F}"/>
+                <a16:creationId xmlns:a16="http://schemas.microsoft.com/office/drawing/2014/main" id="{D1FC2BB4-5FE1-41A2-9E2F-0EB1D0DA46DF}"/>
               </a:ext>
             </a:extLst>
           </p:cNvPr>
@@ -5288,13 +5311,8 @@
           <a:p>
             <a:r>
               <a:rPr lang="en-US" dirty="0"/>
-              <a:t>Diffusion</a:t>
-            </a:r>
-            <a:r>
-              <a:rPr lang="en-US" baseline="0" dirty="0"/>
-              <a:t> Limited Aggregation</a:t>
-            </a:r>
-            <a:endParaRPr lang="en-US" dirty="0"/>
+              <a:t>Bringing Order from Chaos</a:t>
+            </a:r>
           </a:p>
         </p:txBody>
       </p:sp>
@@ -5303,7 +5321,7 @@
           <p:cNvPr id="3" name="Content Placeholder 2">
             <a:extLst>
               <a:ext uri="{FF2B5EF4-FFF2-40B4-BE49-F238E27FC236}">
-                <a16:creationId xmlns:a16="http://schemas.microsoft.com/office/drawing/2014/main" id="{1BFA3AFF-C76B-45D2-884F-433F068B6998}"/>
+                <a16:creationId xmlns:a16="http://schemas.microsoft.com/office/drawing/2014/main" id="{A20350D1-93D0-41FC-819C-49D3CC547C7F}"/>
               </a:ext>
             </a:extLst>
           </p:cNvPr>
@@ -5326,7 +5344,7 @@
     </p:spTree>
     <p:extLst>
       <p:ext uri="{BB962C8B-B14F-4D97-AF65-F5344CB8AC3E}">
-        <p14:creationId xmlns:p14="http://schemas.microsoft.com/office/powerpoint/2010/main" val="489016542"/>
+        <p14:creationId xmlns:p14="http://schemas.microsoft.com/office/powerpoint/2010/main" val="3563381599"/>
       </p:ext>
     </p:extLst>
   </p:cSld>
@@ -5358,7 +5376,7 @@
           <p:cNvPr id="2" name="Title 1">
             <a:extLst>
               <a:ext uri="{FF2B5EF4-FFF2-40B4-BE49-F238E27FC236}">
-                <a16:creationId xmlns:a16="http://schemas.microsoft.com/office/drawing/2014/main" id="{FF9C2C70-DE06-412E-9369-2EDDCFFA4789}"/>
+                <a16:creationId xmlns:a16="http://schemas.microsoft.com/office/drawing/2014/main" id="{BDBF7A7A-2506-4797-962E-A81FA26D2EFB}"/>
               </a:ext>
             </a:extLst>
           </p:cNvPr>
@@ -5376,8 +5394,13 @@
           <a:p>
             <a:r>
               <a:rPr lang="en-US" dirty="0"/>
-              <a:t>DLA Progression</a:t>
-            </a:r>
+              <a:t>Drunkard’s</a:t>
+            </a:r>
+            <a:r>
+              <a:rPr lang="en-US" baseline="0" dirty="0"/>
+              <a:t> Walk</a:t>
+            </a:r>
+            <a:endParaRPr lang="en-US" dirty="0"/>
           </a:p>
         </p:txBody>
       </p:sp>
@@ -5386,7 +5409,7 @@
           <p:cNvPr id="3" name="Content Placeholder 2">
             <a:extLst>
               <a:ext uri="{FF2B5EF4-FFF2-40B4-BE49-F238E27FC236}">
-                <a16:creationId xmlns:a16="http://schemas.microsoft.com/office/drawing/2014/main" id="{B576F249-9557-4A3D-972E-3CB87B4964BB}"/>
+                <a16:creationId xmlns:a16="http://schemas.microsoft.com/office/drawing/2014/main" id="{59867D61-1EA3-40E4-BBC7-5983AEBF4ADE}"/>
               </a:ext>
             </a:extLst>
           </p:cNvPr>
@@ -5409,7 +5432,7 @@
     </p:spTree>
     <p:extLst>
       <p:ext uri="{BB962C8B-B14F-4D97-AF65-F5344CB8AC3E}">
-        <p14:creationId xmlns:p14="http://schemas.microsoft.com/office/powerpoint/2010/main" val="1839844255"/>
+        <p14:creationId xmlns:p14="http://schemas.microsoft.com/office/powerpoint/2010/main" val="2450179158"/>
       </p:ext>
     </p:extLst>
   </p:cSld>
@@ -5441,7 +5464,7 @@
           <p:cNvPr id="2" name="Title 1">
             <a:extLst>
               <a:ext uri="{FF2B5EF4-FFF2-40B4-BE49-F238E27FC236}">
-                <a16:creationId xmlns:a16="http://schemas.microsoft.com/office/drawing/2014/main" id="{A86B5833-62CF-4400-9A8D-F3E212C7B926}"/>
+                <a16:creationId xmlns:a16="http://schemas.microsoft.com/office/drawing/2014/main" id="{5159B735-4C3B-465B-8DD5-8B9B9E10264F}"/>
               </a:ext>
             </a:extLst>
           </p:cNvPr>
@@ -5459,7 +5482,7 @@
           <a:p>
             <a:r>
               <a:rPr lang="en-US" dirty="0"/>
-              <a:t>Voronoi Hive Maps</a:t>
+              <a:t>Drunkard’s Walk Step-by-Step</a:t>
             </a:r>
           </a:p>
         </p:txBody>
@@ -5469,7 +5492,7 @@
           <p:cNvPr id="3" name="Content Placeholder 2">
             <a:extLst>
               <a:ext uri="{FF2B5EF4-FFF2-40B4-BE49-F238E27FC236}">
-                <a16:creationId xmlns:a16="http://schemas.microsoft.com/office/drawing/2014/main" id="{9B116533-FB78-43F8-9FB7-C7AA0C566349}"/>
+                <a16:creationId xmlns:a16="http://schemas.microsoft.com/office/drawing/2014/main" id="{011AC799-5C95-4243-8DFC-C2CB88C57A2D}"/>
               </a:ext>
             </a:extLst>
           </p:cNvPr>
@@ -5492,7 +5515,7 @@
     </p:spTree>
     <p:extLst>
       <p:ext uri="{BB962C8B-B14F-4D97-AF65-F5344CB8AC3E}">
-        <p14:creationId xmlns:p14="http://schemas.microsoft.com/office/powerpoint/2010/main" val="2865588890"/>
+        <p14:creationId xmlns:p14="http://schemas.microsoft.com/office/powerpoint/2010/main" val="4131603874"/>
       </p:ext>
     </p:extLst>
   </p:cSld>
@@ -5524,7 +5547,7 @@
           <p:cNvPr id="2" name="Title 1">
             <a:extLst>
               <a:ext uri="{FF2B5EF4-FFF2-40B4-BE49-F238E27FC236}">
-                <a16:creationId xmlns:a16="http://schemas.microsoft.com/office/drawing/2014/main" id="{64E18A49-DBDA-4CD7-A663-F9E8E2FFAFF0}"/>
+                <a16:creationId xmlns:a16="http://schemas.microsoft.com/office/drawing/2014/main" id="{944765BD-7782-4971-8EBB-FBDE2B502A8F}"/>
               </a:ext>
             </a:extLst>
           </p:cNvPr>
@@ -5542,8 +5565,13 @@
           <a:p>
             <a:r>
               <a:rPr lang="en-US" dirty="0"/>
-              <a:t>PART 2 – Mix It Up a Bit</a:t>
-            </a:r>
+              <a:t>Diffusion</a:t>
+            </a:r>
+            <a:r>
+              <a:rPr lang="en-US" baseline="0" dirty="0"/>
+              <a:t> Limited Aggregation</a:t>
+            </a:r>
+            <a:endParaRPr lang="en-US" dirty="0"/>
           </a:p>
         </p:txBody>
       </p:sp>
@@ -5552,7 +5580,7 @@
           <p:cNvPr id="3" name="Content Placeholder 2">
             <a:extLst>
               <a:ext uri="{FF2B5EF4-FFF2-40B4-BE49-F238E27FC236}">
-                <a16:creationId xmlns:a16="http://schemas.microsoft.com/office/drawing/2014/main" id="{A6346E82-7C8C-4960-B9B3-A0E6B3AEF447}"/>
+                <a16:creationId xmlns:a16="http://schemas.microsoft.com/office/drawing/2014/main" id="{1BFA3AFF-C76B-45D2-884F-433F068B6998}"/>
               </a:ext>
             </a:extLst>
           </p:cNvPr>
@@ -5575,7 +5603,7 @@
     </p:spTree>
     <p:extLst>
       <p:ext uri="{BB962C8B-B14F-4D97-AF65-F5344CB8AC3E}">
-        <p14:creationId xmlns:p14="http://schemas.microsoft.com/office/powerpoint/2010/main" val="137979892"/>
+        <p14:creationId xmlns:p14="http://schemas.microsoft.com/office/powerpoint/2010/main" val="489016542"/>
       </p:ext>
     </p:extLst>
   </p:cSld>
@@ -5607,7 +5635,7 @@
           <p:cNvPr id="2" name="Title 1">
             <a:extLst>
               <a:ext uri="{FF2B5EF4-FFF2-40B4-BE49-F238E27FC236}">
-                <a16:creationId xmlns:a16="http://schemas.microsoft.com/office/drawing/2014/main" id="{41E81F0C-9813-4A7A-824E-C66E053B5032}"/>
+                <a16:creationId xmlns:a16="http://schemas.microsoft.com/office/drawing/2014/main" id="{FF9C2C70-DE06-412E-9369-2EDDCFFA4789}"/>
               </a:ext>
             </a:extLst>
           </p:cNvPr>
@@ -5625,7 +5653,7 @@
           <a:p>
             <a:r>
               <a:rPr lang="en-US" dirty="0"/>
-              <a:t>Symmetry</a:t>
+              <a:t>DLA Progression</a:t>
             </a:r>
           </a:p>
         </p:txBody>
@@ -5635,7 +5663,7 @@
           <p:cNvPr id="3" name="Content Placeholder 2">
             <a:extLst>
               <a:ext uri="{FF2B5EF4-FFF2-40B4-BE49-F238E27FC236}">
-                <a16:creationId xmlns:a16="http://schemas.microsoft.com/office/drawing/2014/main" id="{BF5F7A17-9452-4B16-A18A-86EBF039A787}"/>
+                <a16:creationId xmlns:a16="http://schemas.microsoft.com/office/drawing/2014/main" id="{B576F249-9557-4A3D-972E-3CB87B4964BB}"/>
               </a:ext>
             </a:extLst>
           </p:cNvPr>
@@ -5658,7 +5686,7 @@
     </p:spTree>
     <p:extLst>
       <p:ext uri="{BB962C8B-B14F-4D97-AF65-F5344CB8AC3E}">
-        <p14:creationId xmlns:p14="http://schemas.microsoft.com/office/powerpoint/2010/main" val="3467330287"/>
+        <p14:creationId xmlns:p14="http://schemas.microsoft.com/office/powerpoint/2010/main" val="1839844255"/>
       </p:ext>
     </p:extLst>
   </p:cSld>
@@ -5690,7 +5718,7 @@
           <p:cNvPr id="2" name="Title 1">
             <a:extLst>
               <a:ext uri="{FF2B5EF4-FFF2-40B4-BE49-F238E27FC236}">
-                <a16:creationId xmlns:a16="http://schemas.microsoft.com/office/drawing/2014/main" id="{B6039A8A-4F8D-4655-8228-4ED9280DC988}"/>
+                <a16:creationId xmlns:a16="http://schemas.microsoft.com/office/drawing/2014/main" id="{A86B5833-62CF-4400-9A8D-F3E212C7B926}"/>
               </a:ext>
             </a:extLst>
           </p:cNvPr>
@@ -5708,7 +5736,7 @@
           <a:p>
             <a:r>
               <a:rPr lang="en-US" dirty="0"/>
-              <a:t>Brushes</a:t>
+              <a:t>Voronoi Hive Maps</a:t>
             </a:r>
           </a:p>
         </p:txBody>
@@ -5718,7 +5746,7 @@
           <p:cNvPr id="3" name="Content Placeholder 2">
             <a:extLst>
               <a:ext uri="{FF2B5EF4-FFF2-40B4-BE49-F238E27FC236}">
-                <a16:creationId xmlns:a16="http://schemas.microsoft.com/office/drawing/2014/main" id="{46D44358-4CED-48CA-B84A-FE789F2F3AF2}"/>
+                <a16:creationId xmlns:a16="http://schemas.microsoft.com/office/drawing/2014/main" id="{9B116533-FB78-43F8-9FB7-C7AA0C566349}"/>
               </a:ext>
             </a:extLst>
           </p:cNvPr>
@@ -5741,7 +5769,7 @@
     </p:spTree>
     <p:extLst>
       <p:ext uri="{BB962C8B-B14F-4D97-AF65-F5344CB8AC3E}">
-        <p14:creationId xmlns:p14="http://schemas.microsoft.com/office/powerpoint/2010/main" val="3639117625"/>
+        <p14:creationId xmlns:p14="http://schemas.microsoft.com/office/powerpoint/2010/main" val="2865588890"/>
       </p:ext>
     </p:extLst>
   </p:cSld>
@@ -5773,7 +5801,7 @@
           <p:cNvPr id="2" name="Title 1">
             <a:extLst>
               <a:ext uri="{FF2B5EF4-FFF2-40B4-BE49-F238E27FC236}">
-                <a16:creationId xmlns:a16="http://schemas.microsoft.com/office/drawing/2014/main" id="{6C4F28FF-4726-46DA-8104-6908F5D5B1FA}"/>
+                <a16:creationId xmlns:a16="http://schemas.microsoft.com/office/drawing/2014/main" id="{64E18A49-DBDA-4CD7-A663-F9E8E2FFAFF0}"/>
               </a:ext>
             </a:extLst>
           </p:cNvPr>
@@ -5791,7 +5819,7 @@
           <a:p>
             <a:r>
               <a:rPr lang="en-US" dirty="0"/>
-              <a:t>Corridor Algorithms</a:t>
+              <a:t>PART 2 – Mix It Up a Bit</a:t>
             </a:r>
           </a:p>
         </p:txBody>
@@ -5801,7 +5829,7 @@
           <p:cNvPr id="3" name="Content Placeholder 2">
             <a:extLst>
               <a:ext uri="{FF2B5EF4-FFF2-40B4-BE49-F238E27FC236}">
-                <a16:creationId xmlns:a16="http://schemas.microsoft.com/office/drawing/2014/main" id="{3610DC7C-3999-4F3F-B5B7-F8F596D0CF33}"/>
+                <a16:creationId xmlns:a16="http://schemas.microsoft.com/office/drawing/2014/main" id="{A6346E82-7C8C-4960-B9B3-A0E6B3AEF447}"/>
               </a:ext>
             </a:extLst>
           </p:cNvPr>
@@ -5824,7 +5852,7 @@
     </p:spTree>
     <p:extLst>
       <p:ext uri="{BB962C8B-B14F-4D97-AF65-F5344CB8AC3E}">
-        <p14:creationId xmlns:p14="http://schemas.microsoft.com/office/powerpoint/2010/main" val="3801445054"/>
+        <p14:creationId xmlns:p14="http://schemas.microsoft.com/office/powerpoint/2010/main" val="137979892"/>
       </p:ext>
     </p:extLst>
   </p:cSld>
@@ -5856,7 +5884,7 @@
           <p:cNvPr id="2" name="Title 1">
             <a:extLst>
               <a:ext uri="{FF2B5EF4-FFF2-40B4-BE49-F238E27FC236}">
-                <a16:creationId xmlns:a16="http://schemas.microsoft.com/office/drawing/2014/main" id="{AD8C7A8E-E306-4298-98E3-184DC25C1E44}"/>
+                <a16:creationId xmlns:a16="http://schemas.microsoft.com/office/drawing/2014/main" id="{41E81F0C-9813-4A7A-824E-C66E053B5032}"/>
               </a:ext>
             </a:extLst>
           </p:cNvPr>
@@ -5874,7 +5902,7 @@
           <a:p>
             <a:r>
               <a:rPr lang="en-US" dirty="0"/>
-              <a:t>Erosion</a:t>
+              <a:t>Symmetry</a:t>
             </a:r>
           </a:p>
         </p:txBody>
@@ -5884,7 +5912,7 @@
           <p:cNvPr id="3" name="Content Placeholder 2">
             <a:extLst>
               <a:ext uri="{FF2B5EF4-FFF2-40B4-BE49-F238E27FC236}">
-                <a16:creationId xmlns:a16="http://schemas.microsoft.com/office/drawing/2014/main" id="{A9296336-7196-4FD3-ACF8-614A951C9903}"/>
+                <a16:creationId xmlns:a16="http://schemas.microsoft.com/office/drawing/2014/main" id="{BF5F7A17-9452-4B16-A18A-86EBF039A787}"/>
               </a:ext>
             </a:extLst>
           </p:cNvPr>
@@ -5907,7 +5935,7 @@
     </p:spTree>
     <p:extLst>
       <p:ext uri="{BB962C8B-B14F-4D97-AF65-F5344CB8AC3E}">
-        <p14:creationId xmlns:p14="http://schemas.microsoft.com/office/powerpoint/2010/main" val="3095117298"/>
+        <p14:creationId xmlns:p14="http://schemas.microsoft.com/office/powerpoint/2010/main" val="3467330287"/>
       </p:ext>
     </p:extLst>
   </p:cSld>
@@ -5939,7 +5967,7 @@
           <p:cNvPr id="2" name="Title 1">
             <a:extLst>
               <a:ext uri="{FF2B5EF4-FFF2-40B4-BE49-F238E27FC236}">
-                <a16:creationId xmlns:a16="http://schemas.microsoft.com/office/drawing/2014/main" id="{C1FD6DB2-10AB-4360-899E-6A646152BA69}"/>
+                <a16:creationId xmlns:a16="http://schemas.microsoft.com/office/drawing/2014/main" id="{B6039A8A-4F8D-4655-8228-4ED9280DC988}"/>
               </a:ext>
             </a:extLst>
           </p:cNvPr>
@@ -5957,7 +5985,7 @@
           <a:p>
             <a:r>
               <a:rPr lang="en-US" dirty="0"/>
-              <a:t>Doors</a:t>
+              <a:t>Brushes</a:t>
             </a:r>
           </a:p>
         </p:txBody>
@@ -5967,7 +5995,7 @@
           <p:cNvPr id="3" name="Content Placeholder 2">
             <a:extLst>
               <a:ext uri="{FF2B5EF4-FFF2-40B4-BE49-F238E27FC236}">
-                <a16:creationId xmlns:a16="http://schemas.microsoft.com/office/drawing/2014/main" id="{6CDBC7A5-A455-4897-9686-3395906C6CF9}"/>
+                <a16:creationId xmlns:a16="http://schemas.microsoft.com/office/drawing/2014/main" id="{46D44358-4CED-48CA-B84A-FE789F2F3AF2}"/>
               </a:ext>
             </a:extLst>
           </p:cNvPr>
@@ -5990,7 +6018,7 @@
     </p:spTree>
     <p:extLst>
       <p:ext uri="{BB962C8B-B14F-4D97-AF65-F5344CB8AC3E}">
-        <p14:creationId xmlns:p14="http://schemas.microsoft.com/office/powerpoint/2010/main" val="1064981247"/>
+        <p14:creationId xmlns:p14="http://schemas.microsoft.com/office/powerpoint/2010/main" val="3639117625"/>
       </p:ext>
     </p:extLst>
   </p:cSld>
@@ -6120,7 +6148,7 @@
           <p:cNvPr id="2" name="Title 1">
             <a:extLst>
               <a:ext uri="{FF2B5EF4-FFF2-40B4-BE49-F238E27FC236}">
-                <a16:creationId xmlns:a16="http://schemas.microsoft.com/office/drawing/2014/main" id="{F63898EB-EB14-4AA3-A2F3-93F16F823063}"/>
+                <a16:creationId xmlns:a16="http://schemas.microsoft.com/office/drawing/2014/main" id="{6C4F28FF-4726-46DA-8104-6908F5D5B1FA}"/>
               </a:ext>
             </a:extLst>
           </p:cNvPr>
@@ -6138,7 +6166,7 @@
           <a:p>
             <a:r>
               <a:rPr lang="en-US" dirty="0"/>
-              <a:t>Waveform Collapse</a:t>
+              <a:t>Corridor Algorithms</a:t>
             </a:r>
           </a:p>
         </p:txBody>
@@ -6148,7 +6176,7 @@
           <p:cNvPr id="3" name="Content Placeholder 2">
             <a:extLst>
               <a:ext uri="{FF2B5EF4-FFF2-40B4-BE49-F238E27FC236}">
-                <a16:creationId xmlns:a16="http://schemas.microsoft.com/office/drawing/2014/main" id="{E769680E-43CF-41B6-8525-D20C6F361581}"/>
+                <a16:creationId xmlns:a16="http://schemas.microsoft.com/office/drawing/2014/main" id="{3610DC7C-3999-4F3F-B5B7-F8F596D0CF33}"/>
               </a:ext>
             </a:extLst>
           </p:cNvPr>
@@ -6171,7 +6199,7 @@
     </p:spTree>
     <p:extLst>
       <p:ext uri="{BB962C8B-B14F-4D97-AF65-F5344CB8AC3E}">
-        <p14:creationId xmlns:p14="http://schemas.microsoft.com/office/powerpoint/2010/main" val="1944686705"/>
+        <p14:creationId xmlns:p14="http://schemas.microsoft.com/office/powerpoint/2010/main" val="3801445054"/>
       </p:ext>
     </p:extLst>
   </p:cSld>
@@ -6203,7 +6231,7 @@
           <p:cNvPr id="2" name="Title 1">
             <a:extLst>
               <a:ext uri="{FF2B5EF4-FFF2-40B4-BE49-F238E27FC236}">
-                <a16:creationId xmlns:a16="http://schemas.microsoft.com/office/drawing/2014/main" id="{CF0248D1-34B2-4B59-AA9F-4E5727216E39}"/>
+                <a16:creationId xmlns:a16="http://schemas.microsoft.com/office/drawing/2014/main" id="{AD8C7A8E-E306-4298-98E3-184DC25C1E44}"/>
               </a:ext>
             </a:extLst>
           </p:cNvPr>
@@ -6221,7 +6249,7 @@
           <a:p>
             <a:r>
               <a:rPr lang="en-US" dirty="0"/>
-              <a:t>PART 3 – Combining Effects</a:t>
+              <a:t>Erosion</a:t>
             </a:r>
           </a:p>
         </p:txBody>
@@ -6231,7 +6259,7 @@
           <p:cNvPr id="3" name="Content Placeholder 2">
             <a:extLst>
               <a:ext uri="{FF2B5EF4-FFF2-40B4-BE49-F238E27FC236}">
-                <a16:creationId xmlns:a16="http://schemas.microsoft.com/office/drawing/2014/main" id="{B5B32EE5-7262-4D89-A488-48E76C108615}"/>
+                <a16:creationId xmlns:a16="http://schemas.microsoft.com/office/drawing/2014/main" id="{A9296336-7196-4FD3-ACF8-614A951C9903}"/>
               </a:ext>
             </a:extLst>
           </p:cNvPr>
@@ -6254,7 +6282,7 @@
     </p:spTree>
     <p:extLst>
       <p:ext uri="{BB962C8B-B14F-4D97-AF65-F5344CB8AC3E}">
-        <p14:creationId xmlns:p14="http://schemas.microsoft.com/office/powerpoint/2010/main" val="2418747065"/>
+        <p14:creationId xmlns:p14="http://schemas.microsoft.com/office/powerpoint/2010/main" val="3095117298"/>
       </p:ext>
     </p:extLst>
   </p:cSld>
@@ -6286,7 +6314,7 @@
           <p:cNvPr id="2" name="Title 1">
             <a:extLst>
               <a:ext uri="{FF2B5EF4-FFF2-40B4-BE49-F238E27FC236}">
-                <a16:creationId xmlns:a16="http://schemas.microsoft.com/office/drawing/2014/main" id="{89C36EFD-6BB0-4705-BD82-297BA51C0014}"/>
+                <a16:creationId xmlns:a16="http://schemas.microsoft.com/office/drawing/2014/main" id="{C1FD6DB2-10AB-4360-899E-6A646152BA69}"/>
               </a:ext>
             </a:extLst>
           </p:cNvPr>
@@ -6304,7 +6332,7 @@
           <a:p>
             <a:r>
               <a:rPr lang="en-US" dirty="0"/>
-              <a:t>PART 5 – Prefabs/Vaults</a:t>
+              <a:t>Doors</a:t>
             </a:r>
           </a:p>
         </p:txBody>
@@ -6314,7 +6342,7 @@
           <p:cNvPr id="3" name="Content Placeholder 2">
             <a:extLst>
               <a:ext uri="{FF2B5EF4-FFF2-40B4-BE49-F238E27FC236}">
-                <a16:creationId xmlns:a16="http://schemas.microsoft.com/office/drawing/2014/main" id="{16DFB016-3A47-4BD6-9336-E19F787A0A4A}"/>
+                <a16:creationId xmlns:a16="http://schemas.microsoft.com/office/drawing/2014/main" id="{6CDBC7A5-A455-4897-9686-3395906C6CF9}"/>
               </a:ext>
             </a:extLst>
           </p:cNvPr>
@@ -6337,7 +6365,7 @@
     </p:spTree>
     <p:extLst>
       <p:ext uri="{BB962C8B-B14F-4D97-AF65-F5344CB8AC3E}">
-        <p14:creationId xmlns:p14="http://schemas.microsoft.com/office/powerpoint/2010/main" val="1537678333"/>
+        <p14:creationId xmlns:p14="http://schemas.microsoft.com/office/powerpoint/2010/main" val="1064981247"/>
       </p:ext>
     </p:extLst>
   </p:cSld>
@@ -6369,7 +6397,7 @@
           <p:cNvPr id="2" name="Title 1">
             <a:extLst>
               <a:ext uri="{FF2B5EF4-FFF2-40B4-BE49-F238E27FC236}">
-                <a16:creationId xmlns:a16="http://schemas.microsoft.com/office/drawing/2014/main" id="{73514E90-1A9D-446D-BBF1-DB341364D814}"/>
+                <a16:creationId xmlns:a16="http://schemas.microsoft.com/office/drawing/2014/main" id="{F63898EB-EB14-4AA3-A2F3-93F16F823063}"/>
               </a:ext>
             </a:extLst>
           </p:cNvPr>
@@ -6387,7 +6415,7 @@
           <a:p>
             <a:r>
               <a:rPr lang="en-US" dirty="0"/>
-              <a:t>Noise</a:t>
+              <a:t>Waveform Collapse</a:t>
             </a:r>
           </a:p>
         </p:txBody>
@@ -6397,7 +6425,7 @@
           <p:cNvPr id="3" name="Content Placeholder 2">
             <a:extLst>
               <a:ext uri="{FF2B5EF4-FFF2-40B4-BE49-F238E27FC236}">
-                <a16:creationId xmlns:a16="http://schemas.microsoft.com/office/drawing/2014/main" id="{19B4B14B-0438-4097-BF2F-FC15D61281A4}"/>
+                <a16:creationId xmlns:a16="http://schemas.microsoft.com/office/drawing/2014/main" id="{E769680E-43CF-41B6-8525-D20C6F361581}"/>
               </a:ext>
             </a:extLst>
           </p:cNvPr>
@@ -6420,7 +6448,7 @@
     </p:spTree>
     <p:extLst>
       <p:ext uri="{BB962C8B-B14F-4D97-AF65-F5344CB8AC3E}">
-        <p14:creationId xmlns:p14="http://schemas.microsoft.com/office/powerpoint/2010/main" val="438433326"/>
+        <p14:creationId xmlns:p14="http://schemas.microsoft.com/office/powerpoint/2010/main" val="1944686705"/>
       </p:ext>
     </p:extLst>
   </p:cSld>
@@ -6452,6 +6480,255 @@
           <p:cNvPr id="2" name="Title 1">
             <a:extLst>
               <a:ext uri="{FF2B5EF4-FFF2-40B4-BE49-F238E27FC236}">
+                <a16:creationId xmlns:a16="http://schemas.microsoft.com/office/drawing/2014/main" id="{CF0248D1-34B2-4B59-AA9F-4E5727216E39}"/>
+              </a:ext>
+            </a:extLst>
+          </p:cNvPr>
+          <p:cNvSpPr>
+            <a:spLocks noGrp="1"/>
+          </p:cNvSpPr>
+          <p:nvPr>
+            <p:ph type="title"/>
+          </p:nvPr>
+        </p:nvSpPr>
+        <p:spPr/>
+        <p:txBody>
+          <a:bodyPr/>
+          <a:lstStyle/>
+          <a:p>
+            <a:r>
+              <a:rPr lang="en-US" dirty="0"/>
+              <a:t>PART 3 – Combining Effects</a:t>
+            </a:r>
+          </a:p>
+        </p:txBody>
+      </p:sp>
+      <p:sp>
+        <p:nvSpPr>
+          <p:cNvPr id="3" name="Content Placeholder 2">
+            <a:extLst>
+              <a:ext uri="{FF2B5EF4-FFF2-40B4-BE49-F238E27FC236}">
+                <a16:creationId xmlns:a16="http://schemas.microsoft.com/office/drawing/2014/main" id="{B5B32EE5-7262-4D89-A488-48E76C108615}"/>
+              </a:ext>
+            </a:extLst>
+          </p:cNvPr>
+          <p:cNvSpPr>
+            <a:spLocks noGrp="1"/>
+          </p:cNvSpPr>
+          <p:nvPr>
+            <p:ph idx="1"/>
+          </p:nvPr>
+        </p:nvSpPr>
+        <p:spPr/>
+        <p:txBody>
+          <a:bodyPr/>
+          <a:lstStyle/>
+          <a:p>
+            <a:endParaRPr lang="en-US"/>
+          </a:p>
+        </p:txBody>
+      </p:sp>
+    </p:spTree>
+    <p:extLst>
+      <p:ext uri="{BB962C8B-B14F-4D97-AF65-F5344CB8AC3E}">
+        <p14:creationId xmlns:p14="http://schemas.microsoft.com/office/powerpoint/2010/main" val="2418747065"/>
+      </p:ext>
+    </p:extLst>
+  </p:cSld>
+  <p:clrMapOvr>
+    <a:masterClrMapping/>
+  </p:clrMapOvr>
+</p:sld>
+</file>
+
+<file path=ppt/slides/slide35.xml><?xml version="1.0" encoding="utf-8"?>
+<p:sld xmlns:a="http://schemas.openxmlformats.org/drawingml/2006/main" xmlns:r="http://schemas.openxmlformats.org/officeDocument/2006/relationships" xmlns:p="http://schemas.openxmlformats.org/presentationml/2006/main">
+  <p:cSld>
+    <p:spTree>
+      <p:nvGrpSpPr>
+        <p:cNvPr id="1" name=""/>
+        <p:cNvGrpSpPr/>
+        <p:nvPr/>
+      </p:nvGrpSpPr>
+      <p:grpSpPr>
+        <a:xfrm>
+          <a:off x="0" y="0"/>
+          <a:ext cx="0" cy="0"/>
+          <a:chOff x="0" y="0"/>
+          <a:chExt cx="0" cy="0"/>
+        </a:xfrm>
+      </p:grpSpPr>
+      <p:sp>
+        <p:nvSpPr>
+          <p:cNvPr id="2" name="Title 1">
+            <a:extLst>
+              <a:ext uri="{FF2B5EF4-FFF2-40B4-BE49-F238E27FC236}">
+                <a16:creationId xmlns:a16="http://schemas.microsoft.com/office/drawing/2014/main" id="{89C36EFD-6BB0-4705-BD82-297BA51C0014}"/>
+              </a:ext>
+            </a:extLst>
+          </p:cNvPr>
+          <p:cNvSpPr>
+            <a:spLocks noGrp="1"/>
+          </p:cNvSpPr>
+          <p:nvPr>
+            <p:ph type="title"/>
+          </p:nvPr>
+        </p:nvSpPr>
+        <p:spPr/>
+        <p:txBody>
+          <a:bodyPr/>
+          <a:lstStyle/>
+          <a:p>
+            <a:r>
+              <a:rPr lang="en-US" dirty="0"/>
+              <a:t>PART 5 – Prefabs/Vaults</a:t>
+            </a:r>
+          </a:p>
+        </p:txBody>
+      </p:sp>
+      <p:sp>
+        <p:nvSpPr>
+          <p:cNvPr id="3" name="Content Placeholder 2">
+            <a:extLst>
+              <a:ext uri="{FF2B5EF4-FFF2-40B4-BE49-F238E27FC236}">
+                <a16:creationId xmlns:a16="http://schemas.microsoft.com/office/drawing/2014/main" id="{16DFB016-3A47-4BD6-9336-E19F787A0A4A}"/>
+              </a:ext>
+            </a:extLst>
+          </p:cNvPr>
+          <p:cNvSpPr>
+            <a:spLocks noGrp="1"/>
+          </p:cNvSpPr>
+          <p:nvPr>
+            <p:ph idx="1"/>
+          </p:nvPr>
+        </p:nvSpPr>
+        <p:spPr/>
+        <p:txBody>
+          <a:bodyPr/>
+          <a:lstStyle/>
+          <a:p>
+            <a:endParaRPr lang="en-US"/>
+          </a:p>
+        </p:txBody>
+      </p:sp>
+    </p:spTree>
+    <p:extLst>
+      <p:ext uri="{BB962C8B-B14F-4D97-AF65-F5344CB8AC3E}">
+        <p14:creationId xmlns:p14="http://schemas.microsoft.com/office/powerpoint/2010/main" val="1537678333"/>
+      </p:ext>
+    </p:extLst>
+  </p:cSld>
+  <p:clrMapOvr>
+    <a:masterClrMapping/>
+  </p:clrMapOvr>
+</p:sld>
+</file>
+
+<file path=ppt/slides/slide36.xml><?xml version="1.0" encoding="utf-8"?>
+<p:sld xmlns:a="http://schemas.openxmlformats.org/drawingml/2006/main" xmlns:r="http://schemas.openxmlformats.org/officeDocument/2006/relationships" xmlns:p="http://schemas.openxmlformats.org/presentationml/2006/main">
+  <p:cSld>
+    <p:spTree>
+      <p:nvGrpSpPr>
+        <p:cNvPr id="1" name=""/>
+        <p:cNvGrpSpPr/>
+        <p:nvPr/>
+      </p:nvGrpSpPr>
+      <p:grpSpPr>
+        <a:xfrm>
+          <a:off x="0" y="0"/>
+          <a:ext cx="0" cy="0"/>
+          <a:chOff x="0" y="0"/>
+          <a:chExt cx="0" cy="0"/>
+        </a:xfrm>
+      </p:grpSpPr>
+      <p:sp>
+        <p:nvSpPr>
+          <p:cNvPr id="2" name="Title 1">
+            <a:extLst>
+              <a:ext uri="{FF2B5EF4-FFF2-40B4-BE49-F238E27FC236}">
+                <a16:creationId xmlns:a16="http://schemas.microsoft.com/office/drawing/2014/main" id="{73514E90-1A9D-446D-BBF1-DB341364D814}"/>
+              </a:ext>
+            </a:extLst>
+          </p:cNvPr>
+          <p:cNvSpPr>
+            <a:spLocks noGrp="1"/>
+          </p:cNvSpPr>
+          <p:nvPr>
+            <p:ph type="title"/>
+          </p:nvPr>
+        </p:nvSpPr>
+        <p:spPr/>
+        <p:txBody>
+          <a:bodyPr/>
+          <a:lstStyle/>
+          <a:p>
+            <a:r>
+              <a:rPr lang="en-US" dirty="0"/>
+              <a:t>Noise</a:t>
+            </a:r>
+          </a:p>
+        </p:txBody>
+      </p:sp>
+      <p:sp>
+        <p:nvSpPr>
+          <p:cNvPr id="3" name="Content Placeholder 2">
+            <a:extLst>
+              <a:ext uri="{FF2B5EF4-FFF2-40B4-BE49-F238E27FC236}">
+                <a16:creationId xmlns:a16="http://schemas.microsoft.com/office/drawing/2014/main" id="{19B4B14B-0438-4097-BF2F-FC15D61281A4}"/>
+              </a:ext>
+            </a:extLst>
+          </p:cNvPr>
+          <p:cNvSpPr>
+            <a:spLocks noGrp="1"/>
+          </p:cNvSpPr>
+          <p:nvPr>
+            <p:ph idx="1"/>
+          </p:nvPr>
+        </p:nvSpPr>
+        <p:spPr/>
+        <p:txBody>
+          <a:bodyPr/>
+          <a:lstStyle/>
+          <a:p>
+            <a:endParaRPr lang="en-US"/>
+          </a:p>
+        </p:txBody>
+      </p:sp>
+    </p:spTree>
+    <p:extLst>
+      <p:ext uri="{BB962C8B-B14F-4D97-AF65-F5344CB8AC3E}">
+        <p14:creationId xmlns:p14="http://schemas.microsoft.com/office/powerpoint/2010/main" val="438433326"/>
+      </p:ext>
+    </p:extLst>
+  </p:cSld>
+  <p:clrMapOvr>
+    <a:masterClrMapping/>
+  </p:clrMapOvr>
+</p:sld>
+</file>
+
+<file path=ppt/slides/slide37.xml><?xml version="1.0" encoding="utf-8"?>
+<p:sld xmlns:a="http://schemas.openxmlformats.org/drawingml/2006/main" xmlns:r="http://schemas.openxmlformats.org/officeDocument/2006/relationships" xmlns:p="http://schemas.openxmlformats.org/presentationml/2006/main">
+  <p:cSld>
+    <p:spTree>
+      <p:nvGrpSpPr>
+        <p:cNvPr id="1" name=""/>
+        <p:cNvGrpSpPr/>
+        <p:nvPr/>
+      </p:nvGrpSpPr>
+      <p:grpSpPr>
+        <a:xfrm>
+          <a:off x="0" y="0"/>
+          <a:ext cx="0" cy="0"/>
+          <a:chOff x="0" y="0"/>
+          <a:chExt cx="0" cy="0"/>
+        </a:xfrm>
+      </p:grpSpPr>
+      <p:sp>
+        <p:nvSpPr>
+          <p:cNvPr id="2" name="Title 1">
+            <a:extLst>
+              <a:ext uri="{FF2B5EF4-FFF2-40B4-BE49-F238E27FC236}">
                 <a16:creationId xmlns:a16="http://schemas.microsoft.com/office/drawing/2014/main" id="{954AC10A-DCC4-40DF-8C7C-80872799F6B6}"/>
               </a:ext>
             </a:extLst>
@@ -6513,7 +6790,7 @@
 </p:sld>
 </file>
 
-<file path=ppt/slides/slide35.xml><?xml version="1.0" encoding="utf-8"?>
+<file path=ppt/slides/slide38.xml><?xml version="1.0" encoding="utf-8"?>
 <p:sld xmlns:a="http://schemas.openxmlformats.org/drawingml/2006/main" xmlns:r="http://schemas.openxmlformats.org/officeDocument/2006/relationships" xmlns:p="http://schemas.openxmlformats.org/presentationml/2006/main">
   <p:cSld>
     <p:spTree>

--- a/Procedural Map Generation Techniques.pptx
+++ b/Procedural Map Generation Techniques.pptx
@@ -5,47 +5,49 @@
     <p:sldMasterId id="2147483648" r:id="rId1"/>
   </p:sldMasterIdLst>
   <p:notesMasterIdLst>
-    <p:notesMasterId r:id="rId40"/>
+    <p:notesMasterId r:id="rId42"/>
   </p:notesMasterIdLst>
   <p:sldIdLst>
     <p:sldId id="256" r:id="rId2"/>
     <p:sldId id="257" r:id="rId3"/>
-    <p:sldId id="258" r:id="rId4"/>
-    <p:sldId id="266" r:id="rId5"/>
-    <p:sldId id="259" r:id="rId6"/>
-    <p:sldId id="278" r:id="rId7"/>
-    <p:sldId id="288" r:id="rId8"/>
-    <p:sldId id="289" r:id="rId9"/>
-    <p:sldId id="290" r:id="rId10"/>
-    <p:sldId id="281" r:id="rId11"/>
-    <p:sldId id="291" r:id="rId12"/>
-    <p:sldId id="260" r:id="rId13"/>
-    <p:sldId id="280" r:id="rId14"/>
-    <p:sldId id="292" r:id="rId15"/>
-    <p:sldId id="293" r:id="rId16"/>
-    <p:sldId id="294" r:id="rId17"/>
-    <p:sldId id="295" r:id="rId18"/>
-    <p:sldId id="296" r:id="rId19"/>
-    <p:sldId id="262" r:id="rId20"/>
-    <p:sldId id="283" r:id="rId21"/>
-    <p:sldId id="284" r:id="rId22"/>
-    <p:sldId id="263" r:id="rId23"/>
-    <p:sldId id="285" r:id="rId24"/>
-    <p:sldId id="264" r:id="rId25"/>
-    <p:sldId id="286" r:id="rId26"/>
-    <p:sldId id="265" r:id="rId27"/>
-    <p:sldId id="267" r:id="rId28"/>
-    <p:sldId id="268" r:id="rId29"/>
-    <p:sldId id="269" r:id="rId30"/>
-    <p:sldId id="270" r:id="rId31"/>
-    <p:sldId id="271" r:id="rId32"/>
-    <p:sldId id="272" r:id="rId33"/>
-    <p:sldId id="277" r:id="rId34"/>
-    <p:sldId id="273" r:id="rId35"/>
-    <p:sldId id="279" r:id="rId36"/>
-    <p:sldId id="287" r:id="rId37"/>
-    <p:sldId id="275" r:id="rId38"/>
-    <p:sldId id="276" r:id="rId39"/>
+    <p:sldId id="297" r:id="rId4"/>
+    <p:sldId id="258" r:id="rId5"/>
+    <p:sldId id="266" r:id="rId6"/>
+    <p:sldId id="259" r:id="rId7"/>
+    <p:sldId id="278" r:id="rId8"/>
+    <p:sldId id="288" r:id="rId9"/>
+    <p:sldId id="289" r:id="rId10"/>
+    <p:sldId id="290" r:id="rId11"/>
+    <p:sldId id="281" r:id="rId12"/>
+    <p:sldId id="291" r:id="rId13"/>
+    <p:sldId id="260" r:id="rId14"/>
+    <p:sldId id="280" r:id="rId15"/>
+    <p:sldId id="292" r:id="rId16"/>
+    <p:sldId id="293" r:id="rId17"/>
+    <p:sldId id="294" r:id="rId18"/>
+    <p:sldId id="295" r:id="rId19"/>
+    <p:sldId id="296" r:id="rId20"/>
+    <p:sldId id="284" r:id="rId21"/>
+    <p:sldId id="298" r:id="rId22"/>
+    <p:sldId id="300" r:id="rId23"/>
+    <p:sldId id="299" r:id="rId24"/>
+    <p:sldId id="263" r:id="rId25"/>
+    <p:sldId id="285" r:id="rId26"/>
+    <p:sldId id="264" r:id="rId27"/>
+    <p:sldId id="286" r:id="rId28"/>
+    <p:sldId id="265" r:id="rId29"/>
+    <p:sldId id="267" r:id="rId30"/>
+    <p:sldId id="268" r:id="rId31"/>
+    <p:sldId id="269" r:id="rId32"/>
+    <p:sldId id="270" r:id="rId33"/>
+    <p:sldId id="271" r:id="rId34"/>
+    <p:sldId id="272" r:id="rId35"/>
+    <p:sldId id="277" r:id="rId36"/>
+    <p:sldId id="273" r:id="rId37"/>
+    <p:sldId id="279" r:id="rId38"/>
+    <p:sldId id="287" r:id="rId39"/>
+    <p:sldId id="275" r:id="rId40"/>
+    <p:sldId id="276" r:id="rId41"/>
   </p:sldIdLst>
   <p:sldSz cx="12192000" cy="6858000"/>
   <p:notesSz cx="6858000" cy="9144000"/>
@@ -566,7 +568,7 @@
           <a:p>
             <a:fld id="{90D22375-8765-45BF-AA5E-53059EF4DFB4}" type="slidenum">
               <a:rPr lang="en-US" smtClean="0"/>
-              <a:t>36</a:t>
+              <a:t>38</a:t>
             </a:fld>
             <a:endParaRPr lang="en-US"/>
           </a:p>
@@ -4141,6 +4143,96 @@
           <p:cNvPr id="2" name="Title 1">
             <a:extLst>
               <a:ext uri="{FF2B5EF4-FFF2-40B4-BE49-F238E27FC236}">
+                <a16:creationId xmlns:a16="http://schemas.microsoft.com/office/drawing/2014/main" id="{48B1E326-A2EF-43CC-83D6-5A36185DB4CA}"/>
+              </a:ext>
+            </a:extLst>
+          </p:cNvPr>
+          <p:cNvSpPr>
+            <a:spLocks noGrp="1"/>
+          </p:cNvSpPr>
+          <p:nvPr>
+            <p:ph type="title"/>
+          </p:nvPr>
+        </p:nvSpPr>
+        <p:spPr/>
+        <p:txBody>
+          <a:bodyPr/>
+          <a:lstStyle/>
+          <a:p>
+            <a:r>
+              <a:rPr lang="en-US" dirty="0"/>
+              <a:t>Add Corridors – Dog-leg Style</a:t>
+            </a:r>
+          </a:p>
+        </p:txBody>
+      </p:sp>
+      <p:pic>
+        <p:nvPicPr>
+          <p:cNvPr id="4" name="Content Placeholder 3">
+            <a:extLst>
+              <a:ext uri="{FF2B5EF4-FFF2-40B4-BE49-F238E27FC236}">
+                <a16:creationId xmlns:a16="http://schemas.microsoft.com/office/drawing/2014/main" id="{56C2399B-1632-463F-9DCE-F64C96C8493F}"/>
+              </a:ext>
+            </a:extLst>
+          </p:cNvPr>
+          <p:cNvPicPr>
+            <a:picLocks noGrp="1" noChangeAspect="1"/>
+          </p:cNvPicPr>
+          <p:nvPr>
+            <p:ph idx="1"/>
+          </p:nvPr>
+        </p:nvPicPr>
+        <p:blipFill>
+          <a:blip r:embed="rId2"/>
+          <a:stretch>
+            <a:fillRect/>
+          </a:stretch>
+        </p:blipFill>
+        <p:spPr>
+          <a:xfrm>
+            <a:off x="3038475" y="1943894"/>
+            <a:ext cx="6115050" cy="4114800"/>
+          </a:xfrm>
+          <a:prstGeom prst="rect">
+            <a:avLst/>
+          </a:prstGeom>
+        </p:spPr>
+      </p:pic>
+    </p:spTree>
+    <p:extLst>
+      <p:ext uri="{BB962C8B-B14F-4D97-AF65-F5344CB8AC3E}">
+        <p14:creationId xmlns:p14="http://schemas.microsoft.com/office/powerpoint/2010/main" val="1135988980"/>
+      </p:ext>
+    </p:extLst>
+  </p:cSld>
+  <p:clrMapOvr>
+    <a:masterClrMapping/>
+  </p:clrMapOvr>
+</p:sld>
+</file>
+
+<file path=ppt/slides/slide11.xml><?xml version="1.0" encoding="utf-8"?>
+<p:sld xmlns:a="http://schemas.openxmlformats.org/drawingml/2006/main" xmlns:r="http://schemas.openxmlformats.org/officeDocument/2006/relationships" xmlns:p="http://schemas.openxmlformats.org/presentationml/2006/main">
+  <p:cSld>
+    <p:spTree>
+      <p:nvGrpSpPr>
+        <p:cNvPr id="1" name=""/>
+        <p:cNvGrpSpPr/>
+        <p:nvPr/>
+      </p:nvGrpSpPr>
+      <p:grpSpPr>
+        <a:xfrm>
+          <a:off x="0" y="0"/>
+          <a:ext cx="0" cy="0"/>
+          <a:chOff x="0" y="0"/>
+          <a:chExt cx="0" cy="0"/>
+        </a:xfrm>
+      </p:grpSpPr>
+      <p:sp>
+        <p:nvSpPr>
+          <p:cNvPr id="2" name="Title 1">
+            <a:extLst>
+              <a:ext uri="{FF2B5EF4-FFF2-40B4-BE49-F238E27FC236}">
                 <a16:creationId xmlns:a16="http://schemas.microsoft.com/office/drawing/2014/main" id="{0F758A8A-9831-4430-AF5C-F62FCE21976D}"/>
               </a:ext>
             </a:extLst>
@@ -4209,7 +4301,7 @@
 </p:sld>
 </file>
 
-<file path=ppt/slides/slide11.xml><?xml version="1.0" encoding="utf-8"?>
+<file path=ppt/slides/slide12.xml><?xml version="1.0" encoding="utf-8"?>
 <p:sld xmlns:a="http://schemas.openxmlformats.org/drawingml/2006/main" xmlns:r="http://schemas.openxmlformats.org/officeDocument/2006/relationships" xmlns:p="http://schemas.openxmlformats.org/presentationml/2006/main">
   <p:cSld>
     <p:spTree>
@@ -4302,7 +4394,7 @@
 </p:sld>
 </file>
 
-<file path=ppt/slides/slide12.xml><?xml version="1.0" encoding="utf-8"?>
+<file path=ppt/slides/slide13.xml><?xml version="1.0" encoding="utf-8"?>
 <p:sld xmlns:a="http://schemas.openxmlformats.org/drawingml/2006/main" xmlns:r="http://schemas.openxmlformats.org/officeDocument/2006/relationships" xmlns:p="http://schemas.openxmlformats.org/presentationml/2006/main">
   <p:cSld>
     <p:spTree>
@@ -4422,7 +4514,7 @@
 </p:sld>
 </file>
 
-<file path=ppt/slides/slide13.xml><?xml version="1.0" encoding="utf-8"?>
+<file path=ppt/slides/slide14.xml><?xml version="1.0" encoding="utf-8"?>
 <p:sld xmlns:a="http://schemas.openxmlformats.org/drawingml/2006/main" xmlns:r="http://schemas.openxmlformats.org/officeDocument/2006/relationships" xmlns:p="http://schemas.openxmlformats.org/presentationml/2006/main">
   <p:cSld>
     <p:spTree>
@@ -4512,7 +4604,7 @@
 </p:sld>
 </file>
 
-<file path=ppt/slides/slide14.xml><?xml version="1.0" encoding="utf-8"?>
+<file path=ppt/slides/slide15.xml><?xml version="1.0" encoding="utf-8"?>
 <p:sld xmlns:a="http://schemas.openxmlformats.org/drawingml/2006/main" xmlns:r="http://schemas.openxmlformats.org/officeDocument/2006/relationships" xmlns:p="http://schemas.openxmlformats.org/presentationml/2006/main">
   <p:cSld>
     <p:spTree>
@@ -4607,7 +4699,7 @@
 </p:sld>
 </file>
 
-<file path=ppt/slides/slide15.xml><?xml version="1.0" encoding="utf-8"?>
+<file path=ppt/slides/slide16.xml><?xml version="1.0" encoding="utf-8"?>
 <p:sld xmlns:a="http://schemas.openxmlformats.org/drawingml/2006/main" xmlns:r="http://schemas.openxmlformats.org/officeDocument/2006/relationships" xmlns:p="http://schemas.openxmlformats.org/presentationml/2006/main">
   <p:cSld>
     <p:spTree>
@@ -4702,7 +4794,7 @@
 </p:sld>
 </file>
 
-<file path=ppt/slides/slide16.xml><?xml version="1.0" encoding="utf-8"?>
+<file path=ppt/slides/slide17.xml><?xml version="1.0" encoding="utf-8"?>
 <p:sld xmlns:a="http://schemas.openxmlformats.org/drawingml/2006/main" xmlns:r="http://schemas.openxmlformats.org/officeDocument/2006/relationships" xmlns:p="http://schemas.openxmlformats.org/presentationml/2006/main">
   <p:cSld>
     <p:spTree>
@@ -4792,99 +4884,6 @@
 </p:sld>
 </file>
 
-<file path=ppt/slides/slide17.xml><?xml version="1.0" encoding="utf-8"?>
-<p:sld xmlns:a="http://schemas.openxmlformats.org/drawingml/2006/main" xmlns:r="http://schemas.openxmlformats.org/officeDocument/2006/relationships" xmlns:p="http://schemas.openxmlformats.org/presentationml/2006/main">
-  <p:cSld>
-    <p:spTree>
-      <p:nvGrpSpPr>
-        <p:cNvPr id="1" name=""/>
-        <p:cNvGrpSpPr/>
-        <p:nvPr/>
-      </p:nvGrpSpPr>
-      <p:grpSpPr>
-        <a:xfrm>
-          <a:off x="0" y="0"/>
-          <a:ext cx="0" cy="0"/>
-          <a:chOff x="0" y="0"/>
-          <a:chExt cx="0" cy="0"/>
-        </a:xfrm>
-      </p:grpSpPr>
-      <p:sp>
-        <p:nvSpPr>
-          <p:cNvPr id="2" name="Title 1">
-            <a:extLst>
-              <a:ext uri="{FF2B5EF4-FFF2-40B4-BE49-F238E27FC236}">
-                <a16:creationId xmlns:a16="http://schemas.microsoft.com/office/drawing/2014/main" id="{326E43A6-A218-43C7-84CC-F5318192C0CA}"/>
-              </a:ext>
-            </a:extLst>
-          </p:cNvPr>
-          <p:cNvSpPr>
-            <a:spLocks noGrp="1"/>
-          </p:cNvSpPr>
-          <p:nvPr>
-            <p:ph type="title"/>
-          </p:nvPr>
-        </p:nvSpPr>
-        <p:spPr/>
-        <p:txBody>
-          <a:bodyPr/>
-          <a:lstStyle/>
-          <a:p>
-            <a:r>
-              <a:rPr lang="en-US" dirty="0"/>
-              <a:t>Animated Sub-Division</a:t>
-            </a:r>
-          </a:p>
-        </p:txBody>
-      </p:sp>
-      <p:pic>
-        <p:nvPicPr>
-          <p:cNvPr id="5" name="Content Placeholder 4">
-            <a:extLst>
-              <a:ext uri="{FF2B5EF4-FFF2-40B4-BE49-F238E27FC236}">
-                <a16:creationId xmlns:a16="http://schemas.microsoft.com/office/drawing/2014/main" id="{73DB8FA0-BB4C-47A8-B6EA-5B952EDC1C2A}"/>
-              </a:ext>
-            </a:extLst>
-          </p:cNvPr>
-          <p:cNvPicPr>
-            <a:picLocks noGrp="1" noChangeAspect="1"/>
-          </p:cNvPicPr>
-          <p:nvPr>
-            <p:ph idx="1"/>
-          </p:nvPr>
-        </p:nvPicPr>
-        <p:blipFill>
-          <a:blip r:embed="rId2">
-            <a:extLst>
-              <a:ext uri="{28A0092B-C50C-407E-A947-70E740481C1C}">
-                <a14:useLocalDpi xmlns:a14="http://schemas.microsoft.com/office/drawing/2010/main" val="0"/>
-              </a:ext>
-            </a:extLst>
-          </a:blip>
-          <a:stretch>
-            <a:fillRect/>
-          </a:stretch>
-        </p:blipFill>
-        <p:spPr>
-          <a:xfrm>
-            <a:off x="3067050" y="2091531"/>
-            <a:ext cx="6057900" cy="3819525"/>
-          </a:xfrm>
-        </p:spPr>
-      </p:pic>
-    </p:spTree>
-    <p:extLst>
-      <p:ext uri="{BB962C8B-B14F-4D97-AF65-F5344CB8AC3E}">
-        <p14:creationId xmlns:p14="http://schemas.microsoft.com/office/powerpoint/2010/main" val="1838404314"/>
-      </p:ext>
-    </p:extLst>
-  </p:cSld>
-  <p:clrMapOvr>
-    <a:masterClrMapping/>
-  </p:clrMapOvr>
-</p:sld>
-</file>
-
 <file path=ppt/slides/slide18.xml><?xml version="1.0" encoding="utf-8"?>
 <p:sld xmlns:a="http://schemas.openxmlformats.org/drawingml/2006/main" xmlns:r="http://schemas.openxmlformats.org/officeDocument/2006/relationships" xmlns:p="http://schemas.openxmlformats.org/presentationml/2006/main">
   <p:cSld>
@@ -4907,7 +4906,7 @@
           <p:cNvPr id="2" name="Title 1">
             <a:extLst>
               <a:ext uri="{FF2B5EF4-FFF2-40B4-BE49-F238E27FC236}">
-                <a16:creationId xmlns:a16="http://schemas.microsoft.com/office/drawing/2014/main" id="{38309DE9-6465-42C2-83A5-CB4050C3407E}"/>
+                <a16:creationId xmlns:a16="http://schemas.microsoft.com/office/drawing/2014/main" id="{326E43A6-A218-43C7-84CC-F5318192C0CA}"/>
               </a:ext>
             </a:extLst>
           </p:cNvPr>
@@ -4923,39 +4922,52 @@
           <a:bodyPr/>
           <a:lstStyle/>
           <a:p>
-            <a:endParaRPr lang="en-US" dirty="0"/>
-          </a:p>
-        </p:txBody>
-      </p:sp>
-      <p:sp>
-        <p:nvSpPr>
-          <p:cNvPr id="3" name="Content Placeholder 2">
-            <a:extLst>
-              <a:ext uri="{FF2B5EF4-FFF2-40B4-BE49-F238E27FC236}">
-                <a16:creationId xmlns:a16="http://schemas.microsoft.com/office/drawing/2014/main" id="{A172EC57-79E1-4B0F-A8B3-638CB69BB826}"/>
-              </a:ext>
-            </a:extLst>
-          </p:cNvPr>
-          <p:cNvSpPr>
-            <a:spLocks noGrp="1"/>
-          </p:cNvSpPr>
+            <a:r>
+              <a:rPr lang="en-US" dirty="0"/>
+              <a:t>Animated Sub-Division</a:t>
+            </a:r>
+          </a:p>
+        </p:txBody>
+      </p:sp>
+      <p:pic>
+        <p:nvPicPr>
+          <p:cNvPr id="5" name="Content Placeholder 4">
+            <a:extLst>
+              <a:ext uri="{FF2B5EF4-FFF2-40B4-BE49-F238E27FC236}">
+                <a16:creationId xmlns:a16="http://schemas.microsoft.com/office/drawing/2014/main" id="{73DB8FA0-BB4C-47A8-B6EA-5B952EDC1C2A}"/>
+              </a:ext>
+            </a:extLst>
+          </p:cNvPr>
+          <p:cNvPicPr>
+            <a:picLocks noGrp="1" noChangeAspect="1"/>
+          </p:cNvPicPr>
           <p:nvPr>
             <p:ph idx="1"/>
           </p:nvPr>
-        </p:nvSpPr>
-        <p:spPr/>
-        <p:txBody>
-          <a:bodyPr/>
-          <a:lstStyle/>
-          <a:p>
-            <a:endParaRPr lang="en-US"/>
-          </a:p>
-        </p:txBody>
-      </p:sp>
+        </p:nvPicPr>
+        <p:blipFill>
+          <a:blip r:embed="rId2">
+            <a:extLst>
+              <a:ext uri="{28A0092B-C50C-407E-A947-70E740481C1C}">
+                <a14:useLocalDpi xmlns:a14="http://schemas.microsoft.com/office/drawing/2010/main" val="0"/>
+              </a:ext>
+            </a:extLst>
+          </a:blip>
+          <a:stretch>
+            <a:fillRect/>
+          </a:stretch>
+        </p:blipFill>
+        <p:spPr>
+          <a:xfrm>
+            <a:off x="3067050" y="2091531"/>
+            <a:ext cx="6057900" cy="3819525"/>
+          </a:xfrm>
+        </p:spPr>
+      </p:pic>
     </p:spTree>
     <p:extLst>
       <p:ext uri="{BB962C8B-B14F-4D97-AF65-F5344CB8AC3E}">
-        <p14:creationId xmlns:p14="http://schemas.microsoft.com/office/powerpoint/2010/main" val="3647974857"/>
+        <p14:creationId xmlns:p14="http://schemas.microsoft.com/office/powerpoint/2010/main" val="1838404314"/>
       </p:ext>
     </p:extLst>
   </p:cSld>
@@ -4987,7 +4999,7 @@
           <p:cNvPr id="2" name="Title 1">
             <a:extLst>
               <a:ext uri="{FF2B5EF4-FFF2-40B4-BE49-F238E27FC236}">
-                <a16:creationId xmlns:a16="http://schemas.microsoft.com/office/drawing/2014/main" id="{FEDDEAE6-D587-4E73-8B0A-672AC409803D}"/>
+                <a16:creationId xmlns:a16="http://schemas.microsoft.com/office/drawing/2014/main" id="{38309DE9-6465-42C2-83A5-CB4050C3407E}"/>
               </a:ext>
             </a:extLst>
           </p:cNvPr>
@@ -5015,7 +5027,7 @@
           <p:cNvPr id="3" name="Content Placeholder 2">
             <a:extLst>
               <a:ext uri="{FF2B5EF4-FFF2-40B4-BE49-F238E27FC236}">
-                <a16:creationId xmlns:a16="http://schemas.microsoft.com/office/drawing/2014/main" id="{53404A0F-554C-4378-8126-DF0C6AB08DA3}"/>
+                <a16:creationId xmlns:a16="http://schemas.microsoft.com/office/drawing/2014/main" id="{A172EC57-79E1-4B0F-A8B3-638CB69BB826}"/>
               </a:ext>
             </a:extLst>
           </p:cNvPr>
@@ -5031,14 +5043,29 @@
           <a:bodyPr/>
           <a:lstStyle/>
           <a:p>
-            <a:endParaRPr lang="en-US"/>
+            <a:r>
+              <a:rPr lang="en-US" dirty="0"/>
+              <a:t>Evolve order from chaos.</a:t>
+            </a:r>
+          </a:p>
+          <a:p>
+            <a:r>
+              <a:rPr lang="en-US" dirty="0"/>
+              <a:t>Treat each cell as its own entity, make “live” (become a floor) or “die” (become a wall) decisions by counting neighbors.</a:t>
+            </a:r>
+          </a:p>
+          <a:p>
+            <a:r>
+              <a:rPr lang="en-US" dirty="0"/>
+              <a:t>Great for organic, natural looking maps.</a:t>
+            </a:r>
           </a:p>
         </p:txBody>
       </p:sp>
     </p:spTree>
     <p:extLst>
       <p:ext uri="{BB962C8B-B14F-4D97-AF65-F5344CB8AC3E}">
-        <p14:creationId xmlns:p14="http://schemas.microsoft.com/office/powerpoint/2010/main" val="1573621711"/>
+        <p14:creationId xmlns:p14="http://schemas.microsoft.com/office/powerpoint/2010/main" val="3647974857"/>
       </p:ext>
     </p:extLst>
   </p:cSld>
@@ -5127,24 +5154,13 @@
           <a:p>
             <a:r>
               <a:rPr lang="en-US" dirty="0"/>
-              <a:t>Author of upcoming titles: </a:t>
+              <a:t>Author of upcoming book - </a:t>
             </a:r>
             <a:r>
               <a:rPr lang="en-US" i="1" dirty="0"/>
-              <a:t>Learn Rust by Making Games </a:t>
-            </a:r>
-            <a:r>
-              <a:rPr lang="en-US" dirty="0"/>
-              <a:t>and </a:t>
-            </a:r>
-            <a:r>
-              <a:rPr lang="en-US" i="1" dirty="0"/>
-              <a:t>Rust Brain Teasers </a:t>
-            </a:r>
-            <a:r>
-              <a:rPr lang="en-US" dirty="0"/>
-              <a:t>published by The Pragmatic Bookshelf.</a:t>
-            </a:r>
+              <a:t>Learn Rust: Make 2D Games</a:t>
+            </a:r>
+            <a:endParaRPr lang="en-US" dirty="0"/>
           </a:p>
           <a:p>
             <a:r>
@@ -5210,7 +5226,7 @@
           <p:cNvPr id="2" name="Title 1">
             <a:extLst>
               <a:ext uri="{FF2B5EF4-FFF2-40B4-BE49-F238E27FC236}">
-                <a16:creationId xmlns:a16="http://schemas.microsoft.com/office/drawing/2014/main" id="{CE2AFD14-A62B-4FC7-89CA-8EF0C63C2198}"/>
+                <a16:creationId xmlns:a16="http://schemas.microsoft.com/office/drawing/2014/main" id="{D1FC2BB4-5FE1-41A2-9E2F-0EB1D0DA46DF}"/>
               </a:ext>
             </a:extLst>
           </p:cNvPr>
@@ -5228,40 +5244,47 @@
           <a:p>
             <a:r>
               <a:rPr lang="en-US" dirty="0"/>
-              <a:t>Conway’s Game of Life</a:t>
-            </a:r>
-          </a:p>
-        </p:txBody>
-      </p:sp>
-      <p:sp>
-        <p:nvSpPr>
-          <p:cNvPr id="3" name="Content Placeholder 2">
-            <a:extLst>
-              <a:ext uri="{FF2B5EF4-FFF2-40B4-BE49-F238E27FC236}">
-                <a16:creationId xmlns:a16="http://schemas.microsoft.com/office/drawing/2014/main" id="{9091FA46-EB9D-42F4-99BC-E2DE9015D59F}"/>
-              </a:ext>
-            </a:extLst>
-          </p:cNvPr>
-          <p:cNvSpPr>
-            <a:spLocks noGrp="1"/>
-          </p:cNvSpPr>
+              <a:t>Start with Some Chaos (55% walls)</a:t>
+            </a:r>
+          </a:p>
+        </p:txBody>
+      </p:sp>
+      <p:pic>
+        <p:nvPicPr>
+          <p:cNvPr id="4" name="Content Placeholder 3">
+            <a:extLst>
+              <a:ext uri="{FF2B5EF4-FFF2-40B4-BE49-F238E27FC236}">
+                <a16:creationId xmlns:a16="http://schemas.microsoft.com/office/drawing/2014/main" id="{99D363EC-7881-4649-9800-8F4475029F57}"/>
+              </a:ext>
+            </a:extLst>
+          </p:cNvPr>
+          <p:cNvPicPr>
+            <a:picLocks noGrp="1" noChangeAspect="1"/>
+          </p:cNvPicPr>
           <p:nvPr>
             <p:ph idx="1"/>
           </p:nvPr>
-        </p:nvSpPr>
-        <p:spPr/>
-        <p:txBody>
-          <a:bodyPr/>
-          <a:lstStyle/>
-          <a:p>
-            <a:endParaRPr lang="en-US"/>
-          </a:p>
-        </p:txBody>
-      </p:sp>
+        </p:nvPicPr>
+        <p:blipFill>
+          <a:blip r:embed="rId2"/>
+          <a:stretch>
+            <a:fillRect/>
+          </a:stretch>
+        </p:blipFill>
+        <p:spPr>
+          <a:xfrm>
+            <a:off x="3038475" y="1943894"/>
+            <a:ext cx="6115050" cy="4114800"/>
+          </a:xfrm>
+          <a:prstGeom prst="rect">
+            <a:avLst/>
+          </a:prstGeom>
+        </p:spPr>
+      </p:pic>
     </p:spTree>
     <p:extLst>
       <p:ext uri="{BB962C8B-B14F-4D97-AF65-F5344CB8AC3E}">
-        <p14:creationId xmlns:p14="http://schemas.microsoft.com/office/powerpoint/2010/main" val="3635526447"/>
+        <p14:creationId xmlns:p14="http://schemas.microsoft.com/office/powerpoint/2010/main" val="3563381599"/>
       </p:ext>
     </p:extLst>
   </p:cSld>
@@ -5293,7 +5316,7 @@
           <p:cNvPr id="2" name="Title 1">
             <a:extLst>
               <a:ext uri="{FF2B5EF4-FFF2-40B4-BE49-F238E27FC236}">
-                <a16:creationId xmlns:a16="http://schemas.microsoft.com/office/drawing/2014/main" id="{D1FC2BB4-5FE1-41A2-9E2F-0EB1D0DA46DF}"/>
+                <a16:creationId xmlns:a16="http://schemas.microsoft.com/office/drawing/2014/main" id="{52477204-A80B-4528-B30B-547CE37FC3F1}"/>
               </a:ext>
             </a:extLst>
           </p:cNvPr>
@@ -5311,40 +5334,55 @@
           <a:p>
             <a:r>
               <a:rPr lang="en-US" dirty="0"/>
-              <a:t>Bringing Order from Chaos</a:t>
-            </a:r>
-          </a:p>
-        </p:txBody>
-      </p:sp>
-      <p:sp>
-        <p:nvSpPr>
-          <p:cNvPr id="3" name="Content Placeholder 2">
-            <a:extLst>
-              <a:ext uri="{FF2B5EF4-FFF2-40B4-BE49-F238E27FC236}">
-                <a16:creationId xmlns:a16="http://schemas.microsoft.com/office/drawing/2014/main" id="{A20350D1-93D0-41FC-819C-49D3CC547C7F}"/>
-              </a:ext>
-            </a:extLst>
-          </p:cNvPr>
-          <p:cNvSpPr>
-            <a:spLocks noGrp="1"/>
-          </p:cNvSpPr>
+              <a:t>For each tile,</a:t>
+            </a:r>
+            <a:r>
+              <a:rPr lang="en-US" baseline="0" dirty="0"/>
+              <a:t> count neighbors and decide on its future.</a:t>
+            </a:r>
+            <a:endParaRPr lang="en-US" dirty="0"/>
+          </a:p>
+        </p:txBody>
+      </p:sp>
+      <p:pic>
+        <p:nvPicPr>
+          <p:cNvPr id="8" name="Content Placeholder 7">
+            <a:extLst>
+              <a:ext uri="{FF2B5EF4-FFF2-40B4-BE49-F238E27FC236}">
+                <a16:creationId xmlns:a16="http://schemas.microsoft.com/office/drawing/2014/main" id="{CCDBAACE-44D5-4143-86A5-1BA722D773BF}"/>
+              </a:ext>
+            </a:extLst>
+          </p:cNvPr>
+          <p:cNvPicPr>
+            <a:picLocks noGrp="1" noChangeAspect="1"/>
+          </p:cNvPicPr>
           <p:nvPr>
             <p:ph idx="1"/>
           </p:nvPr>
-        </p:nvSpPr>
-        <p:spPr/>
-        <p:txBody>
-          <a:bodyPr/>
-          <a:lstStyle/>
-          <a:p>
-            <a:endParaRPr lang="en-US"/>
-          </a:p>
-        </p:txBody>
-      </p:sp>
+        </p:nvPicPr>
+        <p:blipFill>
+          <a:blip r:embed="rId2">
+            <a:extLst>
+              <a:ext uri="{28A0092B-C50C-407E-A947-70E740481C1C}">
+                <a14:useLocalDpi xmlns:a14="http://schemas.microsoft.com/office/drawing/2010/main" val="0"/>
+              </a:ext>
+            </a:extLst>
+          </a:blip>
+          <a:stretch>
+            <a:fillRect/>
+          </a:stretch>
+        </p:blipFill>
+        <p:spPr>
+          <a:xfrm>
+            <a:off x="4330297" y="2121265"/>
+            <a:ext cx="3531405" cy="3760057"/>
+          </a:xfrm>
+        </p:spPr>
+      </p:pic>
     </p:spTree>
     <p:extLst>
       <p:ext uri="{BB962C8B-B14F-4D97-AF65-F5344CB8AC3E}">
-        <p14:creationId xmlns:p14="http://schemas.microsoft.com/office/powerpoint/2010/main" val="3563381599"/>
+        <p14:creationId xmlns:p14="http://schemas.microsoft.com/office/powerpoint/2010/main" val="555680649"/>
       </p:ext>
     </p:extLst>
   </p:cSld>
@@ -5376,7 +5414,7 @@
           <p:cNvPr id="2" name="Title 1">
             <a:extLst>
               <a:ext uri="{FF2B5EF4-FFF2-40B4-BE49-F238E27FC236}">
-                <a16:creationId xmlns:a16="http://schemas.microsoft.com/office/drawing/2014/main" id="{BDBF7A7A-2506-4797-962E-A81FA26D2EFB}"/>
+                <a16:creationId xmlns:a16="http://schemas.microsoft.com/office/drawing/2014/main" id="{F18BC4B0-541B-4057-A696-6F3C3CCA13FB}"/>
               </a:ext>
             </a:extLst>
           </p:cNvPr>
@@ -5394,45 +5432,47 @@
           <a:p>
             <a:r>
               <a:rPr lang="en-US" dirty="0"/>
-              <a:t>Drunkard’s</a:t>
-            </a:r>
-            <a:r>
-              <a:rPr lang="en-US" baseline="0" dirty="0"/>
-              <a:t> Walk</a:t>
-            </a:r>
-            <a:endParaRPr lang="en-US" dirty="0"/>
-          </a:p>
-        </p:txBody>
-      </p:sp>
-      <p:sp>
-        <p:nvSpPr>
-          <p:cNvPr id="3" name="Content Placeholder 2">
-            <a:extLst>
-              <a:ext uri="{FF2B5EF4-FFF2-40B4-BE49-F238E27FC236}">
-                <a16:creationId xmlns:a16="http://schemas.microsoft.com/office/drawing/2014/main" id="{59867D61-1EA3-40E4-BBC7-5983AEBF4ADE}"/>
-              </a:ext>
-            </a:extLst>
-          </p:cNvPr>
-          <p:cNvSpPr>
-            <a:spLocks noGrp="1"/>
-          </p:cNvSpPr>
+              <a:t>Let each iteration run</a:t>
+            </a:r>
+          </a:p>
+        </p:txBody>
+      </p:sp>
+      <p:pic>
+        <p:nvPicPr>
+          <p:cNvPr id="5" name="Content Placeholder 4">
+            <a:extLst>
+              <a:ext uri="{FF2B5EF4-FFF2-40B4-BE49-F238E27FC236}">
+                <a16:creationId xmlns:a16="http://schemas.microsoft.com/office/drawing/2014/main" id="{CCEE487E-12A7-4DE9-BCEA-D868C49DEA10}"/>
+              </a:ext>
+            </a:extLst>
+          </p:cNvPr>
+          <p:cNvPicPr>
+            <a:picLocks noGrp="1" noChangeAspect="1"/>
+          </p:cNvPicPr>
           <p:nvPr>
             <p:ph idx="1"/>
           </p:nvPr>
-        </p:nvSpPr>
-        <p:spPr/>
-        <p:txBody>
-          <a:bodyPr/>
-          <a:lstStyle/>
-          <a:p>
-            <a:endParaRPr lang="en-US"/>
-          </a:p>
-        </p:txBody>
-      </p:sp>
+        </p:nvPicPr>
+        <p:blipFill>
+          <a:blip r:embed="rId2"/>
+          <a:stretch>
+            <a:fillRect/>
+          </a:stretch>
+        </p:blipFill>
+        <p:spPr>
+          <a:xfrm>
+            <a:off x="3038475" y="1943894"/>
+            <a:ext cx="6115050" cy="4114800"/>
+          </a:xfrm>
+          <a:prstGeom prst="rect">
+            <a:avLst/>
+          </a:prstGeom>
+        </p:spPr>
+      </p:pic>
     </p:spTree>
     <p:extLst>
       <p:ext uri="{BB962C8B-B14F-4D97-AF65-F5344CB8AC3E}">
-        <p14:creationId xmlns:p14="http://schemas.microsoft.com/office/powerpoint/2010/main" val="2450179158"/>
+        <p14:creationId xmlns:p14="http://schemas.microsoft.com/office/powerpoint/2010/main" val="761690794"/>
       </p:ext>
     </p:extLst>
   </p:cSld>
@@ -5464,7 +5504,7 @@
           <p:cNvPr id="2" name="Title 1">
             <a:extLst>
               <a:ext uri="{FF2B5EF4-FFF2-40B4-BE49-F238E27FC236}">
-                <a16:creationId xmlns:a16="http://schemas.microsoft.com/office/drawing/2014/main" id="{5159B735-4C3B-465B-8DD5-8B9B9E10264F}"/>
+                <a16:creationId xmlns:a16="http://schemas.microsoft.com/office/drawing/2014/main" id="{4CB43C2F-9F2D-4DF8-8FB1-480B7A112886}"/>
               </a:ext>
             </a:extLst>
           </p:cNvPr>
@@ -5482,40 +5522,50 @@
           <a:p>
             <a:r>
               <a:rPr lang="en-US" dirty="0"/>
-              <a:t>Drunkard’s Walk Step-by-Step</a:t>
-            </a:r>
-          </a:p>
-        </p:txBody>
-      </p:sp>
-      <p:sp>
-        <p:nvSpPr>
-          <p:cNvPr id="3" name="Content Placeholder 2">
-            <a:extLst>
-              <a:ext uri="{FF2B5EF4-FFF2-40B4-BE49-F238E27FC236}">
-                <a16:creationId xmlns:a16="http://schemas.microsoft.com/office/drawing/2014/main" id="{011AC799-5C95-4243-8DFC-C2CB88C57A2D}"/>
-              </a:ext>
-            </a:extLst>
-          </p:cNvPr>
-          <p:cNvSpPr>
-            <a:spLocks noGrp="1"/>
-          </p:cNvSpPr>
+              <a:t>Animated Cellular Automata</a:t>
+            </a:r>
+          </a:p>
+        </p:txBody>
+      </p:sp>
+      <p:pic>
+        <p:nvPicPr>
+          <p:cNvPr id="5" name="Content Placeholder 4">
+            <a:extLst>
+              <a:ext uri="{FF2B5EF4-FFF2-40B4-BE49-F238E27FC236}">
+                <a16:creationId xmlns:a16="http://schemas.microsoft.com/office/drawing/2014/main" id="{56B58C65-2764-4682-BC05-D764B8767D89}"/>
+              </a:ext>
+            </a:extLst>
+          </p:cNvPr>
+          <p:cNvPicPr>
+            <a:picLocks noGrp="1" noChangeAspect="1"/>
+          </p:cNvPicPr>
           <p:nvPr>
             <p:ph idx="1"/>
           </p:nvPr>
-        </p:nvSpPr>
-        <p:spPr/>
-        <p:txBody>
-          <a:bodyPr/>
-          <a:lstStyle/>
-          <a:p>
-            <a:endParaRPr lang="en-US"/>
-          </a:p>
-        </p:txBody>
-      </p:sp>
+        </p:nvPicPr>
+        <p:blipFill>
+          <a:blip r:embed="rId2">
+            <a:extLst>
+              <a:ext uri="{28A0092B-C50C-407E-A947-70E740481C1C}">
+                <a14:useLocalDpi xmlns:a14="http://schemas.microsoft.com/office/drawing/2010/main" val="0"/>
+              </a:ext>
+            </a:extLst>
+          </a:blip>
+          <a:stretch>
+            <a:fillRect/>
+          </a:stretch>
+        </p:blipFill>
+        <p:spPr>
+          <a:xfrm>
+            <a:off x="3067050" y="2091531"/>
+            <a:ext cx="6057900" cy="3819525"/>
+          </a:xfrm>
+        </p:spPr>
+      </p:pic>
     </p:spTree>
     <p:extLst>
       <p:ext uri="{BB962C8B-B14F-4D97-AF65-F5344CB8AC3E}">
-        <p14:creationId xmlns:p14="http://schemas.microsoft.com/office/powerpoint/2010/main" val="4131603874"/>
+        <p14:creationId xmlns:p14="http://schemas.microsoft.com/office/powerpoint/2010/main" val="3732237571"/>
       </p:ext>
     </p:extLst>
   </p:cSld>
@@ -5547,7 +5597,7 @@
           <p:cNvPr id="2" name="Title 1">
             <a:extLst>
               <a:ext uri="{FF2B5EF4-FFF2-40B4-BE49-F238E27FC236}">
-                <a16:creationId xmlns:a16="http://schemas.microsoft.com/office/drawing/2014/main" id="{944765BD-7782-4971-8EBB-FBDE2B502A8F}"/>
+                <a16:creationId xmlns:a16="http://schemas.microsoft.com/office/drawing/2014/main" id="{BDBF7A7A-2506-4797-962E-A81FA26D2EFB}"/>
               </a:ext>
             </a:extLst>
           </p:cNvPr>
@@ -5565,11 +5615,11 @@
           <a:p>
             <a:r>
               <a:rPr lang="en-US" dirty="0"/>
-              <a:t>Diffusion</a:t>
+              <a:t>Drunkard’s</a:t>
             </a:r>
             <a:r>
               <a:rPr lang="en-US" baseline="0" dirty="0"/>
-              <a:t> Limited Aggregation</a:t>
+              <a:t> Walk</a:t>
             </a:r>
             <a:endParaRPr lang="en-US" dirty="0"/>
           </a:p>
@@ -5580,7 +5630,7 @@
           <p:cNvPr id="3" name="Content Placeholder 2">
             <a:extLst>
               <a:ext uri="{FF2B5EF4-FFF2-40B4-BE49-F238E27FC236}">
-                <a16:creationId xmlns:a16="http://schemas.microsoft.com/office/drawing/2014/main" id="{1BFA3AFF-C76B-45D2-884F-433F068B6998}"/>
+                <a16:creationId xmlns:a16="http://schemas.microsoft.com/office/drawing/2014/main" id="{59867D61-1EA3-40E4-BBC7-5983AEBF4ADE}"/>
               </a:ext>
             </a:extLst>
           </p:cNvPr>
@@ -5603,7 +5653,7 @@
     </p:spTree>
     <p:extLst>
       <p:ext uri="{BB962C8B-B14F-4D97-AF65-F5344CB8AC3E}">
-        <p14:creationId xmlns:p14="http://schemas.microsoft.com/office/powerpoint/2010/main" val="489016542"/>
+        <p14:creationId xmlns:p14="http://schemas.microsoft.com/office/powerpoint/2010/main" val="2450179158"/>
       </p:ext>
     </p:extLst>
   </p:cSld>
@@ -5635,7 +5685,7 @@
           <p:cNvPr id="2" name="Title 1">
             <a:extLst>
               <a:ext uri="{FF2B5EF4-FFF2-40B4-BE49-F238E27FC236}">
-                <a16:creationId xmlns:a16="http://schemas.microsoft.com/office/drawing/2014/main" id="{FF9C2C70-DE06-412E-9369-2EDDCFFA4789}"/>
+                <a16:creationId xmlns:a16="http://schemas.microsoft.com/office/drawing/2014/main" id="{5159B735-4C3B-465B-8DD5-8B9B9E10264F}"/>
               </a:ext>
             </a:extLst>
           </p:cNvPr>
@@ -5653,7 +5703,7 @@
           <a:p>
             <a:r>
               <a:rPr lang="en-US" dirty="0"/>
-              <a:t>DLA Progression</a:t>
+              <a:t>Drunkard’s Walk Step-by-Step</a:t>
             </a:r>
           </a:p>
         </p:txBody>
@@ -5663,7 +5713,7 @@
           <p:cNvPr id="3" name="Content Placeholder 2">
             <a:extLst>
               <a:ext uri="{FF2B5EF4-FFF2-40B4-BE49-F238E27FC236}">
-                <a16:creationId xmlns:a16="http://schemas.microsoft.com/office/drawing/2014/main" id="{B576F249-9557-4A3D-972E-3CB87B4964BB}"/>
+                <a16:creationId xmlns:a16="http://schemas.microsoft.com/office/drawing/2014/main" id="{011AC799-5C95-4243-8DFC-C2CB88C57A2D}"/>
               </a:ext>
             </a:extLst>
           </p:cNvPr>
@@ -5686,7 +5736,7 @@
     </p:spTree>
     <p:extLst>
       <p:ext uri="{BB962C8B-B14F-4D97-AF65-F5344CB8AC3E}">
-        <p14:creationId xmlns:p14="http://schemas.microsoft.com/office/powerpoint/2010/main" val="1839844255"/>
+        <p14:creationId xmlns:p14="http://schemas.microsoft.com/office/powerpoint/2010/main" val="4131603874"/>
       </p:ext>
     </p:extLst>
   </p:cSld>
@@ -5718,7 +5768,7 @@
           <p:cNvPr id="2" name="Title 1">
             <a:extLst>
               <a:ext uri="{FF2B5EF4-FFF2-40B4-BE49-F238E27FC236}">
-                <a16:creationId xmlns:a16="http://schemas.microsoft.com/office/drawing/2014/main" id="{A86B5833-62CF-4400-9A8D-F3E212C7B926}"/>
+                <a16:creationId xmlns:a16="http://schemas.microsoft.com/office/drawing/2014/main" id="{944765BD-7782-4971-8EBB-FBDE2B502A8F}"/>
               </a:ext>
             </a:extLst>
           </p:cNvPr>
@@ -5736,8 +5786,13 @@
           <a:p>
             <a:r>
               <a:rPr lang="en-US" dirty="0"/>
-              <a:t>Voronoi Hive Maps</a:t>
-            </a:r>
+              <a:t>Diffusion</a:t>
+            </a:r>
+            <a:r>
+              <a:rPr lang="en-US" baseline="0" dirty="0"/>
+              <a:t> Limited Aggregation</a:t>
+            </a:r>
+            <a:endParaRPr lang="en-US" dirty="0"/>
           </a:p>
         </p:txBody>
       </p:sp>
@@ -5746,7 +5801,7 @@
           <p:cNvPr id="3" name="Content Placeholder 2">
             <a:extLst>
               <a:ext uri="{FF2B5EF4-FFF2-40B4-BE49-F238E27FC236}">
-                <a16:creationId xmlns:a16="http://schemas.microsoft.com/office/drawing/2014/main" id="{9B116533-FB78-43F8-9FB7-C7AA0C566349}"/>
+                <a16:creationId xmlns:a16="http://schemas.microsoft.com/office/drawing/2014/main" id="{1BFA3AFF-C76B-45D2-884F-433F068B6998}"/>
               </a:ext>
             </a:extLst>
           </p:cNvPr>
@@ -5769,7 +5824,7 @@
     </p:spTree>
     <p:extLst>
       <p:ext uri="{BB962C8B-B14F-4D97-AF65-F5344CB8AC3E}">
-        <p14:creationId xmlns:p14="http://schemas.microsoft.com/office/powerpoint/2010/main" val="2865588890"/>
+        <p14:creationId xmlns:p14="http://schemas.microsoft.com/office/powerpoint/2010/main" val="489016542"/>
       </p:ext>
     </p:extLst>
   </p:cSld>
@@ -5801,7 +5856,7 @@
           <p:cNvPr id="2" name="Title 1">
             <a:extLst>
               <a:ext uri="{FF2B5EF4-FFF2-40B4-BE49-F238E27FC236}">
-                <a16:creationId xmlns:a16="http://schemas.microsoft.com/office/drawing/2014/main" id="{64E18A49-DBDA-4CD7-A663-F9E8E2FFAFF0}"/>
+                <a16:creationId xmlns:a16="http://schemas.microsoft.com/office/drawing/2014/main" id="{FF9C2C70-DE06-412E-9369-2EDDCFFA4789}"/>
               </a:ext>
             </a:extLst>
           </p:cNvPr>
@@ -5819,7 +5874,7 @@
           <a:p>
             <a:r>
               <a:rPr lang="en-US" dirty="0"/>
-              <a:t>PART 2 – Mix It Up a Bit</a:t>
+              <a:t>DLA Progression</a:t>
             </a:r>
           </a:p>
         </p:txBody>
@@ -5829,7 +5884,7 @@
           <p:cNvPr id="3" name="Content Placeholder 2">
             <a:extLst>
               <a:ext uri="{FF2B5EF4-FFF2-40B4-BE49-F238E27FC236}">
-                <a16:creationId xmlns:a16="http://schemas.microsoft.com/office/drawing/2014/main" id="{A6346E82-7C8C-4960-B9B3-A0E6B3AEF447}"/>
+                <a16:creationId xmlns:a16="http://schemas.microsoft.com/office/drawing/2014/main" id="{B576F249-9557-4A3D-972E-3CB87B4964BB}"/>
               </a:ext>
             </a:extLst>
           </p:cNvPr>
@@ -5852,7 +5907,7 @@
     </p:spTree>
     <p:extLst>
       <p:ext uri="{BB962C8B-B14F-4D97-AF65-F5344CB8AC3E}">
-        <p14:creationId xmlns:p14="http://schemas.microsoft.com/office/powerpoint/2010/main" val="137979892"/>
+        <p14:creationId xmlns:p14="http://schemas.microsoft.com/office/powerpoint/2010/main" val="1839844255"/>
       </p:ext>
     </p:extLst>
   </p:cSld>
@@ -5884,7 +5939,7 @@
           <p:cNvPr id="2" name="Title 1">
             <a:extLst>
               <a:ext uri="{FF2B5EF4-FFF2-40B4-BE49-F238E27FC236}">
-                <a16:creationId xmlns:a16="http://schemas.microsoft.com/office/drawing/2014/main" id="{41E81F0C-9813-4A7A-824E-C66E053B5032}"/>
+                <a16:creationId xmlns:a16="http://schemas.microsoft.com/office/drawing/2014/main" id="{A86B5833-62CF-4400-9A8D-F3E212C7B926}"/>
               </a:ext>
             </a:extLst>
           </p:cNvPr>
@@ -5902,7 +5957,7 @@
           <a:p>
             <a:r>
               <a:rPr lang="en-US" dirty="0"/>
-              <a:t>Symmetry</a:t>
+              <a:t>Voronoi Hive Maps</a:t>
             </a:r>
           </a:p>
         </p:txBody>
@@ -5912,7 +5967,7 @@
           <p:cNvPr id="3" name="Content Placeholder 2">
             <a:extLst>
               <a:ext uri="{FF2B5EF4-FFF2-40B4-BE49-F238E27FC236}">
-                <a16:creationId xmlns:a16="http://schemas.microsoft.com/office/drawing/2014/main" id="{BF5F7A17-9452-4B16-A18A-86EBF039A787}"/>
+                <a16:creationId xmlns:a16="http://schemas.microsoft.com/office/drawing/2014/main" id="{9B116533-FB78-43F8-9FB7-C7AA0C566349}"/>
               </a:ext>
             </a:extLst>
           </p:cNvPr>
@@ -5935,7 +5990,7 @@
     </p:spTree>
     <p:extLst>
       <p:ext uri="{BB962C8B-B14F-4D97-AF65-F5344CB8AC3E}">
-        <p14:creationId xmlns:p14="http://schemas.microsoft.com/office/powerpoint/2010/main" val="3467330287"/>
+        <p14:creationId xmlns:p14="http://schemas.microsoft.com/office/powerpoint/2010/main" val="2865588890"/>
       </p:ext>
     </p:extLst>
   </p:cSld>
@@ -5967,7 +6022,7 @@
           <p:cNvPr id="2" name="Title 1">
             <a:extLst>
               <a:ext uri="{FF2B5EF4-FFF2-40B4-BE49-F238E27FC236}">
-                <a16:creationId xmlns:a16="http://schemas.microsoft.com/office/drawing/2014/main" id="{B6039A8A-4F8D-4655-8228-4ED9280DC988}"/>
+                <a16:creationId xmlns:a16="http://schemas.microsoft.com/office/drawing/2014/main" id="{64E18A49-DBDA-4CD7-A663-F9E8E2FFAFF0}"/>
               </a:ext>
             </a:extLst>
           </p:cNvPr>
@@ -5985,7 +6040,7 @@
           <a:p>
             <a:r>
               <a:rPr lang="en-US" dirty="0"/>
-              <a:t>Brushes</a:t>
+              <a:t>PART 2 – Mix It Up a Bit</a:t>
             </a:r>
           </a:p>
         </p:txBody>
@@ -5995,7 +6050,7 @@
           <p:cNvPr id="3" name="Content Placeholder 2">
             <a:extLst>
               <a:ext uri="{FF2B5EF4-FFF2-40B4-BE49-F238E27FC236}">
-                <a16:creationId xmlns:a16="http://schemas.microsoft.com/office/drawing/2014/main" id="{46D44358-4CED-48CA-B84A-FE789F2F3AF2}"/>
+                <a16:creationId xmlns:a16="http://schemas.microsoft.com/office/drawing/2014/main" id="{A6346E82-7C8C-4960-B9B3-A0E6B3AEF447}"/>
               </a:ext>
             </a:extLst>
           </p:cNvPr>
@@ -6018,7 +6073,7 @@
     </p:spTree>
     <p:extLst>
       <p:ext uri="{BB962C8B-B14F-4D97-AF65-F5344CB8AC3E}">
-        <p14:creationId xmlns:p14="http://schemas.microsoft.com/office/powerpoint/2010/main" val="3639117625"/>
+        <p14:creationId xmlns:p14="http://schemas.microsoft.com/office/powerpoint/2010/main" val="137979892"/>
       </p:ext>
     </p:extLst>
   </p:cSld>
@@ -6050,65 +6105,62 @@
           <p:cNvPr id="2" name="Title 1">
             <a:extLst>
               <a:ext uri="{FF2B5EF4-FFF2-40B4-BE49-F238E27FC236}">
-                <a16:creationId xmlns:a16="http://schemas.microsoft.com/office/drawing/2014/main" id="{44F699A7-D247-4D5C-AFA8-F5AADD9A0D9A}"/>
-              </a:ext>
-            </a:extLst>
-          </p:cNvPr>
-          <p:cNvSpPr>
-            <a:spLocks noGrp="1"/>
-          </p:cNvSpPr>
-          <p:nvPr>
-            <p:ph type="title"/>
-          </p:nvPr>
-        </p:nvSpPr>
-        <p:spPr/>
-        <p:txBody>
-          <a:bodyPr/>
-          <a:lstStyle/>
-          <a:p>
-            <a:r>
-              <a:rPr lang="en-US" dirty="0"/>
-              <a:t>Introduction</a:t>
-            </a:r>
-          </a:p>
-        </p:txBody>
-      </p:sp>
-      <p:sp>
-        <p:nvSpPr>
-          <p:cNvPr id="3" name="Content Placeholder 2">
-            <a:extLst>
-              <a:ext uri="{FF2B5EF4-FFF2-40B4-BE49-F238E27FC236}">
-                <a16:creationId xmlns:a16="http://schemas.microsoft.com/office/drawing/2014/main" id="{466878A9-B1FB-46D4-8194-97E18CEFB387}"/>
-              </a:ext>
-            </a:extLst>
-          </p:cNvPr>
-          <p:cNvSpPr>
-            <a:spLocks noGrp="1"/>
-          </p:cNvSpPr>
-          <p:nvPr>
-            <p:ph idx="1"/>
-          </p:nvPr>
-        </p:nvSpPr>
-        <p:spPr/>
-        <p:txBody>
-          <a:bodyPr/>
-          <a:lstStyle/>
-          <a:p>
-            <a:r>
-              <a:rPr lang="en-US" dirty="0"/>
-              <a:t>What is Procedural Generation?</a:t>
-            </a:r>
-          </a:p>
-          <a:p>
-            <a:r>
-              <a:rPr lang="en-US" dirty="0"/>
-              <a:t>How does it fit in with hand-made content?</a:t>
-            </a:r>
-          </a:p>
-          <a:p>
-            <a:r>
-              <a:rPr lang="en-US" dirty="0"/>
-              <a:t>History of Procedural Generation (more slides)</a:t>
+                <a16:creationId xmlns:a16="http://schemas.microsoft.com/office/drawing/2014/main" id="{713DABA6-F0BA-4625-A0B1-08F20E95FC87}"/>
+              </a:ext>
+            </a:extLst>
+          </p:cNvPr>
+          <p:cNvSpPr>
+            <a:spLocks noGrp="1"/>
+          </p:cNvSpPr>
+          <p:nvPr>
+            <p:ph type="ctrTitle"/>
+          </p:nvPr>
+        </p:nvSpPr>
+        <p:spPr/>
+        <p:txBody>
+          <a:bodyPr>
+            <a:normAutofit/>
+          </a:bodyPr>
+          <a:lstStyle/>
+          <a:p>
+            <a:r>
+              <a:rPr lang="en-US" dirty="0"/>
+              <a:t>Source Code and Slides available at:</a:t>
+            </a:r>
+          </a:p>
+        </p:txBody>
+      </p:sp>
+      <p:sp>
+        <p:nvSpPr>
+          <p:cNvPr id="4" name="Subtitle 3">
+            <a:extLst>
+              <a:ext uri="{FF2B5EF4-FFF2-40B4-BE49-F238E27FC236}">
+                <a16:creationId xmlns:a16="http://schemas.microsoft.com/office/drawing/2014/main" id="{BD97DCC6-355D-44C1-A9E3-6B912CF3065A}"/>
+              </a:ext>
+            </a:extLst>
+          </p:cNvPr>
+          <p:cNvSpPr>
+            <a:spLocks noGrp="1"/>
+          </p:cNvSpPr>
+          <p:nvPr>
+            <p:ph type="subTitle" idx="1"/>
+          </p:nvPr>
+        </p:nvSpPr>
+        <p:spPr/>
+        <p:txBody>
+          <a:bodyPr/>
+          <a:lstStyle/>
+          <a:p>
+            <a:r>
+              <a:rPr lang="en-US" dirty="0">
+                <a:solidFill>
+                  <a:schemeClr val="accent5">
+                    <a:lumMod val="20000"/>
+                    <a:lumOff val="80000"/>
+                  </a:schemeClr>
+                </a:solidFill>
+              </a:rPr>
+              <a:t>https://github.com/thebracket/roguelike-celebration-2020</a:t>
             </a:r>
           </a:p>
         </p:txBody>
@@ -6116,7 +6168,7 @@
     </p:spTree>
     <p:extLst>
       <p:ext uri="{BB962C8B-B14F-4D97-AF65-F5344CB8AC3E}">
-        <p14:creationId xmlns:p14="http://schemas.microsoft.com/office/powerpoint/2010/main" val="1400163740"/>
+        <p14:creationId xmlns:p14="http://schemas.microsoft.com/office/powerpoint/2010/main" val="3516746178"/>
       </p:ext>
     </p:extLst>
   </p:cSld>
@@ -6148,7 +6200,7 @@
           <p:cNvPr id="2" name="Title 1">
             <a:extLst>
               <a:ext uri="{FF2B5EF4-FFF2-40B4-BE49-F238E27FC236}">
-                <a16:creationId xmlns:a16="http://schemas.microsoft.com/office/drawing/2014/main" id="{6C4F28FF-4726-46DA-8104-6908F5D5B1FA}"/>
+                <a16:creationId xmlns:a16="http://schemas.microsoft.com/office/drawing/2014/main" id="{41E81F0C-9813-4A7A-824E-C66E053B5032}"/>
               </a:ext>
             </a:extLst>
           </p:cNvPr>
@@ -6166,7 +6218,7 @@
           <a:p>
             <a:r>
               <a:rPr lang="en-US" dirty="0"/>
-              <a:t>Corridor Algorithms</a:t>
+              <a:t>Symmetry</a:t>
             </a:r>
           </a:p>
         </p:txBody>
@@ -6176,7 +6228,7 @@
           <p:cNvPr id="3" name="Content Placeholder 2">
             <a:extLst>
               <a:ext uri="{FF2B5EF4-FFF2-40B4-BE49-F238E27FC236}">
-                <a16:creationId xmlns:a16="http://schemas.microsoft.com/office/drawing/2014/main" id="{3610DC7C-3999-4F3F-B5B7-F8F596D0CF33}"/>
+                <a16:creationId xmlns:a16="http://schemas.microsoft.com/office/drawing/2014/main" id="{BF5F7A17-9452-4B16-A18A-86EBF039A787}"/>
               </a:ext>
             </a:extLst>
           </p:cNvPr>
@@ -6199,7 +6251,7 @@
     </p:spTree>
     <p:extLst>
       <p:ext uri="{BB962C8B-B14F-4D97-AF65-F5344CB8AC3E}">
-        <p14:creationId xmlns:p14="http://schemas.microsoft.com/office/powerpoint/2010/main" val="3801445054"/>
+        <p14:creationId xmlns:p14="http://schemas.microsoft.com/office/powerpoint/2010/main" val="3467330287"/>
       </p:ext>
     </p:extLst>
   </p:cSld>
@@ -6231,7 +6283,7 @@
           <p:cNvPr id="2" name="Title 1">
             <a:extLst>
               <a:ext uri="{FF2B5EF4-FFF2-40B4-BE49-F238E27FC236}">
-                <a16:creationId xmlns:a16="http://schemas.microsoft.com/office/drawing/2014/main" id="{AD8C7A8E-E306-4298-98E3-184DC25C1E44}"/>
+                <a16:creationId xmlns:a16="http://schemas.microsoft.com/office/drawing/2014/main" id="{B6039A8A-4F8D-4655-8228-4ED9280DC988}"/>
               </a:ext>
             </a:extLst>
           </p:cNvPr>
@@ -6249,7 +6301,7 @@
           <a:p>
             <a:r>
               <a:rPr lang="en-US" dirty="0"/>
-              <a:t>Erosion</a:t>
+              <a:t>Brushes</a:t>
             </a:r>
           </a:p>
         </p:txBody>
@@ -6259,7 +6311,7 @@
           <p:cNvPr id="3" name="Content Placeholder 2">
             <a:extLst>
               <a:ext uri="{FF2B5EF4-FFF2-40B4-BE49-F238E27FC236}">
-                <a16:creationId xmlns:a16="http://schemas.microsoft.com/office/drawing/2014/main" id="{A9296336-7196-4FD3-ACF8-614A951C9903}"/>
+                <a16:creationId xmlns:a16="http://schemas.microsoft.com/office/drawing/2014/main" id="{46D44358-4CED-48CA-B84A-FE789F2F3AF2}"/>
               </a:ext>
             </a:extLst>
           </p:cNvPr>
@@ -6282,7 +6334,7 @@
     </p:spTree>
     <p:extLst>
       <p:ext uri="{BB962C8B-B14F-4D97-AF65-F5344CB8AC3E}">
-        <p14:creationId xmlns:p14="http://schemas.microsoft.com/office/powerpoint/2010/main" val="3095117298"/>
+        <p14:creationId xmlns:p14="http://schemas.microsoft.com/office/powerpoint/2010/main" val="3639117625"/>
       </p:ext>
     </p:extLst>
   </p:cSld>
@@ -6314,7 +6366,7 @@
           <p:cNvPr id="2" name="Title 1">
             <a:extLst>
               <a:ext uri="{FF2B5EF4-FFF2-40B4-BE49-F238E27FC236}">
-                <a16:creationId xmlns:a16="http://schemas.microsoft.com/office/drawing/2014/main" id="{C1FD6DB2-10AB-4360-899E-6A646152BA69}"/>
+                <a16:creationId xmlns:a16="http://schemas.microsoft.com/office/drawing/2014/main" id="{6C4F28FF-4726-46DA-8104-6908F5D5B1FA}"/>
               </a:ext>
             </a:extLst>
           </p:cNvPr>
@@ -6332,7 +6384,7 @@
           <a:p>
             <a:r>
               <a:rPr lang="en-US" dirty="0"/>
-              <a:t>Doors</a:t>
+              <a:t>Corridor Algorithms</a:t>
             </a:r>
           </a:p>
         </p:txBody>
@@ -6342,7 +6394,7 @@
           <p:cNvPr id="3" name="Content Placeholder 2">
             <a:extLst>
               <a:ext uri="{FF2B5EF4-FFF2-40B4-BE49-F238E27FC236}">
-                <a16:creationId xmlns:a16="http://schemas.microsoft.com/office/drawing/2014/main" id="{6CDBC7A5-A455-4897-9686-3395906C6CF9}"/>
+                <a16:creationId xmlns:a16="http://schemas.microsoft.com/office/drawing/2014/main" id="{3610DC7C-3999-4F3F-B5B7-F8F596D0CF33}"/>
               </a:ext>
             </a:extLst>
           </p:cNvPr>
@@ -6365,7 +6417,7 @@
     </p:spTree>
     <p:extLst>
       <p:ext uri="{BB962C8B-B14F-4D97-AF65-F5344CB8AC3E}">
-        <p14:creationId xmlns:p14="http://schemas.microsoft.com/office/powerpoint/2010/main" val="1064981247"/>
+        <p14:creationId xmlns:p14="http://schemas.microsoft.com/office/powerpoint/2010/main" val="3801445054"/>
       </p:ext>
     </p:extLst>
   </p:cSld>
@@ -6397,7 +6449,7 @@
           <p:cNvPr id="2" name="Title 1">
             <a:extLst>
               <a:ext uri="{FF2B5EF4-FFF2-40B4-BE49-F238E27FC236}">
-                <a16:creationId xmlns:a16="http://schemas.microsoft.com/office/drawing/2014/main" id="{F63898EB-EB14-4AA3-A2F3-93F16F823063}"/>
+                <a16:creationId xmlns:a16="http://schemas.microsoft.com/office/drawing/2014/main" id="{AD8C7A8E-E306-4298-98E3-184DC25C1E44}"/>
               </a:ext>
             </a:extLst>
           </p:cNvPr>
@@ -6415,7 +6467,7 @@
           <a:p>
             <a:r>
               <a:rPr lang="en-US" dirty="0"/>
-              <a:t>Waveform Collapse</a:t>
+              <a:t>Erosion</a:t>
             </a:r>
           </a:p>
         </p:txBody>
@@ -6425,7 +6477,7 @@
           <p:cNvPr id="3" name="Content Placeholder 2">
             <a:extLst>
               <a:ext uri="{FF2B5EF4-FFF2-40B4-BE49-F238E27FC236}">
-                <a16:creationId xmlns:a16="http://schemas.microsoft.com/office/drawing/2014/main" id="{E769680E-43CF-41B6-8525-D20C6F361581}"/>
+                <a16:creationId xmlns:a16="http://schemas.microsoft.com/office/drawing/2014/main" id="{A9296336-7196-4FD3-ACF8-614A951C9903}"/>
               </a:ext>
             </a:extLst>
           </p:cNvPr>
@@ -6448,7 +6500,7 @@
     </p:spTree>
     <p:extLst>
       <p:ext uri="{BB962C8B-B14F-4D97-AF65-F5344CB8AC3E}">
-        <p14:creationId xmlns:p14="http://schemas.microsoft.com/office/powerpoint/2010/main" val="1944686705"/>
+        <p14:creationId xmlns:p14="http://schemas.microsoft.com/office/powerpoint/2010/main" val="3095117298"/>
       </p:ext>
     </p:extLst>
   </p:cSld>
@@ -6480,7 +6532,7 @@
           <p:cNvPr id="2" name="Title 1">
             <a:extLst>
               <a:ext uri="{FF2B5EF4-FFF2-40B4-BE49-F238E27FC236}">
-                <a16:creationId xmlns:a16="http://schemas.microsoft.com/office/drawing/2014/main" id="{CF0248D1-34B2-4B59-AA9F-4E5727216E39}"/>
+                <a16:creationId xmlns:a16="http://schemas.microsoft.com/office/drawing/2014/main" id="{C1FD6DB2-10AB-4360-899E-6A646152BA69}"/>
               </a:ext>
             </a:extLst>
           </p:cNvPr>
@@ -6498,7 +6550,7 @@
           <a:p>
             <a:r>
               <a:rPr lang="en-US" dirty="0"/>
-              <a:t>PART 3 – Combining Effects</a:t>
+              <a:t>Doors</a:t>
             </a:r>
           </a:p>
         </p:txBody>
@@ -6508,7 +6560,7 @@
           <p:cNvPr id="3" name="Content Placeholder 2">
             <a:extLst>
               <a:ext uri="{FF2B5EF4-FFF2-40B4-BE49-F238E27FC236}">
-                <a16:creationId xmlns:a16="http://schemas.microsoft.com/office/drawing/2014/main" id="{B5B32EE5-7262-4D89-A488-48E76C108615}"/>
+                <a16:creationId xmlns:a16="http://schemas.microsoft.com/office/drawing/2014/main" id="{6CDBC7A5-A455-4897-9686-3395906C6CF9}"/>
               </a:ext>
             </a:extLst>
           </p:cNvPr>
@@ -6531,7 +6583,7 @@
     </p:spTree>
     <p:extLst>
       <p:ext uri="{BB962C8B-B14F-4D97-AF65-F5344CB8AC3E}">
-        <p14:creationId xmlns:p14="http://schemas.microsoft.com/office/powerpoint/2010/main" val="2418747065"/>
+        <p14:creationId xmlns:p14="http://schemas.microsoft.com/office/powerpoint/2010/main" val="1064981247"/>
       </p:ext>
     </p:extLst>
   </p:cSld>
@@ -6563,7 +6615,7 @@
           <p:cNvPr id="2" name="Title 1">
             <a:extLst>
               <a:ext uri="{FF2B5EF4-FFF2-40B4-BE49-F238E27FC236}">
-                <a16:creationId xmlns:a16="http://schemas.microsoft.com/office/drawing/2014/main" id="{89C36EFD-6BB0-4705-BD82-297BA51C0014}"/>
+                <a16:creationId xmlns:a16="http://schemas.microsoft.com/office/drawing/2014/main" id="{F63898EB-EB14-4AA3-A2F3-93F16F823063}"/>
               </a:ext>
             </a:extLst>
           </p:cNvPr>
@@ -6581,7 +6633,7 @@
           <a:p>
             <a:r>
               <a:rPr lang="en-US" dirty="0"/>
-              <a:t>PART 5 – Prefabs/Vaults</a:t>
+              <a:t>Waveform Collapse</a:t>
             </a:r>
           </a:p>
         </p:txBody>
@@ -6591,7 +6643,7 @@
           <p:cNvPr id="3" name="Content Placeholder 2">
             <a:extLst>
               <a:ext uri="{FF2B5EF4-FFF2-40B4-BE49-F238E27FC236}">
-                <a16:creationId xmlns:a16="http://schemas.microsoft.com/office/drawing/2014/main" id="{16DFB016-3A47-4BD6-9336-E19F787A0A4A}"/>
+                <a16:creationId xmlns:a16="http://schemas.microsoft.com/office/drawing/2014/main" id="{E769680E-43CF-41B6-8525-D20C6F361581}"/>
               </a:ext>
             </a:extLst>
           </p:cNvPr>
@@ -6614,7 +6666,7 @@
     </p:spTree>
     <p:extLst>
       <p:ext uri="{BB962C8B-B14F-4D97-AF65-F5344CB8AC3E}">
-        <p14:creationId xmlns:p14="http://schemas.microsoft.com/office/powerpoint/2010/main" val="1537678333"/>
+        <p14:creationId xmlns:p14="http://schemas.microsoft.com/office/powerpoint/2010/main" val="1944686705"/>
       </p:ext>
     </p:extLst>
   </p:cSld>
@@ -6646,7 +6698,7 @@
           <p:cNvPr id="2" name="Title 1">
             <a:extLst>
               <a:ext uri="{FF2B5EF4-FFF2-40B4-BE49-F238E27FC236}">
-                <a16:creationId xmlns:a16="http://schemas.microsoft.com/office/drawing/2014/main" id="{73514E90-1A9D-446D-BBF1-DB341364D814}"/>
+                <a16:creationId xmlns:a16="http://schemas.microsoft.com/office/drawing/2014/main" id="{CF0248D1-34B2-4B59-AA9F-4E5727216E39}"/>
               </a:ext>
             </a:extLst>
           </p:cNvPr>
@@ -6664,7 +6716,7 @@
           <a:p>
             <a:r>
               <a:rPr lang="en-US" dirty="0"/>
-              <a:t>Noise</a:t>
+              <a:t>PART 3 – Combining Effects</a:t>
             </a:r>
           </a:p>
         </p:txBody>
@@ -6674,7 +6726,7 @@
           <p:cNvPr id="3" name="Content Placeholder 2">
             <a:extLst>
               <a:ext uri="{FF2B5EF4-FFF2-40B4-BE49-F238E27FC236}">
-                <a16:creationId xmlns:a16="http://schemas.microsoft.com/office/drawing/2014/main" id="{19B4B14B-0438-4097-BF2F-FC15D61281A4}"/>
+                <a16:creationId xmlns:a16="http://schemas.microsoft.com/office/drawing/2014/main" id="{B5B32EE5-7262-4D89-A488-48E76C108615}"/>
               </a:ext>
             </a:extLst>
           </p:cNvPr>
@@ -6697,7 +6749,7 @@
     </p:spTree>
     <p:extLst>
       <p:ext uri="{BB962C8B-B14F-4D97-AF65-F5344CB8AC3E}">
-        <p14:creationId xmlns:p14="http://schemas.microsoft.com/office/powerpoint/2010/main" val="438433326"/>
+        <p14:creationId xmlns:p14="http://schemas.microsoft.com/office/powerpoint/2010/main" val="2418747065"/>
       </p:ext>
     </p:extLst>
   </p:cSld>
@@ -6729,7 +6781,7 @@
           <p:cNvPr id="2" name="Title 1">
             <a:extLst>
               <a:ext uri="{FF2B5EF4-FFF2-40B4-BE49-F238E27FC236}">
-                <a16:creationId xmlns:a16="http://schemas.microsoft.com/office/drawing/2014/main" id="{954AC10A-DCC4-40DF-8C7C-80872799F6B6}"/>
+                <a16:creationId xmlns:a16="http://schemas.microsoft.com/office/drawing/2014/main" id="{89C36EFD-6BB0-4705-BD82-297BA51C0014}"/>
               </a:ext>
             </a:extLst>
           </p:cNvPr>
@@ -6747,7 +6799,7 @@
           <a:p>
             <a:r>
               <a:rPr lang="en-US" dirty="0"/>
-              <a:t>Wrap-Up</a:t>
+              <a:t>PART 5 – Prefabs/Vaults</a:t>
             </a:r>
           </a:p>
         </p:txBody>
@@ -6757,7 +6809,7 @@
           <p:cNvPr id="3" name="Content Placeholder 2">
             <a:extLst>
               <a:ext uri="{FF2B5EF4-FFF2-40B4-BE49-F238E27FC236}">
-                <a16:creationId xmlns:a16="http://schemas.microsoft.com/office/drawing/2014/main" id="{2C7309C8-A67C-4390-B961-6CAD02F1DE9D}"/>
+                <a16:creationId xmlns:a16="http://schemas.microsoft.com/office/drawing/2014/main" id="{16DFB016-3A47-4BD6-9336-E19F787A0A4A}"/>
               </a:ext>
             </a:extLst>
           </p:cNvPr>
@@ -6780,7 +6832,7 @@
     </p:spTree>
     <p:extLst>
       <p:ext uri="{BB962C8B-B14F-4D97-AF65-F5344CB8AC3E}">
-        <p14:creationId xmlns:p14="http://schemas.microsoft.com/office/powerpoint/2010/main" val="2244430420"/>
+        <p14:creationId xmlns:p14="http://schemas.microsoft.com/office/powerpoint/2010/main" val="1537678333"/>
       </p:ext>
     </p:extLst>
   </p:cSld>
@@ -6812,7 +6864,7 @@
           <p:cNvPr id="2" name="Title 1">
             <a:extLst>
               <a:ext uri="{FF2B5EF4-FFF2-40B4-BE49-F238E27FC236}">
-                <a16:creationId xmlns:a16="http://schemas.microsoft.com/office/drawing/2014/main" id="{832E6675-6F28-4DC1-A4B0-55EDC2B3889D}"/>
+                <a16:creationId xmlns:a16="http://schemas.microsoft.com/office/drawing/2014/main" id="{73514E90-1A9D-446D-BBF1-DB341364D814}"/>
               </a:ext>
             </a:extLst>
           </p:cNvPr>
@@ -6830,7 +6882,7 @@
           <a:p>
             <a:r>
               <a:rPr lang="en-US" dirty="0"/>
-              <a:t>Questions?</a:t>
+              <a:t>Noise</a:t>
             </a:r>
           </a:p>
         </p:txBody>
@@ -6840,7 +6892,7 @@
           <p:cNvPr id="3" name="Content Placeholder 2">
             <a:extLst>
               <a:ext uri="{FF2B5EF4-FFF2-40B4-BE49-F238E27FC236}">
-                <a16:creationId xmlns:a16="http://schemas.microsoft.com/office/drawing/2014/main" id="{0EC89C96-7CA0-48DB-8F09-1F603365128B}"/>
+                <a16:creationId xmlns:a16="http://schemas.microsoft.com/office/drawing/2014/main" id="{19B4B14B-0438-4097-BF2F-FC15D61281A4}"/>
               </a:ext>
             </a:extLst>
           </p:cNvPr>
@@ -6863,7 +6915,90 @@
     </p:spTree>
     <p:extLst>
       <p:ext uri="{BB962C8B-B14F-4D97-AF65-F5344CB8AC3E}">
-        <p14:creationId xmlns:p14="http://schemas.microsoft.com/office/powerpoint/2010/main" val="605060820"/>
+        <p14:creationId xmlns:p14="http://schemas.microsoft.com/office/powerpoint/2010/main" val="438433326"/>
+      </p:ext>
+    </p:extLst>
+  </p:cSld>
+  <p:clrMapOvr>
+    <a:masterClrMapping/>
+  </p:clrMapOvr>
+</p:sld>
+</file>
+
+<file path=ppt/slides/slide39.xml><?xml version="1.0" encoding="utf-8"?>
+<p:sld xmlns:a="http://schemas.openxmlformats.org/drawingml/2006/main" xmlns:r="http://schemas.openxmlformats.org/officeDocument/2006/relationships" xmlns:p="http://schemas.openxmlformats.org/presentationml/2006/main">
+  <p:cSld>
+    <p:spTree>
+      <p:nvGrpSpPr>
+        <p:cNvPr id="1" name=""/>
+        <p:cNvGrpSpPr/>
+        <p:nvPr/>
+      </p:nvGrpSpPr>
+      <p:grpSpPr>
+        <a:xfrm>
+          <a:off x="0" y="0"/>
+          <a:ext cx="0" cy="0"/>
+          <a:chOff x="0" y="0"/>
+          <a:chExt cx="0" cy="0"/>
+        </a:xfrm>
+      </p:grpSpPr>
+      <p:sp>
+        <p:nvSpPr>
+          <p:cNvPr id="2" name="Title 1">
+            <a:extLst>
+              <a:ext uri="{FF2B5EF4-FFF2-40B4-BE49-F238E27FC236}">
+                <a16:creationId xmlns:a16="http://schemas.microsoft.com/office/drawing/2014/main" id="{954AC10A-DCC4-40DF-8C7C-80872799F6B6}"/>
+              </a:ext>
+            </a:extLst>
+          </p:cNvPr>
+          <p:cNvSpPr>
+            <a:spLocks noGrp="1"/>
+          </p:cNvSpPr>
+          <p:nvPr>
+            <p:ph type="title"/>
+          </p:nvPr>
+        </p:nvSpPr>
+        <p:spPr/>
+        <p:txBody>
+          <a:bodyPr/>
+          <a:lstStyle/>
+          <a:p>
+            <a:r>
+              <a:rPr lang="en-US" dirty="0"/>
+              <a:t>Wrap-Up</a:t>
+            </a:r>
+          </a:p>
+        </p:txBody>
+      </p:sp>
+      <p:sp>
+        <p:nvSpPr>
+          <p:cNvPr id="3" name="Content Placeholder 2">
+            <a:extLst>
+              <a:ext uri="{FF2B5EF4-FFF2-40B4-BE49-F238E27FC236}">
+                <a16:creationId xmlns:a16="http://schemas.microsoft.com/office/drawing/2014/main" id="{2C7309C8-A67C-4390-B961-6CAD02F1DE9D}"/>
+              </a:ext>
+            </a:extLst>
+          </p:cNvPr>
+          <p:cNvSpPr>
+            <a:spLocks noGrp="1"/>
+          </p:cNvSpPr>
+          <p:nvPr>
+            <p:ph idx="1"/>
+          </p:nvPr>
+        </p:nvSpPr>
+        <p:spPr/>
+        <p:txBody>
+          <a:bodyPr/>
+          <a:lstStyle/>
+          <a:p>
+            <a:endParaRPr lang="en-US"/>
+          </a:p>
+        </p:txBody>
+      </p:sp>
+    </p:spTree>
+    <p:extLst>
+      <p:ext uri="{BB962C8B-B14F-4D97-AF65-F5344CB8AC3E}">
+        <p14:creationId xmlns:p14="http://schemas.microsoft.com/office/powerpoint/2010/main" val="2244430420"/>
       </p:ext>
     </p:extLst>
   </p:cSld>
@@ -6895,7 +7030,7 @@
           <p:cNvPr id="2" name="Title 1">
             <a:extLst>
               <a:ext uri="{FF2B5EF4-FFF2-40B4-BE49-F238E27FC236}">
-                <a16:creationId xmlns:a16="http://schemas.microsoft.com/office/drawing/2014/main" id="{E8102793-6E9A-4457-8782-67507F4D7FBE}"/>
+                <a16:creationId xmlns:a16="http://schemas.microsoft.com/office/drawing/2014/main" id="{44F699A7-D247-4D5C-AFA8-F5AADD9A0D9A}"/>
               </a:ext>
             </a:extLst>
           </p:cNvPr>
@@ -6913,7 +7048,7 @@
           <a:p>
             <a:r>
               <a:rPr lang="en-US" dirty="0"/>
-              <a:t>PART 1 – Basic Generation Techniques</a:t>
+              <a:t>Introduction</a:t>
             </a:r>
           </a:p>
         </p:txBody>
@@ -6923,7 +7058,7 @@
           <p:cNvPr id="3" name="Content Placeholder 2">
             <a:extLst>
               <a:ext uri="{FF2B5EF4-FFF2-40B4-BE49-F238E27FC236}">
-                <a16:creationId xmlns:a16="http://schemas.microsoft.com/office/drawing/2014/main" id="{8751101C-C620-4E8E-93A3-2C249FAA2D7C}"/>
+                <a16:creationId xmlns:a16="http://schemas.microsoft.com/office/drawing/2014/main" id="{466878A9-B1FB-46D4-8194-97E18CEFB387}"/>
               </a:ext>
             </a:extLst>
           </p:cNvPr>
@@ -6939,14 +7074,112 @@
           <a:bodyPr/>
           <a:lstStyle/>
           <a:p>
-            <a:endParaRPr lang="en-US"/>
+            <a:r>
+              <a:rPr lang="en-US" dirty="0"/>
+              <a:t>What is Procedural Generation?</a:t>
+            </a:r>
+          </a:p>
+          <a:p>
+            <a:r>
+              <a:rPr lang="en-US" dirty="0"/>
+              <a:t>How does it fit in with hand-made content?</a:t>
+            </a:r>
+          </a:p>
+          <a:p>
+            <a:r>
+              <a:rPr lang="en-US" dirty="0"/>
+              <a:t>History of Procedural Generation (more slides)</a:t>
+            </a:r>
           </a:p>
         </p:txBody>
       </p:sp>
     </p:spTree>
     <p:extLst>
       <p:ext uri="{BB962C8B-B14F-4D97-AF65-F5344CB8AC3E}">
-        <p14:creationId xmlns:p14="http://schemas.microsoft.com/office/powerpoint/2010/main" val="3676566853"/>
+        <p14:creationId xmlns:p14="http://schemas.microsoft.com/office/powerpoint/2010/main" val="1400163740"/>
+      </p:ext>
+    </p:extLst>
+  </p:cSld>
+  <p:clrMapOvr>
+    <a:masterClrMapping/>
+  </p:clrMapOvr>
+</p:sld>
+</file>
+
+<file path=ppt/slides/slide40.xml><?xml version="1.0" encoding="utf-8"?>
+<p:sld xmlns:a="http://schemas.openxmlformats.org/drawingml/2006/main" xmlns:r="http://schemas.openxmlformats.org/officeDocument/2006/relationships" xmlns:p="http://schemas.openxmlformats.org/presentationml/2006/main">
+  <p:cSld>
+    <p:spTree>
+      <p:nvGrpSpPr>
+        <p:cNvPr id="1" name=""/>
+        <p:cNvGrpSpPr/>
+        <p:nvPr/>
+      </p:nvGrpSpPr>
+      <p:grpSpPr>
+        <a:xfrm>
+          <a:off x="0" y="0"/>
+          <a:ext cx="0" cy="0"/>
+          <a:chOff x="0" y="0"/>
+          <a:chExt cx="0" cy="0"/>
+        </a:xfrm>
+      </p:grpSpPr>
+      <p:sp>
+        <p:nvSpPr>
+          <p:cNvPr id="2" name="Title 1">
+            <a:extLst>
+              <a:ext uri="{FF2B5EF4-FFF2-40B4-BE49-F238E27FC236}">
+                <a16:creationId xmlns:a16="http://schemas.microsoft.com/office/drawing/2014/main" id="{832E6675-6F28-4DC1-A4B0-55EDC2B3889D}"/>
+              </a:ext>
+            </a:extLst>
+          </p:cNvPr>
+          <p:cNvSpPr>
+            <a:spLocks noGrp="1"/>
+          </p:cNvSpPr>
+          <p:nvPr>
+            <p:ph type="title"/>
+          </p:nvPr>
+        </p:nvSpPr>
+        <p:spPr/>
+        <p:txBody>
+          <a:bodyPr/>
+          <a:lstStyle/>
+          <a:p>
+            <a:r>
+              <a:rPr lang="en-US" dirty="0"/>
+              <a:t>Questions?</a:t>
+            </a:r>
+          </a:p>
+        </p:txBody>
+      </p:sp>
+      <p:sp>
+        <p:nvSpPr>
+          <p:cNvPr id="3" name="Content Placeholder 2">
+            <a:extLst>
+              <a:ext uri="{FF2B5EF4-FFF2-40B4-BE49-F238E27FC236}">
+                <a16:creationId xmlns:a16="http://schemas.microsoft.com/office/drawing/2014/main" id="{0EC89C96-7CA0-48DB-8F09-1F603365128B}"/>
+              </a:ext>
+            </a:extLst>
+          </p:cNvPr>
+          <p:cNvSpPr>
+            <a:spLocks noGrp="1"/>
+          </p:cNvSpPr>
+          <p:nvPr>
+            <p:ph idx="1"/>
+          </p:nvPr>
+        </p:nvSpPr>
+        <p:spPr/>
+        <p:txBody>
+          <a:bodyPr/>
+          <a:lstStyle/>
+          <a:p>
+            <a:endParaRPr lang="en-US"/>
+          </a:p>
+        </p:txBody>
+      </p:sp>
+    </p:spTree>
+    <p:extLst>
+      <p:ext uri="{BB962C8B-B14F-4D97-AF65-F5344CB8AC3E}">
+        <p14:creationId xmlns:p14="http://schemas.microsoft.com/office/powerpoint/2010/main" val="605060820"/>
       </p:ext>
     </p:extLst>
   </p:cSld>
@@ -6978,6 +7211,89 @@
           <p:cNvPr id="2" name="Title 1">
             <a:extLst>
               <a:ext uri="{FF2B5EF4-FFF2-40B4-BE49-F238E27FC236}">
+                <a16:creationId xmlns:a16="http://schemas.microsoft.com/office/drawing/2014/main" id="{E8102793-6E9A-4457-8782-67507F4D7FBE}"/>
+              </a:ext>
+            </a:extLst>
+          </p:cNvPr>
+          <p:cNvSpPr>
+            <a:spLocks noGrp="1"/>
+          </p:cNvSpPr>
+          <p:nvPr>
+            <p:ph type="title"/>
+          </p:nvPr>
+        </p:nvSpPr>
+        <p:spPr/>
+        <p:txBody>
+          <a:bodyPr/>
+          <a:lstStyle/>
+          <a:p>
+            <a:r>
+              <a:rPr lang="en-US" dirty="0"/>
+              <a:t>PART 1 – Basic Generation Techniques</a:t>
+            </a:r>
+          </a:p>
+        </p:txBody>
+      </p:sp>
+      <p:sp>
+        <p:nvSpPr>
+          <p:cNvPr id="3" name="Content Placeholder 2">
+            <a:extLst>
+              <a:ext uri="{FF2B5EF4-FFF2-40B4-BE49-F238E27FC236}">
+                <a16:creationId xmlns:a16="http://schemas.microsoft.com/office/drawing/2014/main" id="{8751101C-C620-4E8E-93A3-2C249FAA2D7C}"/>
+              </a:ext>
+            </a:extLst>
+          </p:cNvPr>
+          <p:cNvSpPr>
+            <a:spLocks noGrp="1"/>
+          </p:cNvSpPr>
+          <p:nvPr>
+            <p:ph idx="1"/>
+          </p:nvPr>
+        </p:nvSpPr>
+        <p:spPr/>
+        <p:txBody>
+          <a:bodyPr/>
+          <a:lstStyle/>
+          <a:p>
+            <a:endParaRPr lang="en-US"/>
+          </a:p>
+        </p:txBody>
+      </p:sp>
+    </p:spTree>
+    <p:extLst>
+      <p:ext uri="{BB962C8B-B14F-4D97-AF65-F5344CB8AC3E}">
+        <p14:creationId xmlns:p14="http://schemas.microsoft.com/office/powerpoint/2010/main" val="3676566853"/>
+      </p:ext>
+    </p:extLst>
+  </p:cSld>
+  <p:clrMapOvr>
+    <a:masterClrMapping/>
+  </p:clrMapOvr>
+</p:sld>
+</file>
+
+<file path=ppt/slides/slide6.xml><?xml version="1.0" encoding="utf-8"?>
+<p:sld xmlns:a="http://schemas.openxmlformats.org/drawingml/2006/main" xmlns:r="http://schemas.openxmlformats.org/officeDocument/2006/relationships" xmlns:p="http://schemas.openxmlformats.org/presentationml/2006/main">
+  <p:cSld>
+    <p:spTree>
+      <p:nvGrpSpPr>
+        <p:cNvPr id="1" name=""/>
+        <p:cNvGrpSpPr/>
+        <p:nvPr/>
+      </p:nvGrpSpPr>
+      <p:grpSpPr>
+        <a:xfrm>
+          <a:off x="0" y="0"/>
+          <a:ext cx="0" cy="0"/>
+          <a:chOff x="0" y="0"/>
+          <a:chExt cx="0" cy="0"/>
+        </a:xfrm>
+      </p:grpSpPr>
+      <p:sp>
+        <p:nvSpPr>
+          <p:cNvPr id="2" name="Title 1">
+            <a:extLst>
+              <a:ext uri="{FF2B5EF4-FFF2-40B4-BE49-F238E27FC236}">
                 <a16:creationId xmlns:a16="http://schemas.microsoft.com/office/drawing/2014/main" id="{94A529DF-4875-41DC-92B2-E1A92E228D46}"/>
               </a:ext>
             </a:extLst>
@@ -7088,7 +7404,7 @@
 </p:sld>
 </file>
 
-<file path=ppt/slides/slide6.xml><?xml version="1.0" encoding="utf-8"?>
+<file path=ppt/slides/slide7.xml><?xml version="1.0" encoding="utf-8"?>
 <p:sld xmlns:a="http://schemas.openxmlformats.org/drawingml/2006/main" xmlns:r="http://schemas.openxmlformats.org/officeDocument/2006/relationships" xmlns:p="http://schemas.openxmlformats.org/presentationml/2006/main">
   <p:cSld>
     <p:spTree>
@@ -7178,7 +7494,7 @@
 </p:sld>
 </file>
 
-<file path=ppt/slides/slide7.xml><?xml version="1.0" encoding="utf-8"?>
+<file path=ppt/slides/slide8.xml><?xml version="1.0" encoding="utf-8"?>
 <p:sld xmlns:a="http://schemas.openxmlformats.org/drawingml/2006/main" xmlns:r="http://schemas.openxmlformats.org/officeDocument/2006/relationships" xmlns:p="http://schemas.openxmlformats.org/presentationml/2006/main">
   <p:cSld>
     <p:spTree>
@@ -7273,7 +7589,7 @@
 </p:sld>
 </file>
 
-<file path=ppt/slides/slide8.xml><?xml version="1.0" encoding="utf-8"?>
+<file path=ppt/slides/slide9.xml><?xml version="1.0" encoding="utf-8"?>
 <p:sld xmlns:a="http://schemas.openxmlformats.org/drawingml/2006/main" xmlns:r="http://schemas.openxmlformats.org/officeDocument/2006/relationships" xmlns:p="http://schemas.openxmlformats.org/presentationml/2006/main">
   <p:cSld>
     <p:spTree>
@@ -7359,96 +7675,6 @@
     <p:extLst>
       <p:ext uri="{BB962C8B-B14F-4D97-AF65-F5344CB8AC3E}">
         <p14:creationId xmlns:p14="http://schemas.microsoft.com/office/powerpoint/2010/main" val="4021934274"/>
-      </p:ext>
-    </p:extLst>
-  </p:cSld>
-  <p:clrMapOvr>
-    <a:masterClrMapping/>
-  </p:clrMapOvr>
-</p:sld>
-</file>
-
-<file path=ppt/slides/slide9.xml><?xml version="1.0" encoding="utf-8"?>
-<p:sld xmlns:a="http://schemas.openxmlformats.org/drawingml/2006/main" xmlns:r="http://schemas.openxmlformats.org/officeDocument/2006/relationships" xmlns:p="http://schemas.openxmlformats.org/presentationml/2006/main">
-  <p:cSld>
-    <p:spTree>
-      <p:nvGrpSpPr>
-        <p:cNvPr id="1" name=""/>
-        <p:cNvGrpSpPr/>
-        <p:nvPr/>
-      </p:nvGrpSpPr>
-      <p:grpSpPr>
-        <a:xfrm>
-          <a:off x="0" y="0"/>
-          <a:ext cx="0" cy="0"/>
-          <a:chOff x="0" y="0"/>
-          <a:chExt cx="0" cy="0"/>
-        </a:xfrm>
-      </p:grpSpPr>
-      <p:sp>
-        <p:nvSpPr>
-          <p:cNvPr id="2" name="Title 1">
-            <a:extLst>
-              <a:ext uri="{FF2B5EF4-FFF2-40B4-BE49-F238E27FC236}">
-                <a16:creationId xmlns:a16="http://schemas.microsoft.com/office/drawing/2014/main" id="{48B1E326-A2EF-43CC-83D6-5A36185DB4CA}"/>
-              </a:ext>
-            </a:extLst>
-          </p:cNvPr>
-          <p:cNvSpPr>
-            <a:spLocks noGrp="1"/>
-          </p:cNvSpPr>
-          <p:nvPr>
-            <p:ph type="title"/>
-          </p:nvPr>
-        </p:nvSpPr>
-        <p:spPr/>
-        <p:txBody>
-          <a:bodyPr/>
-          <a:lstStyle/>
-          <a:p>
-            <a:r>
-              <a:rPr lang="en-US" dirty="0"/>
-              <a:t>Add Corridors – Dog-leg Style</a:t>
-            </a:r>
-          </a:p>
-        </p:txBody>
-      </p:sp>
-      <p:pic>
-        <p:nvPicPr>
-          <p:cNvPr id="4" name="Content Placeholder 3">
-            <a:extLst>
-              <a:ext uri="{FF2B5EF4-FFF2-40B4-BE49-F238E27FC236}">
-                <a16:creationId xmlns:a16="http://schemas.microsoft.com/office/drawing/2014/main" id="{56C2399B-1632-463F-9DCE-F64C96C8493F}"/>
-              </a:ext>
-            </a:extLst>
-          </p:cNvPr>
-          <p:cNvPicPr>
-            <a:picLocks noGrp="1" noChangeAspect="1"/>
-          </p:cNvPicPr>
-          <p:nvPr>
-            <p:ph idx="1"/>
-          </p:nvPr>
-        </p:nvPicPr>
-        <p:blipFill>
-          <a:blip r:embed="rId2"/>
-          <a:stretch>
-            <a:fillRect/>
-          </a:stretch>
-        </p:blipFill>
-        <p:spPr>
-          <a:xfrm>
-            <a:off x="3038475" y="1943894"/>
-            <a:ext cx="6115050" cy="4114800"/>
-          </a:xfrm>
-          <a:prstGeom prst="rect">
-            <a:avLst/>
-          </a:prstGeom>
-        </p:spPr>
-      </p:pic>
-    </p:spTree>
-    <p:extLst>
-      <p:ext uri="{BB962C8B-B14F-4D97-AF65-F5344CB8AC3E}">
-        <p14:creationId xmlns:p14="http://schemas.microsoft.com/office/powerpoint/2010/main" val="1135988980"/>
       </p:ext>
     </p:extLst>
   </p:cSld>

--- a/Procedural Map Generation Techniques.pptx
+++ b/Procedural Map Generation Techniques.pptx
@@ -5,7 +5,7 @@
     <p:sldMasterId id="2147483648" r:id="rId1"/>
   </p:sldMasterIdLst>
   <p:notesMasterIdLst>
-    <p:notesMasterId r:id="rId42"/>
+    <p:notesMasterId r:id="rId45"/>
   </p:notesMasterIdLst>
   <p:sldIdLst>
     <p:sldId id="256" r:id="rId2"/>
@@ -33,21 +33,24 @@
     <p:sldId id="299" r:id="rId24"/>
     <p:sldId id="263" r:id="rId25"/>
     <p:sldId id="285" r:id="rId26"/>
-    <p:sldId id="264" r:id="rId27"/>
-    <p:sldId id="286" r:id="rId28"/>
-    <p:sldId id="265" r:id="rId29"/>
-    <p:sldId id="267" r:id="rId30"/>
-    <p:sldId id="268" r:id="rId31"/>
-    <p:sldId id="269" r:id="rId32"/>
-    <p:sldId id="270" r:id="rId33"/>
-    <p:sldId id="271" r:id="rId34"/>
-    <p:sldId id="272" r:id="rId35"/>
-    <p:sldId id="277" r:id="rId36"/>
-    <p:sldId id="273" r:id="rId37"/>
-    <p:sldId id="279" r:id="rId38"/>
-    <p:sldId id="287" r:id="rId39"/>
-    <p:sldId id="275" r:id="rId40"/>
-    <p:sldId id="276" r:id="rId41"/>
+    <p:sldId id="301" r:id="rId27"/>
+    <p:sldId id="302" r:id="rId28"/>
+    <p:sldId id="303" r:id="rId29"/>
+    <p:sldId id="264" r:id="rId30"/>
+    <p:sldId id="286" r:id="rId31"/>
+    <p:sldId id="265" r:id="rId32"/>
+    <p:sldId id="267" r:id="rId33"/>
+    <p:sldId id="268" r:id="rId34"/>
+    <p:sldId id="269" r:id="rId35"/>
+    <p:sldId id="270" r:id="rId36"/>
+    <p:sldId id="271" r:id="rId37"/>
+    <p:sldId id="272" r:id="rId38"/>
+    <p:sldId id="277" r:id="rId39"/>
+    <p:sldId id="273" r:id="rId40"/>
+    <p:sldId id="279" r:id="rId41"/>
+    <p:sldId id="287" r:id="rId42"/>
+    <p:sldId id="275" r:id="rId43"/>
+    <p:sldId id="276" r:id="rId44"/>
   </p:sldIdLst>
   <p:sldSz cx="12192000" cy="6858000"/>
   <p:notesSz cx="6858000" cy="9144000"/>
@@ -568,7 +571,7 @@
           <a:p>
             <a:fld id="{90D22375-8765-45BF-AA5E-53059EF4DFB4}" type="slidenum">
               <a:rPr lang="en-US" smtClean="0"/>
-              <a:t>38</a:t>
+              <a:t>41</a:t>
             </a:fld>
             <a:endParaRPr lang="en-US"/>
           </a:p>
@@ -5646,7 +5649,34 @@
           <a:bodyPr/>
           <a:lstStyle/>
           <a:p>
-            <a:endParaRPr lang="en-US"/>
+            <a:r>
+              <a:rPr lang="en-US" dirty="0"/>
+              <a:t>Give an Umber Hulk an unlimited pot of beer, and see what happens.</a:t>
+            </a:r>
+          </a:p>
+          <a:p>
+            <a:r>
+              <a:rPr lang="en-US" dirty="0"/>
+              <a:t>Starts with a solid level.</a:t>
+            </a:r>
+          </a:p>
+          <a:p>
+            <a:r>
+              <a:rPr lang="en-US" dirty="0"/>
+              <a:t>Place a digger, and have them stagger randomly clearing tiles.</a:t>
+            </a:r>
+          </a:p>
+          <a:p>
+            <a:r>
+              <a:rPr lang="en-US" dirty="0"/>
+              <a:t>Find an open tile, and start a new digger there.</a:t>
+            </a:r>
+          </a:p>
+          <a:p>
+            <a:r>
+              <a:rPr lang="en-US" dirty="0"/>
+              <a:t>Repeat until you have a sufficiently open map.</a:t>
+            </a:r>
           </a:p>
         </p:txBody>
       </p:sp>
@@ -5703,36 +5733,43 @@
           <a:p>
             <a:r>
               <a:rPr lang="en-US" dirty="0"/>
-              <a:t>Drunkard’s Walk Step-by-Step</a:t>
-            </a:r>
-          </a:p>
-        </p:txBody>
-      </p:sp>
-      <p:sp>
-        <p:nvSpPr>
-          <p:cNvPr id="3" name="Content Placeholder 2">
-            <a:extLst>
-              <a:ext uri="{FF2B5EF4-FFF2-40B4-BE49-F238E27FC236}">
-                <a16:creationId xmlns:a16="http://schemas.microsoft.com/office/drawing/2014/main" id="{011AC799-5C95-4243-8DFC-C2CB88C57A2D}"/>
-              </a:ext>
-            </a:extLst>
-          </p:cNvPr>
-          <p:cNvSpPr>
-            <a:spLocks noGrp="1"/>
-          </p:cNvSpPr>
+              <a:t>First Random Digger</a:t>
+            </a:r>
+          </a:p>
+        </p:txBody>
+      </p:sp>
+      <p:pic>
+        <p:nvPicPr>
+          <p:cNvPr id="4" name="Content Placeholder 3">
+            <a:extLst>
+              <a:ext uri="{FF2B5EF4-FFF2-40B4-BE49-F238E27FC236}">
+                <a16:creationId xmlns:a16="http://schemas.microsoft.com/office/drawing/2014/main" id="{C39468E3-EBFC-4E37-8D4E-F6D6719D4AF9}"/>
+              </a:ext>
+            </a:extLst>
+          </p:cNvPr>
+          <p:cNvPicPr>
+            <a:picLocks noGrp="1" noChangeAspect="1"/>
+          </p:cNvPicPr>
           <p:nvPr>
             <p:ph idx="1"/>
           </p:nvPr>
-        </p:nvSpPr>
-        <p:spPr/>
-        <p:txBody>
-          <a:bodyPr/>
-          <a:lstStyle/>
-          <a:p>
-            <a:endParaRPr lang="en-US"/>
-          </a:p>
-        </p:txBody>
-      </p:sp>
+        </p:nvPicPr>
+        <p:blipFill>
+          <a:blip r:embed="rId2"/>
+          <a:stretch>
+            <a:fillRect/>
+          </a:stretch>
+        </p:blipFill>
+        <p:spPr>
+          <a:xfrm>
+            <a:off x="3038475" y="1943894"/>
+            <a:ext cx="6115050" cy="4114800"/>
+          </a:xfrm>
+          <a:prstGeom prst="rect">
+            <a:avLst/>
+          </a:prstGeom>
+        </p:spPr>
+      </p:pic>
     </p:spTree>
     <p:extLst>
       <p:ext uri="{BB962C8B-B14F-4D97-AF65-F5344CB8AC3E}">
@@ -5768,7 +5805,7 @@
           <p:cNvPr id="2" name="Title 1">
             <a:extLst>
               <a:ext uri="{FF2B5EF4-FFF2-40B4-BE49-F238E27FC236}">
-                <a16:creationId xmlns:a16="http://schemas.microsoft.com/office/drawing/2014/main" id="{944765BD-7782-4971-8EBB-FBDE2B502A8F}"/>
+                <a16:creationId xmlns:a16="http://schemas.microsoft.com/office/drawing/2014/main" id="{4A63EA2B-58F7-4242-96F4-EFDB5C1383DC}"/>
               </a:ext>
             </a:extLst>
           </p:cNvPr>
@@ -5786,45 +5823,47 @@
           <a:p>
             <a:r>
               <a:rPr lang="en-US" dirty="0"/>
-              <a:t>Diffusion</a:t>
-            </a:r>
-            <a:r>
-              <a:rPr lang="en-US" baseline="0" dirty="0"/>
-              <a:t> Limited Aggregation</a:t>
-            </a:r>
-            <a:endParaRPr lang="en-US" dirty="0"/>
-          </a:p>
-        </p:txBody>
-      </p:sp>
-      <p:sp>
-        <p:nvSpPr>
-          <p:cNvPr id="3" name="Content Placeholder 2">
-            <a:extLst>
-              <a:ext uri="{FF2B5EF4-FFF2-40B4-BE49-F238E27FC236}">
-                <a16:creationId xmlns:a16="http://schemas.microsoft.com/office/drawing/2014/main" id="{1BFA3AFF-C76B-45D2-884F-433F068B6998}"/>
-              </a:ext>
-            </a:extLst>
-          </p:cNvPr>
-          <p:cNvSpPr>
-            <a:spLocks noGrp="1"/>
-          </p:cNvSpPr>
+              <a:t>Second Random Digger</a:t>
+            </a:r>
+          </a:p>
+        </p:txBody>
+      </p:sp>
+      <p:pic>
+        <p:nvPicPr>
+          <p:cNvPr id="4" name="Content Placeholder 3">
+            <a:extLst>
+              <a:ext uri="{FF2B5EF4-FFF2-40B4-BE49-F238E27FC236}">
+                <a16:creationId xmlns:a16="http://schemas.microsoft.com/office/drawing/2014/main" id="{A0A3B5FB-13E6-41A0-A82B-4D41E87EE487}"/>
+              </a:ext>
+            </a:extLst>
+          </p:cNvPr>
+          <p:cNvPicPr>
+            <a:picLocks noGrp="1" noChangeAspect="1"/>
+          </p:cNvPicPr>
           <p:nvPr>
             <p:ph idx="1"/>
           </p:nvPr>
-        </p:nvSpPr>
-        <p:spPr/>
-        <p:txBody>
-          <a:bodyPr/>
-          <a:lstStyle/>
-          <a:p>
-            <a:endParaRPr lang="en-US"/>
-          </a:p>
-        </p:txBody>
-      </p:sp>
+        </p:nvPicPr>
+        <p:blipFill>
+          <a:blip r:embed="rId2"/>
+          <a:stretch>
+            <a:fillRect/>
+          </a:stretch>
+        </p:blipFill>
+        <p:spPr>
+          <a:xfrm>
+            <a:off x="3038475" y="1943894"/>
+            <a:ext cx="6115050" cy="4114800"/>
+          </a:xfrm>
+          <a:prstGeom prst="rect">
+            <a:avLst/>
+          </a:prstGeom>
+        </p:spPr>
+      </p:pic>
     </p:spTree>
     <p:extLst>
       <p:ext uri="{BB962C8B-B14F-4D97-AF65-F5344CB8AC3E}">
-        <p14:creationId xmlns:p14="http://schemas.microsoft.com/office/powerpoint/2010/main" val="489016542"/>
+        <p14:creationId xmlns:p14="http://schemas.microsoft.com/office/powerpoint/2010/main" val="2989396754"/>
       </p:ext>
     </p:extLst>
   </p:cSld>
@@ -5856,7 +5895,7 @@
           <p:cNvPr id="2" name="Title 1">
             <a:extLst>
               <a:ext uri="{FF2B5EF4-FFF2-40B4-BE49-F238E27FC236}">
-                <a16:creationId xmlns:a16="http://schemas.microsoft.com/office/drawing/2014/main" id="{FF9C2C70-DE06-412E-9369-2EDDCFFA4789}"/>
+                <a16:creationId xmlns:a16="http://schemas.microsoft.com/office/drawing/2014/main" id="{8D5299D9-E29E-4E50-B7F9-58629EE80B76}"/>
               </a:ext>
             </a:extLst>
           </p:cNvPr>
@@ -5874,40 +5913,47 @@
           <a:p>
             <a:r>
               <a:rPr lang="en-US" dirty="0"/>
-              <a:t>DLA Progression</a:t>
-            </a:r>
-          </a:p>
-        </p:txBody>
-      </p:sp>
-      <p:sp>
-        <p:nvSpPr>
-          <p:cNvPr id="3" name="Content Placeholder 2">
-            <a:extLst>
-              <a:ext uri="{FF2B5EF4-FFF2-40B4-BE49-F238E27FC236}">
-                <a16:creationId xmlns:a16="http://schemas.microsoft.com/office/drawing/2014/main" id="{B576F249-9557-4A3D-972E-3CB87B4964BB}"/>
-              </a:ext>
-            </a:extLst>
-          </p:cNvPr>
-          <p:cNvSpPr>
-            <a:spLocks noGrp="1"/>
-          </p:cNvSpPr>
+              <a:t>Keep Digging</a:t>
+            </a:r>
+          </a:p>
+        </p:txBody>
+      </p:sp>
+      <p:pic>
+        <p:nvPicPr>
+          <p:cNvPr id="4" name="Content Placeholder 3">
+            <a:extLst>
+              <a:ext uri="{FF2B5EF4-FFF2-40B4-BE49-F238E27FC236}">
+                <a16:creationId xmlns:a16="http://schemas.microsoft.com/office/drawing/2014/main" id="{C29632AC-A020-497C-AAD3-D6BB7B5BEAAF}"/>
+              </a:ext>
+            </a:extLst>
+          </p:cNvPr>
+          <p:cNvPicPr>
+            <a:picLocks noGrp="1" noChangeAspect="1"/>
+          </p:cNvPicPr>
           <p:nvPr>
             <p:ph idx="1"/>
           </p:nvPr>
-        </p:nvSpPr>
-        <p:spPr/>
-        <p:txBody>
-          <a:bodyPr/>
-          <a:lstStyle/>
-          <a:p>
-            <a:endParaRPr lang="en-US"/>
-          </a:p>
-        </p:txBody>
-      </p:sp>
+        </p:nvPicPr>
+        <p:blipFill>
+          <a:blip r:embed="rId2"/>
+          <a:stretch>
+            <a:fillRect/>
+          </a:stretch>
+        </p:blipFill>
+        <p:spPr>
+          <a:xfrm>
+            <a:off x="3038475" y="1943894"/>
+            <a:ext cx="6115050" cy="4114800"/>
+          </a:xfrm>
+          <a:prstGeom prst="rect">
+            <a:avLst/>
+          </a:prstGeom>
+        </p:spPr>
+      </p:pic>
     </p:spTree>
     <p:extLst>
       <p:ext uri="{BB962C8B-B14F-4D97-AF65-F5344CB8AC3E}">
-        <p14:creationId xmlns:p14="http://schemas.microsoft.com/office/powerpoint/2010/main" val="1839844255"/>
+        <p14:creationId xmlns:p14="http://schemas.microsoft.com/office/powerpoint/2010/main" val="522271576"/>
       </p:ext>
     </p:extLst>
   </p:cSld>
@@ -5939,7 +5985,7 @@
           <p:cNvPr id="2" name="Title 1">
             <a:extLst>
               <a:ext uri="{FF2B5EF4-FFF2-40B4-BE49-F238E27FC236}">
-                <a16:creationId xmlns:a16="http://schemas.microsoft.com/office/drawing/2014/main" id="{A86B5833-62CF-4400-9A8D-F3E212C7B926}"/>
+                <a16:creationId xmlns:a16="http://schemas.microsoft.com/office/drawing/2014/main" id="{F43A58D4-1AD4-42B4-BB82-454851093E5A}"/>
               </a:ext>
             </a:extLst>
           </p:cNvPr>
@@ -5957,40 +6003,50 @@
           <a:p>
             <a:r>
               <a:rPr lang="en-US" dirty="0"/>
-              <a:t>Voronoi Hive Maps</a:t>
-            </a:r>
-          </a:p>
-        </p:txBody>
-      </p:sp>
-      <p:sp>
-        <p:nvSpPr>
-          <p:cNvPr id="3" name="Content Placeholder 2">
-            <a:extLst>
-              <a:ext uri="{FF2B5EF4-FFF2-40B4-BE49-F238E27FC236}">
-                <a16:creationId xmlns:a16="http://schemas.microsoft.com/office/drawing/2014/main" id="{9B116533-FB78-43F8-9FB7-C7AA0C566349}"/>
-              </a:ext>
-            </a:extLst>
-          </p:cNvPr>
-          <p:cNvSpPr>
-            <a:spLocks noGrp="1"/>
-          </p:cNvSpPr>
+              <a:t>Animated Drunkard’s Walk</a:t>
+            </a:r>
+          </a:p>
+        </p:txBody>
+      </p:sp>
+      <p:pic>
+        <p:nvPicPr>
+          <p:cNvPr id="5" name="Content Placeholder 4">
+            <a:extLst>
+              <a:ext uri="{FF2B5EF4-FFF2-40B4-BE49-F238E27FC236}">
+                <a16:creationId xmlns:a16="http://schemas.microsoft.com/office/drawing/2014/main" id="{75AFF850-FAD7-46A2-8E7F-B6A224AD5F42}"/>
+              </a:ext>
+            </a:extLst>
+          </p:cNvPr>
+          <p:cNvPicPr>
+            <a:picLocks noGrp="1" noChangeAspect="1"/>
+          </p:cNvPicPr>
           <p:nvPr>
             <p:ph idx="1"/>
           </p:nvPr>
-        </p:nvSpPr>
-        <p:spPr/>
-        <p:txBody>
-          <a:bodyPr/>
-          <a:lstStyle/>
-          <a:p>
-            <a:endParaRPr lang="en-US"/>
-          </a:p>
-        </p:txBody>
-      </p:sp>
+        </p:nvPicPr>
+        <p:blipFill>
+          <a:blip r:embed="rId2">
+            <a:extLst>
+              <a:ext uri="{28A0092B-C50C-407E-A947-70E740481C1C}">
+                <a14:useLocalDpi xmlns:a14="http://schemas.microsoft.com/office/drawing/2010/main" val="0"/>
+              </a:ext>
+            </a:extLst>
+          </a:blip>
+          <a:stretch>
+            <a:fillRect/>
+          </a:stretch>
+        </p:blipFill>
+        <p:spPr>
+          <a:xfrm>
+            <a:off x="3067050" y="2091531"/>
+            <a:ext cx="6057900" cy="3819525"/>
+          </a:xfrm>
+        </p:spPr>
+      </p:pic>
     </p:spTree>
     <p:extLst>
       <p:ext uri="{BB962C8B-B14F-4D97-AF65-F5344CB8AC3E}">
-        <p14:creationId xmlns:p14="http://schemas.microsoft.com/office/powerpoint/2010/main" val="2865588890"/>
+        <p14:creationId xmlns:p14="http://schemas.microsoft.com/office/powerpoint/2010/main" val="1628320047"/>
       </p:ext>
     </p:extLst>
   </p:cSld>
@@ -6022,7 +6078,7 @@
           <p:cNvPr id="2" name="Title 1">
             <a:extLst>
               <a:ext uri="{FF2B5EF4-FFF2-40B4-BE49-F238E27FC236}">
-                <a16:creationId xmlns:a16="http://schemas.microsoft.com/office/drawing/2014/main" id="{64E18A49-DBDA-4CD7-A663-F9E8E2FFAFF0}"/>
+                <a16:creationId xmlns:a16="http://schemas.microsoft.com/office/drawing/2014/main" id="{944765BD-7782-4971-8EBB-FBDE2B502A8F}"/>
               </a:ext>
             </a:extLst>
           </p:cNvPr>
@@ -6040,8 +6096,13 @@
           <a:p>
             <a:r>
               <a:rPr lang="en-US" dirty="0"/>
-              <a:t>PART 2 – Mix It Up a Bit</a:t>
-            </a:r>
+              <a:t>Diffusion</a:t>
+            </a:r>
+            <a:r>
+              <a:rPr lang="en-US" baseline="0" dirty="0"/>
+              <a:t> Limited Aggregation</a:t>
+            </a:r>
+            <a:endParaRPr lang="en-US" dirty="0"/>
           </a:p>
         </p:txBody>
       </p:sp>
@@ -6050,7 +6111,7 @@
           <p:cNvPr id="3" name="Content Placeholder 2">
             <a:extLst>
               <a:ext uri="{FF2B5EF4-FFF2-40B4-BE49-F238E27FC236}">
-                <a16:creationId xmlns:a16="http://schemas.microsoft.com/office/drawing/2014/main" id="{A6346E82-7C8C-4960-B9B3-A0E6B3AEF447}"/>
+                <a16:creationId xmlns:a16="http://schemas.microsoft.com/office/drawing/2014/main" id="{1BFA3AFF-C76B-45D2-884F-433F068B6998}"/>
               </a:ext>
             </a:extLst>
           </p:cNvPr>
@@ -6073,7 +6134,7 @@
     </p:spTree>
     <p:extLst>
       <p:ext uri="{BB962C8B-B14F-4D97-AF65-F5344CB8AC3E}">
-        <p14:creationId xmlns:p14="http://schemas.microsoft.com/office/powerpoint/2010/main" val="137979892"/>
+        <p14:creationId xmlns:p14="http://schemas.microsoft.com/office/powerpoint/2010/main" val="489016542"/>
       </p:ext>
     </p:extLst>
   </p:cSld>
@@ -6200,7 +6261,7 @@
           <p:cNvPr id="2" name="Title 1">
             <a:extLst>
               <a:ext uri="{FF2B5EF4-FFF2-40B4-BE49-F238E27FC236}">
-                <a16:creationId xmlns:a16="http://schemas.microsoft.com/office/drawing/2014/main" id="{41E81F0C-9813-4A7A-824E-C66E053B5032}"/>
+                <a16:creationId xmlns:a16="http://schemas.microsoft.com/office/drawing/2014/main" id="{FF9C2C70-DE06-412E-9369-2EDDCFFA4789}"/>
               </a:ext>
             </a:extLst>
           </p:cNvPr>
@@ -6218,7 +6279,7 @@
           <a:p>
             <a:r>
               <a:rPr lang="en-US" dirty="0"/>
-              <a:t>Symmetry</a:t>
+              <a:t>DLA Progression</a:t>
             </a:r>
           </a:p>
         </p:txBody>
@@ -6228,7 +6289,7 @@
           <p:cNvPr id="3" name="Content Placeholder 2">
             <a:extLst>
               <a:ext uri="{FF2B5EF4-FFF2-40B4-BE49-F238E27FC236}">
-                <a16:creationId xmlns:a16="http://schemas.microsoft.com/office/drawing/2014/main" id="{BF5F7A17-9452-4B16-A18A-86EBF039A787}"/>
+                <a16:creationId xmlns:a16="http://schemas.microsoft.com/office/drawing/2014/main" id="{B576F249-9557-4A3D-972E-3CB87B4964BB}"/>
               </a:ext>
             </a:extLst>
           </p:cNvPr>
@@ -6251,7 +6312,7 @@
     </p:spTree>
     <p:extLst>
       <p:ext uri="{BB962C8B-B14F-4D97-AF65-F5344CB8AC3E}">
-        <p14:creationId xmlns:p14="http://schemas.microsoft.com/office/powerpoint/2010/main" val="3467330287"/>
+        <p14:creationId xmlns:p14="http://schemas.microsoft.com/office/powerpoint/2010/main" val="1839844255"/>
       </p:ext>
     </p:extLst>
   </p:cSld>
@@ -6283,7 +6344,7 @@
           <p:cNvPr id="2" name="Title 1">
             <a:extLst>
               <a:ext uri="{FF2B5EF4-FFF2-40B4-BE49-F238E27FC236}">
-                <a16:creationId xmlns:a16="http://schemas.microsoft.com/office/drawing/2014/main" id="{B6039A8A-4F8D-4655-8228-4ED9280DC988}"/>
+                <a16:creationId xmlns:a16="http://schemas.microsoft.com/office/drawing/2014/main" id="{A86B5833-62CF-4400-9A8D-F3E212C7B926}"/>
               </a:ext>
             </a:extLst>
           </p:cNvPr>
@@ -6301,7 +6362,7 @@
           <a:p>
             <a:r>
               <a:rPr lang="en-US" dirty="0"/>
-              <a:t>Brushes</a:t>
+              <a:t>Voronoi Hive Maps</a:t>
             </a:r>
           </a:p>
         </p:txBody>
@@ -6311,7 +6372,7 @@
           <p:cNvPr id="3" name="Content Placeholder 2">
             <a:extLst>
               <a:ext uri="{FF2B5EF4-FFF2-40B4-BE49-F238E27FC236}">
-                <a16:creationId xmlns:a16="http://schemas.microsoft.com/office/drawing/2014/main" id="{46D44358-4CED-48CA-B84A-FE789F2F3AF2}"/>
+                <a16:creationId xmlns:a16="http://schemas.microsoft.com/office/drawing/2014/main" id="{9B116533-FB78-43F8-9FB7-C7AA0C566349}"/>
               </a:ext>
             </a:extLst>
           </p:cNvPr>
@@ -6334,7 +6395,7 @@
     </p:spTree>
     <p:extLst>
       <p:ext uri="{BB962C8B-B14F-4D97-AF65-F5344CB8AC3E}">
-        <p14:creationId xmlns:p14="http://schemas.microsoft.com/office/powerpoint/2010/main" val="3639117625"/>
+        <p14:creationId xmlns:p14="http://schemas.microsoft.com/office/powerpoint/2010/main" val="2865588890"/>
       </p:ext>
     </p:extLst>
   </p:cSld>
@@ -6366,7 +6427,7 @@
           <p:cNvPr id="2" name="Title 1">
             <a:extLst>
               <a:ext uri="{FF2B5EF4-FFF2-40B4-BE49-F238E27FC236}">
-                <a16:creationId xmlns:a16="http://schemas.microsoft.com/office/drawing/2014/main" id="{6C4F28FF-4726-46DA-8104-6908F5D5B1FA}"/>
+                <a16:creationId xmlns:a16="http://schemas.microsoft.com/office/drawing/2014/main" id="{64E18A49-DBDA-4CD7-A663-F9E8E2FFAFF0}"/>
               </a:ext>
             </a:extLst>
           </p:cNvPr>
@@ -6384,7 +6445,7 @@
           <a:p>
             <a:r>
               <a:rPr lang="en-US" dirty="0"/>
-              <a:t>Corridor Algorithms</a:t>
+              <a:t>PART 2 – Mix It Up a Bit</a:t>
             </a:r>
           </a:p>
         </p:txBody>
@@ -6394,7 +6455,7 @@
           <p:cNvPr id="3" name="Content Placeholder 2">
             <a:extLst>
               <a:ext uri="{FF2B5EF4-FFF2-40B4-BE49-F238E27FC236}">
-                <a16:creationId xmlns:a16="http://schemas.microsoft.com/office/drawing/2014/main" id="{3610DC7C-3999-4F3F-B5B7-F8F596D0CF33}"/>
+                <a16:creationId xmlns:a16="http://schemas.microsoft.com/office/drawing/2014/main" id="{A6346E82-7C8C-4960-B9B3-A0E6B3AEF447}"/>
               </a:ext>
             </a:extLst>
           </p:cNvPr>
@@ -6417,7 +6478,7 @@
     </p:spTree>
     <p:extLst>
       <p:ext uri="{BB962C8B-B14F-4D97-AF65-F5344CB8AC3E}">
-        <p14:creationId xmlns:p14="http://schemas.microsoft.com/office/powerpoint/2010/main" val="3801445054"/>
+        <p14:creationId xmlns:p14="http://schemas.microsoft.com/office/powerpoint/2010/main" val="137979892"/>
       </p:ext>
     </p:extLst>
   </p:cSld>
@@ -6449,7 +6510,7 @@
           <p:cNvPr id="2" name="Title 1">
             <a:extLst>
               <a:ext uri="{FF2B5EF4-FFF2-40B4-BE49-F238E27FC236}">
-                <a16:creationId xmlns:a16="http://schemas.microsoft.com/office/drawing/2014/main" id="{AD8C7A8E-E306-4298-98E3-184DC25C1E44}"/>
+                <a16:creationId xmlns:a16="http://schemas.microsoft.com/office/drawing/2014/main" id="{41E81F0C-9813-4A7A-824E-C66E053B5032}"/>
               </a:ext>
             </a:extLst>
           </p:cNvPr>
@@ -6467,7 +6528,7 @@
           <a:p>
             <a:r>
               <a:rPr lang="en-US" dirty="0"/>
-              <a:t>Erosion</a:t>
+              <a:t>Symmetry</a:t>
             </a:r>
           </a:p>
         </p:txBody>
@@ -6477,7 +6538,7 @@
           <p:cNvPr id="3" name="Content Placeholder 2">
             <a:extLst>
               <a:ext uri="{FF2B5EF4-FFF2-40B4-BE49-F238E27FC236}">
-                <a16:creationId xmlns:a16="http://schemas.microsoft.com/office/drawing/2014/main" id="{A9296336-7196-4FD3-ACF8-614A951C9903}"/>
+                <a16:creationId xmlns:a16="http://schemas.microsoft.com/office/drawing/2014/main" id="{BF5F7A17-9452-4B16-A18A-86EBF039A787}"/>
               </a:ext>
             </a:extLst>
           </p:cNvPr>
@@ -6500,7 +6561,7 @@
     </p:spTree>
     <p:extLst>
       <p:ext uri="{BB962C8B-B14F-4D97-AF65-F5344CB8AC3E}">
-        <p14:creationId xmlns:p14="http://schemas.microsoft.com/office/powerpoint/2010/main" val="3095117298"/>
+        <p14:creationId xmlns:p14="http://schemas.microsoft.com/office/powerpoint/2010/main" val="3467330287"/>
       </p:ext>
     </p:extLst>
   </p:cSld>
@@ -6532,7 +6593,7 @@
           <p:cNvPr id="2" name="Title 1">
             <a:extLst>
               <a:ext uri="{FF2B5EF4-FFF2-40B4-BE49-F238E27FC236}">
-                <a16:creationId xmlns:a16="http://schemas.microsoft.com/office/drawing/2014/main" id="{C1FD6DB2-10AB-4360-899E-6A646152BA69}"/>
+                <a16:creationId xmlns:a16="http://schemas.microsoft.com/office/drawing/2014/main" id="{B6039A8A-4F8D-4655-8228-4ED9280DC988}"/>
               </a:ext>
             </a:extLst>
           </p:cNvPr>
@@ -6550,7 +6611,7 @@
           <a:p>
             <a:r>
               <a:rPr lang="en-US" dirty="0"/>
-              <a:t>Doors</a:t>
+              <a:t>Brushes</a:t>
             </a:r>
           </a:p>
         </p:txBody>
@@ -6560,7 +6621,7 @@
           <p:cNvPr id="3" name="Content Placeholder 2">
             <a:extLst>
               <a:ext uri="{FF2B5EF4-FFF2-40B4-BE49-F238E27FC236}">
-                <a16:creationId xmlns:a16="http://schemas.microsoft.com/office/drawing/2014/main" id="{6CDBC7A5-A455-4897-9686-3395906C6CF9}"/>
+                <a16:creationId xmlns:a16="http://schemas.microsoft.com/office/drawing/2014/main" id="{46D44358-4CED-48CA-B84A-FE789F2F3AF2}"/>
               </a:ext>
             </a:extLst>
           </p:cNvPr>
@@ -6583,7 +6644,7 @@
     </p:spTree>
     <p:extLst>
       <p:ext uri="{BB962C8B-B14F-4D97-AF65-F5344CB8AC3E}">
-        <p14:creationId xmlns:p14="http://schemas.microsoft.com/office/powerpoint/2010/main" val="1064981247"/>
+        <p14:creationId xmlns:p14="http://schemas.microsoft.com/office/powerpoint/2010/main" val="3639117625"/>
       </p:ext>
     </p:extLst>
   </p:cSld>
@@ -6615,7 +6676,7 @@
           <p:cNvPr id="2" name="Title 1">
             <a:extLst>
               <a:ext uri="{FF2B5EF4-FFF2-40B4-BE49-F238E27FC236}">
-                <a16:creationId xmlns:a16="http://schemas.microsoft.com/office/drawing/2014/main" id="{F63898EB-EB14-4AA3-A2F3-93F16F823063}"/>
+                <a16:creationId xmlns:a16="http://schemas.microsoft.com/office/drawing/2014/main" id="{6C4F28FF-4726-46DA-8104-6908F5D5B1FA}"/>
               </a:ext>
             </a:extLst>
           </p:cNvPr>
@@ -6633,7 +6694,7 @@
           <a:p>
             <a:r>
               <a:rPr lang="en-US" dirty="0"/>
-              <a:t>Waveform Collapse</a:t>
+              <a:t>Corridor Algorithms</a:t>
             </a:r>
           </a:p>
         </p:txBody>
@@ -6643,7 +6704,7 @@
           <p:cNvPr id="3" name="Content Placeholder 2">
             <a:extLst>
               <a:ext uri="{FF2B5EF4-FFF2-40B4-BE49-F238E27FC236}">
-                <a16:creationId xmlns:a16="http://schemas.microsoft.com/office/drawing/2014/main" id="{E769680E-43CF-41B6-8525-D20C6F361581}"/>
+                <a16:creationId xmlns:a16="http://schemas.microsoft.com/office/drawing/2014/main" id="{3610DC7C-3999-4F3F-B5B7-F8F596D0CF33}"/>
               </a:ext>
             </a:extLst>
           </p:cNvPr>
@@ -6666,7 +6727,7 @@
     </p:spTree>
     <p:extLst>
       <p:ext uri="{BB962C8B-B14F-4D97-AF65-F5344CB8AC3E}">
-        <p14:creationId xmlns:p14="http://schemas.microsoft.com/office/powerpoint/2010/main" val="1944686705"/>
+        <p14:creationId xmlns:p14="http://schemas.microsoft.com/office/powerpoint/2010/main" val="3801445054"/>
       </p:ext>
     </p:extLst>
   </p:cSld>
@@ -6698,7 +6759,7 @@
           <p:cNvPr id="2" name="Title 1">
             <a:extLst>
               <a:ext uri="{FF2B5EF4-FFF2-40B4-BE49-F238E27FC236}">
-                <a16:creationId xmlns:a16="http://schemas.microsoft.com/office/drawing/2014/main" id="{CF0248D1-34B2-4B59-AA9F-4E5727216E39}"/>
+                <a16:creationId xmlns:a16="http://schemas.microsoft.com/office/drawing/2014/main" id="{AD8C7A8E-E306-4298-98E3-184DC25C1E44}"/>
               </a:ext>
             </a:extLst>
           </p:cNvPr>
@@ -6716,7 +6777,7 @@
           <a:p>
             <a:r>
               <a:rPr lang="en-US" dirty="0"/>
-              <a:t>PART 3 – Combining Effects</a:t>
+              <a:t>Erosion</a:t>
             </a:r>
           </a:p>
         </p:txBody>
@@ -6726,7 +6787,7 @@
           <p:cNvPr id="3" name="Content Placeholder 2">
             <a:extLst>
               <a:ext uri="{FF2B5EF4-FFF2-40B4-BE49-F238E27FC236}">
-                <a16:creationId xmlns:a16="http://schemas.microsoft.com/office/drawing/2014/main" id="{B5B32EE5-7262-4D89-A488-48E76C108615}"/>
+                <a16:creationId xmlns:a16="http://schemas.microsoft.com/office/drawing/2014/main" id="{A9296336-7196-4FD3-ACF8-614A951C9903}"/>
               </a:ext>
             </a:extLst>
           </p:cNvPr>
@@ -6749,7 +6810,7 @@
     </p:spTree>
     <p:extLst>
       <p:ext uri="{BB962C8B-B14F-4D97-AF65-F5344CB8AC3E}">
-        <p14:creationId xmlns:p14="http://schemas.microsoft.com/office/powerpoint/2010/main" val="2418747065"/>
+        <p14:creationId xmlns:p14="http://schemas.microsoft.com/office/powerpoint/2010/main" val="3095117298"/>
       </p:ext>
     </p:extLst>
   </p:cSld>
@@ -6781,7 +6842,7 @@
           <p:cNvPr id="2" name="Title 1">
             <a:extLst>
               <a:ext uri="{FF2B5EF4-FFF2-40B4-BE49-F238E27FC236}">
-                <a16:creationId xmlns:a16="http://schemas.microsoft.com/office/drawing/2014/main" id="{89C36EFD-6BB0-4705-BD82-297BA51C0014}"/>
+                <a16:creationId xmlns:a16="http://schemas.microsoft.com/office/drawing/2014/main" id="{C1FD6DB2-10AB-4360-899E-6A646152BA69}"/>
               </a:ext>
             </a:extLst>
           </p:cNvPr>
@@ -6799,7 +6860,7 @@
           <a:p>
             <a:r>
               <a:rPr lang="en-US" dirty="0"/>
-              <a:t>PART 5 – Prefabs/Vaults</a:t>
+              <a:t>Doors</a:t>
             </a:r>
           </a:p>
         </p:txBody>
@@ -6809,7 +6870,7 @@
           <p:cNvPr id="3" name="Content Placeholder 2">
             <a:extLst>
               <a:ext uri="{FF2B5EF4-FFF2-40B4-BE49-F238E27FC236}">
-                <a16:creationId xmlns:a16="http://schemas.microsoft.com/office/drawing/2014/main" id="{16DFB016-3A47-4BD6-9336-E19F787A0A4A}"/>
+                <a16:creationId xmlns:a16="http://schemas.microsoft.com/office/drawing/2014/main" id="{6CDBC7A5-A455-4897-9686-3395906C6CF9}"/>
               </a:ext>
             </a:extLst>
           </p:cNvPr>
@@ -6832,7 +6893,7 @@
     </p:spTree>
     <p:extLst>
       <p:ext uri="{BB962C8B-B14F-4D97-AF65-F5344CB8AC3E}">
-        <p14:creationId xmlns:p14="http://schemas.microsoft.com/office/powerpoint/2010/main" val="1537678333"/>
+        <p14:creationId xmlns:p14="http://schemas.microsoft.com/office/powerpoint/2010/main" val="1064981247"/>
       </p:ext>
     </p:extLst>
   </p:cSld>
@@ -6864,7 +6925,7 @@
           <p:cNvPr id="2" name="Title 1">
             <a:extLst>
               <a:ext uri="{FF2B5EF4-FFF2-40B4-BE49-F238E27FC236}">
-                <a16:creationId xmlns:a16="http://schemas.microsoft.com/office/drawing/2014/main" id="{73514E90-1A9D-446D-BBF1-DB341364D814}"/>
+                <a16:creationId xmlns:a16="http://schemas.microsoft.com/office/drawing/2014/main" id="{F63898EB-EB14-4AA3-A2F3-93F16F823063}"/>
               </a:ext>
             </a:extLst>
           </p:cNvPr>
@@ -6882,7 +6943,7 @@
           <a:p>
             <a:r>
               <a:rPr lang="en-US" dirty="0"/>
-              <a:t>Noise</a:t>
+              <a:t>Waveform Collapse</a:t>
             </a:r>
           </a:p>
         </p:txBody>
@@ -6892,7 +6953,7 @@
           <p:cNvPr id="3" name="Content Placeholder 2">
             <a:extLst>
               <a:ext uri="{FF2B5EF4-FFF2-40B4-BE49-F238E27FC236}">
-                <a16:creationId xmlns:a16="http://schemas.microsoft.com/office/drawing/2014/main" id="{19B4B14B-0438-4097-BF2F-FC15D61281A4}"/>
+                <a16:creationId xmlns:a16="http://schemas.microsoft.com/office/drawing/2014/main" id="{E769680E-43CF-41B6-8525-D20C6F361581}"/>
               </a:ext>
             </a:extLst>
           </p:cNvPr>
@@ -6915,7 +6976,7 @@
     </p:spTree>
     <p:extLst>
       <p:ext uri="{BB962C8B-B14F-4D97-AF65-F5344CB8AC3E}">
-        <p14:creationId xmlns:p14="http://schemas.microsoft.com/office/powerpoint/2010/main" val="438433326"/>
+        <p14:creationId xmlns:p14="http://schemas.microsoft.com/office/powerpoint/2010/main" val="1944686705"/>
       </p:ext>
     </p:extLst>
   </p:cSld>
@@ -6947,7 +7008,7 @@
           <p:cNvPr id="2" name="Title 1">
             <a:extLst>
               <a:ext uri="{FF2B5EF4-FFF2-40B4-BE49-F238E27FC236}">
-                <a16:creationId xmlns:a16="http://schemas.microsoft.com/office/drawing/2014/main" id="{954AC10A-DCC4-40DF-8C7C-80872799F6B6}"/>
+                <a16:creationId xmlns:a16="http://schemas.microsoft.com/office/drawing/2014/main" id="{CF0248D1-34B2-4B59-AA9F-4E5727216E39}"/>
               </a:ext>
             </a:extLst>
           </p:cNvPr>
@@ -6965,7 +7026,7 @@
           <a:p>
             <a:r>
               <a:rPr lang="en-US" dirty="0"/>
-              <a:t>Wrap-Up</a:t>
+              <a:t>PART 3 – Combining Effects</a:t>
             </a:r>
           </a:p>
         </p:txBody>
@@ -6975,7 +7036,7 @@
           <p:cNvPr id="3" name="Content Placeholder 2">
             <a:extLst>
               <a:ext uri="{FF2B5EF4-FFF2-40B4-BE49-F238E27FC236}">
-                <a16:creationId xmlns:a16="http://schemas.microsoft.com/office/drawing/2014/main" id="{2C7309C8-A67C-4390-B961-6CAD02F1DE9D}"/>
+                <a16:creationId xmlns:a16="http://schemas.microsoft.com/office/drawing/2014/main" id="{B5B32EE5-7262-4D89-A488-48E76C108615}"/>
               </a:ext>
             </a:extLst>
           </p:cNvPr>
@@ -6998,7 +7059,7 @@
     </p:spTree>
     <p:extLst>
       <p:ext uri="{BB962C8B-B14F-4D97-AF65-F5344CB8AC3E}">
-        <p14:creationId xmlns:p14="http://schemas.microsoft.com/office/powerpoint/2010/main" val="2244430420"/>
+        <p14:creationId xmlns:p14="http://schemas.microsoft.com/office/powerpoint/2010/main" val="2418747065"/>
       </p:ext>
     </p:extLst>
   </p:cSld>
@@ -7107,6 +7168,255 @@
 </file>
 
 <file path=ppt/slides/slide40.xml><?xml version="1.0" encoding="utf-8"?>
+<p:sld xmlns:a="http://schemas.openxmlformats.org/drawingml/2006/main" xmlns:r="http://schemas.openxmlformats.org/officeDocument/2006/relationships" xmlns:p="http://schemas.openxmlformats.org/presentationml/2006/main">
+  <p:cSld>
+    <p:spTree>
+      <p:nvGrpSpPr>
+        <p:cNvPr id="1" name=""/>
+        <p:cNvGrpSpPr/>
+        <p:nvPr/>
+      </p:nvGrpSpPr>
+      <p:grpSpPr>
+        <a:xfrm>
+          <a:off x="0" y="0"/>
+          <a:ext cx="0" cy="0"/>
+          <a:chOff x="0" y="0"/>
+          <a:chExt cx="0" cy="0"/>
+        </a:xfrm>
+      </p:grpSpPr>
+      <p:sp>
+        <p:nvSpPr>
+          <p:cNvPr id="2" name="Title 1">
+            <a:extLst>
+              <a:ext uri="{FF2B5EF4-FFF2-40B4-BE49-F238E27FC236}">
+                <a16:creationId xmlns:a16="http://schemas.microsoft.com/office/drawing/2014/main" id="{89C36EFD-6BB0-4705-BD82-297BA51C0014}"/>
+              </a:ext>
+            </a:extLst>
+          </p:cNvPr>
+          <p:cNvSpPr>
+            <a:spLocks noGrp="1"/>
+          </p:cNvSpPr>
+          <p:nvPr>
+            <p:ph type="title"/>
+          </p:nvPr>
+        </p:nvSpPr>
+        <p:spPr/>
+        <p:txBody>
+          <a:bodyPr/>
+          <a:lstStyle/>
+          <a:p>
+            <a:r>
+              <a:rPr lang="en-US" dirty="0"/>
+              <a:t>PART 5 – Prefabs/Vaults</a:t>
+            </a:r>
+          </a:p>
+        </p:txBody>
+      </p:sp>
+      <p:sp>
+        <p:nvSpPr>
+          <p:cNvPr id="3" name="Content Placeholder 2">
+            <a:extLst>
+              <a:ext uri="{FF2B5EF4-FFF2-40B4-BE49-F238E27FC236}">
+                <a16:creationId xmlns:a16="http://schemas.microsoft.com/office/drawing/2014/main" id="{16DFB016-3A47-4BD6-9336-E19F787A0A4A}"/>
+              </a:ext>
+            </a:extLst>
+          </p:cNvPr>
+          <p:cNvSpPr>
+            <a:spLocks noGrp="1"/>
+          </p:cNvSpPr>
+          <p:nvPr>
+            <p:ph idx="1"/>
+          </p:nvPr>
+        </p:nvSpPr>
+        <p:spPr/>
+        <p:txBody>
+          <a:bodyPr/>
+          <a:lstStyle/>
+          <a:p>
+            <a:endParaRPr lang="en-US"/>
+          </a:p>
+        </p:txBody>
+      </p:sp>
+    </p:spTree>
+    <p:extLst>
+      <p:ext uri="{BB962C8B-B14F-4D97-AF65-F5344CB8AC3E}">
+        <p14:creationId xmlns:p14="http://schemas.microsoft.com/office/powerpoint/2010/main" val="1537678333"/>
+      </p:ext>
+    </p:extLst>
+  </p:cSld>
+  <p:clrMapOvr>
+    <a:masterClrMapping/>
+  </p:clrMapOvr>
+</p:sld>
+</file>
+
+<file path=ppt/slides/slide41.xml><?xml version="1.0" encoding="utf-8"?>
+<p:sld xmlns:a="http://schemas.openxmlformats.org/drawingml/2006/main" xmlns:r="http://schemas.openxmlformats.org/officeDocument/2006/relationships" xmlns:p="http://schemas.openxmlformats.org/presentationml/2006/main">
+  <p:cSld>
+    <p:spTree>
+      <p:nvGrpSpPr>
+        <p:cNvPr id="1" name=""/>
+        <p:cNvGrpSpPr/>
+        <p:nvPr/>
+      </p:nvGrpSpPr>
+      <p:grpSpPr>
+        <a:xfrm>
+          <a:off x="0" y="0"/>
+          <a:ext cx="0" cy="0"/>
+          <a:chOff x="0" y="0"/>
+          <a:chExt cx="0" cy="0"/>
+        </a:xfrm>
+      </p:grpSpPr>
+      <p:sp>
+        <p:nvSpPr>
+          <p:cNvPr id="2" name="Title 1">
+            <a:extLst>
+              <a:ext uri="{FF2B5EF4-FFF2-40B4-BE49-F238E27FC236}">
+                <a16:creationId xmlns:a16="http://schemas.microsoft.com/office/drawing/2014/main" id="{73514E90-1A9D-446D-BBF1-DB341364D814}"/>
+              </a:ext>
+            </a:extLst>
+          </p:cNvPr>
+          <p:cNvSpPr>
+            <a:spLocks noGrp="1"/>
+          </p:cNvSpPr>
+          <p:nvPr>
+            <p:ph type="title"/>
+          </p:nvPr>
+        </p:nvSpPr>
+        <p:spPr/>
+        <p:txBody>
+          <a:bodyPr/>
+          <a:lstStyle/>
+          <a:p>
+            <a:r>
+              <a:rPr lang="en-US" dirty="0"/>
+              <a:t>Noise</a:t>
+            </a:r>
+          </a:p>
+        </p:txBody>
+      </p:sp>
+      <p:sp>
+        <p:nvSpPr>
+          <p:cNvPr id="3" name="Content Placeholder 2">
+            <a:extLst>
+              <a:ext uri="{FF2B5EF4-FFF2-40B4-BE49-F238E27FC236}">
+                <a16:creationId xmlns:a16="http://schemas.microsoft.com/office/drawing/2014/main" id="{19B4B14B-0438-4097-BF2F-FC15D61281A4}"/>
+              </a:ext>
+            </a:extLst>
+          </p:cNvPr>
+          <p:cNvSpPr>
+            <a:spLocks noGrp="1"/>
+          </p:cNvSpPr>
+          <p:nvPr>
+            <p:ph idx="1"/>
+          </p:nvPr>
+        </p:nvSpPr>
+        <p:spPr/>
+        <p:txBody>
+          <a:bodyPr/>
+          <a:lstStyle/>
+          <a:p>
+            <a:endParaRPr lang="en-US"/>
+          </a:p>
+        </p:txBody>
+      </p:sp>
+    </p:spTree>
+    <p:extLst>
+      <p:ext uri="{BB962C8B-B14F-4D97-AF65-F5344CB8AC3E}">
+        <p14:creationId xmlns:p14="http://schemas.microsoft.com/office/powerpoint/2010/main" val="438433326"/>
+      </p:ext>
+    </p:extLst>
+  </p:cSld>
+  <p:clrMapOvr>
+    <a:masterClrMapping/>
+  </p:clrMapOvr>
+</p:sld>
+</file>
+
+<file path=ppt/slides/slide42.xml><?xml version="1.0" encoding="utf-8"?>
+<p:sld xmlns:a="http://schemas.openxmlformats.org/drawingml/2006/main" xmlns:r="http://schemas.openxmlformats.org/officeDocument/2006/relationships" xmlns:p="http://schemas.openxmlformats.org/presentationml/2006/main">
+  <p:cSld>
+    <p:spTree>
+      <p:nvGrpSpPr>
+        <p:cNvPr id="1" name=""/>
+        <p:cNvGrpSpPr/>
+        <p:nvPr/>
+      </p:nvGrpSpPr>
+      <p:grpSpPr>
+        <a:xfrm>
+          <a:off x="0" y="0"/>
+          <a:ext cx="0" cy="0"/>
+          <a:chOff x="0" y="0"/>
+          <a:chExt cx="0" cy="0"/>
+        </a:xfrm>
+      </p:grpSpPr>
+      <p:sp>
+        <p:nvSpPr>
+          <p:cNvPr id="2" name="Title 1">
+            <a:extLst>
+              <a:ext uri="{FF2B5EF4-FFF2-40B4-BE49-F238E27FC236}">
+                <a16:creationId xmlns:a16="http://schemas.microsoft.com/office/drawing/2014/main" id="{954AC10A-DCC4-40DF-8C7C-80872799F6B6}"/>
+              </a:ext>
+            </a:extLst>
+          </p:cNvPr>
+          <p:cNvSpPr>
+            <a:spLocks noGrp="1"/>
+          </p:cNvSpPr>
+          <p:nvPr>
+            <p:ph type="title"/>
+          </p:nvPr>
+        </p:nvSpPr>
+        <p:spPr/>
+        <p:txBody>
+          <a:bodyPr/>
+          <a:lstStyle/>
+          <a:p>
+            <a:r>
+              <a:rPr lang="en-US" dirty="0"/>
+              <a:t>Wrap-Up</a:t>
+            </a:r>
+          </a:p>
+        </p:txBody>
+      </p:sp>
+      <p:sp>
+        <p:nvSpPr>
+          <p:cNvPr id="3" name="Content Placeholder 2">
+            <a:extLst>
+              <a:ext uri="{FF2B5EF4-FFF2-40B4-BE49-F238E27FC236}">
+                <a16:creationId xmlns:a16="http://schemas.microsoft.com/office/drawing/2014/main" id="{2C7309C8-A67C-4390-B961-6CAD02F1DE9D}"/>
+              </a:ext>
+            </a:extLst>
+          </p:cNvPr>
+          <p:cNvSpPr>
+            <a:spLocks noGrp="1"/>
+          </p:cNvSpPr>
+          <p:nvPr>
+            <p:ph idx="1"/>
+          </p:nvPr>
+        </p:nvSpPr>
+        <p:spPr/>
+        <p:txBody>
+          <a:bodyPr/>
+          <a:lstStyle/>
+          <a:p>
+            <a:endParaRPr lang="en-US"/>
+          </a:p>
+        </p:txBody>
+      </p:sp>
+    </p:spTree>
+    <p:extLst>
+      <p:ext uri="{BB962C8B-B14F-4D97-AF65-F5344CB8AC3E}">
+        <p14:creationId xmlns:p14="http://schemas.microsoft.com/office/powerpoint/2010/main" val="2244430420"/>
+      </p:ext>
+    </p:extLst>
+  </p:cSld>
+  <p:clrMapOvr>
+    <a:masterClrMapping/>
+  </p:clrMapOvr>
+</p:sld>
+</file>
+
+<file path=ppt/slides/slide43.xml><?xml version="1.0" encoding="utf-8"?>
 <p:sld xmlns:a="http://schemas.openxmlformats.org/drawingml/2006/main" xmlns:r="http://schemas.openxmlformats.org/officeDocument/2006/relationships" xmlns:p="http://schemas.openxmlformats.org/presentationml/2006/main">
   <p:cSld>
     <p:spTree>

--- a/Procedural Map Generation Techniques.pptx
+++ b/Procedural Map Generation Techniques.pptx
@@ -5,7 +5,7 @@
     <p:sldMasterId id="2147483648" r:id="rId1"/>
   </p:sldMasterIdLst>
   <p:notesMasterIdLst>
-    <p:notesMasterId r:id="rId45"/>
+    <p:notesMasterId r:id="rId41"/>
   </p:notesMasterIdLst>
   <p:sldIdLst>
     <p:sldId id="256" r:id="rId2"/>
@@ -42,15 +42,11 @@
     <p:sldId id="267" r:id="rId33"/>
     <p:sldId id="268" r:id="rId34"/>
     <p:sldId id="269" r:id="rId35"/>
-    <p:sldId id="270" r:id="rId36"/>
-    <p:sldId id="271" r:id="rId37"/>
-    <p:sldId id="272" r:id="rId38"/>
-    <p:sldId id="277" r:id="rId39"/>
-    <p:sldId id="273" r:id="rId40"/>
-    <p:sldId id="279" r:id="rId41"/>
-    <p:sldId id="287" r:id="rId42"/>
-    <p:sldId id="275" r:id="rId43"/>
-    <p:sldId id="276" r:id="rId44"/>
+    <p:sldId id="277" r:id="rId36"/>
+    <p:sldId id="273" r:id="rId37"/>
+    <p:sldId id="279" r:id="rId38"/>
+    <p:sldId id="275" r:id="rId39"/>
+    <p:sldId id="276" r:id="rId40"/>
   </p:sldIdLst>
   <p:sldSz cx="12192000" cy="6858000"/>
   <p:notesSz cx="6858000" cy="9144000"/>
@@ -504,90 +500,6 @@
     </a:lvl9pPr>
   </p:notesStyle>
 </p:notesMaster>
-</file>
-
-<file path=ppt/notesSlides/notesSlide1.xml><?xml version="1.0" encoding="utf-8"?>
-<p:notes xmlns:a="http://schemas.openxmlformats.org/drawingml/2006/main" xmlns:r="http://schemas.openxmlformats.org/officeDocument/2006/relationships" xmlns:p="http://schemas.openxmlformats.org/presentationml/2006/main">
-  <p:cSld>
-    <p:spTree>
-      <p:nvGrpSpPr>
-        <p:cNvPr id="1" name=""/>
-        <p:cNvGrpSpPr/>
-        <p:nvPr/>
-      </p:nvGrpSpPr>
-      <p:grpSpPr>
-        <a:xfrm>
-          <a:off x="0" y="0"/>
-          <a:ext cx="0" cy="0"/>
-          <a:chOff x="0" y="0"/>
-          <a:chExt cx="0" cy="0"/>
-        </a:xfrm>
-      </p:grpSpPr>
-      <p:sp>
-        <p:nvSpPr>
-          <p:cNvPr id="2" name="Slide Image Placeholder 1"/>
-          <p:cNvSpPr>
-            <a:spLocks noGrp="1" noRot="1" noChangeAspect="1"/>
-          </p:cNvSpPr>
-          <p:nvPr>
-            <p:ph type="sldImg"/>
-          </p:nvPr>
-        </p:nvSpPr>
-        <p:spPr/>
-      </p:sp>
-      <p:sp>
-        <p:nvSpPr>
-          <p:cNvPr id="3" name="Notes Placeholder 2"/>
-          <p:cNvSpPr>
-            <a:spLocks noGrp="1"/>
-          </p:cNvSpPr>
-          <p:nvPr>
-            <p:ph type="body" idx="1"/>
-          </p:nvPr>
-        </p:nvSpPr>
-        <p:spPr/>
-        <p:txBody>
-          <a:bodyPr/>
-          <a:lstStyle/>
-          <a:p>
-            <a:endParaRPr lang="en-US" dirty="0"/>
-          </a:p>
-        </p:txBody>
-      </p:sp>
-      <p:sp>
-        <p:nvSpPr>
-          <p:cNvPr id="4" name="Slide Number Placeholder 3"/>
-          <p:cNvSpPr>
-            <a:spLocks noGrp="1"/>
-          </p:cNvSpPr>
-          <p:nvPr>
-            <p:ph type="sldNum" sz="quarter" idx="5"/>
-          </p:nvPr>
-        </p:nvSpPr>
-        <p:spPr/>
-        <p:txBody>
-          <a:bodyPr/>
-          <a:lstStyle/>
-          <a:p>
-            <a:fld id="{90D22375-8765-45BF-AA5E-53059EF4DFB4}" type="slidenum">
-              <a:rPr lang="en-US" smtClean="0"/>
-              <a:t>41</a:t>
-            </a:fld>
-            <a:endParaRPr lang="en-US"/>
-          </a:p>
-        </p:txBody>
-      </p:sp>
-    </p:spTree>
-    <p:extLst>
-      <p:ext uri="{BB962C8B-B14F-4D97-AF65-F5344CB8AC3E}">
-        <p14:creationId xmlns:p14="http://schemas.microsoft.com/office/powerpoint/2010/main" val="2800558417"/>
-      </p:ext>
-    </p:extLst>
-  </p:cSld>
-  <p:clrMapOvr>
-    <a:masterClrMapping/>
-  </p:clrMapOvr>
-</p:notes>
 </file>
 
 <file path=ppt/slideLayouts/slideLayout1.xml><?xml version="1.0" encoding="utf-8"?>
@@ -6445,7 +6357,7 @@
           <a:p>
             <a:r>
               <a:rPr lang="en-US" dirty="0"/>
-              <a:t>PART 2 – Mix It Up a Bit</a:t>
+              <a:t>PART 2 – Meta-Builders</a:t>
             </a:r>
           </a:p>
         </p:txBody>
@@ -6471,7 +6383,24 @@
           <a:bodyPr/>
           <a:lstStyle/>
           <a:p>
-            <a:endParaRPr lang="en-US"/>
+            <a:r>
+              <a:rPr lang="en-US" dirty="0"/>
+              <a:t>One algorithm isn’t always enough.</a:t>
+            </a:r>
+          </a:p>
+          <a:p>
+            <a:r>
+              <a:rPr lang="en-US" dirty="0"/>
+              <a:t>You can always run a </a:t>
+            </a:r>
+            <a:r>
+              <a:rPr lang="en-US" i="1" dirty="0"/>
+              <a:t>second</a:t>
+            </a:r>
+            <a:r>
+              <a:rPr lang="en-US" dirty="0"/>
+              <a:t> algorithm using your first as its input.</a:t>
+            </a:r>
           </a:p>
         </p:txBody>
       </p:sp>
@@ -6528,7 +6457,7 @@
           <a:p>
             <a:r>
               <a:rPr lang="en-US" dirty="0"/>
-              <a:t>Symmetry</a:t>
+              <a:t>Eroding Maps</a:t>
             </a:r>
           </a:p>
         </p:txBody>
@@ -6611,7 +6540,7 @@
           <a:p>
             <a:r>
               <a:rPr lang="en-US" dirty="0"/>
-              <a:t>Brushes</a:t>
+              <a:t>Adding Symmetry</a:t>
             </a:r>
           </a:p>
         </p:txBody>
@@ -6676,7 +6605,7 @@
           <p:cNvPr id="2" name="Title 1">
             <a:extLst>
               <a:ext uri="{FF2B5EF4-FFF2-40B4-BE49-F238E27FC236}">
-                <a16:creationId xmlns:a16="http://schemas.microsoft.com/office/drawing/2014/main" id="{6C4F28FF-4726-46DA-8104-6908F5D5B1FA}"/>
+                <a16:creationId xmlns:a16="http://schemas.microsoft.com/office/drawing/2014/main" id="{F63898EB-EB14-4AA3-A2F3-93F16F823063}"/>
               </a:ext>
             </a:extLst>
           </p:cNvPr>
@@ -6694,7 +6623,7 @@
           <a:p>
             <a:r>
               <a:rPr lang="en-US" dirty="0"/>
-              <a:t>Corridor Algorithms</a:t>
+              <a:t>Waveform Collapse</a:t>
             </a:r>
           </a:p>
         </p:txBody>
@@ -6704,7 +6633,7 @@
           <p:cNvPr id="3" name="Content Placeholder 2">
             <a:extLst>
               <a:ext uri="{FF2B5EF4-FFF2-40B4-BE49-F238E27FC236}">
-                <a16:creationId xmlns:a16="http://schemas.microsoft.com/office/drawing/2014/main" id="{3610DC7C-3999-4F3F-B5B7-F8F596D0CF33}"/>
+                <a16:creationId xmlns:a16="http://schemas.microsoft.com/office/drawing/2014/main" id="{E769680E-43CF-41B6-8525-D20C6F361581}"/>
               </a:ext>
             </a:extLst>
           </p:cNvPr>
@@ -6727,7 +6656,7 @@
     </p:spTree>
     <p:extLst>
       <p:ext uri="{BB962C8B-B14F-4D97-AF65-F5344CB8AC3E}">
-        <p14:creationId xmlns:p14="http://schemas.microsoft.com/office/powerpoint/2010/main" val="3801445054"/>
+        <p14:creationId xmlns:p14="http://schemas.microsoft.com/office/powerpoint/2010/main" val="1944686705"/>
       </p:ext>
     </p:extLst>
   </p:cSld>
@@ -6759,7 +6688,7 @@
           <p:cNvPr id="2" name="Title 1">
             <a:extLst>
               <a:ext uri="{FF2B5EF4-FFF2-40B4-BE49-F238E27FC236}">
-                <a16:creationId xmlns:a16="http://schemas.microsoft.com/office/drawing/2014/main" id="{AD8C7A8E-E306-4298-98E3-184DC25C1E44}"/>
+                <a16:creationId xmlns:a16="http://schemas.microsoft.com/office/drawing/2014/main" id="{CF0248D1-34B2-4B59-AA9F-4E5727216E39}"/>
               </a:ext>
             </a:extLst>
           </p:cNvPr>
@@ -6777,8 +6706,13 @@
           <a:p>
             <a:r>
               <a:rPr lang="en-US" dirty="0"/>
-              <a:t>Erosion</a:t>
-            </a:r>
+              <a:t>PART 3 – Let’s </a:t>
+            </a:r>
+            <a:r>
+              <a:rPr lang="en-US"/>
+              <a:t>Make Some Noise</a:t>
+            </a:r>
+            <a:endParaRPr lang="en-US" dirty="0"/>
           </a:p>
         </p:txBody>
       </p:sp>
@@ -6787,7 +6721,7 @@
           <p:cNvPr id="3" name="Content Placeholder 2">
             <a:extLst>
               <a:ext uri="{FF2B5EF4-FFF2-40B4-BE49-F238E27FC236}">
-                <a16:creationId xmlns:a16="http://schemas.microsoft.com/office/drawing/2014/main" id="{A9296336-7196-4FD3-ACF8-614A951C9903}"/>
+                <a16:creationId xmlns:a16="http://schemas.microsoft.com/office/drawing/2014/main" id="{B5B32EE5-7262-4D89-A488-48E76C108615}"/>
               </a:ext>
             </a:extLst>
           </p:cNvPr>
@@ -6810,7 +6744,7 @@
     </p:spTree>
     <p:extLst>
       <p:ext uri="{BB962C8B-B14F-4D97-AF65-F5344CB8AC3E}">
-        <p14:creationId xmlns:p14="http://schemas.microsoft.com/office/powerpoint/2010/main" val="3095117298"/>
+        <p14:creationId xmlns:p14="http://schemas.microsoft.com/office/powerpoint/2010/main" val="2418747065"/>
       </p:ext>
     </p:extLst>
   </p:cSld>
@@ -6842,7 +6776,7 @@
           <p:cNvPr id="2" name="Title 1">
             <a:extLst>
               <a:ext uri="{FF2B5EF4-FFF2-40B4-BE49-F238E27FC236}">
-                <a16:creationId xmlns:a16="http://schemas.microsoft.com/office/drawing/2014/main" id="{C1FD6DB2-10AB-4360-899E-6A646152BA69}"/>
+                <a16:creationId xmlns:a16="http://schemas.microsoft.com/office/drawing/2014/main" id="{89C36EFD-6BB0-4705-BD82-297BA51C0014}"/>
               </a:ext>
             </a:extLst>
           </p:cNvPr>
@@ -6860,7 +6794,7 @@
           <a:p>
             <a:r>
               <a:rPr lang="en-US" dirty="0"/>
-              <a:t>Doors</a:t>
+              <a:t>PART 4 – Prefabs/Vaults</a:t>
             </a:r>
           </a:p>
         </p:txBody>
@@ -6870,7 +6804,7 @@
           <p:cNvPr id="3" name="Content Placeholder 2">
             <a:extLst>
               <a:ext uri="{FF2B5EF4-FFF2-40B4-BE49-F238E27FC236}">
-                <a16:creationId xmlns:a16="http://schemas.microsoft.com/office/drawing/2014/main" id="{6CDBC7A5-A455-4897-9686-3395906C6CF9}"/>
+                <a16:creationId xmlns:a16="http://schemas.microsoft.com/office/drawing/2014/main" id="{16DFB016-3A47-4BD6-9336-E19F787A0A4A}"/>
               </a:ext>
             </a:extLst>
           </p:cNvPr>
@@ -6893,7 +6827,7 @@
     </p:spTree>
     <p:extLst>
       <p:ext uri="{BB962C8B-B14F-4D97-AF65-F5344CB8AC3E}">
-        <p14:creationId xmlns:p14="http://schemas.microsoft.com/office/powerpoint/2010/main" val="1064981247"/>
+        <p14:creationId xmlns:p14="http://schemas.microsoft.com/office/powerpoint/2010/main" val="1537678333"/>
       </p:ext>
     </p:extLst>
   </p:cSld>
@@ -6925,7 +6859,7 @@
           <p:cNvPr id="2" name="Title 1">
             <a:extLst>
               <a:ext uri="{FF2B5EF4-FFF2-40B4-BE49-F238E27FC236}">
-                <a16:creationId xmlns:a16="http://schemas.microsoft.com/office/drawing/2014/main" id="{F63898EB-EB14-4AA3-A2F3-93F16F823063}"/>
+                <a16:creationId xmlns:a16="http://schemas.microsoft.com/office/drawing/2014/main" id="{954AC10A-DCC4-40DF-8C7C-80872799F6B6}"/>
               </a:ext>
             </a:extLst>
           </p:cNvPr>
@@ -6943,7 +6877,7 @@
           <a:p>
             <a:r>
               <a:rPr lang="en-US" dirty="0"/>
-              <a:t>Waveform Collapse</a:t>
+              <a:t>Wrap-Up</a:t>
             </a:r>
           </a:p>
         </p:txBody>
@@ -6953,7 +6887,7 @@
           <p:cNvPr id="3" name="Content Placeholder 2">
             <a:extLst>
               <a:ext uri="{FF2B5EF4-FFF2-40B4-BE49-F238E27FC236}">
-                <a16:creationId xmlns:a16="http://schemas.microsoft.com/office/drawing/2014/main" id="{E769680E-43CF-41B6-8525-D20C6F361581}"/>
+                <a16:creationId xmlns:a16="http://schemas.microsoft.com/office/drawing/2014/main" id="{2C7309C8-A67C-4390-B961-6CAD02F1DE9D}"/>
               </a:ext>
             </a:extLst>
           </p:cNvPr>
@@ -6976,7 +6910,7 @@
     </p:spTree>
     <p:extLst>
       <p:ext uri="{BB962C8B-B14F-4D97-AF65-F5344CB8AC3E}">
-        <p14:creationId xmlns:p14="http://schemas.microsoft.com/office/powerpoint/2010/main" val="1944686705"/>
+        <p14:creationId xmlns:p14="http://schemas.microsoft.com/office/powerpoint/2010/main" val="2244430420"/>
       </p:ext>
     </p:extLst>
   </p:cSld>
@@ -7008,7 +6942,7 @@
           <p:cNvPr id="2" name="Title 1">
             <a:extLst>
               <a:ext uri="{FF2B5EF4-FFF2-40B4-BE49-F238E27FC236}">
-                <a16:creationId xmlns:a16="http://schemas.microsoft.com/office/drawing/2014/main" id="{CF0248D1-34B2-4B59-AA9F-4E5727216E39}"/>
+                <a16:creationId xmlns:a16="http://schemas.microsoft.com/office/drawing/2014/main" id="{832E6675-6F28-4DC1-A4B0-55EDC2B3889D}"/>
               </a:ext>
             </a:extLst>
           </p:cNvPr>
@@ -7026,7 +6960,7 @@
           <a:p>
             <a:r>
               <a:rPr lang="en-US" dirty="0"/>
-              <a:t>PART 3 – Combining Effects</a:t>
+              <a:t>Questions?</a:t>
             </a:r>
           </a:p>
         </p:txBody>
@@ -7036,7 +6970,7 @@
           <p:cNvPr id="3" name="Content Placeholder 2">
             <a:extLst>
               <a:ext uri="{FF2B5EF4-FFF2-40B4-BE49-F238E27FC236}">
-                <a16:creationId xmlns:a16="http://schemas.microsoft.com/office/drawing/2014/main" id="{B5B32EE5-7262-4D89-A488-48E76C108615}"/>
+                <a16:creationId xmlns:a16="http://schemas.microsoft.com/office/drawing/2014/main" id="{0EC89C96-7CA0-48DB-8F09-1F603365128B}"/>
               </a:ext>
             </a:extLst>
           </p:cNvPr>
@@ -7059,7 +6993,7 @@
     </p:spTree>
     <p:extLst>
       <p:ext uri="{BB962C8B-B14F-4D97-AF65-F5344CB8AC3E}">
-        <p14:creationId xmlns:p14="http://schemas.microsoft.com/office/powerpoint/2010/main" val="2418747065"/>
+        <p14:creationId xmlns:p14="http://schemas.microsoft.com/office/powerpoint/2010/main" val="605060820"/>
       </p:ext>
     </p:extLst>
   </p:cSld>
@@ -7158,338 +7092,6 @@
     <p:extLst>
       <p:ext uri="{BB962C8B-B14F-4D97-AF65-F5344CB8AC3E}">
         <p14:creationId xmlns:p14="http://schemas.microsoft.com/office/powerpoint/2010/main" val="1400163740"/>
-      </p:ext>
-    </p:extLst>
-  </p:cSld>
-  <p:clrMapOvr>
-    <a:masterClrMapping/>
-  </p:clrMapOvr>
-</p:sld>
-</file>
-
-<file path=ppt/slides/slide40.xml><?xml version="1.0" encoding="utf-8"?>
-<p:sld xmlns:a="http://schemas.openxmlformats.org/drawingml/2006/main" xmlns:r="http://schemas.openxmlformats.org/officeDocument/2006/relationships" xmlns:p="http://schemas.openxmlformats.org/presentationml/2006/main">
-  <p:cSld>
-    <p:spTree>
-      <p:nvGrpSpPr>
-        <p:cNvPr id="1" name=""/>
-        <p:cNvGrpSpPr/>
-        <p:nvPr/>
-      </p:nvGrpSpPr>
-      <p:grpSpPr>
-        <a:xfrm>
-          <a:off x="0" y="0"/>
-          <a:ext cx="0" cy="0"/>
-          <a:chOff x="0" y="0"/>
-          <a:chExt cx="0" cy="0"/>
-        </a:xfrm>
-      </p:grpSpPr>
-      <p:sp>
-        <p:nvSpPr>
-          <p:cNvPr id="2" name="Title 1">
-            <a:extLst>
-              <a:ext uri="{FF2B5EF4-FFF2-40B4-BE49-F238E27FC236}">
-                <a16:creationId xmlns:a16="http://schemas.microsoft.com/office/drawing/2014/main" id="{89C36EFD-6BB0-4705-BD82-297BA51C0014}"/>
-              </a:ext>
-            </a:extLst>
-          </p:cNvPr>
-          <p:cNvSpPr>
-            <a:spLocks noGrp="1"/>
-          </p:cNvSpPr>
-          <p:nvPr>
-            <p:ph type="title"/>
-          </p:nvPr>
-        </p:nvSpPr>
-        <p:spPr/>
-        <p:txBody>
-          <a:bodyPr/>
-          <a:lstStyle/>
-          <a:p>
-            <a:r>
-              <a:rPr lang="en-US" dirty="0"/>
-              <a:t>PART 5 – Prefabs/Vaults</a:t>
-            </a:r>
-          </a:p>
-        </p:txBody>
-      </p:sp>
-      <p:sp>
-        <p:nvSpPr>
-          <p:cNvPr id="3" name="Content Placeholder 2">
-            <a:extLst>
-              <a:ext uri="{FF2B5EF4-FFF2-40B4-BE49-F238E27FC236}">
-                <a16:creationId xmlns:a16="http://schemas.microsoft.com/office/drawing/2014/main" id="{16DFB016-3A47-4BD6-9336-E19F787A0A4A}"/>
-              </a:ext>
-            </a:extLst>
-          </p:cNvPr>
-          <p:cNvSpPr>
-            <a:spLocks noGrp="1"/>
-          </p:cNvSpPr>
-          <p:nvPr>
-            <p:ph idx="1"/>
-          </p:nvPr>
-        </p:nvSpPr>
-        <p:spPr/>
-        <p:txBody>
-          <a:bodyPr/>
-          <a:lstStyle/>
-          <a:p>
-            <a:endParaRPr lang="en-US"/>
-          </a:p>
-        </p:txBody>
-      </p:sp>
-    </p:spTree>
-    <p:extLst>
-      <p:ext uri="{BB962C8B-B14F-4D97-AF65-F5344CB8AC3E}">
-        <p14:creationId xmlns:p14="http://schemas.microsoft.com/office/powerpoint/2010/main" val="1537678333"/>
-      </p:ext>
-    </p:extLst>
-  </p:cSld>
-  <p:clrMapOvr>
-    <a:masterClrMapping/>
-  </p:clrMapOvr>
-</p:sld>
-</file>
-
-<file path=ppt/slides/slide41.xml><?xml version="1.0" encoding="utf-8"?>
-<p:sld xmlns:a="http://schemas.openxmlformats.org/drawingml/2006/main" xmlns:r="http://schemas.openxmlformats.org/officeDocument/2006/relationships" xmlns:p="http://schemas.openxmlformats.org/presentationml/2006/main">
-  <p:cSld>
-    <p:spTree>
-      <p:nvGrpSpPr>
-        <p:cNvPr id="1" name=""/>
-        <p:cNvGrpSpPr/>
-        <p:nvPr/>
-      </p:nvGrpSpPr>
-      <p:grpSpPr>
-        <a:xfrm>
-          <a:off x="0" y="0"/>
-          <a:ext cx="0" cy="0"/>
-          <a:chOff x="0" y="0"/>
-          <a:chExt cx="0" cy="0"/>
-        </a:xfrm>
-      </p:grpSpPr>
-      <p:sp>
-        <p:nvSpPr>
-          <p:cNvPr id="2" name="Title 1">
-            <a:extLst>
-              <a:ext uri="{FF2B5EF4-FFF2-40B4-BE49-F238E27FC236}">
-                <a16:creationId xmlns:a16="http://schemas.microsoft.com/office/drawing/2014/main" id="{73514E90-1A9D-446D-BBF1-DB341364D814}"/>
-              </a:ext>
-            </a:extLst>
-          </p:cNvPr>
-          <p:cNvSpPr>
-            <a:spLocks noGrp="1"/>
-          </p:cNvSpPr>
-          <p:nvPr>
-            <p:ph type="title"/>
-          </p:nvPr>
-        </p:nvSpPr>
-        <p:spPr/>
-        <p:txBody>
-          <a:bodyPr/>
-          <a:lstStyle/>
-          <a:p>
-            <a:r>
-              <a:rPr lang="en-US" dirty="0"/>
-              <a:t>Noise</a:t>
-            </a:r>
-          </a:p>
-        </p:txBody>
-      </p:sp>
-      <p:sp>
-        <p:nvSpPr>
-          <p:cNvPr id="3" name="Content Placeholder 2">
-            <a:extLst>
-              <a:ext uri="{FF2B5EF4-FFF2-40B4-BE49-F238E27FC236}">
-                <a16:creationId xmlns:a16="http://schemas.microsoft.com/office/drawing/2014/main" id="{19B4B14B-0438-4097-BF2F-FC15D61281A4}"/>
-              </a:ext>
-            </a:extLst>
-          </p:cNvPr>
-          <p:cNvSpPr>
-            <a:spLocks noGrp="1"/>
-          </p:cNvSpPr>
-          <p:nvPr>
-            <p:ph idx="1"/>
-          </p:nvPr>
-        </p:nvSpPr>
-        <p:spPr/>
-        <p:txBody>
-          <a:bodyPr/>
-          <a:lstStyle/>
-          <a:p>
-            <a:endParaRPr lang="en-US"/>
-          </a:p>
-        </p:txBody>
-      </p:sp>
-    </p:spTree>
-    <p:extLst>
-      <p:ext uri="{BB962C8B-B14F-4D97-AF65-F5344CB8AC3E}">
-        <p14:creationId xmlns:p14="http://schemas.microsoft.com/office/powerpoint/2010/main" val="438433326"/>
-      </p:ext>
-    </p:extLst>
-  </p:cSld>
-  <p:clrMapOvr>
-    <a:masterClrMapping/>
-  </p:clrMapOvr>
-</p:sld>
-</file>
-
-<file path=ppt/slides/slide42.xml><?xml version="1.0" encoding="utf-8"?>
-<p:sld xmlns:a="http://schemas.openxmlformats.org/drawingml/2006/main" xmlns:r="http://schemas.openxmlformats.org/officeDocument/2006/relationships" xmlns:p="http://schemas.openxmlformats.org/presentationml/2006/main">
-  <p:cSld>
-    <p:spTree>
-      <p:nvGrpSpPr>
-        <p:cNvPr id="1" name=""/>
-        <p:cNvGrpSpPr/>
-        <p:nvPr/>
-      </p:nvGrpSpPr>
-      <p:grpSpPr>
-        <a:xfrm>
-          <a:off x="0" y="0"/>
-          <a:ext cx="0" cy="0"/>
-          <a:chOff x="0" y="0"/>
-          <a:chExt cx="0" cy="0"/>
-        </a:xfrm>
-      </p:grpSpPr>
-      <p:sp>
-        <p:nvSpPr>
-          <p:cNvPr id="2" name="Title 1">
-            <a:extLst>
-              <a:ext uri="{FF2B5EF4-FFF2-40B4-BE49-F238E27FC236}">
-                <a16:creationId xmlns:a16="http://schemas.microsoft.com/office/drawing/2014/main" id="{954AC10A-DCC4-40DF-8C7C-80872799F6B6}"/>
-              </a:ext>
-            </a:extLst>
-          </p:cNvPr>
-          <p:cNvSpPr>
-            <a:spLocks noGrp="1"/>
-          </p:cNvSpPr>
-          <p:nvPr>
-            <p:ph type="title"/>
-          </p:nvPr>
-        </p:nvSpPr>
-        <p:spPr/>
-        <p:txBody>
-          <a:bodyPr/>
-          <a:lstStyle/>
-          <a:p>
-            <a:r>
-              <a:rPr lang="en-US" dirty="0"/>
-              <a:t>Wrap-Up</a:t>
-            </a:r>
-          </a:p>
-        </p:txBody>
-      </p:sp>
-      <p:sp>
-        <p:nvSpPr>
-          <p:cNvPr id="3" name="Content Placeholder 2">
-            <a:extLst>
-              <a:ext uri="{FF2B5EF4-FFF2-40B4-BE49-F238E27FC236}">
-                <a16:creationId xmlns:a16="http://schemas.microsoft.com/office/drawing/2014/main" id="{2C7309C8-A67C-4390-B961-6CAD02F1DE9D}"/>
-              </a:ext>
-            </a:extLst>
-          </p:cNvPr>
-          <p:cNvSpPr>
-            <a:spLocks noGrp="1"/>
-          </p:cNvSpPr>
-          <p:nvPr>
-            <p:ph idx="1"/>
-          </p:nvPr>
-        </p:nvSpPr>
-        <p:spPr/>
-        <p:txBody>
-          <a:bodyPr/>
-          <a:lstStyle/>
-          <a:p>
-            <a:endParaRPr lang="en-US"/>
-          </a:p>
-        </p:txBody>
-      </p:sp>
-    </p:spTree>
-    <p:extLst>
-      <p:ext uri="{BB962C8B-B14F-4D97-AF65-F5344CB8AC3E}">
-        <p14:creationId xmlns:p14="http://schemas.microsoft.com/office/powerpoint/2010/main" val="2244430420"/>
-      </p:ext>
-    </p:extLst>
-  </p:cSld>
-  <p:clrMapOvr>
-    <a:masterClrMapping/>
-  </p:clrMapOvr>
-</p:sld>
-</file>
-
-<file path=ppt/slides/slide43.xml><?xml version="1.0" encoding="utf-8"?>
-<p:sld xmlns:a="http://schemas.openxmlformats.org/drawingml/2006/main" xmlns:r="http://schemas.openxmlformats.org/officeDocument/2006/relationships" xmlns:p="http://schemas.openxmlformats.org/presentationml/2006/main">
-  <p:cSld>
-    <p:spTree>
-      <p:nvGrpSpPr>
-        <p:cNvPr id="1" name=""/>
-        <p:cNvGrpSpPr/>
-        <p:nvPr/>
-      </p:nvGrpSpPr>
-      <p:grpSpPr>
-        <a:xfrm>
-          <a:off x="0" y="0"/>
-          <a:ext cx="0" cy="0"/>
-          <a:chOff x="0" y="0"/>
-          <a:chExt cx="0" cy="0"/>
-        </a:xfrm>
-      </p:grpSpPr>
-      <p:sp>
-        <p:nvSpPr>
-          <p:cNvPr id="2" name="Title 1">
-            <a:extLst>
-              <a:ext uri="{FF2B5EF4-FFF2-40B4-BE49-F238E27FC236}">
-                <a16:creationId xmlns:a16="http://schemas.microsoft.com/office/drawing/2014/main" id="{832E6675-6F28-4DC1-A4B0-55EDC2B3889D}"/>
-              </a:ext>
-            </a:extLst>
-          </p:cNvPr>
-          <p:cNvSpPr>
-            <a:spLocks noGrp="1"/>
-          </p:cNvSpPr>
-          <p:nvPr>
-            <p:ph type="title"/>
-          </p:nvPr>
-        </p:nvSpPr>
-        <p:spPr/>
-        <p:txBody>
-          <a:bodyPr/>
-          <a:lstStyle/>
-          <a:p>
-            <a:r>
-              <a:rPr lang="en-US" dirty="0"/>
-              <a:t>Questions?</a:t>
-            </a:r>
-          </a:p>
-        </p:txBody>
-      </p:sp>
-      <p:sp>
-        <p:nvSpPr>
-          <p:cNvPr id="3" name="Content Placeholder 2">
-            <a:extLst>
-              <a:ext uri="{FF2B5EF4-FFF2-40B4-BE49-F238E27FC236}">
-                <a16:creationId xmlns:a16="http://schemas.microsoft.com/office/drawing/2014/main" id="{0EC89C96-7CA0-48DB-8F09-1F603365128B}"/>
-              </a:ext>
-            </a:extLst>
-          </p:cNvPr>
-          <p:cNvSpPr>
-            <a:spLocks noGrp="1"/>
-          </p:cNvSpPr>
-          <p:nvPr>
-            <p:ph idx="1"/>
-          </p:nvPr>
-        </p:nvSpPr>
-        <p:spPr/>
-        <p:txBody>
-          <a:bodyPr/>
-          <a:lstStyle/>
-          <a:p>
-            <a:endParaRPr lang="en-US"/>
-          </a:p>
-        </p:txBody>
-      </p:sp>
-    </p:spTree>
-    <p:extLst>
-      <p:ext uri="{BB962C8B-B14F-4D97-AF65-F5344CB8AC3E}">
-        <p14:creationId xmlns:p14="http://schemas.microsoft.com/office/powerpoint/2010/main" val="605060820"/>
       </p:ext>
     </p:extLst>
   </p:cSld>

--- a/Procedural Map Generation Techniques.pptx
+++ b/Procedural Map Generation Techniques.pptx
@@ -5,48 +5,63 @@
     <p:sldMasterId id="2147483648" r:id="rId1"/>
   </p:sldMasterIdLst>
   <p:notesMasterIdLst>
-    <p:notesMasterId r:id="rId41"/>
+    <p:notesMasterId r:id="rId56"/>
   </p:notesMasterIdLst>
   <p:sldIdLst>
     <p:sldId id="256" r:id="rId2"/>
     <p:sldId id="257" r:id="rId3"/>
     <p:sldId id="297" r:id="rId4"/>
     <p:sldId id="258" r:id="rId5"/>
-    <p:sldId id="266" r:id="rId6"/>
-    <p:sldId id="259" r:id="rId7"/>
-    <p:sldId id="278" r:id="rId8"/>
-    <p:sldId id="288" r:id="rId9"/>
-    <p:sldId id="289" r:id="rId10"/>
-    <p:sldId id="290" r:id="rId11"/>
-    <p:sldId id="281" r:id="rId12"/>
-    <p:sldId id="291" r:id="rId13"/>
-    <p:sldId id="260" r:id="rId14"/>
-    <p:sldId id="280" r:id="rId15"/>
-    <p:sldId id="292" r:id="rId16"/>
-    <p:sldId id="293" r:id="rId17"/>
-    <p:sldId id="294" r:id="rId18"/>
-    <p:sldId id="295" r:id="rId19"/>
-    <p:sldId id="296" r:id="rId20"/>
-    <p:sldId id="284" r:id="rId21"/>
-    <p:sldId id="298" r:id="rId22"/>
-    <p:sldId id="300" r:id="rId23"/>
-    <p:sldId id="299" r:id="rId24"/>
-    <p:sldId id="263" r:id="rId25"/>
-    <p:sldId id="285" r:id="rId26"/>
-    <p:sldId id="301" r:id="rId27"/>
-    <p:sldId id="302" r:id="rId28"/>
-    <p:sldId id="303" r:id="rId29"/>
-    <p:sldId id="264" r:id="rId30"/>
-    <p:sldId id="286" r:id="rId31"/>
-    <p:sldId id="265" r:id="rId32"/>
-    <p:sldId id="267" r:id="rId33"/>
-    <p:sldId id="268" r:id="rId34"/>
-    <p:sldId id="269" r:id="rId35"/>
-    <p:sldId id="277" r:id="rId36"/>
-    <p:sldId id="273" r:id="rId37"/>
-    <p:sldId id="279" r:id="rId38"/>
-    <p:sldId id="275" r:id="rId39"/>
-    <p:sldId id="276" r:id="rId40"/>
+    <p:sldId id="304" r:id="rId6"/>
+    <p:sldId id="305" r:id="rId7"/>
+    <p:sldId id="306" r:id="rId8"/>
+    <p:sldId id="307" r:id="rId9"/>
+    <p:sldId id="308" r:id="rId10"/>
+    <p:sldId id="315" r:id="rId11"/>
+    <p:sldId id="266" r:id="rId12"/>
+    <p:sldId id="259" r:id="rId13"/>
+    <p:sldId id="278" r:id="rId14"/>
+    <p:sldId id="288" r:id="rId15"/>
+    <p:sldId id="289" r:id="rId16"/>
+    <p:sldId id="290" r:id="rId17"/>
+    <p:sldId id="281" r:id="rId18"/>
+    <p:sldId id="291" r:id="rId19"/>
+    <p:sldId id="260" r:id="rId20"/>
+    <p:sldId id="280" r:id="rId21"/>
+    <p:sldId id="292" r:id="rId22"/>
+    <p:sldId id="293" r:id="rId23"/>
+    <p:sldId id="294" r:id="rId24"/>
+    <p:sldId id="295" r:id="rId25"/>
+    <p:sldId id="296" r:id="rId26"/>
+    <p:sldId id="284" r:id="rId27"/>
+    <p:sldId id="298" r:id="rId28"/>
+    <p:sldId id="300" r:id="rId29"/>
+    <p:sldId id="299" r:id="rId30"/>
+    <p:sldId id="263" r:id="rId31"/>
+    <p:sldId id="285" r:id="rId32"/>
+    <p:sldId id="301" r:id="rId33"/>
+    <p:sldId id="302" r:id="rId34"/>
+    <p:sldId id="303" r:id="rId35"/>
+    <p:sldId id="264" r:id="rId36"/>
+    <p:sldId id="286" r:id="rId37"/>
+    <p:sldId id="316" r:id="rId38"/>
+    <p:sldId id="317" r:id="rId39"/>
+    <p:sldId id="318" r:id="rId40"/>
+    <p:sldId id="265" r:id="rId41"/>
+    <p:sldId id="267" r:id="rId42"/>
+    <p:sldId id="268" r:id="rId43"/>
+    <p:sldId id="269" r:id="rId44"/>
+    <p:sldId id="277" r:id="rId45"/>
+    <p:sldId id="273" r:id="rId46"/>
+    <p:sldId id="309" r:id="rId47"/>
+    <p:sldId id="310" r:id="rId48"/>
+    <p:sldId id="314" r:id="rId49"/>
+    <p:sldId id="311" r:id="rId50"/>
+    <p:sldId id="312" r:id="rId51"/>
+    <p:sldId id="313" r:id="rId52"/>
+    <p:sldId id="279" r:id="rId53"/>
+    <p:sldId id="275" r:id="rId54"/>
+    <p:sldId id="276" r:id="rId55"/>
   </p:sldIdLst>
   <p:sldSz cx="12192000" cy="6858000"/>
   <p:notesSz cx="6858000" cy="9144000"/>
@@ -4058,6 +4073,584 @@
           <p:cNvPr id="2" name="Title 1">
             <a:extLst>
               <a:ext uri="{FF2B5EF4-FFF2-40B4-BE49-F238E27FC236}">
+                <a16:creationId xmlns:a16="http://schemas.microsoft.com/office/drawing/2014/main" id="{054877AA-4EC7-487D-A8DF-4E8762F13515}"/>
+              </a:ext>
+            </a:extLst>
+          </p:cNvPr>
+          <p:cNvSpPr>
+            <a:spLocks noGrp="1"/>
+          </p:cNvSpPr>
+          <p:nvPr>
+            <p:ph type="title"/>
+          </p:nvPr>
+        </p:nvSpPr>
+        <p:spPr/>
+        <p:txBody>
+          <a:bodyPr/>
+          <a:lstStyle/>
+          <a:p>
+            <a:r>
+              <a:rPr lang="en-US" dirty="0"/>
+              <a:t>No Man’s Sky</a:t>
+            </a:r>
+          </a:p>
+        </p:txBody>
+      </p:sp>
+      <p:sp>
+        <p:nvSpPr>
+          <p:cNvPr id="3" name="Content Placeholder 2">
+            <a:extLst>
+              <a:ext uri="{FF2B5EF4-FFF2-40B4-BE49-F238E27FC236}">
+                <a16:creationId xmlns:a16="http://schemas.microsoft.com/office/drawing/2014/main" id="{1CE568B1-4FA7-47A3-8F5A-871CF04F5DA9}"/>
+              </a:ext>
+            </a:extLst>
+          </p:cNvPr>
+          <p:cNvSpPr>
+            <a:spLocks noGrp="1"/>
+          </p:cNvSpPr>
+          <p:nvPr>
+            <p:ph idx="1"/>
+          </p:nvPr>
+        </p:nvSpPr>
+        <p:spPr/>
+        <p:txBody>
+          <a:bodyPr/>
+          <a:lstStyle/>
+          <a:p>
+            <a:endParaRPr lang="en-US"/>
+          </a:p>
+        </p:txBody>
+      </p:sp>
+    </p:spTree>
+    <p:extLst>
+      <p:ext uri="{BB962C8B-B14F-4D97-AF65-F5344CB8AC3E}">
+        <p14:creationId xmlns:p14="http://schemas.microsoft.com/office/powerpoint/2010/main" val="3935701642"/>
+      </p:ext>
+    </p:extLst>
+  </p:cSld>
+  <p:clrMapOvr>
+    <a:masterClrMapping/>
+  </p:clrMapOvr>
+</p:sld>
+</file>
+
+<file path=ppt/slides/slide11.xml><?xml version="1.0" encoding="utf-8"?>
+<p:sld xmlns:a="http://schemas.openxmlformats.org/drawingml/2006/main" xmlns:r="http://schemas.openxmlformats.org/officeDocument/2006/relationships" xmlns:p="http://schemas.openxmlformats.org/presentationml/2006/main">
+  <p:cSld>
+    <p:spTree>
+      <p:nvGrpSpPr>
+        <p:cNvPr id="1" name=""/>
+        <p:cNvGrpSpPr/>
+        <p:nvPr/>
+      </p:nvGrpSpPr>
+      <p:grpSpPr>
+        <a:xfrm>
+          <a:off x="0" y="0"/>
+          <a:ext cx="0" cy="0"/>
+          <a:chOff x="0" y="0"/>
+          <a:chExt cx="0" cy="0"/>
+        </a:xfrm>
+      </p:grpSpPr>
+      <p:sp>
+        <p:nvSpPr>
+          <p:cNvPr id="2" name="Title 1">
+            <a:extLst>
+              <a:ext uri="{FF2B5EF4-FFF2-40B4-BE49-F238E27FC236}">
+                <a16:creationId xmlns:a16="http://schemas.microsoft.com/office/drawing/2014/main" id="{E8102793-6E9A-4457-8782-67507F4D7FBE}"/>
+              </a:ext>
+            </a:extLst>
+          </p:cNvPr>
+          <p:cNvSpPr>
+            <a:spLocks noGrp="1"/>
+          </p:cNvSpPr>
+          <p:nvPr>
+            <p:ph type="title"/>
+          </p:nvPr>
+        </p:nvSpPr>
+        <p:spPr/>
+        <p:txBody>
+          <a:bodyPr/>
+          <a:lstStyle/>
+          <a:p>
+            <a:r>
+              <a:rPr lang="en-US" dirty="0"/>
+              <a:t>PART 1 – Basic Generation Techniques</a:t>
+            </a:r>
+          </a:p>
+        </p:txBody>
+      </p:sp>
+      <p:sp>
+        <p:nvSpPr>
+          <p:cNvPr id="3" name="Content Placeholder 2">
+            <a:extLst>
+              <a:ext uri="{FF2B5EF4-FFF2-40B4-BE49-F238E27FC236}">
+                <a16:creationId xmlns:a16="http://schemas.microsoft.com/office/drawing/2014/main" id="{8751101C-C620-4E8E-93A3-2C249FAA2D7C}"/>
+              </a:ext>
+            </a:extLst>
+          </p:cNvPr>
+          <p:cNvSpPr>
+            <a:spLocks noGrp="1"/>
+          </p:cNvSpPr>
+          <p:nvPr>
+            <p:ph idx="1"/>
+          </p:nvPr>
+        </p:nvSpPr>
+        <p:spPr/>
+        <p:txBody>
+          <a:bodyPr/>
+          <a:lstStyle/>
+          <a:p>
+            <a:endParaRPr lang="en-US"/>
+          </a:p>
+        </p:txBody>
+      </p:sp>
+    </p:spTree>
+    <p:extLst>
+      <p:ext uri="{BB962C8B-B14F-4D97-AF65-F5344CB8AC3E}">
+        <p14:creationId xmlns:p14="http://schemas.microsoft.com/office/powerpoint/2010/main" val="3676566853"/>
+      </p:ext>
+    </p:extLst>
+  </p:cSld>
+  <p:clrMapOvr>
+    <a:masterClrMapping/>
+  </p:clrMapOvr>
+</p:sld>
+</file>
+
+<file path=ppt/slides/slide12.xml><?xml version="1.0" encoding="utf-8"?>
+<p:sld xmlns:a="http://schemas.openxmlformats.org/drawingml/2006/main" xmlns:r="http://schemas.openxmlformats.org/officeDocument/2006/relationships" xmlns:p="http://schemas.openxmlformats.org/presentationml/2006/main">
+  <p:cSld>
+    <p:spTree>
+      <p:nvGrpSpPr>
+        <p:cNvPr id="1" name=""/>
+        <p:cNvGrpSpPr/>
+        <p:nvPr/>
+      </p:nvGrpSpPr>
+      <p:grpSpPr>
+        <a:xfrm>
+          <a:off x="0" y="0"/>
+          <a:ext cx="0" cy="0"/>
+          <a:chOff x="0" y="0"/>
+          <a:chExt cx="0" cy="0"/>
+        </a:xfrm>
+      </p:grpSpPr>
+      <p:sp>
+        <p:nvSpPr>
+          <p:cNvPr id="2" name="Title 1">
+            <a:extLst>
+              <a:ext uri="{FF2B5EF4-FFF2-40B4-BE49-F238E27FC236}">
+                <a16:creationId xmlns:a16="http://schemas.microsoft.com/office/drawing/2014/main" id="{94A529DF-4875-41DC-92B2-E1A92E228D46}"/>
+              </a:ext>
+            </a:extLst>
+          </p:cNvPr>
+          <p:cNvSpPr>
+            <a:spLocks noGrp="1"/>
+          </p:cNvSpPr>
+          <p:nvPr>
+            <p:ph type="title"/>
+          </p:nvPr>
+        </p:nvSpPr>
+        <p:spPr/>
+        <p:txBody>
+          <a:bodyPr/>
+          <a:lstStyle/>
+          <a:p>
+            <a:r>
+              <a:rPr lang="en-US" dirty="0"/>
+              <a:t>Simple Room-Based</a:t>
+            </a:r>
+            <a:r>
+              <a:rPr lang="en-US" baseline="0" dirty="0"/>
+              <a:t> Generation</a:t>
+            </a:r>
+            <a:endParaRPr lang="en-US" dirty="0"/>
+          </a:p>
+        </p:txBody>
+      </p:sp>
+      <p:sp>
+        <p:nvSpPr>
+          <p:cNvPr id="3" name="Content Placeholder 2">
+            <a:extLst>
+              <a:ext uri="{FF2B5EF4-FFF2-40B4-BE49-F238E27FC236}">
+                <a16:creationId xmlns:a16="http://schemas.microsoft.com/office/drawing/2014/main" id="{59D563A6-BA4D-4903-89F0-53303A0EB428}"/>
+              </a:ext>
+            </a:extLst>
+          </p:cNvPr>
+          <p:cNvSpPr>
+            <a:spLocks noGrp="1"/>
+          </p:cNvSpPr>
+          <p:nvPr>
+            <p:ph idx="1"/>
+          </p:nvPr>
+        </p:nvSpPr>
+        <p:spPr/>
+        <p:txBody>
+          <a:bodyPr/>
+          <a:lstStyle/>
+          <a:p>
+            <a:r>
+              <a:rPr lang="en-US" dirty="0"/>
+              <a:t>You’ve probably seen this in Roguelike development tutorials.</a:t>
+            </a:r>
+          </a:p>
+          <a:p>
+            <a:r>
+              <a:rPr lang="en-US" dirty="0"/>
+              <a:t>Simple algorithm:</a:t>
+            </a:r>
+          </a:p>
+          <a:p>
+            <a:pPr lvl="1"/>
+            <a:r>
+              <a:rPr lang="en-US" dirty="0"/>
+              <a:t>Start with a solid map.</a:t>
+            </a:r>
+          </a:p>
+          <a:p>
+            <a:pPr lvl="1"/>
+            <a:r>
+              <a:rPr lang="en-US" dirty="0"/>
+              <a:t>Randomly select a room area.</a:t>
+            </a:r>
+          </a:p>
+          <a:p>
+            <a:pPr lvl="2"/>
+            <a:r>
+              <a:rPr lang="en-US" dirty="0"/>
+              <a:t>If the room is solid, carve it out and store it in the “rooms” list.</a:t>
+            </a:r>
+          </a:p>
+          <a:p>
+            <a:pPr lvl="1"/>
+            <a:r>
+              <a:rPr lang="en-US" dirty="0"/>
+              <a:t>Repeat until you have enough rooms.</a:t>
+            </a:r>
+          </a:p>
+          <a:p>
+            <a:pPr lvl="1"/>
+            <a:r>
+              <a:rPr lang="en-US" dirty="0"/>
+              <a:t>Iterate your rooms list, and add dog-leg corridors.</a:t>
+            </a:r>
+          </a:p>
+        </p:txBody>
+      </p:sp>
+    </p:spTree>
+    <p:extLst>
+      <p:ext uri="{BB962C8B-B14F-4D97-AF65-F5344CB8AC3E}">
+        <p14:creationId xmlns:p14="http://schemas.microsoft.com/office/powerpoint/2010/main" val="3690561459"/>
+      </p:ext>
+    </p:extLst>
+  </p:cSld>
+  <p:clrMapOvr>
+    <a:masterClrMapping/>
+  </p:clrMapOvr>
+</p:sld>
+</file>
+
+<file path=ppt/slides/slide13.xml><?xml version="1.0" encoding="utf-8"?>
+<p:sld xmlns:a="http://schemas.openxmlformats.org/drawingml/2006/main" xmlns:r="http://schemas.openxmlformats.org/officeDocument/2006/relationships" xmlns:p="http://schemas.openxmlformats.org/presentationml/2006/main">
+  <p:cSld>
+    <p:spTree>
+      <p:nvGrpSpPr>
+        <p:cNvPr id="1" name=""/>
+        <p:cNvGrpSpPr/>
+        <p:nvPr/>
+      </p:nvGrpSpPr>
+      <p:grpSpPr>
+        <a:xfrm>
+          <a:off x="0" y="0"/>
+          <a:ext cx="0" cy="0"/>
+          <a:chOff x="0" y="0"/>
+          <a:chExt cx="0" cy="0"/>
+        </a:xfrm>
+      </p:grpSpPr>
+      <p:sp>
+        <p:nvSpPr>
+          <p:cNvPr id="2" name="Title 1">
+            <a:extLst>
+              <a:ext uri="{FF2B5EF4-FFF2-40B4-BE49-F238E27FC236}">
+                <a16:creationId xmlns:a16="http://schemas.microsoft.com/office/drawing/2014/main" id="{26E56012-2F30-4314-B0C8-2447C100FB8C}"/>
+              </a:ext>
+            </a:extLst>
+          </p:cNvPr>
+          <p:cNvSpPr>
+            <a:spLocks noGrp="1"/>
+          </p:cNvSpPr>
+          <p:nvPr>
+            <p:ph type="title"/>
+          </p:nvPr>
+        </p:nvSpPr>
+        <p:spPr/>
+        <p:txBody>
+          <a:bodyPr/>
+          <a:lstStyle/>
+          <a:p>
+            <a:r>
+              <a:rPr lang="en-US" dirty="0"/>
+              <a:t>Start with a solid map, add one room at random.</a:t>
+            </a:r>
+          </a:p>
+        </p:txBody>
+      </p:sp>
+      <p:pic>
+        <p:nvPicPr>
+          <p:cNvPr id="5" name="Content Placeholder 4">
+            <a:extLst>
+              <a:ext uri="{FF2B5EF4-FFF2-40B4-BE49-F238E27FC236}">
+                <a16:creationId xmlns:a16="http://schemas.microsoft.com/office/drawing/2014/main" id="{8D7360F8-7D09-4411-9906-D937B48E1C42}"/>
+              </a:ext>
+            </a:extLst>
+          </p:cNvPr>
+          <p:cNvPicPr>
+            <a:picLocks noGrp="1" noChangeAspect="1"/>
+          </p:cNvPicPr>
+          <p:nvPr>
+            <p:ph idx="1"/>
+          </p:nvPr>
+        </p:nvPicPr>
+        <p:blipFill>
+          <a:blip r:embed="rId2"/>
+          <a:stretch>
+            <a:fillRect/>
+          </a:stretch>
+        </p:blipFill>
+        <p:spPr>
+          <a:xfrm>
+            <a:off x="3038475" y="1943894"/>
+            <a:ext cx="6115050" cy="4114800"/>
+          </a:xfrm>
+          <a:prstGeom prst="rect">
+            <a:avLst/>
+          </a:prstGeom>
+        </p:spPr>
+      </p:pic>
+    </p:spTree>
+    <p:extLst>
+      <p:ext uri="{BB962C8B-B14F-4D97-AF65-F5344CB8AC3E}">
+        <p14:creationId xmlns:p14="http://schemas.microsoft.com/office/powerpoint/2010/main" val="248996773"/>
+      </p:ext>
+    </p:extLst>
+  </p:cSld>
+  <p:clrMapOvr>
+    <a:masterClrMapping/>
+  </p:clrMapOvr>
+</p:sld>
+</file>
+
+<file path=ppt/slides/slide14.xml><?xml version="1.0" encoding="utf-8"?>
+<p:sld xmlns:a="http://schemas.openxmlformats.org/drawingml/2006/main" xmlns:r="http://schemas.openxmlformats.org/officeDocument/2006/relationships" xmlns:p="http://schemas.openxmlformats.org/presentationml/2006/main">
+  <p:cSld>
+    <p:spTree>
+      <p:nvGrpSpPr>
+        <p:cNvPr id="1" name=""/>
+        <p:cNvGrpSpPr/>
+        <p:nvPr/>
+      </p:nvGrpSpPr>
+      <p:grpSpPr>
+        <a:xfrm>
+          <a:off x="0" y="0"/>
+          <a:ext cx="0" cy="0"/>
+          <a:chOff x="0" y="0"/>
+          <a:chExt cx="0" cy="0"/>
+        </a:xfrm>
+      </p:grpSpPr>
+      <p:sp>
+        <p:nvSpPr>
+          <p:cNvPr id="2" name="Title 1">
+            <a:extLst>
+              <a:ext uri="{FF2B5EF4-FFF2-40B4-BE49-F238E27FC236}">
+                <a16:creationId xmlns:a16="http://schemas.microsoft.com/office/drawing/2014/main" id="{9D379B26-C094-464F-8BC8-E9FC7AF477C8}"/>
+              </a:ext>
+            </a:extLst>
+          </p:cNvPr>
+          <p:cNvSpPr>
+            <a:spLocks noGrp="1"/>
+          </p:cNvSpPr>
+          <p:nvPr>
+            <p:ph type="title"/>
+          </p:nvPr>
+        </p:nvSpPr>
+        <p:spPr/>
+        <p:txBody>
+          <a:bodyPr/>
+          <a:lstStyle/>
+          <a:p>
+            <a:r>
+              <a:rPr lang="en-US" dirty="0"/>
+              <a:t>Add a</a:t>
+            </a:r>
+            <a:r>
+              <a:rPr lang="en-US" baseline="0" dirty="0"/>
+              <a:t> second room</a:t>
+            </a:r>
+            <a:endParaRPr lang="en-US" dirty="0"/>
+          </a:p>
+        </p:txBody>
+      </p:sp>
+      <p:pic>
+        <p:nvPicPr>
+          <p:cNvPr id="4" name="Content Placeholder 3">
+            <a:extLst>
+              <a:ext uri="{FF2B5EF4-FFF2-40B4-BE49-F238E27FC236}">
+                <a16:creationId xmlns:a16="http://schemas.microsoft.com/office/drawing/2014/main" id="{A6A79ADE-A061-4826-817F-F6BFEB41E0EE}"/>
+              </a:ext>
+            </a:extLst>
+          </p:cNvPr>
+          <p:cNvPicPr>
+            <a:picLocks noGrp="1" noChangeAspect="1"/>
+          </p:cNvPicPr>
+          <p:nvPr>
+            <p:ph idx="1"/>
+          </p:nvPr>
+        </p:nvPicPr>
+        <p:blipFill>
+          <a:blip r:embed="rId2"/>
+          <a:stretch>
+            <a:fillRect/>
+          </a:stretch>
+        </p:blipFill>
+        <p:spPr>
+          <a:xfrm>
+            <a:off x="3038475" y="1943894"/>
+            <a:ext cx="6115050" cy="4114800"/>
+          </a:xfrm>
+          <a:prstGeom prst="rect">
+            <a:avLst/>
+          </a:prstGeom>
+        </p:spPr>
+      </p:pic>
+    </p:spTree>
+    <p:extLst>
+      <p:ext uri="{BB962C8B-B14F-4D97-AF65-F5344CB8AC3E}">
+        <p14:creationId xmlns:p14="http://schemas.microsoft.com/office/powerpoint/2010/main" val="1993244404"/>
+      </p:ext>
+    </p:extLst>
+  </p:cSld>
+  <p:clrMapOvr>
+    <a:masterClrMapping/>
+  </p:clrMapOvr>
+</p:sld>
+</file>
+
+<file path=ppt/slides/slide15.xml><?xml version="1.0" encoding="utf-8"?>
+<p:sld xmlns:a="http://schemas.openxmlformats.org/drawingml/2006/main" xmlns:r="http://schemas.openxmlformats.org/officeDocument/2006/relationships" xmlns:p="http://schemas.openxmlformats.org/presentationml/2006/main">
+  <p:cSld>
+    <p:spTree>
+      <p:nvGrpSpPr>
+        <p:cNvPr id="1" name=""/>
+        <p:cNvGrpSpPr/>
+        <p:nvPr/>
+      </p:nvGrpSpPr>
+      <p:grpSpPr>
+        <a:xfrm>
+          <a:off x="0" y="0"/>
+          <a:ext cx="0" cy="0"/>
+          <a:chOff x="0" y="0"/>
+          <a:chExt cx="0" cy="0"/>
+        </a:xfrm>
+      </p:grpSpPr>
+      <p:sp>
+        <p:nvSpPr>
+          <p:cNvPr id="2" name="Title 1">
+            <a:extLst>
+              <a:ext uri="{FF2B5EF4-FFF2-40B4-BE49-F238E27FC236}">
+                <a16:creationId xmlns:a16="http://schemas.microsoft.com/office/drawing/2014/main" id="{BBAE6F9D-F865-4AFD-A81C-5517628FF67F}"/>
+              </a:ext>
+            </a:extLst>
+          </p:cNvPr>
+          <p:cNvSpPr>
+            <a:spLocks noGrp="1"/>
+          </p:cNvSpPr>
+          <p:nvPr>
+            <p:ph type="title"/>
+          </p:nvPr>
+        </p:nvSpPr>
+        <p:spPr/>
+        <p:txBody>
+          <a:bodyPr/>
+          <a:lstStyle/>
+          <a:p>
+            <a:r>
+              <a:rPr lang="en-US" dirty="0"/>
+              <a:t>Keep Adding Rooms</a:t>
+            </a:r>
+            <a:r>
+              <a:rPr lang="en-US" baseline="0" dirty="0"/>
+              <a:t> – Don’t Add Overlapping Ones</a:t>
+            </a:r>
+            <a:endParaRPr lang="en-US" dirty="0"/>
+          </a:p>
+        </p:txBody>
+      </p:sp>
+      <p:pic>
+        <p:nvPicPr>
+          <p:cNvPr id="5" name="Content Placeholder 4">
+            <a:extLst>
+              <a:ext uri="{FF2B5EF4-FFF2-40B4-BE49-F238E27FC236}">
+                <a16:creationId xmlns:a16="http://schemas.microsoft.com/office/drawing/2014/main" id="{B07877DF-45A1-4961-A1C5-AAF61CE60AAC}"/>
+              </a:ext>
+            </a:extLst>
+          </p:cNvPr>
+          <p:cNvPicPr>
+            <a:picLocks noGrp="1" noChangeAspect="1"/>
+          </p:cNvPicPr>
+          <p:nvPr>
+            <p:ph idx="1"/>
+          </p:nvPr>
+        </p:nvPicPr>
+        <p:blipFill>
+          <a:blip r:embed="rId2"/>
+          <a:stretch>
+            <a:fillRect/>
+          </a:stretch>
+        </p:blipFill>
+        <p:spPr>
+          <a:xfrm>
+            <a:off x="3038475" y="1943894"/>
+            <a:ext cx="6115050" cy="4114800"/>
+          </a:xfrm>
+          <a:prstGeom prst="rect">
+            <a:avLst/>
+          </a:prstGeom>
+        </p:spPr>
+      </p:pic>
+    </p:spTree>
+    <p:extLst>
+      <p:ext uri="{BB962C8B-B14F-4D97-AF65-F5344CB8AC3E}">
+        <p14:creationId xmlns:p14="http://schemas.microsoft.com/office/powerpoint/2010/main" val="4021934274"/>
+      </p:ext>
+    </p:extLst>
+  </p:cSld>
+  <p:clrMapOvr>
+    <a:masterClrMapping/>
+  </p:clrMapOvr>
+</p:sld>
+</file>
+
+<file path=ppt/slides/slide16.xml><?xml version="1.0" encoding="utf-8"?>
+<p:sld xmlns:a="http://schemas.openxmlformats.org/drawingml/2006/main" xmlns:r="http://schemas.openxmlformats.org/officeDocument/2006/relationships" xmlns:p="http://schemas.openxmlformats.org/presentationml/2006/main">
+  <p:cSld>
+    <p:spTree>
+      <p:nvGrpSpPr>
+        <p:cNvPr id="1" name=""/>
+        <p:cNvGrpSpPr/>
+        <p:nvPr/>
+      </p:nvGrpSpPr>
+      <p:grpSpPr>
+        <a:xfrm>
+          <a:off x="0" y="0"/>
+          <a:ext cx="0" cy="0"/>
+          <a:chOff x="0" y="0"/>
+          <a:chExt cx="0" cy="0"/>
+        </a:xfrm>
+      </p:grpSpPr>
+      <p:sp>
+        <p:nvSpPr>
+          <p:cNvPr id="2" name="Title 1">
+            <a:extLst>
+              <a:ext uri="{FF2B5EF4-FFF2-40B4-BE49-F238E27FC236}">
                 <a16:creationId xmlns:a16="http://schemas.microsoft.com/office/drawing/2014/main" id="{48B1E326-A2EF-43CC-83D6-5A36185DB4CA}"/>
               </a:ext>
             </a:extLst>
@@ -4126,7 +4719,7 @@
 </p:sld>
 </file>
 
-<file path=ppt/slides/slide11.xml><?xml version="1.0" encoding="utf-8"?>
+<file path=ppt/slides/slide17.xml><?xml version="1.0" encoding="utf-8"?>
 <p:sld xmlns:a="http://schemas.openxmlformats.org/drawingml/2006/main" xmlns:r="http://schemas.openxmlformats.org/officeDocument/2006/relationships" xmlns:p="http://schemas.openxmlformats.org/presentationml/2006/main">
   <p:cSld>
     <p:spTree>
@@ -4216,7 +4809,7 @@
 </p:sld>
 </file>
 
-<file path=ppt/slides/slide12.xml><?xml version="1.0" encoding="utf-8"?>
+<file path=ppt/slides/slide18.xml><?xml version="1.0" encoding="utf-8"?>
 <p:sld xmlns:a="http://schemas.openxmlformats.org/drawingml/2006/main" xmlns:r="http://schemas.openxmlformats.org/officeDocument/2006/relationships" xmlns:p="http://schemas.openxmlformats.org/presentationml/2006/main">
   <p:cSld>
     <p:spTree>
@@ -4309,7 +4902,7 @@
 </p:sld>
 </file>
 
-<file path=ppt/slides/slide13.xml><?xml version="1.0" encoding="utf-8"?>
+<file path=ppt/slides/slide19.xml><?xml version="1.0" encoding="utf-8"?>
 <p:sld xmlns:a="http://schemas.openxmlformats.org/drawingml/2006/main" xmlns:r="http://schemas.openxmlformats.org/officeDocument/2006/relationships" xmlns:p="http://schemas.openxmlformats.org/presentationml/2006/main">
   <p:cSld>
     <p:spTree>
@@ -4429,7 +5022,136 @@
 </p:sld>
 </file>
 
-<file path=ppt/slides/slide14.xml><?xml version="1.0" encoding="utf-8"?>
+<file path=ppt/slides/slide2.xml><?xml version="1.0" encoding="utf-8"?>
+<p:sld xmlns:a="http://schemas.openxmlformats.org/drawingml/2006/main" xmlns:r="http://schemas.openxmlformats.org/officeDocument/2006/relationships" xmlns:p="http://schemas.openxmlformats.org/presentationml/2006/main">
+  <p:cSld>
+    <p:spTree>
+      <p:nvGrpSpPr>
+        <p:cNvPr id="1" name=""/>
+        <p:cNvGrpSpPr/>
+        <p:nvPr/>
+      </p:nvGrpSpPr>
+      <p:grpSpPr>
+        <a:xfrm>
+          <a:off x="0" y="0"/>
+          <a:ext cx="0" cy="0"/>
+          <a:chOff x="0" y="0"/>
+          <a:chExt cx="0" cy="0"/>
+        </a:xfrm>
+      </p:grpSpPr>
+      <p:sp>
+        <p:nvSpPr>
+          <p:cNvPr id="2" name="Title 1">
+            <a:extLst>
+              <a:ext uri="{FF2B5EF4-FFF2-40B4-BE49-F238E27FC236}">
+                <a16:creationId xmlns:a16="http://schemas.microsoft.com/office/drawing/2014/main" id="{E8BC7974-F0F8-446E-8F6D-B515B26973A9}"/>
+              </a:ext>
+            </a:extLst>
+          </p:cNvPr>
+          <p:cNvSpPr>
+            <a:spLocks noGrp="1"/>
+          </p:cNvSpPr>
+          <p:nvPr>
+            <p:ph type="title"/>
+          </p:nvPr>
+        </p:nvSpPr>
+        <p:spPr/>
+        <p:txBody>
+          <a:bodyPr/>
+          <a:lstStyle/>
+          <a:p>
+            <a:r>
+              <a:rPr lang="en-US" dirty="0"/>
+              <a:t>Who is Herbert</a:t>
+            </a:r>
+            <a:r>
+              <a:rPr lang="en-US" baseline="0" dirty="0"/>
+              <a:t> Wolverson?</a:t>
+            </a:r>
+            <a:endParaRPr lang="en-US" dirty="0"/>
+          </a:p>
+        </p:txBody>
+      </p:sp>
+      <p:sp>
+        <p:nvSpPr>
+          <p:cNvPr id="3" name="Content Placeholder 2">
+            <a:extLst>
+              <a:ext uri="{FF2B5EF4-FFF2-40B4-BE49-F238E27FC236}">
+                <a16:creationId xmlns:a16="http://schemas.microsoft.com/office/drawing/2014/main" id="{F8BD46CA-33C3-4825-BC84-C019FFF23D90}"/>
+              </a:ext>
+            </a:extLst>
+          </p:cNvPr>
+          <p:cNvSpPr>
+            <a:spLocks noGrp="1"/>
+          </p:cNvSpPr>
+          <p:nvPr>
+            <p:ph idx="1"/>
+          </p:nvPr>
+        </p:nvSpPr>
+        <p:spPr/>
+        <p:txBody>
+          <a:bodyPr/>
+          <a:lstStyle/>
+          <a:p>
+            <a:r>
+              <a:rPr lang="en-US" dirty="0"/>
+              <a:t>Author of the “Rust Roguelike Tutorial”</a:t>
+            </a:r>
+          </a:p>
+          <a:p>
+            <a:r>
+              <a:rPr lang="en-US" dirty="0"/>
+              <a:t>Author of upcoming book - </a:t>
+            </a:r>
+            <a:r>
+              <a:rPr lang="en-US" i="1" dirty="0"/>
+              <a:t>Learn Rust: Make 2D Games</a:t>
+            </a:r>
+            <a:endParaRPr lang="en-US" dirty="0"/>
+          </a:p>
+          <a:p>
+            <a:r>
+              <a:rPr lang="en-US" dirty="0"/>
+              <a:t>Author of </a:t>
+            </a:r>
+            <a:r>
+              <a:rPr lang="en-US" i="1" dirty="0" err="1"/>
+              <a:t>Nox</a:t>
+            </a:r>
+            <a:r>
+              <a:rPr lang="en-US" i="1" dirty="0"/>
+              <a:t> Futura </a:t>
+            </a:r>
+            <a:r>
+              <a:rPr lang="en-US" dirty="0"/>
+              <a:t>and far too many words on </a:t>
+            </a:r>
+            <a:r>
+              <a:rPr lang="en-US" u="sng" dirty="0"/>
+              <a:t>r/</a:t>
+            </a:r>
+            <a:r>
+              <a:rPr lang="en-US" u="sng" dirty="0" err="1"/>
+              <a:t>roguelikedev</a:t>
+            </a:r>
+            <a:endParaRPr lang="en-US" u="sng" dirty="0"/>
+          </a:p>
+        </p:txBody>
+      </p:sp>
+    </p:spTree>
+    <p:extLst>
+      <p:ext uri="{BB962C8B-B14F-4D97-AF65-F5344CB8AC3E}">
+        <p14:creationId xmlns:p14="http://schemas.microsoft.com/office/powerpoint/2010/main" val="1349929140"/>
+      </p:ext>
+    </p:extLst>
+  </p:cSld>
+  <p:clrMapOvr>
+    <a:masterClrMapping/>
+  </p:clrMapOvr>
+</p:sld>
+</file>
+
+<file path=ppt/slides/slide20.xml><?xml version="1.0" encoding="utf-8"?>
 <p:sld xmlns:a="http://schemas.openxmlformats.org/drawingml/2006/main" xmlns:r="http://schemas.openxmlformats.org/officeDocument/2006/relationships" xmlns:p="http://schemas.openxmlformats.org/presentationml/2006/main">
   <p:cSld>
     <p:spTree>
@@ -4519,7 +5241,7 @@
 </p:sld>
 </file>
 
-<file path=ppt/slides/slide15.xml><?xml version="1.0" encoding="utf-8"?>
+<file path=ppt/slides/slide21.xml><?xml version="1.0" encoding="utf-8"?>
 <p:sld xmlns:a="http://schemas.openxmlformats.org/drawingml/2006/main" xmlns:r="http://schemas.openxmlformats.org/officeDocument/2006/relationships" xmlns:p="http://schemas.openxmlformats.org/presentationml/2006/main">
   <p:cSld>
     <p:spTree>
@@ -4614,7 +5336,7 @@
 </p:sld>
 </file>
 
-<file path=ppt/slides/slide16.xml><?xml version="1.0" encoding="utf-8"?>
+<file path=ppt/slides/slide22.xml><?xml version="1.0" encoding="utf-8"?>
 <p:sld xmlns:a="http://schemas.openxmlformats.org/drawingml/2006/main" xmlns:r="http://schemas.openxmlformats.org/officeDocument/2006/relationships" xmlns:p="http://schemas.openxmlformats.org/presentationml/2006/main">
   <p:cSld>
     <p:spTree>
@@ -4709,7 +5431,7 @@
 </p:sld>
 </file>
 
-<file path=ppt/slides/slide17.xml><?xml version="1.0" encoding="utf-8"?>
+<file path=ppt/slides/slide23.xml><?xml version="1.0" encoding="utf-8"?>
 <p:sld xmlns:a="http://schemas.openxmlformats.org/drawingml/2006/main" xmlns:r="http://schemas.openxmlformats.org/officeDocument/2006/relationships" xmlns:p="http://schemas.openxmlformats.org/presentationml/2006/main">
   <p:cSld>
     <p:spTree>
@@ -4799,7 +5521,7 @@
 </p:sld>
 </file>
 
-<file path=ppt/slides/slide18.xml><?xml version="1.0" encoding="utf-8"?>
+<file path=ppt/slides/slide24.xml><?xml version="1.0" encoding="utf-8"?>
 <p:sld xmlns:a="http://schemas.openxmlformats.org/drawingml/2006/main" xmlns:r="http://schemas.openxmlformats.org/officeDocument/2006/relationships" xmlns:p="http://schemas.openxmlformats.org/presentationml/2006/main">
   <p:cSld>
     <p:spTree>
@@ -4892,7 +5614,7 @@
 </p:sld>
 </file>
 
-<file path=ppt/slides/slide19.xml><?xml version="1.0" encoding="utf-8"?>
+<file path=ppt/slides/slide25.xml><?xml version="1.0" encoding="utf-8"?>
 <p:sld xmlns:a="http://schemas.openxmlformats.org/drawingml/2006/main" xmlns:r="http://schemas.openxmlformats.org/officeDocument/2006/relationships" xmlns:p="http://schemas.openxmlformats.org/presentationml/2006/main">
   <p:cSld>
     <p:spTree>
@@ -4990,136 +5712,7 @@
 </p:sld>
 </file>
 
-<file path=ppt/slides/slide2.xml><?xml version="1.0" encoding="utf-8"?>
-<p:sld xmlns:a="http://schemas.openxmlformats.org/drawingml/2006/main" xmlns:r="http://schemas.openxmlformats.org/officeDocument/2006/relationships" xmlns:p="http://schemas.openxmlformats.org/presentationml/2006/main">
-  <p:cSld>
-    <p:spTree>
-      <p:nvGrpSpPr>
-        <p:cNvPr id="1" name=""/>
-        <p:cNvGrpSpPr/>
-        <p:nvPr/>
-      </p:nvGrpSpPr>
-      <p:grpSpPr>
-        <a:xfrm>
-          <a:off x="0" y="0"/>
-          <a:ext cx="0" cy="0"/>
-          <a:chOff x="0" y="0"/>
-          <a:chExt cx="0" cy="0"/>
-        </a:xfrm>
-      </p:grpSpPr>
-      <p:sp>
-        <p:nvSpPr>
-          <p:cNvPr id="2" name="Title 1">
-            <a:extLst>
-              <a:ext uri="{FF2B5EF4-FFF2-40B4-BE49-F238E27FC236}">
-                <a16:creationId xmlns:a16="http://schemas.microsoft.com/office/drawing/2014/main" id="{E8BC7974-F0F8-446E-8F6D-B515B26973A9}"/>
-              </a:ext>
-            </a:extLst>
-          </p:cNvPr>
-          <p:cNvSpPr>
-            <a:spLocks noGrp="1"/>
-          </p:cNvSpPr>
-          <p:nvPr>
-            <p:ph type="title"/>
-          </p:nvPr>
-        </p:nvSpPr>
-        <p:spPr/>
-        <p:txBody>
-          <a:bodyPr/>
-          <a:lstStyle/>
-          <a:p>
-            <a:r>
-              <a:rPr lang="en-US" dirty="0"/>
-              <a:t>Who is Herbert</a:t>
-            </a:r>
-            <a:r>
-              <a:rPr lang="en-US" baseline="0" dirty="0"/>
-              <a:t> Wolverson?</a:t>
-            </a:r>
-            <a:endParaRPr lang="en-US" dirty="0"/>
-          </a:p>
-        </p:txBody>
-      </p:sp>
-      <p:sp>
-        <p:nvSpPr>
-          <p:cNvPr id="3" name="Content Placeholder 2">
-            <a:extLst>
-              <a:ext uri="{FF2B5EF4-FFF2-40B4-BE49-F238E27FC236}">
-                <a16:creationId xmlns:a16="http://schemas.microsoft.com/office/drawing/2014/main" id="{F8BD46CA-33C3-4825-BC84-C019FFF23D90}"/>
-              </a:ext>
-            </a:extLst>
-          </p:cNvPr>
-          <p:cNvSpPr>
-            <a:spLocks noGrp="1"/>
-          </p:cNvSpPr>
-          <p:nvPr>
-            <p:ph idx="1"/>
-          </p:nvPr>
-        </p:nvSpPr>
-        <p:spPr/>
-        <p:txBody>
-          <a:bodyPr/>
-          <a:lstStyle/>
-          <a:p>
-            <a:r>
-              <a:rPr lang="en-US" dirty="0"/>
-              <a:t>Author of the “Rust Roguelike Tutorial”</a:t>
-            </a:r>
-          </a:p>
-          <a:p>
-            <a:r>
-              <a:rPr lang="en-US" dirty="0"/>
-              <a:t>Author of upcoming book - </a:t>
-            </a:r>
-            <a:r>
-              <a:rPr lang="en-US" i="1" dirty="0"/>
-              <a:t>Learn Rust: Make 2D Games</a:t>
-            </a:r>
-            <a:endParaRPr lang="en-US" dirty="0"/>
-          </a:p>
-          <a:p>
-            <a:r>
-              <a:rPr lang="en-US" dirty="0"/>
-              <a:t>Author of </a:t>
-            </a:r>
-            <a:r>
-              <a:rPr lang="en-US" i="1" dirty="0" err="1"/>
-              <a:t>Nox</a:t>
-            </a:r>
-            <a:r>
-              <a:rPr lang="en-US" i="1" dirty="0"/>
-              <a:t> Futura </a:t>
-            </a:r>
-            <a:r>
-              <a:rPr lang="en-US" dirty="0"/>
-              <a:t>and far too many words on </a:t>
-            </a:r>
-            <a:r>
-              <a:rPr lang="en-US" u="sng" dirty="0"/>
-              <a:t>r/</a:t>
-            </a:r>
-            <a:r>
-              <a:rPr lang="en-US" u="sng" dirty="0" err="1"/>
-              <a:t>roguelikedev</a:t>
-            </a:r>
-            <a:endParaRPr lang="en-US" u="sng" dirty="0"/>
-          </a:p>
-        </p:txBody>
-      </p:sp>
-    </p:spTree>
-    <p:extLst>
-      <p:ext uri="{BB962C8B-B14F-4D97-AF65-F5344CB8AC3E}">
-        <p14:creationId xmlns:p14="http://schemas.microsoft.com/office/powerpoint/2010/main" val="1349929140"/>
-      </p:ext>
-    </p:extLst>
-  </p:cSld>
-  <p:clrMapOvr>
-    <a:masterClrMapping/>
-  </p:clrMapOvr>
-</p:sld>
-</file>
-
-<file path=ppt/slides/slide20.xml><?xml version="1.0" encoding="utf-8"?>
+<file path=ppt/slides/slide26.xml><?xml version="1.0" encoding="utf-8"?>
 <p:sld xmlns:a="http://schemas.openxmlformats.org/drawingml/2006/main" xmlns:r="http://schemas.openxmlformats.org/officeDocument/2006/relationships" xmlns:p="http://schemas.openxmlformats.org/presentationml/2006/main">
   <p:cSld>
     <p:spTree>
@@ -5209,7 +5802,7 @@
 </p:sld>
 </file>
 
-<file path=ppt/slides/slide21.xml><?xml version="1.0" encoding="utf-8"?>
+<file path=ppt/slides/slide27.xml><?xml version="1.0" encoding="utf-8"?>
 <p:sld xmlns:a="http://schemas.openxmlformats.org/drawingml/2006/main" xmlns:r="http://schemas.openxmlformats.org/officeDocument/2006/relationships" xmlns:p="http://schemas.openxmlformats.org/presentationml/2006/main">
   <p:cSld>
     <p:spTree>
@@ -5307,7 +5900,7 @@
 </p:sld>
 </file>
 
-<file path=ppt/slides/slide22.xml><?xml version="1.0" encoding="utf-8"?>
+<file path=ppt/slides/slide28.xml><?xml version="1.0" encoding="utf-8"?>
 <p:sld xmlns:a="http://schemas.openxmlformats.org/drawingml/2006/main" xmlns:r="http://schemas.openxmlformats.org/officeDocument/2006/relationships" xmlns:p="http://schemas.openxmlformats.org/presentationml/2006/main">
   <p:cSld>
     <p:spTree>
@@ -5397,7 +5990,7 @@
 </p:sld>
 </file>
 
-<file path=ppt/slides/slide23.xml><?xml version="1.0" encoding="utf-8"?>
+<file path=ppt/slides/slide29.xml><?xml version="1.0" encoding="utf-8"?>
 <p:sld xmlns:a="http://schemas.openxmlformats.org/drawingml/2006/main" xmlns:r="http://schemas.openxmlformats.org/officeDocument/2006/relationships" xmlns:p="http://schemas.openxmlformats.org/presentationml/2006/main">
   <p:cSld>
     <p:spTree>
@@ -5490,7 +6083,7 @@
 </p:sld>
 </file>
 
-<file path=ppt/slides/slide24.xml><?xml version="1.0" encoding="utf-8"?>
+<file path=ppt/slides/slide3.xml><?xml version="1.0" encoding="utf-8"?>
 <p:sld xmlns:a="http://schemas.openxmlformats.org/drawingml/2006/main" xmlns:r="http://schemas.openxmlformats.org/officeDocument/2006/relationships" xmlns:p="http://schemas.openxmlformats.org/presentationml/2006/main">
   <p:cSld>
     <p:spTree>
@@ -5512,6 +6105,101 @@
           <p:cNvPr id="2" name="Title 1">
             <a:extLst>
               <a:ext uri="{FF2B5EF4-FFF2-40B4-BE49-F238E27FC236}">
+                <a16:creationId xmlns:a16="http://schemas.microsoft.com/office/drawing/2014/main" id="{713DABA6-F0BA-4625-A0B1-08F20E95FC87}"/>
+              </a:ext>
+            </a:extLst>
+          </p:cNvPr>
+          <p:cNvSpPr>
+            <a:spLocks noGrp="1"/>
+          </p:cNvSpPr>
+          <p:nvPr>
+            <p:ph type="ctrTitle"/>
+          </p:nvPr>
+        </p:nvSpPr>
+        <p:spPr/>
+        <p:txBody>
+          <a:bodyPr>
+            <a:normAutofit/>
+          </a:bodyPr>
+          <a:lstStyle/>
+          <a:p>
+            <a:r>
+              <a:rPr lang="en-US" dirty="0"/>
+              <a:t>Source Code and Slides available at:</a:t>
+            </a:r>
+          </a:p>
+        </p:txBody>
+      </p:sp>
+      <p:sp>
+        <p:nvSpPr>
+          <p:cNvPr id="4" name="Subtitle 3">
+            <a:extLst>
+              <a:ext uri="{FF2B5EF4-FFF2-40B4-BE49-F238E27FC236}">
+                <a16:creationId xmlns:a16="http://schemas.microsoft.com/office/drawing/2014/main" id="{BD97DCC6-355D-44C1-A9E3-6B912CF3065A}"/>
+              </a:ext>
+            </a:extLst>
+          </p:cNvPr>
+          <p:cNvSpPr>
+            <a:spLocks noGrp="1"/>
+          </p:cNvSpPr>
+          <p:nvPr>
+            <p:ph type="subTitle" idx="1"/>
+          </p:nvPr>
+        </p:nvSpPr>
+        <p:spPr/>
+        <p:txBody>
+          <a:bodyPr/>
+          <a:lstStyle/>
+          <a:p>
+            <a:r>
+              <a:rPr lang="en-US" dirty="0">
+                <a:solidFill>
+                  <a:schemeClr val="accent5">
+                    <a:lumMod val="20000"/>
+                    <a:lumOff val="80000"/>
+                  </a:schemeClr>
+                </a:solidFill>
+              </a:rPr>
+              <a:t>https://github.com/thebracket/roguelike-celebration-2020</a:t>
+            </a:r>
+          </a:p>
+        </p:txBody>
+      </p:sp>
+    </p:spTree>
+    <p:extLst>
+      <p:ext uri="{BB962C8B-B14F-4D97-AF65-F5344CB8AC3E}">
+        <p14:creationId xmlns:p14="http://schemas.microsoft.com/office/powerpoint/2010/main" val="3516746178"/>
+      </p:ext>
+    </p:extLst>
+  </p:cSld>
+  <p:clrMapOvr>
+    <a:masterClrMapping/>
+  </p:clrMapOvr>
+</p:sld>
+</file>
+
+<file path=ppt/slides/slide30.xml><?xml version="1.0" encoding="utf-8"?>
+<p:sld xmlns:a="http://schemas.openxmlformats.org/drawingml/2006/main" xmlns:r="http://schemas.openxmlformats.org/officeDocument/2006/relationships" xmlns:p="http://schemas.openxmlformats.org/presentationml/2006/main">
+  <p:cSld>
+    <p:spTree>
+      <p:nvGrpSpPr>
+        <p:cNvPr id="1" name=""/>
+        <p:cNvGrpSpPr/>
+        <p:nvPr/>
+      </p:nvGrpSpPr>
+      <p:grpSpPr>
+        <a:xfrm>
+          <a:off x="0" y="0"/>
+          <a:ext cx="0" cy="0"/>
+          <a:chOff x="0" y="0"/>
+          <a:chExt cx="0" cy="0"/>
+        </a:xfrm>
+      </p:grpSpPr>
+      <p:sp>
+        <p:nvSpPr>
+          <p:cNvPr id="2" name="Title 1">
+            <a:extLst>
+              <a:ext uri="{FF2B5EF4-FFF2-40B4-BE49-F238E27FC236}">
                 <a16:creationId xmlns:a16="http://schemas.microsoft.com/office/drawing/2014/main" id="{BDBF7A7A-2506-4797-962E-A81FA26D2EFB}"/>
               </a:ext>
             </a:extLst>
@@ -5605,7 +6293,7 @@
 </p:sld>
 </file>
 
-<file path=ppt/slides/slide25.xml><?xml version="1.0" encoding="utf-8"?>
+<file path=ppt/slides/slide31.xml><?xml version="1.0" encoding="utf-8"?>
 <p:sld xmlns:a="http://schemas.openxmlformats.org/drawingml/2006/main" xmlns:r="http://schemas.openxmlformats.org/officeDocument/2006/relationships" xmlns:p="http://schemas.openxmlformats.org/presentationml/2006/main">
   <p:cSld>
     <p:spTree>
@@ -5695,7 +6383,7 @@
 </p:sld>
 </file>
 
-<file path=ppt/slides/slide26.xml><?xml version="1.0" encoding="utf-8"?>
+<file path=ppt/slides/slide32.xml><?xml version="1.0" encoding="utf-8"?>
 <p:sld xmlns:a="http://schemas.openxmlformats.org/drawingml/2006/main" xmlns:r="http://schemas.openxmlformats.org/officeDocument/2006/relationships" xmlns:p="http://schemas.openxmlformats.org/presentationml/2006/main">
   <p:cSld>
     <p:spTree>
@@ -5785,7 +6473,7 @@
 </p:sld>
 </file>
 
-<file path=ppt/slides/slide27.xml><?xml version="1.0" encoding="utf-8"?>
+<file path=ppt/slides/slide33.xml><?xml version="1.0" encoding="utf-8"?>
 <p:sld xmlns:a="http://schemas.openxmlformats.org/drawingml/2006/main" xmlns:r="http://schemas.openxmlformats.org/officeDocument/2006/relationships" xmlns:p="http://schemas.openxmlformats.org/presentationml/2006/main">
   <p:cSld>
     <p:spTree>
@@ -5875,631 +6563,6 @@
 </p:sld>
 </file>
 
-<file path=ppt/slides/slide28.xml><?xml version="1.0" encoding="utf-8"?>
-<p:sld xmlns:a="http://schemas.openxmlformats.org/drawingml/2006/main" xmlns:r="http://schemas.openxmlformats.org/officeDocument/2006/relationships" xmlns:p="http://schemas.openxmlformats.org/presentationml/2006/main">
-  <p:cSld>
-    <p:spTree>
-      <p:nvGrpSpPr>
-        <p:cNvPr id="1" name=""/>
-        <p:cNvGrpSpPr/>
-        <p:nvPr/>
-      </p:nvGrpSpPr>
-      <p:grpSpPr>
-        <a:xfrm>
-          <a:off x="0" y="0"/>
-          <a:ext cx="0" cy="0"/>
-          <a:chOff x="0" y="0"/>
-          <a:chExt cx="0" cy="0"/>
-        </a:xfrm>
-      </p:grpSpPr>
-      <p:sp>
-        <p:nvSpPr>
-          <p:cNvPr id="2" name="Title 1">
-            <a:extLst>
-              <a:ext uri="{FF2B5EF4-FFF2-40B4-BE49-F238E27FC236}">
-                <a16:creationId xmlns:a16="http://schemas.microsoft.com/office/drawing/2014/main" id="{F43A58D4-1AD4-42B4-BB82-454851093E5A}"/>
-              </a:ext>
-            </a:extLst>
-          </p:cNvPr>
-          <p:cNvSpPr>
-            <a:spLocks noGrp="1"/>
-          </p:cNvSpPr>
-          <p:nvPr>
-            <p:ph type="title"/>
-          </p:nvPr>
-        </p:nvSpPr>
-        <p:spPr/>
-        <p:txBody>
-          <a:bodyPr/>
-          <a:lstStyle/>
-          <a:p>
-            <a:r>
-              <a:rPr lang="en-US" dirty="0"/>
-              <a:t>Animated Drunkard’s Walk</a:t>
-            </a:r>
-          </a:p>
-        </p:txBody>
-      </p:sp>
-      <p:pic>
-        <p:nvPicPr>
-          <p:cNvPr id="5" name="Content Placeholder 4">
-            <a:extLst>
-              <a:ext uri="{FF2B5EF4-FFF2-40B4-BE49-F238E27FC236}">
-                <a16:creationId xmlns:a16="http://schemas.microsoft.com/office/drawing/2014/main" id="{75AFF850-FAD7-46A2-8E7F-B6A224AD5F42}"/>
-              </a:ext>
-            </a:extLst>
-          </p:cNvPr>
-          <p:cNvPicPr>
-            <a:picLocks noGrp="1" noChangeAspect="1"/>
-          </p:cNvPicPr>
-          <p:nvPr>
-            <p:ph idx="1"/>
-          </p:nvPr>
-        </p:nvPicPr>
-        <p:blipFill>
-          <a:blip r:embed="rId2">
-            <a:extLst>
-              <a:ext uri="{28A0092B-C50C-407E-A947-70E740481C1C}">
-                <a14:useLocalDpi xmlns:a14="http://schemas.microsoft.com/office/drawing/2010/main" val="0"/>
-              </a:ext>
-            </a:extLst>
-          </a:blip>
-          <a:stretch>
-            <a:fillRect/>
-          </a:stretch>
-        </p:blipFill>
-        <p:spPr>
-          <a:xfrm>
-            <a:off x="3067050" y="2091531"/>
-            <a:ext cx="6057900" cy="3819525"/>
-          </a:xfrm>
-        </p:spPr>
-      </p:pic>
-    </p:spTree>
-    <p:extLst>
-      <p:ext uri="{BB962C8B-B14F-4D97-AF65-F5344CB8AC3E}">
-        <p14:creationId xmlns:p14="http://schemas.microsoft.com/office/powerpoint/2010/main" val="1628320047"/>
-      </p:ext>
-    </p:extLst>
-  </p:cSld>
-  <p:clrMapOvr>
-    <a:masterClrMapping/>
-  </p:clrMapOvr>
-</p:sld>
-</file>
-
-<file path=ppt/slides/slide29.xml><?xml version="1.0" encoding="utf-8"?>
-<p:sld xmlns:a="http://schemas.openxmlformats.org/drawingml/2006/main" xmlns:r="http://schemas.openxmlformats.org/officeDocument/2006/relationships" xmlns:p="http://schemas.openxmlformats.org/presentationml/2006/main">
-  <p:cSld>
-    <p:spTree>
-      <p:nvGrpSpPr>
-        <p:cNvPr id="1" name=""/>
-        <p:cNvGrpSpPr/>
-        <p:nvPr/>
-      </p:nvGrpSpPr>
-      <p:grpSpPr>
-        <a:xfrm>
-          <a:off x="0" y="0"/>
-          <a:ext cx="0" cy="0"/>
-          <a:chOff x="0" y="0"/>
-          <a:chExt cx="0" cy="0"/>
-        </a:xfrm>
-      </p:grpSpPr>
-      <p:sp>
-        <p:nvSpPr>
-          <p:cNvPr id="2" name="Title 1">
-            <a:extLst>
-              <a:ext uri="{FF2B5EF4-FFF2-40B4-BE49-F238E27FC236}">
-                <a16:creationId xmlns:a16="http://schemas.microsoft.com/office/drawing/2014/main" id="{944765BD-7782-4971-8EBB-FBDE2B502A8F}"/>
-              </a:ext>
-            </a:extLst>
-          </p:cNvPr>
-          <p:cNvSpPr>
-            <a:spLocks noGrp="1"/>
-          </p:cNvSpPr>
-          <p:nvPr>
-            <p:ph type="title"/>
-          </p:nvPr>
-        </p:nvSpPr>
-        <p:spPr/>
-        <p:txBody>
-          <a:bodyPr/>
-          <a:lstStyle/>
-          <a:p>
-            <a:r>
-              <a:rPr lang="en-US" dirty="0"/>
-              <a:t>Diffusion</a:t>
-            </a:r>
-            <a:r>
-              <a:rPr lang="en-US" baseline="0" dirty="0"/>
-              <a:t> Limited Aggregation</a:t>
-            </a:r>
-            <a:endParaRPr lang="en-US" dirty="0"/>
-          </a:p>
-        </p:txBody>
-      </p:sp>
-      <p:sp>
-        <p:nvSpPr>
-          <p:cNvPr id="3" name="Content Placeholder 2">
-            <a:extLst>
-              <a:ext uri="{FF2B5EF4-FFF2-40B4-BE49-F238E27FC236}">
-                <a16:creationId xmlns:a16="http://schemas.microsoft.com/office/drawing/2014/main" id="{1BFA3AFF-C76B-45D2-884F-433F068B6998}"/>
-              </a:ext>
-            </a:extLst>
-          </p:cNvPr>
-          <p:cNvSpPr>
-            <a:spLocks noGrp="1"/>
-          </p:cNvSpPr>
-          <p:nvPr>
-            <p:ph idx="1"/>
-          </p:nvPr>
-        </p:nvSpPr>
-        <p:spPr/>
-        <p:txBody>
-          <a:bodyPr/>
-          <a:lstStyle/>
-          <a:p>
-            <a:endParaRPr lang="en-US"/>
-          </a:p>
-        </p:txBody>
-      </p:sp>
-    </p:spTree>
-    <p:extLst>
-      <p:ext uri="{BB962C8B-B14F-4D97-AF65-F5344CB8AC3E}">
-        <p14:creationId xmlns:p14="http://schemas.microsoft.com/office/powerpoint/2010/main" val="489016542"/>
-      </p:ext>
-    </p:extLst>
-  </p:cSld>
-  <p:clrMapOvr>
-    <a:masterClrMapping/>
-  </p:clrMapOvr>
-</p:sld>
-</file>
-
-<file path=ppt/slides/slide3.xml><?xml version="1.0" encoding="utf-8"?>
-<p:sld xmlns:a="http://schemas.openxmlformats.org/drawingml/2006/main" xmlns:r="http://schemas.openxmlformats.org/officeDocument/2006/relationships" xmlns:p="http://schemas.openxmlformats.org/presentationml/2006/main">
-  <p:cSld>
-    <p:spTree>
-      <p:nvGrpSpPr>
-        <p:cNvPr id="1" name=""/>
-        <p:cNvGrpSpPr/>
-        <p:nvPr/>
-      </p:nvGrpSpPr>
-      <p:grpSpPr>
-        <a:xfrm>
-          <a:off x="0" y="0"/>
-          <a:ext cx="0" cy="0"/>
-          <a:chOff x="0" y="0"/>
-          <a:chExt cx="0" cy="0"/>
-        </a:xfrm>
-      </p:grpSpPr>
-      <p:sp>
-        <p:nvSpPr>
-          <p:cNvPr id="2" name="Title 1">
-            <a:extLst>
-              <a:ext uri="{FF2B5EF4-FFF2-40B4-BE49-F238E27FC236}">
-                <a16:creationId xmlns:a16="http://schemas.microsoft.com/office/drawing/2014/main" id="{713DABA6-F0BA-4625-A0B1-08F20E95FC87}"/>
-              </a:ext>
-            </a:extLst>
-          </p:cNvPr>
-          <p:cNvSpPr>
-            <a:spLocks noGrp="1"/>
-          </p:cNvSpPr>
-          <p:nvPr>
-            <p:ph type="ctrTitle"/>
-          </p:nvPr>
-        </p:nvSpPr>
-        <p:spPr/>
-        <p:txBody>
-          <a:bodyPr>
-            <a:normAutofit/>
-          </a:bodyPr>
-          <a:lstStyle/>
-          <a:p>
-            <a:r>
-              <a:rPr lang="en-US" dirty="0"/>
-              <a:t>Source Code and Slides available at:</a:t>
-            </a:r>
-          </a:p>
-        </p:txBody>
-      </p:sp>
-      <p:sp>
-        <p:nvSpPr>
-          <p:cNvPr id="4" name="Subtitle 3">
-            <a:extLst>
-              <a:ext uri="{FF2B5EF4-FFF2-40B4-BE49-F238E27FC236}">
-                <a16:creationId xmlns:a16="http://schemas.microsoft.com/office/drawing/2014/main" id="{BD97DCC6-355D-44C1-A9E3-6B912CF3065A}"/>
-              </a:ext>
-            </a:extLst>
-          </p:cNvPr>
-          <p:cNvSpPr>
-            <a:spLocks noGrp="1"/>
-          </p:cNvSpPr>
-          <p:nvPr>
-            <p:ph type="subTitle" idx="1"/>
-          </p:nvPr>
-        </p:nvSpPr>
-        <p:spPr/>
-        <p:txBody>
-          <a:bodyPr/>
-          <a:lstStyle/>
-          <a:p>
-            <a:r>
-              <a:rPr lang="en-US" dirty="0">
-                <a:solidFill>
-                  <a:schemeClr val="accent5">
-                    <a:lumMod val="20000"/>
-                    <a:lumOff val="80000"/>
-                  </a:schemeClr>
-                </a:solidFill>
-              </a:rPr>
-              <a:t>https://github.com/thebracket/roguelike-celebration-2020</a:t>
-            </a:r>
-          </a:p>
-        </p:txBody>
-      </p:sp>
-    </p:spTree>
-    <p:extLst>
-      <p:ext uri="{BB962C8B-B14F-4D97-AF65-F5344CB8AC3E}">
-        <p14:creationId xmlns:p14="http://schemas.microsoft.com/office/powerpoint/2010/main" val="3516746178"/>
-      </p:ext>
-    </p:extLst>
-  </p:cSld>
-  <p:clrMapOvr>
-    <a:masterClrMapping/>
-  </p:clrMapOvr>
-</p:sld>
-</file>
-
-<file path=ppt/slides/slide30.xml><?xml version="1.0" encoding="utf-8"?>
-<p:sld xmlns:a="http://schemas.openxmlformats.org/drawingml/2006/main" xmlns:r="http://schemas.openxmlformats.org/officeDocument/2006/relationships" xmlns:p="http://schemas.openxmlformats.org/presentationml/2006/main">
-  <p:cSld>
-    <p:spTree>
-      <p:nvGrpSpPr>
-        <p:cNvPr id="1" name=""/>
-        <p:cNvGrpSpPr/>
-        <p:nvPr/>
-      </p:nvGrpSpPr>
-      <p:grpSpPr>
-        <a:xfrm>
-          <a:off x="0" y="0"/>
-          <a:ext cx="0" cy="0"/>
-          <a:chOff x="0" y="0"/>
-          <a:chExt cx="0" cy="0"/>
-        </a:xfrm>
-      </p:grpSpPr>
-      <p:sp>
-        <p:nvSpPr>
-          <p:cNvPr id="2" name="Title 1">
-            <a:extLst>
-              <a:ext uri="{FF2B5EF4-FFF2-40B4-BE49-F238E27FC236}">
-                <a16:creationId xmlns:a16="http://schemas.microsoft.com/office/drawing/2014/main" id="{FF9C2C70-DE06-412E-9369-2EDDCFFA4789}"/>
-              </a:ext>
-            </a:extLst>
-          </p:cNvPr>
-          <p:cNvSpPr>
-            <a:spLocks noGrp="1"/>
-          </p:cNvSpPr>
-          <p:nvPr>
-            <p:ph type="title"/>
-          </p:nvPr>
-        </p:nvSpPr>
-        <p:spPr/>
-        <p:txBody>
-          <a:bodyPr/>
-          <a:lstStyle/>
-          <a:p>
-            <a:r>
-              <a:rPr lang="en-US" dirty="0"/>
-              <a:t>DLA Progression</a:t>
-            </a:r>
-          </a:p>
-        </p:txBody>
-      </p:sp>
-      <p:sp>
-        <p:nvSpPr>
-          <p:cNvPr id="3" name="Content Placeholder 2">
-            <a:extLst>
-              <a:ext uri="{FF2B5EF4-FFF2-40B4-BE49-F238E27FC236}">
-                <a16:creationId xmlns:a16="http://schemas.microsoft.com/office/drawing/2014/main" id="{B576F249-9557-4A3D-972E-3CB87B4964BB}"/>
-              </a:ext>
-            </a:extLst>
-          </p:cNvPr>
-          <p:cNvSpPr>
-            <a:spLocks noGrp="1"/>
-          </p:cNvSpPr>
-          <p:nvPr>
-            <p:ph idx="1"/>
-          </p:nvPr>
-        </p:nvSpPr>
-        <p:spPr/>
-        <p:txBody>
-          <a:bodyPr/>
-          <a:lstStyle/>
-          <a:p>
-            <a:endParaRPr lang="en-US"/>
-          </a:p>
-        </p:txBody>
-      </p:sp>
-    </p:spTree>
-    <p:extLst>
-      <p:ext uri="{BB962C8B-B14F-4D97-AF65-F5344CB8AC3E}">
-        <p14:creationId xmlns:p14="http://schemas.microsoft.com/office/powerpoint/2010/main" val="1839844255"/>
-      </p:ext>
-    </p:extLst>
-  </p:cSld>
-  <p:clrMapOvr>
-    <a:masterClrMapping/>
-  </p:clrMapOvr>
-</p:sld>
-</file>
-
-<file path=ppt/slides/slide31.xml><?xml version="1.0" encoding="utf-8"?>
-<p:sld xmlns:a="http://schemas.openxmlformats.org/drawingml/2006/main" xmlns:r="http://schemas.openxmlformats.org/officeDocument/2006/relationships" xmlns:p="http://schemas.openxmlformats.org/presentationml/2006/main">
-  <p:cSld>
-    <p:spTree>
-      <p:nvGrpSpPr>
-        <p:cNvPr id="1" name=""/>
-        <p:cNvGrpSpPr/>
-        <p:nvPr/>
-      </p:nvGrpSpPr>
-      <p:grpSpPr>
-        <a:xfrm>
-          <a:off x="0" y="0"/>
-          <a:ext cx="0" cy="0"/>
-          <a:chOff x="0" y="0"/>
-          <a:chExt cx="0" cy="0"/>
-        </a:xfrm>
-      </p:grpSpPr>
-      <p:sp>
-        <p:nvSpPr>
-          <p:cNvPr id="2" name="Title 1">
-            <a:extLst>
-              <a:ext uri="{FF2B5EF4-FFF2-40B4-BE49-F238E27FC236}">
-                <a16:creationId xmlns:a16="http://schemas.microsoft.com/office/drawing/2014/main" id="{A86B5833-62CF-4400-9A8D-F3E212C7B926}"/>
-              </a:ext>
-            </a:extLst>
-          </p:cNvPr>
-          <p:cNvSpPr>
-            <a:spLocks noGrp="1"/>
-          </p:cNvSpPr>
-          <p:nvPr>
-            <p:ph type="title"/>
-          </p:nvPr>
-        </p:nvSpPr>
-        <p:spPr/>
-        <p:txBody>
-          <a:bodyPr/>
-          <a:lstStyle/>
-          <a:p>
-            <a:r>
-              <a:rPr lang="en-US" dirty="0"/>
-              <a:t>Voronoi Hive Maps</a:t>
-            </a:r>
-          </a:p>
-        </p:txBody>
-      </p:sp>
-      <p:sp>
-        <p:nvSpPr>
-          <p:cNvPr id="3" name="Content Placeholder 2">
-            <a:extLst>
-              <a:ext uri="{FF2B5EF4-FFF2-40B4-BE49-F238E27FC236}">
-                <a16:creationId xmlns:a16="http://schemas.microsoft.com/office/drawing/2014/main" id="{9B116533-FB78-43F8-9FB7-C7AA0C566349}"/>
-              </a:ext>
-            </a:extLst>
-          </p:cNvPr>
-          <p:cNvSpPr>
-            <a:spLocks noGrp="1"/>
-          </p:cNvSpPr>
-          <p:nvPr>
-            <p:ph idx="1"/>
-          </p:nvPr>
-        </p:nvSpPr>
-        <p:spPr/>
-        <p:txBody>
-          <a:bodyPr/>
-          <a:lstStyle/>
-          <a:p>
-            <a:endParaRPr lang="en-US"/>
-          </a:p>
-        </p:txBody>
-      </p:sp>
-    </p:spTree>
-    <p:extLst>
-      <p:ext uri="{BB962C8B-B14F-4D97-AF65-F5344CB8AC3E}">
-        <p14:creationId xmlns:p14="http://schemas.microsoft.com/office/powerpoint/2010/main" val="2865588890"/>
-      </p:ext>
-    </p:extLst>
-  </p:cSld>
-  <p:clrMapOvr>
-    <a:masterClrMapping/>
-  </p:clrMapOvr>
-</p:sld>
-</file>
-
-<file path=ppt/slides/slide32.xml><?xml version="1.0" encoding="utf-8"?>
-<p:sld xmlns:a="http://schemas.openxmlformats.org/drawingml/2006/main" xmlns:r="http://schemas.openxmlformats.org/officeDocument/2006/relationships" xmlns:p="http://schemas.openxmlformats.org/presentationml/2006/main">
-  <p:cSld>
-    <p:spTree>
-      <p:nvGrpSpPr>
-        <p:cNvPr id="1" name=""/>
-        <p:cNvGrpSpPr/>
-        <p:nvPr/>
-      </p:nvGrpSpPr>
-      <p:grpSpPr>
-        <a:xfrm>
-          <a:off x="0" y="0"/>
-          <a:ext cx="0" cy="0"/>
-          <a:chOff x="0" y="0"/>
-          <a:chExt cx="0" cy="0"/>
-        </a:xfrm>
-      </p:grpSpPr>
-      <p:sp>
-        <p:nvSpPr>
-          <p:cNvPr id="2" name="Title 1">
-            <a:extLst>
-              <a:ext uri="{FF2B5EF4-FFF2-40B4-BE49-F238E27FC236}">
-                <a16:creationId xmlns:a16="http://schemas.microsoft.com/office/drawing/2014/main" id="{64E18A49-DBDA-4CD7-A663-F9E8E2FFAFF0}"/>
-              </a:ext>
-            </a:extLst>
-          </p:cNvPr>
-          <p:cNvSpPr>
-            <a:spLocks noGrp="1"/>
-          </p:cNvSpPr>
-          <p:nvPr>
-            <p:ph type="title"/>
-          </p:nvPr>
-        </p:nvSpPr>
-        <p:spPr/>
-        <p:txBody>
-          <a:bodyPr/>
-          <a:lstStyle/>
-          <a:p>
-            <a:r>
-              <a:rPr lang="en-US" dirty="0"/>
-              <a:t>PART 2 – Meta-Builders</a:t>
-            </a:r>
-          </a:p>
-        </p:txBody>
-      </p:sp>
-      <p:sp>
-        <p:nvSpPr>
-          <p:cNvPr id="3" name="Content Placeholder 2">
-            <a:extLst>
-              <a:ext uri="{FF2B5EF4-FFF2-40B4-BE49-F238E27FC236}">
-                <a16:creationId xmlns:a16="http://schemas.microsoft.com/office/drawing/2014/main" id="{A6346E82-7C8C-4960-B9B3-A0E6B3AEF447}"/>
-              </a:ext>
-            </a:extLst>
-          </p:cNvPr>
-          <p:cNvSpPr>
-            <a:spLocks noGrp="1"/>
-          </p:cNvSpPr>
-          <p:nvPr>
-            <p:ph idx="1"/>
-          </p:nvPr>
-        </p:nvSpPr>
-        <p:spPr/>
-        <p:txBody>
-          <a:bodyPr/>
-          <a:lstStyle/>
-          <a:p>
-            <a:r>
-              <a:rPr lang="en-US" dirty="0"/>
-              <a:t>One algorithm isn’t always enough.</a:t>
-            </a:r>
-          </a:p>
-          <a:p>
-            <a:r>
-              <a:rPr lang="en-US" dirty="0"/>
-              <a:t>You can always run a </a:t>
-            </a:r>
-            <a:r>
-              <a:rPr lang="en-US" i="1" dirty="0"/>
-              <a:t>second</a:t>
-            </a:r>
-            <a:r>
-              <a:rPr lang="en-US" dirty="0"/>
-              <a:t> algorithm using your first as its input.</a:t>
-            </a:r>
-          </a:p>
-        </p:txBody>
-      </p:sp>
-    </p:spTree>
-    <p:extLst>
-      <p:ext uri="{BB962C8B-B14F-4D97-AF65-F5344CB8AC3E}">
-        <p14:creationId xmlns:p14="http://schemas.microsoft.com/office/powerpoint/2010/main" val="137979892"/>
-      </p:ext>
-    </p:extLst>
-  </p:cSld>
-  <p:clrMapOvr>
-    <a:masterClrMapping/>
-  </p:clrMapOvr>
-</p:sld>
-</file>
-
-<file path=ppt/slides/slide33.xml><?xml version="1.0" encoding="utf-8"?>
-<p:sld xmlns:a="http://schemas.openxmlformats.org/drawingml/2006/main" xmlns:r="http://schemas.openxmlformats.org/officeDocument/2006/relationships" xmlns:p="http://schemas.openxmlformats.org/presentationml/2006/main">
-  <p:cSld>
-    <p:spTree>
-      <p:nvGrpSpPr>
-        <p:cNvPr id="1" name=""/>
-        <p:cNvGrpSpPr/>
-        <p:nvPr/>
-      </p:nvGrpSpPr>
-      <p:grpSpPr>
-        <a:xfrm>
-          <a:off x="0" y="0"/>
-          <a:ext cx="0" cy="0"/>
-          <a:chOff x="0" y="0"/>
-          <a:chExt cx="0" cy="0"/>
-        </a:xfrm>
-      </p:grpSpPr>
-      <p:sp>
-        <p:nvSpPr>
-          <p:cNvPr id="2" name="Title 1">
-            <a:extLst>
-              <a:ext uri="{FF2B5EF4-FFF2-40B4-BE49-F238E27FC236}">
-                <a16:creationId xmlns:a16="http://schemas.microsoft.com/office/drawing/2014/main" id="{41E81F0C-9813-4A7A-824E-C66E053B5032}"/>
-              </a:ext>
-            </a:extLst>
-          </p:cNvPr>
-          <p:cNvSpPr>
-            <a:spLocks noGrp="1"/>
-          </p:cNvSpPr>
-          <p:nvPr>
-            <p:ph type="title"/>
-          </p:nvPr>
-        </p:nvSpPr>
-        <p:spPr/>
-        <p:txBody>
-          <a:bodyPr/>
-          <a:lstStyle/>
-          <a:p>
-            <a:r>
-              <a:rPr lang="en-US" dirty="0"/>
-              <a:t>Eroding Maps</a:t>
-            </a:r>
-          </a:p>
-        </p:txBody>
-      </p:sp>
-      <p:sp>
-        <p:nvSpPr>
-          <p:cNvPr id="3" name="Content Placeholder 2">
-            <a:extLst>
-              <a:ext uri="{FF2B5EF4-FFF2-40B4-BE49-F238E27FC236}">
-                <a16:creationId xmlns:a16="http://schemas.microsoft.com/office/drawing/2014/main" id="{BF5F7A17-9452-4B16-A18A-86EBF039A787}"/>
-              </a:ext>
-            </a:extLst>
-          </p:cNvPr>
-          <p:cNvSpPr>
-            <a:spLocks noGrp="1"/>
-          </p:cNvSpPr>
-          <p:nvPr>
-            <p:ph idx="1"/>
-          </p:nvPr>
-        </p:nvSpPr>
-        <p:spPr/>
-        <p:txBody>
-          <a:bodyPr/>
-          <a:lstStyle/>
-          <a:p>
-            <a:endParaRPr lang="en-US"/>
-          </a:p>
-        </p:txBody>
-      </p:sp>
-    </p:spTree>
-    <p:extLst>
-      <p:ext uri="{BB962C8B-B14F-4D97-AF65-F5344CB8AC3E}">
-        <p14:creationId xmlns:p14="http://schemas.microsoft.com/office/powerpoint/2010/main" val="3467330287"/>
-      </p:ext>
-    </p:extLst>
-  </p:cSld>
-  <p:clrMapOvr>
-    <a:masterClrMapping/>
-  </p:clrMapOvr>
-</p:sld>
-</file>
-
 <file path=ppt/slides/slide34.xml><?xml version="1.0" encoding="utf-8"?>
 <p:sld xmlns:a="http://schemas.openxmlformats.org/drawingml/2006/main" xmlns:r="http://schemas.openxmlformats.org/officeDocument/2006/relationships" xmlns:p="http://schemas.openxmlformats.org/presentationml/2006/main">
   <p:cSld>
@@ -6522,7 +6585,7 @@
           <p:cNvPr id="2" name="Title 1">
             <a:extLst>
               <a:ext uri="{FF2B5EF4-FFF2-40B4-BE49-F238E27FC236}">
-                <a16:creationId xmlns:a16="http://schemas.microsoft.com/office/drawing/2014/main" id="{B6039A8A-4F8D-4655-8228-4ED9280DC988}"/>
+                <a16:creationId xmlns:a16="http://schemas.microsoft.com/office/drawing/2014/main" id="{F43A58D4-1AD4-42B4-BB82-454851093E5A}"/>
               </a:ext>
             </a:extLst>
           </p:cNvPr>
@@ -6540,40 +6603,50 @@
           <a:p>
             <a:r>
               <a:rPr lang="en-US" dirty="0"/>
-              <a:t>Adding Symmetry</a:t>
-            </a:r>
-          </a:p>
-        </p:txBody>
-      </p:sp>
-      <p:sp>
-        <p:nvSpPr>
-          <p:cNvPr id="3" name="Content Placeholder 2">
-            <a:extLst>
-              <a:ext uri="{FF2B5EF4-FFF2-40B4-BE49-F238E27FC236}">
-                <a16:creationId xmlns:a16="http://schemas.microsoft.com/office/drawing/2014/main" id="{46D44358-4CED-48CA-B84A-FE789F2F3AF2}"/>
-              </a:ext>
-            </a:extLst>
-          </p:cNvPr>
-          <p:cNvSpPr>
-            <a:spLocks noGrp="1"/>
-          </p:cNvSpPr>
+              <a:t>Animated Drunkard’s Walk</a:t>
+            </a:r>
+          </a:p>
+        </p:txBody>
+      </p:sp>
+      <p:pic>
+        <p:nvPicPr>
+          <p:cNvPr id="5" name="Content Placeholder 4">
+            <a:extLst>
+              <a:ext uri="{FF2B5EF4-FFF2-40B4-BE49-F238E27FC236}">
+                <a16:creationId xmlns:a16="http://schemas.microsoft.com/office/drawing/2014/main" id="{75AFF850-FAD7-46A2-8E7F-B6A224AD5F42}"/>
+              </a:ext>
+            </a:extLst>
+          </p:cNvPr>
+          <p:cNvPicPr>
+            <a:picLocks noGrp="1" noChangeAspect="1"/>
+          </p:cNvPicPr>
           <p:nvPr>
             <p:ph idx="1"/>
           </p:nvPr>
-        </p:nvSpPr>
-        <p:spPr/>
-        <p:txBody>
-          <a:bodyPr/>
-          <a:lstStyle/>
-          <a:p>
-            <a:endParaRPr lang="en-US"/>
-          </a:p>
-        </p:txBody>
-      </p:sp>
+        </p:nvPicPr>
+        <p:blipFill>
+          <a:blip r:embed="rId2">
+            <a:extLst>
+              <a:ext uri="{28A0092B-C50C-407E-A947-70E740481C1C}">
+                <a14:useLocalDpi xmlns:a14="http://schemas.microsoft.com/office/drawing/2010/main" val="0"/>
+              </a:ext>
+            </a:extLst>
+          </a:blip>
+          <a:stretch>
+            <a:fillRect/>
+          </a:stretch>
+        </p:blipFill>
+        <p:spPr>
+          <a:xfrm>
+            <a:off x="3067050" y="2091531"/>
+            <a:ext cx="6057900" cy="3819525"/>
+          </a:xfrm>
+        </p:spPr>
+      </p:pic>
     </p:spTree>
     <p:extLst>
       <p:ext uri="{BB962C8B-B14F-4D97-AF65-F5344CB8AC3E}">
-        <p14:creationId xmlns:p14="http://schemas.microsoft.com/office/powerpoint/2010/main" val="3639117625"/>
+        <p14:creationId xmlns:p14="http://schemas.microsoft.com/office/powerpoint/2010/main" val="1628320047"/>
       </p:ext>
     </p:extLst>
   </p:cSld>
@@ -6605,7 +6678,7 @@
           <p:cNvPr id="2" name="Title 1">
             <a:extLst>
               <a:ext uri="{FF2B5EF4-FFF2-40B4-BE49-F238E27FC236}">
-                <a16:creationId xmlns:a16="http://schemas.microsoft.com/office/drawing/2014/main" id="{F63898EB-EB14-4AA3-A2F3-93F16F823063}"/>
+                <a16:creationId xmlns:a16="http://schemas.microsoft.com/office/drawing/2014/main" id="{944765BD-7782-4971-8EBB-FBDE2B502A8F}"/>
               </a:ext>
             </a:extLst>
           </p:cNvPr>
@@ -6623,8 +6696,13 @@
           <a:p>
             <a:r>
               <a:rPr lang="en-US" dirty="0"/>
-              <a:t>Waveform Collapse</a:t>
-            </a:r>
+              <a:t>Diffusion</a:t>
+            </a:r>
+            <a:r>
+              <a:rPr lang="en-US" baseline="0" dirty="0"/>
+              <a:t> Limited Aggregation</a:t>
+            </a:r>
+            <a:endParaRPr lang="en-US" dirty="0"/>
           </a:p>
         </p:txBody>
       </p:sp>
@@ -6633,7 +6711,7 @@
           <p:cNvPr id="3" name="Content Placeholder 2">
             <a:extLst>
               <a:ext uri="{FF2B5EF4-FFF2-40B4-BE49-F238E27FC236}">
-                <a16:creationId xmlns:a16="http://schemas.microsoft.com/office/drawing/2014/main" id="{E769680E-43CF-41B6-8525-D20C6F361581}"/>
+                <a16:creationId xmlns:a16="http://schemas.microsoft.com/office/drawing/2014/main" id="{1BFA3AFF-C76B-45D2-884F-433F068B6998}"/>
               </a:ext>
             </a:extLst>
           </p:cNvPr>
@@ -6649,14 +6727,29 @@
           <a:bodyPr/>
           <a:lstStyle/>
           <a:p>
-            <a:endParaRPr lang="en-US"/>
+            <a:r>
+              <a:rPr lang="en-US" dirty="0"/>
+              <a:t>Similar to Drunkard’s Walk.</a:t>
+            </a:r>
+          </a:p>
+          <a:p>
+            <a:r>
+              <a:rPr lang="en-US" dirty="0"/>
+              <a:t>Instead of digging from a random mover’s location, you fire a particle from a random point – and carve out the first wall adjacent to a floor that they hit.</a:t>
+            </a:r>
+          </a:p>
+          <a:p>
+            <a:r>
+              <a:rPr lang="en-US" dirty="0"/>
+              <a:t>Several variations on this theme.</a:t>
+            </a:r>
           </a:p>
         </p:txBody>
       </p:sp>
     </p:spTree>
     <p:extLst>
       <p:ext uri="{BB962C8B-B14F-4D97-AF65-F5344CB8AC3E}">
-        <p14:creationId xmlns:p14="http://schemas.microsoft.com/office/powerpoint/2010/main" val="1944686705"/>
+        <p14:creationId xmlns:p14="http://schemas.microsoft.com/office/powerpoint/2010/main" val="489016542"/>
       </p:ext>
     </p:extLst>
   </p:cSld>
@@ -6688,7 +6781,7 @@
           <p:cNvPr id="2" name="Title 1">
             <a:extLst>
               <a:ext uri="{FF2B5EF4-FFF2-40B4-BE49-F238E27FC236}">
-                <a16:creationId xmlns:a16="http://schemas.microsoft.com/office/drawing/2014/main" id="{CF0248D1-34B2-4B59-AA9F-4E5727216E39}"/>
+                <a16:creationId xmlns:a16="http://schemas.microsoft.com/office/drawing/2014/main" id="{FF9C2C70-DE06-412E-9369-2EDDCFFA4789}"/>
               </a:ext>
             </a:extLst>
           </p:cNvPr>
@@ -6706,45 +6799,47 @@
           <a:p>
             <a:r>
               <a:rPr lang="en-US" dirty="0"/>
-              <a:t>PART 3 – Let’s </a:t>
-            </a:r>
-            <a:r>
-              <a:rPr lang="en-US"/>
-              <a:t>Make Some Noise</a:t>
-            </a:r>
-            <a:endParaRPr lang="en-US" dirty="0"/>
-          </a:p>
-        </p:txBody>
-      </p:sp>
-      <p:sp>
-        <p:nvSpPr>
-          <p:cNvPr id="3" name="Content Placeholder 2">
-            <a:extLst>
-              <a:ext uri="{FF2B5EF4-FFF2-40B4-BE49-F238E27FC236}">
-                <a16:creationId xmlns:a16="http://schemas.microsoft.com/office/drawing/2014/main" id="{B5B32EE5-7262-4D89-A488-48E76C108615}"/>
-              </a:ext>
-            </a:extLst>
-          </p:cNvPr>
-          <p:cNvSpPr>
-            <a:spLocks noGrp="1"/>
-          </p:cNvSpPr>
+              <a:t>Starting Seed Area</a:t>
+            </a:r>
+          </a:p>
+        </p:txBody>
+      </p:sp>
+      <p:pic>
+        <p:nvPicPr>
+          <p:cNvPr id="4" name="Content Placeholder 3">
+            <a:extLst>
+              <a:ext uri="{FF2B5EF4-FFF2-40B4-BE49-F238E27FC236}">
+                <a16:creationId xmlns:a16="http://schemas.microsoft.com/office/drawing/2014/main" id="{615017D9-3E79-416E-B400-A9003CCE3C27}"/>
+              </a:ext>
+            </a:extLst>
+          </p:cNvPr>
+          <p:cNvPicPr>
+            <a:picLocks noGrp="1" noChangeAspect="1"/>
+          </p:cNvPicPr>
           <p:nvPr>
             <p:ph idx="1"/>
           </p:nvPr>
-        </p:nvSpPr>
-        <p:spPr/>
-        <p:txBody>
-          <a:bodyPr/>
-          <a:lstStyle/>
-          <a:p>
-            <a:endParaRPr lang="en-US"/>
-          </a:p>
-        </p:txBody>
-      </p:sp>
+        </p:nvPicPr>
+        <p:blipFill>
+          <a:blip r:embed="rId2"/>
+          <a:stretch>
+            <a:fillRect/>
+          </a:stretch>
+        </p:blipFill>
+        <p:spPr>
+          <a:xfrm>
+            <a:off x="3038475" y="1943894"/>
+            <a:ext cx="6115050" cy="4114800"/>
+          </a:xfrm>
+          <a:prstGeom prst="rect">
+            <a:avLst/>
+          </a:prstGeom>
+        </p:spPr>
+      </p:pic>
     </p:spTree>
     <p:extLst>
       <p:ext uri="{BB962C8B-B14F-4D97-AF65-F5344CB8AC3E}">
-        <p14:creationId xmlns:p14="http://schemas.microsoft.com/office/powerpoint/2010/main" val="2418747065"/>
+        <p14:creationId xmlns:p14="http://schemas.microsoft.com/office/powerpoint/2010/main" val="1839844255"/>
       </p:ext>
     </p:extLst>
   </p:cSld>
@@ -6776,7 +6871,7 @@
           <p:cNvPr id="2" name="Title 1">
             <a:extLst>
               <a:ext uri="{FF2B5EF4-FFF2-40B4-BE49-F238E27FC236}">
-                <a16:creationId xmlns:a16="http://schemas.microsoft.com/office/drawing/2014/main" id="{89C36EFD-6BB0-4705-BD82-297BA51C0014}"/>
+                <a16:creationId xmlns:a16="http://schemas.microsoft.com/office/drawing/2014/main" id="{83D186FE-B6E9-45AC-85D4-AE9FC913A82C}"/>
               </a:ext>
             </a:extLst>
           </p:cNvPr>
@@ -6794,40 +6889,47 @@
           <a:p>
             <a:r>
               <a:rPr lang="en-US" dirty="0"/>
-              <a:t>PART 4 – Prefabs/Vaults</a:t>
-            </a:r>
-          </a:p>
-        </p:txBody>
-      </p:sp>
-      <p:sp>
-        <p:nvSpPr>
-          <p:cNvPr id="3" name="Content Placeholder 2">
-            <a:extLst>
-              <a:ext uri="{FF2B5EF4-FFF2-40B4-BE49-F238E27FC236}">
-                <a16:creationId xmlns:a16="http://schemas.microsoft.com/office/drawing/2014/main" id="{16DFB016-3A47-4BD6-9336-E19F787A0A4A}"/>
-              </a:ext>
-            </a:extLst>
-          </p:cNvPr>
-          <p:cNvSpPr>
-            <a:spLocks noGrp="1"/>
-          </p:cNvSpPr>
+              <a:t>First Particle</a:t>
+            </a:r>
+          </a:p>
+        </p:txBody>
+      </p:sp>
+      <p:pic>
+        <p:nvPicPr>
+          <p:cNvPr id="4" name="Content Placeholder 3">
+            <a:extLst>
+              <a:ext uri="{FF2B5EF4-FFF2-40B4-BE49-F238E27FC236}">
+                <a16:creationId xmlns:a16="http://schemas.microsoft.com/office/drawing/2014/main" id="{559CCB8F-63E4-48C8-8D8D-B2C010D46338}"/>
+              </a:ext>
+            </a:extLst>
+          </p:cNvPr>
+          <p:cNvPicPr>
+            <a:picLocks noGrp="1" noChangeAspect="1"/>
+          </p:cNvPicPr>
           <p:nvPr>
             <p:ph idx="1"/>
           </p:nvPr>
-        </p:nvSpPr>
-        <p:spPr/>
-        <p:txBody>
-          <a:bodyPr/>
-          <a:lstStyle/>
-          <a:p>
-            <a:endParaRPr lang="en-US"/>
-          </a:p>
-        </p:txBody>
-      </p:sp>
+        </p:nvPicPr>
+        <p:blipFill>
+          <a:blip r:embed="rId2"/>
+          <a:stretch>
+            <a:fillRect/>
+          </a:stretch>
+        </p:blipFill>
+        <p:spPr>
+          <a:xfrm>
+            <a:off x="3038475" y="1943894"/>
+            <a:ext cx="6115050" cy="4114800"/>
+          </a:xfrm>
+          <a:prstGeom prst="rect">
+            <a:avLst/>
+          </a:prstGeom>
+        </p:spPr>
+      </p:pic>
     </p:spTree>
     <p:extLst>
       <p:ext uri="{BB962C8B-B14F-4D97-AF65-F5344CB8AC3E}">
-        <p14:creationId xmlns:p14="http://schemas.microsoft.com/office/powerpoint/2010/main" val="1537678333"/>
+        <p14:creationId xmlns:p14="http://schemas.microsoft.com/office/powerpoint/2010/main" val="3151106218"/>
       </p:ext>
     </p:extLst>
   </p:cSld>
@@ -6859,7 +6961,7 @@
           <p:cNvPr id="2" name="Title 1">
             <a:extLst>
               <a:ext uri="{FF2B5EF4-FFF2-40B4-BE49-F238E27FC236}">
-                <a16:creationId xmlns:a16="http://schemas.microsoft.com/office/drawing/2014/main" id="{954AC10A-DCC4-40DF-8C7C-80872799F6B6}"/>
+                <a16:creationId xmlns:a16="http://schemas.microsoft.com/office/drawing/2014/main" id="{BF18844E-7161-41D2-A71B-C57DFA3F1619}"/>
               </a:ext>
             </a:extLst>
           </p:cNvPr>
@@ -6877,40 +6979,47 @@
           <a:p>
             <a:r>
               <a:rPr lang="en-US" dirty="0"/>
-              <a:t>Wrap-Up</a:t>
-            </a:r>
-          </a:p>
-        </p:txBody>
-      </p:sp>
-      <p:sp>
-        <p:nvSpPr>
-          <p:cNvPr id="3" name="Content Placeholder 2">
-            <a:extLst>
-              <a:ext uri="{FF2B5EF4-FFF2-40B4-BE49-F238E27FC236}">
-                <a16:creationId xmlns:a16="http://schemas.microsoft.com/office/drawing/2014/main" id="{2C7309C8-A67C-4390-B961-6CAD02F1DE9D}"/>
-              </a:ext>
-            </a:extLst>
-          </p:cNvPr>
-          <p:cNvSpPr>
-            <a:spLocks noGrp="1"/>
-          </p:cNvSpPr>
+              <a:t>Keep Firing!</a:t>
+            </a:r>
+          </a:p>
+        </p:txBody>
+      </p:sp>
+      <p:pic>
+        <p:nvPicPr>
+          <p:cNvPr id="4" name="Content Placeholder 3">
+            <a:extLst>
+              <a:ext uri="{FF2B5EF4-FFF2-40B4-BE49-F238E27FC236}">
+                <a16:creationId xmlns:a16="http://schemas.microsoft.com/office/drawing/2014/main" id="{AA1F7715-6B56-4761-B1E6-B4ADFA29B699}"/>
+              </a:ext>
+            </a:extLst>
+          </p:cNvPr>
+          <p:cNvPicPr>
+            <a:picLocks noGrp="1" noChangeAspect="1"/>
+          </p:cNvPicPr>
           <p:nvPr>
             <p:ph idx="1"/>
           </p:nvPr>
-        </p:nvSpPr>
-        <p:spPr/>
-        <p:txBody>
-          <a:bodyPr/>
-          <a:lstStyle/>
-          <a:p>
-            <a:endParaRPr lang="en-US"/>
-          </a:p>
-        </p:txBody>
-      </p:sp>
+        </p:nvPicPr>
+        <p:blipFill>
+          <a:blip r:embed="rId2"/>
+          <a:stretch>
+            <a:fillRect/>
+          </a:stretch>
+        </p:blipFill>
+        <p:spPr>
+          <a:xfrm>
+            <a:off x="3038475" y="1943894"/>
+            <a:ext cx="6115050" cy="4114800"/>
+          </a:xfrm>
+          <a:prstGeom prst="rect">
+            <a:avLst/>
+          </a:prstGeom>
+        </p:spPr>
+      </p:pic>
     </p:spTree>
     <p:extLst>
       <p:ext uri="{BB962C8B-B14F-4D97-AF65-F5344CB8AC3E}">
-        <p14:creationId xmlns:p14="http://schemas.microsoft.com/office/powerpoint/2010/main" val="2244430420"/>
+        <p14:creationId xmlns:p14="http://schemas.microsoft.com/office/powerpoint/2010/main" val="2080423079"/>
       </p:ext>
     </p:extLst>
   </p:cSld>
@@ -6942,7 +7051,7 @@
           <p:cNvPr id="2" name="Title 1">
             <a:extLst>
               <a:ext uri="{FF2B5EF4-FFF2-40B4-BE49-F238E27FC236}">
-                <a16:creationId xmlns:a16="http://schemas.microsoft.com/office/drawing/2014/main" id="{832E6675-6F28-4DC1-A4B0-55EDC2B3889D}"/>
+                <a16:creationId xmlns:a16="http://schemas.microsoft.com/office/drawing/2014/main" id="{8A5BB394-285A-44B6-895C-85563B1D4956}"/>
               </a:ext>
             </a:extLst>
           </p:cNvPr>
@@ -6960,40 +7069,55 @@
           <a:p>
             <a:r>
               <a:rPr lang="en-US" dirty="0"/>
-              <a:t>Questions?</a:t>
-            </a:r>
-          </a:p>
-        </p:txBody>
-      </p:sp>
-      <p:sp>
-        <p:nvSpPr>
-          <p:cNvPr id="3" name="Content Placeholder 2">
-            <a:extLst>
-              <a:ext uri="{FF2B5EF4-FFF2-40B4-BE49-F238E27FC236}">
-                <a16:creationId xmlns:a16="http://schemas.microsoft.com/office/drawing/2014/main" id="{0EC89C96-7CA0-48DB-8F09-1F603365128B}"/>
-              </a:ext>
-            </a:extLst>
-          </p:cNvPr>
-          <p:cNvSpPr>
-            <a:spLocks noGrp="1"/>
-          </p:cNvSpPr>
+              <a:t>Animated Inwards</a:t>
+            </a:r>
+            <a:r>
+              <a:rPr lang="en-US" baseline="0" dirty="0"/>
+              <a:t> DLA</a:t>
+            </a:r>
+            <a:endParaRPr lang="en-US" dirty="0"/>
+          </a:p>
+        </p:txBody>
+      </p:sp>
+      <p:pic>
+        <p:nvPicPr>
+          <p:cNvPr id="5" name="Content Placeholder 4">
+            <a:extLst>
+              <a:ext uri="{FF2B5EF4-FFF2-40B4-BE49-F238E27FC236}">
+                <a16:creationId xmlns:a16="http://schemas.microsoft.com/office/drawing/2014/main" id="{02B8F544-7D1D-49A9-B222-DB7E9DF11584}"/>
+              </a:ext>
+            </a:extLst>
+          </p:cNvPr>
+          <p:cNvPicPr>
+            <a:picLocks noGrp="1" noChangeAspect="1"/>
+          </p:cNvPicPr>
           <p:nvPr>
             <p:ph idx="1"/>
           </p:nvPr>
-        </p:nvSpPr>
-        <p:spPr/>
-        <p:txBody>
-          <a:bodyPr/>
-          <a:lstStyle/>
-          <a:p>
-            <a:endParaRPr lang="en-US"/>
-          </a:p>
-        </p:txBody>
-      </p:sp>
+        </p:nvPicPr>
+        <p:blipFill>
+          <a:blip r:embed="rId2">
+            <a:extLst>
+              <a:ext uri="{28A0092B-C50C-407E-A947-70E740481C1C}">
+                <a14:useLocalDpi xmlns:a14="http://schemas.microsoft.com/office/drawing/2010/main" val="0"/>
+              </a:ext>
+            </a:extLst>
+          </a:blip>
+          <a:stretch>
+            <a:fillRect/>
+          </a:stretch>
+        </p:blipFill>
+        <p:spPr>
+          <a:xfrm>
+            <a:off x="3067050" y="2091531"/>
+            <a:ext cx="6057900" cy="3819525"/>
+          </a:xfrm>
+        </p:spPr>
+      </p:pic>
     </p:spTree>
     <p:extLst>
       <p:ext uri="{BB962C8B-B14F-4D97-AF65-F5344CB8AC3E}">
-        <p14:creationId xmlns:p14="http://schemas.microsoft.com/office/powerpoint/2010/main" val="605060820"/>
+        <p14:creationId xmlns:p14="http://schemas.microsoft.com/office/powerpoint/2010/main" val="459764333"/>
       </p:ext>
     </p:extLst>
   </p:cSld>
@@ -7101,6 +7225,862 @@
 </p:sld>
 </file>
 
+<file path=ppt/slides/slide40.xml><?xml version="1.0" encoding="utf-8"?>
+<p:sld xmlns:a="http://schemas.openxmlformats.org/drawingml/2006/main" xmlns:r="http://schemas.openxmlformats.org/officeDocument/2006/relationships" xmlns:p="http://schemas.openxmlformats.org/presentationml/2006/main">
+  <p:cSld>
+    <p:spTree>
+      <p:nvGrpSpPr>
+        <p:cNvPr id="1" name=""/>
+        <p:cNvGrpSpPr/>
+        <p:nvPr/>
+      </p:nvGrpSpPr>
+      <p:grpSpPr>
+        <a:xfrm>
+          <a:off x="0" y="0"/>
+          <a:ext cx="0" cy="0"/>
+          <a:chOff x="0" y="0"/>
+          <a:chExt cx="0" cy="0"/>
+        </a:xfrm>
+      </p:grpSpPr>
+      <p:sp>
+        <p:nvSpPr>
+          <p:cNvPr id="2" name="Title 1">
+            <a:extLst>
+              <a:ext uri="{FF2B5EF4-FFF2-40B4-BE49-F238E27FC236}">
+                <a16:creationId xmlns:a16="http://schemas.microsoft.com/office/drawing/2014/main" id="{A86B5833-62CF-4400-9A8D-F3E212C7B926}"/>
+              </a:ext>
+            </a:extLst>
+          </p:cNvPr>
+          <p:cNvSpPr>
+            <a:spLocks noGrp="1"/>
+          </p:cNvSpPr>
+          <p:nvPr>
+            <p:ph type="title"/>
+          </p:nvPr>
+        </p:nvSpPr>
+        <p:spPr/>
+        <p:txBody>
+          <a:bodyPr/>
+          <a:lstStyle/>
+          <a:p>
+            <a:r>
+              <a:rPr lang="en-US" dirty="0"/>
+              <a:t>Voronoi Hive Maps</a:t>
+            </a:r>
+          </a:p>
+        </p:txBody>
+      </p:sp>
+      <p:sp>
+        <p:nvSpPr>
+          <p:cNvPr id="3" name="Content Placeholder 2">
+            <a:extLst>
+              <a:ext uri="{FF2B5EF4-FFF2-40B4-BE49-F238E27FC236}">
+                <a16:creationId xmlns:a16="http://schemas.microsoft.com/office/drawing/2014/main" id="{9B116533-FB78-43F8-9FB7-C7AA0C566349}"/>
+              </a:ext>
+            </a:extLst>
+          </p:cNvPr>
+          <p:cNvSpPr>
+            <a:spLocks noGrp="1"/>
+          </p:cNvSpPr>
+          <p:nvPr>
+            <p:ph idx="1"/>
+          </p:nvPr>
+        </p:nvSpPr>
+        <p:spPr/>
+        <p:txBody>
+          <a:bodyPr/>
+          <a:lstStyle/>
+          <a:p>
+            <a:endParaRPr lang="en-US"/>
+          </a:p>
+        </p:txBody>
+      </p:sp>
+    </p:spTree>
+    <p:extLst>
+      <p:ext uri="{BB962C8B-B14F-4D97-AF65-F5344CB8AC3E}">
+        <p14:creationId xmlns:p14="http://schemas.microsoft.com/office/powerpoint/2010/main" val="2865588890"/>
+      </p:ext>
+    </p:extLst>
+  </p:cSld>
+  <p:clrMapOvr>
+    <a:masterClrMapping/>
+  </p:clrMapOvr>
+</p:sld>
+</file>
+
+<file path=ppt/slides/slide41.xml><?xml version="1.0" encoding="utf-8"?>
+<p:sld xmlns:a="http://schemas.openxmlformats.org/drawingml/2006/main" xmlns:r="http://schemas.openxmlformats.org/officeDocument/2006/relationships" xmlns:p="http://schemas.openxmlformats.org/presentationml/2006/main">
+  <p:cSld>
+    <p:spTree>
+      <p:nvGrpSpPr>
+        <p:cNvPr id="1" name=""/>
+        <p:cNvGrpSpPr/>
+        <p:nvPr/>
+      </p:nvGrpSpPr>
+      <p:grpSpPr>
+        <a:xfrm>
+          <a:off x="0" y="0"/>
+          <a:ext cx="0" cy="0"/>
+          <a:chOff x="0" y="0"/>
+          <a:chExt cx="0" cy="0"/>
+        </a:xfrm>
+      </p:grpSpPr>
+      <p:sp>
+        <p:nvSpPr>
+          <p:cNvPr id="2" name="Title 1">
+            <a:extLst>
+              <a:ext uri="{FF2B5EF4-FFF2-40B4-BE49-F238E27FC236}">
+                <a16:creationId xmlns:a16="http://schemas.microsoft.com/office/drawing/2014/main" id="{64E18A49-DBDA-4CD7-A663-F9E8E2FFAFF0}"/>
+              </a:ext>
+            </a:extLst>
+          </p:cNvPr>
+          <p:cNvSpPr>
+            <a:spLocks noGrp="1"/>
+          </p:cNvSpPr>
+          <p:nvPr>
+            <p:ph type="title"/>
+          </p:nvPr>
+        </p:nvSpPr>
+        <p:spPr/>
+        <p:txBody>
+          <a:bodyPr/>
+          <a:lstStyle/>
+          <a:p>
+            <a:r>
+              <a:rPr lang="en-US" dirty="0"/>
+              <a:t>PART 2 – Meta-Builders</a:t>
+            </a:r>
+          </a:p>
+        </p:txBody>
+      </p:sp>
+      <p:sp>
+        <p:nvSpPr>
+          <p:cNvPr id="3" name="Content Placeholder 2">
+            <a:extLst>
+              <a:ext uri="{FF2B5EF4-FFF2-40B4-BE49-F238E27FC236}">
+                <a16:creationId xmlns:a16="http://schemas.microsoft.com/office/drawing/2014/main" id="{A6346E82-7C8C-4960-B9B3-A0E6B3AEF447}"/>
+              </a:ext>
+            </a:extLst>
+          </p:cNvPr>
+          <p:cNvSpPr>
+            <a:spLocks noGrp="1"/>
+          </p:cNvSpPr>
+          <p:nvPr>
+            <p:ph idx="1"/>
+          </p:nvPr>
+        </p:nvSpPr>
+        <p:spPr/>
+        <p:txBody>
+          <a:bodyPr/>
+          <a:lstStyle/>
+          <a:p>
+            <a:r>
+              <a:rPr lang="en-US" dirty="0"/>
+              <a:t>One algorithm isn’t always enough.</a:t>
+            </a:r>
+          </a:p>
+          <a:p>
+            <a:r>
+              <a:rPr lang="en-US" dirty="0"/>
+              <a:t>You can always run a </a:t>
+            </a:r>
+            <a:r>
+              <a:rPr lang="en-US" i="1" dirty="0"/>
+              <a:t>second</a:t>
+            </a:r>
+            <a:r>
+              <a:rPr lang="en-US" dirty="0"/>
+              <a:t> algorithm using your first as its input.</a:t>
+            </a:r>
+          </a:p>
+        </p:txBody>
+      </p:sp>
+    </p:spTree>
+    <p:extLst>
+      <p:ext uri="{BB962C8B-B14F-4D97-AF65-F5344CB8AC3E}">
+        <p14:creationId xmlns:p14="http://schemas.microsoft.com/office/powerpoint/2010/main" val="137979892"/>
+      </p:ext>
+    </p:extLst>
+  </p:cSld>
+  <p:clrMapOvr>
+    <a:masterClrMapping/>
+  </p:clrMapOvr>
+</p:sld>
+</file>
+
+<file path=ppt/slides/slide42.xml><?xml version="1.0" encoding="utf-8"?>
+<p:sld xmlns:a="http://schemas.openxmlformats.org/drawingml/2006/main" xmlns:r="http://schemas.openxmlformats.org/officeDocument/2006/relationships" xmlns:p="http://schemas.openxmlformats.org/presentationml/2006/main">
+  <p:cSld>
+    <p:spTree>
+      <p:nvGrpSpPr>
+        <p:cNvPr id="1" name=""/>
+        <p:cNvGrpSpPr/>
+        <p:nvPr/>
+      </p:nvGrpSpPr>
+      <p:grpSpPr>
+        <a:xfrm>
+          <a:off x="0" y="0"/>
+          <a:ext cx="0" cy="0"/>
+          <a:chOff x="0" y="0"/>
+          <a:chExt cx="0" cy="0"/>
+        </a:xfrm>
+      </p:grpSpPr>
+      <p:sp>
+        <p:nvSpPr>
+          <p:cNvPr id="2" name="Title 1">
+            <a:extLst>
+              <a:ext uri="{FF2B5EF4-FFF2-40B4-BE49-F238E27FC236}">
+                <a16:creationId xmlns:a16="http://schemas.microsoft.com/office/drawing/2014/main" id="{41E81F0C-9813-4A7A-824E-C66E053B5032}"/>
+              </a:ext>
+            </a:extLst>
+          </p:cNvPr>
+          <p:cNvSpPr>
+            <a:spLocks noGrp="1"/>
+          </p:cNvSpPr>
+          <p:nvPr>
+            <p:ph type="title"/>
+          </p:nvPr>
+        </p:nvSpPr>
+        <p:spPr/>
+        <p:txBody>
+          <a:bodyPr/>
+          <a:lstStyle/>
+          <a:p>
+            <a:r>
+              <a:rPr lang="en-US" dirty="0"/>
+              <a:t>Eroding Maps</a:t>
+            </a:r>
+          </a:p>
+        </p:txBody>
+      </p:sp>
+      <p:sp>
+        <p:nvSpPr>
+          <p:cNvPr id="3" name="Content Placeholder 2">
+            <a:extLst>
+              <a:ext uri="{FF2B5EF4-FFF2-40B4-BE49-F238E27FC236}">
+                <a16:creationId xmlns:a16="http://schemas.microsoft.com/office/drawing/2014/main" id="{BF5F7A17-9452-4B16-A18A-86EBF039A787}"/>
+              </a:ext>
+            </a:extLst>
+          </p:cNvPr>
+          <p:cNvSpPr>
+            <a:spLocks noGrp="1"/>
+          </p:cNvSpPr>
+          <p:nvPr>
+            <p:ph idx="1"/>
+          </p:nvPr>
+        </p:nvSpPr>
+        <p:spPr/>
+        <p:txBody>
+          <a:bodyPr/>
+          <a:lstStyle/>
+          <a:p>
+            <a:endParaRPr lang="en-US"/>
+          </a:p>
+        </p:txBody>
+      </p:sp>
+    </p:spTree>
+    <p:extLst>
+      <p:ext uri="{BB962C8B-B14F-4D97-AF65-F5344CB8AC3E}">
+        <p14:creationId xmlns:p14="http://schemas.microsoft.com/office/powerpoint/2010/main" val="3467330287"/>
+      </p:ext>
+    </p:extLst>
+  </p:cSld>
+  <p:clrMapOvr>
+    <a:masterClrMapping/>
+  </p:clrMapOvr>
+</p:sld>
+</file>
+
+<file path=ppt/slides/slide43.xml><?xml version="1.0" encoding="utf-8"?>
+<p:sld xmlns:a="http://schemas.openxmlformats.org/drawingml/2006/main" xmlns:r="http://schemas.openxmlformats.org/officeDocument/2006/relationships" xmlns:p="http://schemas.openxmlformats.org/presentationml/2006/main">
+  <p:cSld>
+    <p:spTree>
+      <p:nvGrpSpPr>
+        <p:cNvPr id="1" name=""/>
+        <p:cNvGrpSpPr/>
+        <p:nvPr/>
+      </p:nvGrpSpPr>
+      <p:grpSpPr>
+        <a:xfrm>
+          <a:off x="0" y="0"/>
+          <a:ext cx="0" cy="0"/>
+          <a:chOff x="0" y="0"/>
+          <a:chExt cx="0" cy="0"/>
+        </a:xfrm>
+      </p:grpSpPr>
+      <p:sp>
+        <p:nvSpPr>
+          <p:cNvPr id="2" name="Title 1">
+            <a:extLst>
+              <a:ext uri="{FF2B5EF4-FFF2-40B4-BE49-F238E27FC236}">
+                <a16:creationId xmlns:a16="http://schemas.microsoft.com/office/drawing/2014/main" id="{B6039A8A-4F8D-4655-8228-4ED9280DC988}"/>
+              </a:ext>
+            </a:extLst>
+          </p:cNvPr>
+          <p:cNvSpPr>
+            <a:spLocks noGrp="1"/>
+          </p:cNvSpPr>
+          <p:nvPr>
+            <p:ph type="title"/>
+          </p:nvPr>
+        </p:nvSpPr>
+        <p:spPr/>
+        <p:txBody>
+          <a:bodyPr/>
+          <a:lstStyle/>
+          <a:p>
+            <a:r>
+              <a:rPr lang="en-US" dirty="0"/>
+              <a:t>Combining Layers</a:t>
+            </a:r>
+          </a:p>
+        </p:txBody>
+      </p:sp>
+      <p:sp>
+        <p:nvSpPr>
+          <p:cNvPr id="3" name="Content Placeholder 2">
+            <a:extLst>
+              <a:ext uri="{FF2B5EF4-FFF2-40B4-BE49-F238E27FC236}">
+                <a16:creationId xmlns:a16="http://schemas.microsoft.com/office/drawing/2014/main" id="{46D44358-4CED-48CA-B84A-FE789F2F3AF2}"/>
+              </a:ext>
+            </a:extLst>
+          </p:cNvPr>
+          <p:cNvSpPr>
+            <a:spLocks noGrp="1"/>
+          </p:cNvSpPr>
+          <p:nvPr>
+            <p:ph idx="1"/>
+          </p:nvPr>
+        </p:nvSpPr>
+        <p:spPr/>
+        <p:txBody>
+          <a:bodyPr/>
+          <a:lstStyle/>
+          <a:p>
+            <a:endParaRPr lang="en-US"/>
+          </a:p>
+        </p:txBody>
+      </p:sp>
+    </p:spTree>
+    <p:extLst>
+      <p:ext uri="{BB962C8B-B14F-4D97-AF65-F5344CB8AC3E}">
+        <p14:creationId xmlns:p14="http://schemas.microsoft.com/office/powerpoint/2010/main" val="3639117625"/>
+      </p:ext>
+    </p:extLst>
+  </p:cSld>
+  <p:clrMapOvr>
+    <a:masterClrMapping/>
+  </p:clrMapOvr>
+</p:sld>
+</file>
+
+<file path=ppt/slides/slide44.xml><?xml version="1.0" encoding="utf-8"?>
+<p:sld xmlns:a="http://schemas.openxmlformats.org/drawingml/2006/main" xmlns:r="http://schemas.openxmlformats.org/officeDocument/2006/relationships" xmlns:p="http://schemas.openxmlformats.org/presentationml/2006/main">
+  <p:cSld>
+    <p:spTree>
+      <p:nvGrpSpPr>
+        <p:cNvPr id="1" name=""/>
+        <p:cNvGrpSpPr/>
+        <p:nvPr/>
+      </p:nvGrpSpPr>
+      <p:grpSpPr>
+        <a:xfrm>
+          <a:off x="0" y="0"/>
+          <a:ext cx="0" cy="0"/>
+          <a:chOff x="0" y="0"/>
+          <a:chExt cx="0" cy="0"/>
+        </a:xfrm>
+      </p:grpSpPr>
+      <p:sp>
+        <p:nvSpPr>
+          <p:cNvPr id="2" name="Title 1">
+            <a:extLst>
+              <a:ext uri="{FF2B5EF4-FFF2-40B4-BE49-F238E27FC236}">
+                <a16:creationId xmlns:a16="http://schemas.microsoft.com/office/drawing/2014/main" id="{F63898EB-EB14-4AA3-A2F3-93F16F823063}"/>
+              </a:ext>
+            </a:extLst>
+          </p:cNvPr>
+          <p:cNvSpPr>
+            <a:spLocks noGrp="1"/>
+          </p:cNvSpPr>
+          <p:nvPr>
+            <p:ph type="title"/>
+          </p:nvPr>
+        </p:nvSpPr>
+        <p:spPr/>
+        <p:txBody>
+          <a:bodyPr/>
+          <a:lstStyle/>
+          <a:p>
+            <a:r>
+              <a:rPr lang="en-US" dirty="0"/>
+              <a:t>Waveform Collapse</a:t>
+            </a:r>
+          </a:p>
+        </p:txBody>
+      </p:sp>
+      <p:sp>
+        <p:nvSpPr>
+          <p:cNvPr id="3" name="Content Placeholder 2">
+            <a:extLst>
+              <a:ext uri="{FF2B5EF4-FFF2-40B4-BE49-F238E27FC236}">
+                <a16:creationId xmlns:a16="http://schemas.microsoft.com/office/drawing/2014/main" id="{E769680E-43CF-41B6-8525-D20C6F361581}"/>
+              </a:ext>
+            </a:extLst>
+          </p:cNvPr>
+          <p:cNvSpPr>
+            <a:spLocks noGrp="1"/>
+          </p:cNvSpPr>
+          <p:nvPr>
+            <p:ph idx="1"/>
+          </p:nvPr>
+        </p:nvSpPr>
+        <p:spPr/>
+        <p:txBody>
+          <a:bodyPr/>
+          <a:lstStyle/>
+          <a:p>
+            <a:endParaRPr lang="en-US"/>
+          </a:p>
+        </p:txBody>
+      </p:sp>
+    </p:spTree>
+    <p:extLst>
+      <p:ext uri="{BB962C8B-B14F-4D97-AF65-F5344CB8AC3E}">
+        <p14:creationId xmlns:p14="http://schemas.microsoft.com/office/powerpoint/2010/main" val="1944686705"/>
+      </p:ext>
+    </p:extLst>
+  </p:cSld>
+  <p:clrMapOvr>
+    <a:masterClrMapping/>
+  </p:clrMapOvr>
+</p:sld>
+</file>
+
+<file path=ppt/slides/slide45.xml><?xml version="1.0" encoding="utf-8"?>
+<p:sld xmlns:a="http://schemas.openxmlformats.org/drawingml/2006/main" xmlns:r="http://schemas.openxmlformats.org/officeDocument/2006/relationships" xmlns:p="http://schemas.openxmlformats.org/presentationml/2006/main">
+  <p:cSld>
+    <p:spTree>
+      <p:nvGrpSpPr>
+        <p:cNvPr id="1" name=""/>
+        <p:cNvGrpSpPr/>
+        <p:nvPr/>
+      </p:nvGrpSpPr>
+      <p:grpSpPr>
+        <a:xfrm>
+          <a:off x="0" y="0"/>
+          <a:ext cx="0" cy="0"/>
+          <a:chOff x="0" y="0"/>
+          <a:chExt cx="0" cy="0"/>
+        </a:xfrm>
+      </p:grpSpPr>
+      <p:sp>
+        <p:nvSpPr>
+          <p:cNvPr id="2" name="Title 1">
+            <a:extLst>
+              <a:ext uri="{FF2B5EF4-FFF2-40B4-BE49-F238E27FC236}">
+                <a16:creationId xmlns:a16="http://schemas.microsoft.com/office/drawing/2014/main" id="{CF0248D1-34B2-4B59-AA9F-4E5727216E39}"/>
+              </a:ext>
+            </a:extLst>
+          </p:cNvPr>
+          <p:cNvSpPr>
+            <a:spLocks noGrp="1"/>
+          </p:cNvSpPr>
+          <p:nvPr>
+            <p:ph type="title"/>
+          </p:nvPr>
+        </p:nvSpPr>
+        <p:spPr/>
+        <p:txBody>
+          <a:bodyPr/>
+          <a:lstStyle/>
+          <a:p>
+            <a:r>
+              <a:rPr lang="en-US" dirty="0"/>
+              <a:t>PART 3 – Let’s Make Some Noise</a:t>
+            </a:r>
+          </a:p>
+        </p:txBody>
+      </p:sp>
+      <p:sp>
+        <p:nvSpPr>
+          <p:cNvPr id="3" name="Content Placeholder 2">
+            <a:extLst>
+              <a:ext uri="{FF2B5EF4-FFF2-40B4-BE49-F238E27FC236}">
+                <a16:creationId xmlns:a16="http://schemas.microsoft.com/office/drawing/2014/main" id="{B5B32EE5-7262-4D89-A488-48E76C108615}"/>
+              </a:ext>
+            </a:extLst>
+          </p:cNvPr>
+          <p:cNvSpPr>
+            <a:spLocks noGrp="1"/>
+          </p:cNvSpPr>
+          <p:nvPr>
+            <p:ph idx="1"/>
+          </p:nvPr>
+        </p:nvSpPr>
+        <p:spPr/>
+        <p:txBody>
+          <a:bodyPr/>
+          <a:lstStyle/>
+          <a:p>
+            <a:endParaRPr lang="en-US"/>
+          </a:p>
+        </p:txBody>
+      </p:sp>
+    </p:spTree>
+    <p:extLst>
+      <p:ext uri="{BB962C8B-B14F-4D97-AF65-F5344CB8AC3E}">
+        <p14:creationId xmlns:p14="http://schemas.microsoft.com/office/powerpoint/2010/main" val="2418747065"/>
+      </p:ext>
+    </p:extLst>
+  </p:cSld>
+  <p:clrMapOvr>
+    <a:masterClrMapping/>
+  </p:clrMapOvr>
+</p:sld>
+</file>
+
+<file path=ppt/slides/slide46.xml><?xml version="1.0" encoding="utf-8"?>
+<p:sld xmlns:a="http://schemas.openxmlformats.org/drawingml/2006/main" xmlns:r="http://schemas.openxmlformats.org/officeDocument/2006/relationships" xmlns:p="http://schemas.openxmlformats.org/presentationml/2006/main">
+  <p:cSld>
+    <p:spTree>
+      <p:nvGrpSpPr>
+        <p:cNvPr id="1" name=""/>
+        <p:cNvGrpSpPr/>
+        <p:nvPr/>
+      </p:nvGrpSpPr>
+      <p:grpSpPr>
+        <a:xfrm>
+          <a:off x="0" y="0"/>
+          <a:ext cx="0" cy="0"/>
+          <a:chOff x="0" y="0"/>
+          <a:chExt cx="0" cy="0"/>
+        </a:xfrm>
+      </p:grpSpPr>
+      <p:sp>
+        <p:nvSpPr>
+          <p:cNvPr id="2" name="Title 1">
+            <a:extLst>
+              <a:ext uri="{FF2B5EF4-FFF2-40B4-BE49-F238E27FC236}">
+                <a16:creationId xmlns:a16="http://schemas.microsoft.com/office/drawing/2014/main" id="{628D99A4-1EA2-493B-83CD-BB4E75DE9353}"/>
+              </a:ext>
+            </a:extLst>
+          </p:cNvPr>
+          <p:cNvSpPr>
+            <a:spLocks noGrp="1"/>
+          </p:cNvSpPr>
+          <p:nvPr>
+            <p:ph type="title"/>
+          </p:nvPr>
+        </p:nvSpPr>
+        <p:spPr/>
+        <p:txBody>
+          <a:bodyPr/>
+          <a:lstStyle/>
+          <a:p>
+            <a:r>
+              <a:rPr lang="en-US" dirty="0"/>
+              <a:t>Perlin &amp; Simplex Noise</a:t>
+            </a:r>
+          </a:p>
+        </p:txBody>
+      </p:sp>
+      <p:sp>
+        <p:nvSpPr>
+          <p:cNvPr id="3" name="Content Placeholder 2">
+            <a:extLst>
+              <a:ext uri="{FF2B5EF4-FFF2-40B4-BE49-F238E27FC236}">
+                <a16:creationId xmlns:a16="http://schemas.microsoft.com/office/drawing/2014/main" id="{D18B9377-FA2C-480E-AA65-99D62880BC12}"/>
+              </a:ext>
+            </a:extLst>
+          </p:cNvPr>
+          <p:cNvSpPr>
+            <a:spLocks noGrp="1"/>
+          </p:cNvSpPr>
+          <p:nvPr>
+            <p:ph idx="1"/>
+          </p:nvPr>
+        </p:nvSpPr>
+        <p:spPr/>
+        <p:txBody>
+          <a:bodyPr/>
+          <a:lstStyle/>
+          <a:p>
+            <a:endParaRPr lang="en-US"/>
+          </a:p>
+        </p:txBody>
+      </p:sp>
+    </p:spTree>
+    <p:extLst>
+      <p:ext uri="{BB962C8B-B14F-4D97-AF65-F5344CB8AC3E}">
+        <p14:creationId xmlns:p14="http://schemas.microsoft.com/office/powerpoint/2010/main" val="2910018172"/>
+      </p:ext>
+    </p:extLst>
+  </p:cSld>
+  <p:clrMapOvr>
+    <a:masterClrMapping/>
+  </p:clrMapOvr>
+</p:sld>
+</file>
+
+<file path=ppt/slides/slide47.xml><?xml version="1.0" encoding="utf-8"?>
+<p:sld xmlns:a="http://schemas.openxmlformats.org/drawingml/2006/main" xmlns:r="http://schemas.openxmlformats.org/officeDocument/2006/relationships" xmlns:p="http://schemas.openxmlformats.org/presentationml/2006/main">
+  <p:cSld>
+    <p:spTree>
+      <p:nvGrpSpPr>
+        <p:cNvPr id="1" name=""/>
+        <p:cNvGrpSpPr/>
+        <p:nvPr/>
+      </p:nvGrpSpPr>
+      <p:grpSpPr>
+        <a:xfrm>
+          <a:off x="0" y="0"/>
+          <a:ext cx="0" cy="0"/>
+          <a:chOff x="0" y="0"/>
+          <a:chExt cx="0" cy="0"/>
+        </a:xfrm>
+      </p:grpSpPr>
+      <p:sp>
+        <p:nvSpPr>
+          <p:cNvPr id="2" name="Title 1">
+            <a:extLst>
+              <a:ext uri="{FF2B5EF4-FFF2-40B4-BE49-F238E27FC236}">
+                <a16:creationId xmlns:a16="http://schemas.microsoft.com/office/drawing/2014/main" id="{D7E58CAF-E99C-42EC-B01A-F7A95C035080}"/>
+              </a:ext>
+            </a:extLst>
+          </p:cNvPr>
+          <p:cNvSpPr>
+            <a:spLocks noGrp="1"/>
+          </p:cNvSpPr>
+          <p:nvPr>
+            <p:ph type="title"/>
+          </p:nvPr>
+        </p:nvSpPr>
+        <p:spPr/>
+        <p:txBody>
+          <a:bodyPr/>
+          <a:lstStyle/>
+          <a:p>
+            <a:r>
+              <a:rPr lang="en-US" dirty="0"/>
+              <a:t>What does a Noise Map look like?</a:t>
+            </a:r>
+          </a:p>
+        </p:txBody>
+      </p:sp>
+      <p:sp>
+        <p:nvSpPr>
+          <p:cNvPr id="3" name="Content Placeholder 2">
+            <a:extLst>
+              <a:ext uri="{FF2B5EF4-FFF2-40B4-BE49-F238E27FC236}">
+                <a16:creationId xmlns:a16="http://schemas.microsoft.com/office/drawing/2014/main" id="{4561E8F3-1A17-4F34-97E9-29D323924418}"/>
+              </a:ext>
+            </a:extLst>
+          </p:cNvPr>
+          <p:cNvSpPr>
+            <a:spLocks noGrp="1"/>
+          </p:cNvSpPr>
+          <p:nvPr>
+            <p:ph idx="1"/>
+          </p:nvPr>
+        </p:nvSpPr>
+        <p:spPr/>
+        <p:txBody>
+          <a:bodyPr/>
+          <a:lstStyle/>
+          <a:p>
+            <a:endParaRPr lang="en-US"/>
+          </a:p>
+        </p:txBody>
+      </p:sp>
+    </p:spTree>
+    <p:extLst>
+      <p:ext uri="{BB962C8B-B14F-4D97-AF65-F5344CB8AC3E}">
+        <p14:creationId xmlns:p14="http://schemas.microsoft.com/office/powerpoint/2010/main" val="2677423220"/>
+      </p:ext>
+    </p:extLst>
+  </p:cSld>
+  <p:clrMapOvr>
+    <a:masterClrMapping/>
+  </p:clrMapOvr>
+</p:sld>
+</file>
+
+<file path=ppt/slides/slide48.xml><?xml version="1.0" encoding="utf-8"?>
+<p:sld xmlns:a="http://schemas.openxmlformats.org/drawingml/2006/main" xmlns:r="http://schemas.openxmlformats.org/officeDocument/2006/relationships" xmlns:p="http://schemas.openxmlformats.org/presentationml/2006/main">
+  <p:cSld>
+    <p:spTree>
+      <p:nvGrpSpPr>
+        <p:cNvPr id="1" name=""/>
+        <p:cNvGrpSpPr/>
+        <p:nvPr/>
+      </p:nvGrpSpPr>
+      <p:grpSpPr>
+        <a:xfrm>
+          <a:off x="0" y="0"/>
+          <a:ext cx="0" cy="0"/>
+          <a:chOff x="0" y="0"/>
+          <a:chExt cx="0" cy="0"/>
+        </a:xfrm>
+      </p:grpSpPr>
+      <p:sp>
+        <p:nvSpPr>
+          <p:cNvPr id="2" name="Title 1">
+            <a:extLst>
+              <a:ext uri="{FF2B5EF4-FFF2-40B4-BE49-F238E27FC236}">
+                <a16:creationId xmlns:a16="http://schemas.microsoft.com/office/drawing/2014/main" id="{B519C23B-C326-43A9-82A3-E417057CA84F}"/>
+              </a:ext>
+            </a:extLst>
+          </p:cNvPr>
+          <p:cNvSpPr>
+            <a:spLocks noGrp="1"/>
+          </p:cNvSpPr>
+          <p:nvPr>
+            <p:ph type="title"/>
+          </p:nvPr>
+        </p:nvSpPr>
+        <p:spPr/>
+        <p:txBody>
+          <a:bodyPr/>
+          <a:lstStyle/>
+          <a:p>
+            <a:r>
+              <a:rPr lang="en-US" dirty="0"/>
+              <a:t>Noise</a:t>
+            </a:r>
+            <a:r>
+              <a:rPr lang="en-US" baseline="0" dirty="0"/>
+              <a:t> </a:t>
+            </a:r>
+            <a:r>
+              <a:rPr lang="en-US" baseline="0" dirty="0" err="1"/>
+              <a:t>Tunables</a:t>
+            </a:r>
+            <a:endParaRPr lang="en-US" dirty="0"/>
+          </a:p>
+        </p:txBody>
+      </p:sp>
+      <p:sp>
+        <p:nvSpPr>
+          <p:cNvPr id="3" name="Content Placeholder 2">
+            <a:extLst>
+              <a:ext uri="{FF2B5EF4-FFF2-40B4-BE49-F238E27FC236}">
+                <a16:creationId xmlns:a16="http://schemas.microsoft.com/office/drawing/2014/main" id="{282A21B9-4BE6-46F8-B5A4-D367A29441C6}"/>
+              </a:ext>
+            </a:extLst>
+          </p:cNvPr>
+          <p:cNvSpPr>
+            <a:spLocks noGrp="1"/>
+          </p:cNvSpPr>
+          <p:nvPr>
+            <p:ph idx="1"/>
+          </p:nvPr>
+        </p:nvSpPr>
+        <p:spPr/>
+        <p:txBody>
+          <a:bodyPr/>
+          <a:lstStyle/>
+          <a:p>
+            <a:endParaRPr lang="en-US"/>
+          </a:p>
+        </p:txBody>
+      </p:sp>
+    </p:spTree>
+    <p:extLst>
+      <p:ext uri="{BB962C8B-B14F-4D97-AF65-F5344CB8AC3E}">
+        <p14:creationId xmlns:p14="http://schemas.microsoft.com/office/powerpoint/2010/main" val="1685054292"/>
+      </p:ext>
+    </p:extLst>
+  </p:cSld>
+  <p:clrMapOvr>
+    <a:masterClrMapping/>
+  </p:clrMapOvr>
+</p:sld>
+</file>
+
+<file path=ppt/slides/slide49.xml><?xml version="1.0" encoding="utf-8"?>
+<p:sld xmlns:a="http://schemas.openxmlformats.org/drawingml/2006/main" xmlns:r="http://schemas.openxmlformats.org/officeDocument/2006/relationships" xmlns:p="http://schemas.openxmlformats.org/presentationml/2006/main">
+  <p:cSld>
+    <p:spTree>
+      <p:nvGrpSpPr>
+        <p:cNvPr id="1" name=""/>
+        <p:cNvGrpSpPr/>
+        <p:nvPr/>
+      </p:nvGrpSpPr>
+      <p:grpSpPr>
+        <a:xfrm>
+          <a:off x="0" y="0"/>
+          <a:ext cx="0" cy="0"/>
+          <a:chOff x="0" y="0"/>
+          <a:chExt cx="0" cy="0"/>
+        </a:xfrm>
+      </p:grpSpPr>
+      <p:sp>
+        <p:nvSpPr>
+          <p:cNvPr id="2" name="Title 1">
+            <a:extLst>
+              <a:ext uri="{FF2B5EF4-FFF2-40B4-BE49-F238E27FC236}">
+                <a16:creationId xmlns:a16="http://schemas.microsoft.com/office/drawing/2014/main" id="{CA980F56-6CDE-4DF0-95FB-C7D83D27BD60}"/>
+              </a:ext>
+            </a:extLst>
+          </p:cNvPr>
+          <p:cNvSpPr>
+            <a:spLocks noGrp="1"/>
+          </p:cNvSpPr>
+          <p:nvPr>
+            <p:ph type="title"/>
+          </p:nvPr>
+        </p:nvSpPr>
+        <p:spPr/>
+        <p:txBody>
+          <a:bodyPr/>
+          <a:lstStyle/>
+          <a:p>
+            <a:r>
+              <a:rPr lang="en-US" dirty="0"/>
+              <a:t>Making an Overworld</a:t>
+            </a:r>
+          </a:p>
+        </p:txBody>
+      </p:sp>
+      <p:sp>
+        <p:nvSpPr>
+          <p:cNvPr id="3" name="Content Placeholder 2">
+            <a:extLst>
+              <a:ext uri="{FF2B5EF4-FFF2-40B4-BE49-F238E27FC236}">
+                <a16:creationId xmlns:a16="http://schemas.microsoft.com/office/drawing/2014/main" id="{CD3195FE-6603-406D-947E-468A1C20EF00}"/>
+              </a:ext>
+            </a:extLst>
+          </p:cNvPr>
+          <p:cNvSpPr>
+            <a:spLocks noGrp="1"/>
+          </p:cNvSpPr>
+          <p:nvPr>
+            <p:ph idx="1"/>
+          </p:nvPr>
+        </p:nvSpPr>
+        <p:spPr/>
+        <p:txBody>
+          <a:bodyPr/>
+          <a:lstStyle/>
+          <a:p>
+            <a:endParaRPr lang="en-US"/>
+          </a:p>
+        </p:txBody>
+      </p:sp>
+    </p:spTree>
+    <p:extLst>
+      <p:ext uri="{BB962C8B-B14F-4D97-AF65-F5344CB8AC3E}">
+        <p14:creationId xmlns:p14="http://schemas.microsoft.com/office/powerpoint/2010/main" val="930639465"/>
+      </p:ext>
+    </p:extLst>
+  </p:cSld>
+  <p:clrMapOvr>
+    <a:masterClrMapping/>
+  </p:clrMapOvr>
+</p:sld>
+</file>
+
 <file path=ppt/slides/slide5.xml><?xml version="1.0" encoding="utf-8"?>
 <p:sld xmlns:a="http://schemas.openxmlformats.org/drawingml/2006/main" xmlns:r="http://schemas.openxmlformats.org/officeDocument/2006/relationships" xmlns:p="http://schemas.openxmlformats.org/presentationml/2006/main">
   <p:cSld>
@@ -7123,7 +8103,7 @@
           <p:cNvPr id="2" name="Title 1">
             <a:extLst>
               <a:ext uri="{FF2B5EF4-FFF2-40B4-BE49-F238E27FC236}">
-                <a16:creationId xmlns:a16="http://schemas.microsoft.com/office/drawing/2014/main" id="{E8102793-6E9A-4457-8782-67507F4D7FBE}"/>
+                <a16:creationId xmlns:a16="http://schemas.microsoft.com/office/drawing/2014/main" id="{A6EBFE04-6DC9-484C-A3C2-7EE1D244690E}"/>
               </a:ext>
             </a:extLst>
           </p:cNvPr>
@@ -7141,7 +8121,7 @@
           <a:p>
             <a:r>
               <a:rPr lang="en-US" dirty="0"/>
-              <a:t>PART 1 – Basic Generation Techniques</a:t>
+              <a:t>Rogue</a:t>
             </a:r>
           </a:p>
         </p:txBody>
@@ -7151,7 +8131,7 @@
           <p:cNvPr id="3" name="Content Placeholder 2">
             <a:extLst>
               <a:ext uri="{FF2B5EF4-FFF2-40B4-BE49-F238E27FC236}">
-                <a16:creationId xmlns:a16="http://schemas.microsoft.com/office/drawing/2014/main" id="{8751101C-C620-4E8E-93A3-2C249FAA2D7C}"/>
+                <a16:creationId xmlns:a16="http://schemas.microsoft.com/office/drawing/2014/main" id="{0E9FFA70-88F0-4BD1-908D-B01991285037}"/>
               </a:ext>
             </a:extLst>
           </p:cNvPr>
@@ -7174,7 +8154,427 @@
     </p:spTree>
     <p:extLst>
       <p:ext uri="{BB962C8B-B14F-4D97-AF65-F5344CB8AC3E}">
-        <p14:creationId xmlns:p14="http://schemas.microsoft.com/office/powerpoint/2010/main" val="3676566853"/>
+        <p14:creationId xmlns:p14="http://schemas.microsoft.com/office/powerpoint/2010/main" val="144707664"/>
+      </p:ext>
+    </p:extLst>
+  </p:cSld>
+  <p:clrMapOvr>
+    <a:masterClrMapping/>
+  </p:clrMapOvr>
+</p:sld>
+</file>
+
+<file path=ppt/slides/slide50.xml><?xml version="1.0" encoding="utf-8"?>
+<p:sld xmlns:a="http://schemas.openxmlformats.org/drawingml/2006/main" xmlns:r="http://schemas.openxmlformats.org/officeDocument/2006/relationships" xmlns:p="http://schemas.openxmlformats.org/presentationml/2006/main">
+  <p:cSld>
+    <p:spTree>
+      <p:nvGrpSpPr>
+        <p:cNvPr id="1" name=""/>
+        <p:cNvGrpSpPr/>
+        <p:nvPr/>
+      </p:nvGrpSpPr>
+      <p:grpSpPr>
+        <a:xfrm>
+          <a:off x="0" y="0"/>
+          <a:ext cx="0" cy="0"/>
+          <a:chOff x="0" y="0"/>
+          <a:chExt cx="0" cy="0"/>
+        </a:xfrm>
+      </p:grpSpPr>
+      <p:sp>
+        <p:nvSpPr>
+          <p:cNvPr id="2" name="Title 1">
+            <a:extLst>
+              <a:ext uri="{FF2B5EF4-FFF2-40B4-BE49-F238E27FC236}">
+                <a16:creationId xmlns:a16="http://schemas.microsoft.com/office/drawing/2014/main" id="{80256ECF-6539-4DC7-9F1A-D36F4CDC03D0}"/>
+              </a:ext>
+            </a:extLst>
+          </p:cNvPr>
+          <p:cNvSpPr>
+            <a:spLocks noGrp="1"/>
+          </p:cNvSpPr>
+          <p:nvPr>
+            <p:ph type="title"/>
+          </p:nvPr>
+        </p:nvSpPr>
+        <p:spPr/>
+        <p:txBody>
+          <a:bodyPr/>
+          <a:lstStyle/>
+          <a:p>
+            <a:r>
+              <a:rPr lang="en-US" dirty="0"/>
+              <a:t>Making a Spherical</a:t>
+            </a:r>
+            <a:r>
+              <a:rPr lang="en-US" baseline="0" dirty="0"/>
+              <a:t> World</a:t>
+            </a:r>
+            <a:endParaRPr lang="en-US" dirty="0"/>
+          </a:p>
+        </p:txBody>
+      </p:sp>
+      <p:sp>
+        <p:nvSpPr>
+          <p:cNvPr id="3" name="Content Placeholder 2">
+            <a:extLst>
+              <a:ext uri="{FF2B5EF4-FFF2-40B4-BE49-F238E27FC236}">
+                <a16:creationId xmlns:a16="http://schemas.microsoft.com/office/drawing/2014/main" id="{D8DDC5B9-71DA-44C0-A52E-35F421B906D6}"/>
+              </a:ext>
+            </a:extLst>
+          </p:cNvPr>
+          <p:cNvSpPr>
+            <a:spLocks noGrp="1"/>
+          </p:cNvSpPr>
+          <p:nvPr>
+            <p:ph idx="1"/>
+          </p:nvPr>
+        </p:nvSpPr>
+        <p:spPr/>
+        <p:txBody>
+          <a:bodyPr/>
+          <a:lstStyle/>
+          <a:p>
+            <a:endParaRPr lang="en-US"/>
+          </a:p>
+        </p:txBody>
+      </p:sp>
+    </p:spTree>
+    <p:extLst>
+      <p:ext uri="{BB962C8B-B14F-4D97-AF65-F5344CB8AC3E}">
+        <p14:creationId xmlns:p14="http://schemas.microsoft.com/office/powerpoint/2010/main" val="3243957107"/>
+      </p:ext>
+    </p:extLst>
+  </p:cSld>
+  <p:clrMapOvr>
+    <a:masterClrMapping/>
+  </p:clrMapOvr>
+</p:sld>
+</file>
+
+<file path=ppt/slides/slide51.xml><?xml version="1.0" encoding="utf-8"?>
+<p:sld xmlns:a="http://schemas.openxmlformats.org/drawingml/2006/main" xmlns:r="http://schemas.openxmlformats.org/officeDocument/2006/relationships" xmlns:p="http://schemas.openxmlformats.org/presentationml/2006/main">
+  <p:cSld>
+    <p:spTree>
+      <p:nvGrpSpPr>
+        <p:cNvPr id="1" name=""/>
+        <p:cNvGrpSpPr/>
+        <p:nvPr/>
+      </p:nvGrpSpPr>
+      <p:grpSpPr>
+        <a:xfrm>
+          <a:off x="0" y="0"/>
+          <a:ext cx="0" cy="0"/>
+          <a:chOff x="0" y="0"/>
+          <a:chExt cx="0" cy="0"/>
+        </a:xfrm>
+      </p:grpSpPr>
+      <p:sp>
+        <p:nvSpPr>
+          <p:cNvPr id="2" name="Title 1">
+            <a:extLst>
+              <a:ext uri="{FF2B5EF4-FFF2-40B4-BE49-F238E27FC236}">
+                <a16:creationId xmlns:a16="http://schemas.microsoft.com/office/drawing/2014/main" id="{0B94EFC4-40E6-42F5-A41F-DA36D8AA9438}"/>
+              </a:ext>
+            </a:extLst>
+          </p:cNvPr>
+          <p:cNvSpPr>
+            <a:spLocks noGrp="1"/>
+          </p:cNvSpPr>
+          <p:nvPr>
+            <p:ph type="title"/>
+          </p:nvPr>
+        </p:nvSpPr>
+        <p:spPr/>
+        <p:txBody>
+          <a:bodyPr/>
+          <a:lstStyle/>
+          <a:p>
+            <a:r>
+              <a:rPr lang="en-US" dirty="0"/>
+              <a:t>Making a 3D Map</a:t>
+            </a:r>
+          </a:p>
+        </p:txBody>
+      </p:sp>
+      <p:sp>
+        <p:nvSpPr>
+          <p:cNvPr id="3" name="Content Placeholder 2">
+            <a:extLst>
+              <a:ext uri="{FF2B5EF4-FFF2-40B4-BE49-F238E27FC236}">
+                <a16:creationId xmlns:a16="http://schemas.microsoft.com/office/drawing/2014/main" id="{6589C3BB-E964-45B9-A53E-56910758DD06}"/>
+              </a:ext>
+            </a:extLst>
+          </p:cNvPr>
+          <p:cNvSpPr>
+            <a:spLocks noGrp="1"/>
+          </p:cNvSpPr>
+          <p:nvPr>
+            <p:ph idx="1"/>
+          </p:nvPr>
+        </p:nvSpPr>
+        <p:spPr/>
+        <p:txBody>
+          <a:bodyPr/>
+          <a:lstStyle/>
+          <a:p>
+            <a:endParaRPr lang="en-US"/>
+          </a:p>
+        </p:txBody>
+      </p:sp>
+    </p:spTree>
+    <p:extLst>
+      <p:ext uri="{BB962C8B-B14F-4D97-AF65-F5344CB8AC3E}">
+        <p14:creationId xmlns:p14="http://schemas.microsoft.com/office/powerpoint/2010/main" val="3081661649"/>
+      </p:ext>
+    </p:extLst>
+  </p:cSld>
+  <p:clrMapOvr>
+    <a:masterClrMapping/>
+  </p:clrMapOvr>
+</p:sld>
+</file>
+
+<file path=ppt/slides/slide52.xml><?xml version="1.0" encoding="utf-8"?>
+<p:sld xmlns:a="http://schemas.openxmlformats.org/drawingml/2006/main" xmlns:r="http://schemas.openxmlformats.org/officeDocument/2006/relationships" xmlns:p="http://schemas.openxmlformats.org/presentationml/2006/main">
+  <p:cSld>
+    <p:spTree>
+      <p:nvGrpSpPr>
+        <p:cNvPr id="1" name=""/>
+        <p:cNvGrpSpPr/>
+        <p:nvPr/>
+      </p:nvGrpSpPr>
+      <p:grpSpPr>
+        <a:xfrm>
+          <a:off x="0" y="0"/>
+          <a:ext cx="0" cy="0"/>
+          <a:chOff x="0" y="0"/>
+          <a:chExt cx="0" cy="0"/>
+        </a:xfrm>
+      </p:grpSpPr>
+      <p:sp>
+        <p:nvSpPr>
+          <p:cNvPr id="2" name="Title 1">
+            <a:extLst>
+              <a:ext uri="{FF2B5EF4-FFF2-40B4-BE49-F238E27FC236}">
+                <a16:creationId xmlns:a16="http://schemas.microsoft.com/office/drawing/2014/main" id="{89C36EFD-6BB0-4705-BD82-297BA51C0014}"/>
+              </a:ext>
+            </a:extLst>
+          </p:cNvPr>
+          <p:cNvSpPr>
+            <a:spLocks noGrp="1"/>
+          </p:cNvSpPr>
+          <p:nvPr>
+            <p:ph type="title"/>
+          </p:nvPr>
+        </p:nvSpPr>
+        <p:spPr/>
+        <p:txBody>
+          <a:bodyPr/>
+          <a:lstStyle/>
+          <a:p>
+            <a:r>
+              <a:rPr lang="en-US" dirty="0"/>
+              <a:t>PART 4 – Prefabs/Vaults</a:t>
+            </a:r>
+          </a:p>
+        </p:txBody>
+      </p:sp>
+      <p:sp>
+        <p:nvSpPr>
+          <p:cNvPr id="3" name="Content Placeholder 2">
+            <a:extLst>
+              <a:ext uri="{FF2B5EF4-FFF2-40B4-BE49-F238E27FC236}">
+                <a16:creationId xmlns:a16="http://schemas.microsoft.com/office/drawing/2014/main" id="{16DFB016-3A47-4BD6-9336-E19F787A0A4A}"/>
+              </a:ext>
+            </a:extLst>
+          </p:cNvPr>
+          <p:cNvSpPr>
+            <a:spLocks noGrp="1"/>
+          </p:cNvSpPr>
+          <p:nvPr>
+            <p:ph idx="1"/>
+          </p:nvPr>
+        </p:nvSpPr>
+        <p:spPr/>
+        <p:txBody>
+          <a:bodyPr/>
+          <a:lstStyle/>
+          <a:p>
+            <a:endParaRPr lang="en-US"/>
+          </a:p>
+        </p:txBody>
+      </p:sp>
+    </p:spTree>
+    <p:extLst>
+      <p:ext uri="{BB962C8B-B14F-4D97-AF65-F5344CB8AC3E}">
+        <p14:creationId xmlns:p14="http://schemas.microsoft.com/office/powerpoint/2010/main" val="1537678333"/>
+      </p:ext>
+    </p:extLst>
+  </p:cSld>
+  <p:clrMapOvr>
+    <a:masterClrMapping/>
+  </p:clrMapOvr>
+</p:sld>
+</file>
+
+<file path=ppt/slides/slide53.xml><?xml version="1.0" encoding="utf-8"?>
+<p:sld xmlns:a="http://schemas.openxmlformats.org/drawingml/2006/main" xmlns:r="http://schemas.openxmlformats.org/officeDocument/2006/relationships" xmlns:p="http://schemas.openxmlformats.org/presentationml/2006/main">
+  <p:cSld>
+    <p:spTree>
+      <p:nvGrpSpPr>
+        <p:cNvPr id="1" name=""/>
+        <p:cNvGrpSpPr/>
+        <p:nvPr/>
+      </p:nvGrpSpPr>
+      <p:grpSpPr>
+        <a:xfrm>
+          <a:off x="0" y="0"/>
+          <a:ext cx="0" cy="0"/>
+          <a:chOff x="0" y="0"/>
+          <a:chExt cx="0" cy="0"/>
+        </a:xfrm>
+      </p:grpSpPr>
+      <p:sp>
+        <p:nvSpPr>
+          <p:cNvPr id="2" name="Title 1">
+            <a:extLst>
+              <a:ext uri="{FF2B5EF4-FFF2-40B4-BE49-F238E27FC236}">
+                <a16:creationId xmlns:a16="http://schemas.microsoft.com/office/drawing/2014/main" id="{954AC10A-DCC4-40DF-8C7C-80872799F6B6}"/>
+              </a:ext>
+            </a:extLst>
+          </p:cNvPr>
+          <p:cNvSpPr>
+            <a:spLocks noGrp="1"/>
+          </p:cNvSpPr>
+          <p:nvPr>
+            <p:ph type="title"/>
+          </p:nvPr>
+        </p:nvSpPr>
+        <p:spPr/>
+        <p:txBody>
+          <a:bodyPr/>
+          <a:lstStyle/>
+          <a:p>
+            <a:r>
+              <a:rPr lang="en-US" dirty="0"/>
+              <a:t>Wrap-Up</a:t>
+            </a:r>
+          </a:p>
+        </p:txBody>
+      </p:sp>
+      <p:sp>
+        <p:nvSpPr>
+          <p:cNvPr id="3" name="Content Placeholder 2">
+            <a:extLst>
+              <a:ext uri="{FF2B5EF4-FFF2-40B4-BE49-F238E27FC236}">
+                <a16:creationId xmlns:a16="http://schemas.microsoft.com/office/drawing/2014/main" id="{2C7309C8-A67C-4390-B961-6CAD02F1DE9D}"/>
+              </a:ext>
+            </a:extLst>
+          </p:cNvPr>
+          <p:cNvSpPr>
+            <a:spLocks noGrp="1"/>
+          </p:cNvSpPr>
+          <p:nvPr>
+            <p:ph idx="1"/>
+          </p:nvPr>
+        </p:nvSpPr>
+        <p:spPr/>
+        <p:txBody>
+          <a:bodyPr/>
+          <a:lstStyle/>
+          <a:p>
+            <a:endParaRPr lang="en-US"/>
+          </a:p>
+        </p:txBody>
+      </p:sp>
+    </p:spTree>
+    <p:extLst>
+      <p:ext uri="{BB962C8B-B14F-4D97-AF65-F5344CB8AC3E}">
+        <p14:creationId xmlns:p14="http://schemas.microsoft.com/office/powerpoint/2010/main" val="2244430420"/>
+      </p:ext>
+    </p:extLst>
+  </p:cSld>
+  <p:clrMapOvr>
+    <a:masterClrMapping/>
+  </p:clrMapOvr>
+</p:sld>
+</file>
+
+<file path=ppt/slides/slide54.xml><?xml version="1.0" encoding="utf-8"?>
+<p:sld xmlns:a="http://schemas.openxmlformats.org/drawingml/2006/main" xmlns:r="http://schemas.openxmlformats.org/officeDocument/2006/relationships" xmlns:p="http://schemas.openxmlformats.org/presentationml/2006/main">
+  <p:cSld>
+    <p:spTree>
+      <p:nvGrpSpPr>
+        <p:cNvPr id="1" name=""/>
+        <p:cNvGrpSpPr/>
+        <p:nvPr/>
+      </p:nvGrpSpPr>
+      <p:grpSpPr>
+        <a:xfrm>
+          <a:off x="0" y="0"/>
+          <a:ext cx="0" cy="0"/>
+          <a:chOff x="0" y="0"/>
+          <a:chExt cx="0" cy="0"/>
+        </a:xfrm>
+      </p:grpSpPr>
+      <p:sp>
+        <p:nvSpPr>
+          <p:cNvPr id="2" name="Title 1">
+            <a:extLst>
+              <a:ext uri="{FF2B5EF4-FFF2-40B4-BE49-F238E27FC236}">
+                <a16:creationId xmlns:a16="http://schemas.microsoft.com/office/drawing/2014/main" id="{832E6675-6F28-4DC1-A4B0-55EDC2B3889D}"/>
+              </a:ext>
+            </a:extLst>
+          </p:cNvPr>
+          <p:cNvSpPr>
+            <a:spLocks noGrp="1"/>
+          </p:cNvSpPr>
+          <p:nvPr>
+            <p:ph type="title"/>
+          </p:nvPr>
+        </p:nvSpPr>
+        <p:spPr/>
+        <p:txBody>
+          <a:bodyPr/>
+          <a:lstStyle/>
+          <a:p>
+            <a:r>
+              <a:rPr lang="en-US" dirty="0"/>
+              <a:t>Questions?</a:t>
+            </a:r>
+          </a:p>
+        </p:txBody>
+      </p:sp>
+      <p:sp>
+        <p:nvSpPr>
+          <p:cNvPr id="3" name="Content Placeholder 2">
+            <a:extLst>
+              <a:ext uri="{FF2B5EF4-FFF2-40B4-BE49-F238E27FC236}">
+                <a16:creationId xmlns:a16="http://schemas.microsoft.com/office/drawing/2014/main" id="{0EC89C96-7CA0-48DB-8F09-1F603365128B}"/>
+              </a:ext>
+            </a:extLst>
+          </p:cNvPr>
+          <p:cNvSpPr>
+            <a:spLocks noGrp="1"/>
+          </p:cNvSpPr>
+          <p:nvPr>
+            <p:ph idx="1"/>
+          </p:nvPr>
+        </p:nvSpPr>
+        <p:spPr/>
+        <p:txBody>
+          <a:bodyPr/>
+          <a:lstStyle/>
+          <a:p>
+            <a:endParaRPr lang="en-US"/>
+          </a:p>
+        </p:txBody>
+      </p:sp>
+    </p:spTree>
+    <p:extLst>
+      <p:ext uri="{BB962C8B-B14F-4D97-AF65-F5344CB8AC3E}">
+        <p14:creationId xmlns:p14="http://schemas.microsoft.com/office/powerpoint/2010/main" val="605060820"/>
       </p:ext>
     </p:extLst>
   </p:cSld>
@@ -7206,7 +8606,7 @@
           <p:cNvPr id="2" name="Title 1">
             <a:extLst>
               <a:ext uri="{FF2B5EF4-FFF2-40B4-BE49-F238E27FC236}">
-                <a16:creationId xmlns:a16="http://schemas.microsoft.com/office/drawing/2014/main" id="{94A529DF-4875-41DC-92B2-E1A92E228D46}"/>
+                <a16:creationId xmlns:a16="http://schemas.microsoft.com/office/drawing/2014/main" id="{75B45368-ECAF-4280-901F-304A9C11251C}"/>
               </a:ext>
             </a:extLst>
           </p:cNvPr>
@@ -7224,13 +8624,8 @@
           <a:p>
             <a:r>
               <a:rPr lang="en-US" dirty="0"/>
-              <a:t>Simple Room-Based</a:t>
-            </a:r>
-            <a:r>
-              <a:rPr lang="en-US" baseline="0" dirty="0"/>
-              <a:t> Generation</a:t>
-            </a:r>
-            <a:endParaRPr lang="en-US" dirty="0"/>
+              <a:t>Elite</a:t>
+            </a:r>
           </a:p>
         </p:txBody>
       </p:sp>
@@ -7239,7 +8634,7 @@
           <p:cNvPr id="3" name="Content Placeholder 2">
             <a:extLst>
               <a:ext uri="{FF2B5EF4-FFF2-40B4-BE49-F238E27FC236}">
-                <a16:creationId xmlns:a16="http://schemas.microsoft.com/office/drawing/2014/main" id="{59D563A6-BA4D-4903-89F0-53303A0EB428}"/>
+                <a16:creationId xmlns:a16="http://schemas.microsoft.com/office/drawing/2014/main" id="{83502062-419F-4A98-9C23-E8ACB070FE37}"/>
               </a:ext>
             </a:extLst>
           </p:cNvPr>
@@ -7255,58 +8650,14 @@
           <a:bodyPr/>
           <a:lstStyle/>
           <a:p>
-            <a:r>
-              <a:rPr lang="en-US" dirty="0"/>
-              <a:t>You’ve probably seen this in Roguelike development tutorials.</a:t>
-            </a:r>
-          </a:p>
-          <a:p>
-            <a:r>
-              <a:rPr lang="en-US" dirty="0"/>
-              <a:t>Simple algorithm:</a:t>
-            </a:r>
-          </a:p>
-          <a:p>
-            <a:pPr lvl="1"/>
-            <a:r>
-              <a:rPr lang="en-US" dirty="0"/>
-              <a:t>Start with a solid map.</a:t>
-            </a:r>
-          </a:p>
-          <a:p>
-            <a:pPr lvl="1"/>
-            <a:r>
-              <a:rPr lang="en-US" dirty="0"/>
-              <a:t>Randomly select a room area.</a:t>
-            </a:r>
-          </a:p>
-          <a:p>
-            <a:pPr lvl="2"/>
-            <a:r>
-              <a:rPr lang="en-US" dirty="0"/>
-              <a:t>If the room is solid, carve it out and store it in the “rooms” list.</a:t>
-            </a:r>
-          </a:p>
-          <a:p>
-            <a:pPr lvl="1"/>
-            <a:r>
-              <a:rPr lang="en-US" dirty="0"/>
-              <a:t>Repeat until you have enough rooms.</a:t>
-            </a:r>
-          </a:p>
-          <a:p>
-            <a:pPr lvl="1"/>
-            <a:r>
-              <a:rPr lang="en-US" dirty="0"/>
-              <a:t>Iterate your rooms list, and add dog-leg corridors.</a:t>
-            </a:r>
+            <a:endParaRPr lang="en-US"/>
           </a:p>
         </p:txBody>
       </p:sp>
     </p:spTree>
     <p:extLst>
       <p:ext uri="{BB962C8B-B14F-4D97-AF65-F5344CB8AC3E}">
-        <p14:creationId xmlns:p14="http://schemas.microsoft.com/office/powerpoint/2010/main" val="3690561459"/>
+        <p14:creationId xmlns:p14="http://schemas.microsoft.com/office/powerpoint/2010/main" val="53523177"/>
       </p:ext>
     </p:extLst>
   </p:cSld>
@@ -7338,7 +8689,7 @@
           <p:cNvPr id="2" name="Title 1">
             <a:extLst>
               <a:ext uri="{FF2B5EF4-FFF2-40B4-BE49-F238E27FC236}">
-                <a16:creationId xmlns:a16="http://schemas.microsoft.com/office/drawing/2014/main" id="{26E56012-2F30-4314-B0C8-2447C100FB8C}"/>
+                <a16:creationId xmlns:a16="http://schemas.microsoft.com/office/drawing/2014/main" id="{425D3CCC-006A-4E97-BCF4-D599007A3E7D}"/>
               </a:ext>
             </a:extLst>
           </p:cNvPr>
@@ -7356,47 +8707,40 @@
           <a:p>
             <a:r>
               <a:rPr lang="en-US" dirty="0"/>
-              <a:t>Start with a solid map, add one room at random.</a:t>
-            </a:r>
-          </a:p>
-        </p:txBody>
-      </p:sp>
-      <p:pic>
-        <p:nvPicPr>
-          <p:cNvPr id="5" name="Content Placeholder 4">
-            <a:extLst>
-              <a:ext uri="{FF2B5EF4-FFF2-40B4-BE49-F238E27FC236}">
-                <a16:creationId xmlns:a16="http://schemas.microsoft.com/office/drawing/2014/main" id="{8D7360F8-7D09-4411-9906-D937B48E1C42}"/>
-              </a:ext>
-            </a:extLst>
-          </p:cNvPr>
-          <p:cNvPicPr>
-            <a:picLocks noGrp="1" noChangeAspect="1"/>
-          </p:cNvPicPr>
+              <a:t>Civilization</a:t>
+            </a:r>
+          </a:p>
+        </p:txBody>
+      </p:sp>
+      <p:sp>
+        <p:nvSpPr>
+          <p:cNvPr id="3" name="Content Placeholder 2">
+            <a:extLst>
+              <a:ext uri="{FF2B5EF4-FFF2-40B4-BE49-F238E27FC236}">
+                <a16:creationId xmlns:a16="http://schemas.microsoft.com/office/drawing/2014/main" id="{4DCCD1A8-CBED-4FE4-8D37-29220B23059A}"/>
+              </a:ext>
+            </a:extLst>
+          </p:cNvPr>
+          <p:cNvSpPr>
+            <a:spLocks noGrp="1"/>
+          </p:cNvSpPr>
           <p:nvPr>
             <p:ph idx="1"/>
           </p:nvPr>
-        </p:nvPicPr>
-        <p:blipFill>
-          <a:blip r:embed="rId2"/>
-          <a:stretch>
-            <a:fillRect/>
-          </a:stretch>
-        </p:blipFill>
-        <p:spPr>
-          <a:xfrm>
-            <a:off x="3038475" y="1943894"/>
-            <a:ext cx="6115050" cy="4114800"/>
-          </a:xfrm>
-          <a:prstGeom prst="rect">
-            <a:avLst/>
-          </a:prstGeom>
-        </p:spPr>
-      </p:pic>
+        </p:nvSpPr>
+        <p:spPr/>
+        <p:txBody>
+          <a:bodyPr/>
+          <a:lstStyle/>
+          <a:p>
+            <a:endParaRPr lang="en-US"/>
+          </a:p>
+        </p:txBody>
+      </p:sp>
     </p:spTree>
     <p:extLst>
       <p:ext uri="{BB962C8B-B14F-4D97-AF65-F5344CB8AC3E}">
-        <p14:creationId xmlns:p14="http://schemas.microsoft.com/office/powerpoint/2010/main" val="248996773"/>
+        <p14:creationId xmlns:p14="http://schemas.microsoft.com/office/powerpoint/2010/main" val="1381420667"/>
       </p:ext>
     </p:extLst>
   </p:cSld>
@@ -7428,7 +8772,7 @@
           <p:cNvPr id="2" name="Title 1">
             <a:extLst>
               <a:ext uri="{FF2B5EF4-FFF2-40B4-BE49-F238E27FC236}">
-                <a16:creationId xmlns:a16="http://schemas.microsoft.com/office/drawing/2014/main" id="{9D379B26-C094-464F-8BC8-E9FC7AF477C8}"/>
+                <a16:creationId xmlns:a16="http://schemas.microsoft.com/office/drawing/2014/main" id="{E10B4E34-1145-4110-8752-CFA34FBA3625}"/>
               </a:ext>
             </a:extLst>
           </p:cNvPr>
@@ -7446,52 +8790,40 @@
           <a:p>
             <a:r>
               <a:rPr lang="en-US" dirty="0"/>
-              <a:t>Add a</a:t>
-            </a:r>
-            <a:r>
-              <a:rPr lang="en-US" baseline="0" dirty="0"/>
-              <a:t> second room</a:t>
-            </a:r>
-            <a:endParaRPr lang="en-US" dirty="0"/>
-          </a:p>
-        </p:txBody>
-      </p:sp>
-      <p:pic>
-        <p:nvPicPr>
-          <p:cNvPr id="4" name="Content Placeholder 3">
-            <a:extLst>
-              <a:ext uri="{FF2B5EF4-FFF2-40B4-BE49-F238E27FC236}">
-                <a16:creationId xmlns:a16="http://schemas.microsoft.com/office/drawing/2014/main" id="{A6A79ADE-A061-4826-817F-F6BFEB41E0EE}"/>
-              </a:ext>
-            </a:extLst>
-          </p:cNvPr>
-          <p:cNvPicPr>
-            <a:picLocks noGrp="1" noChangeAspect="1"/>
-          </p:cNvPicPr>
+              <a:t>Dwarf Fortress</a:t>
+            </a:r>
+          </a:p>
+        </p:txBody>
+      </p:sp>
+      <p:sp>
+        <p:nvSpPr>
+          <p:cNvPr id="3" name="Content Placeholder 2">
+            <a:extLst>
+              <a:ext uri="{FF2B5EF4-FFF2-40B4-BE49-F238E27FC236}">
+                <a16:creationId xmlns:a16="http://schemas.microsoft.com/office/drawing/2014/main" id="{F41F9F1E-F5A3-45A5-897F-527248E016E8}"/>
+              </a:ext>
+            </a:extLst>
+          </p:cNvPr>
+          <p:cNvSpPr>
+            <a:spLocks noGrp="1"/>
+          </p:cNvSpPr>
           <p:nvPr>
             <p:ph idx="1"/>
           </p:nvPr>
-        </p:nvPicPr>
-        <p:blipFill>
-          <a:blip r:embed="rId2"/>
-          <a:stretch>
-            <a:fillRect/>
-          </a:stretch>
-        </p:blipFill>
-        <p:spPr>
-          <a:xfrm>
-            <a:off x="3038475" y="1943894"/>
-            <a:ext cx="6115050" cy="4114800"/>
-          </a:xfrm>
-          <a:prstGeom prst="rect">
-            <a:avLst/>
-          </a:prstGeom>
-        </p:spPr>
-      </p:pic>
+        </p:nvSpPr>
+        <p:spPr/>
+        <p:txBody>
+          <a:bodyPr/>
+          <a:lstStyle/>
+          <a:p>
+            <a:endParaRPr lang="en-US"/>
+          </a:p>
+        </p:txBody>
+      </p:sp>
     </p:spTree>
     <p:extLst>
       <p:ext uri="{BB962C8B-B14F-4D97-AF65-F5344CB8AC3E}">
-        <p14:creationId xmlns:p14="http://schemas.microsoft.com/office/powerpoint/2010/main" val="1993244404"/>
+        <p14:creationId xmlns:p14="http://schemas.microsoft.com/office/powerpoint/2010/main" val="3815648833"/>
       </p:ext>
     </p:extLst>
   </p:cSld>
@@ -7523,7 +8855,7 @@
           <p:cNvPr id="2" name="Title 1">
             <a:extLst>
               <a:ext uri="{FF2B5EF4-FFF2-40B4-BE49-F238E27FC236}">
-                <a16:creationId xmlns:a16="http://schemas.microsoft.com/office/drawing/2014/main" id="{BBAE6F9D-F865-4AFD-A81C-5517628FF67F}"/>
+                <a16:creationId xmlns:a16="http://schemas.microsoft.com/office/drawing/2014/main" id="{595CE7A8-EB62-45F7-94E9-812F8AF340C0}"/>
               </a:ext>
             </a:extLst>
           </p:cNvPr>
@@ -7541,52 +8873,40 @@
           <a:p>
             <a:r>
               <a:rPr lang="en-US" dirty="0"/>
-              <a:t>Keep Adding Rooms</a:t>
-            </a:r>
-            <a:r>
-              <a:rPr lang="en-US" baseline="0" dirty="0"/>
-              <a:t> – Don’t Add Overlapping Ones</a:t>
-            </a:r>
-            <a:endParaRPr lang="en-US" dirty="0"/>
-          </a:p>
-        </p:txBody>
-      </p:sp>
-      <p:pic>
-        <p:nvPicPr>
-          <p:cNvPr id="5" name="Content Placeholder 4">
-            <a:extLst>
-              <a:ext uri="{FF2B5EF4-FFF2-40B4-BE49-F238E27FC236}">
-                <a16:creationId xmlns:a16="http://schemas.microsoft.com/office/drawing/2014/main" id="{B07877DF-45A1-4961-A1C5-AAF61CE60AAC}"/>
-              </a:ext>
-            </a:extLst>
-          </p:cNvPr>
-          <p:cNvPicPr>
-            <a:picLocks noGrp="1" noChangeAspect="1"/>
-          </p:cNvPicPr>
+              <a:t>Dungeon Crawl: Stone Soup</a:t>
+            </a:r>
+          </a:p>
+        </p:txBody>
+      </p:sp>
+      <p:sp>
+        <p:nvSpPr>
+          <p:cNvPr id="3" name="Content Placeholder 2">
+            <a:extLst>
+              <a:ext uri="{FF2B5EF4-FFF2-40B4-BE49-F238E27FC236}">
+                <a16:creationId xmlns:a16="http://schemas.microsoft.com/office/drawing/2014/main" id="{3D04A13A-D69A-4AAA-8F72-9C607B9B9C8F}"/>
+              </a:ext>
+            </a:extLst>
+          </p:cNvPr>
+          <p:cNvSpPr>
+            <a:spLocks noGrp="1"/>
+          </p:cNvSpPr>
           <p:nvPr>
             <p:ph idx="1"/>
           </p:nvPr>
-        </p:nvPicPr>
-        <p:blipFill>
-          <a:blip r:embed="rId2"/>
-          <a:stretch>
-            <a:fillRect/>
-          </a:stretch>
-        </p:blipFill>
-        <p:spPr>
-          <a:xfrm>
-            <a:off x="3038475" y="1943894"/>
-            <a:ext cx="6115050" cy="4114800"/>
-          </a:xfrm>
-          <a:prstGeom prst="rect">
-            <a:avLst/>
-          </a:prstGeom>
-        </p:spPr>
-      </p:pic>
+        </p:nvSpPr>
+        <p:spPr/>
+        <p:txBody>
+          <a:bodyPr/>
+          <a:lstStyle/>
+          <a:p>
+            <a:endParaRPr lang="en-US"/>
+          </a:p>
+        </p:txBody>
+      </p:sp>
     </p:spTree>
     <p:extLst>
       <p:ext uri="{BB962C8B-B14F-4D97-AF65-F5344CB8AC3E}">
-        <p14:creationId xmlns:p14="http://schemas.microsoft.com/office/powerpoint/2010/main" val="4021934274"/>
+        <p14:creationId xmlns:p14="http://schemas.microsoft.com/office/powerpoint/2010/main" val="2532718287"/>
       </p:ext>
     </p:extLst>
   </p:cSld>

--- a/Procedural Map Generation Techniques.pptx
+++ b/Procedural Map Generation Techniques.pptx
@@ -5,7 +5,7 @@
     <p:sldMasterId id="2147483648" r:id="rId1"/>
   </p:sldMasterIdLst>
   <p:notesMasterIdLst>
-    <p:notesMasterId r:id="rId56"/>
+    <p:notesMasterId r:id="rId59"/>
   </p:notesMasterIdLst>
   <p:sldIdLst>
     <p:sldId id="256" r:id="rId2"/>
@@ -47,21 +47,24 @@
     <p:sldId id="316" r:id="rId38"/>
     <p:sldId id="317" r:id="rId39"/>
     <p:sldId id="318" r:id="rId40"/>
-    <p:sldId id="265" r:id="rId41"/>
-    <p:sldId id="267" r:id="rId42"/>
-    <p:sldId id="268" r:id="rId43"/>
-    <p:sldId id="269" r:id="rId44"/>
-    <p:sldId id="277" r:id="rId45"/>
-    <p:sldId id="273" r:id="rId46"/>
-    <p:sldId id="309" r:id="rId47"/>
-    <p:sldId id="310" r:id="rId48"/>
-    <p:sldId id="314" r:id="rId49"/>
-    <p:sldId id="311" r:id="rId50"/>
-    <p:sldId id="312" r:id="rId51"/>
-    <p:sldId id="313" r:id="rId52"/>
-    <p:sldId id="279" r:id="rId53"/>
-    <p:sldId id="275" r:id="rId54"/>
-    <p:sldId id="276" r:id="rId55"/>
+    <p:sldId id="319" r:id="rId41"/>
+    <p:sldId id="320" r:id="rId42"/>
+    <p:sldId id="321" r:id="rId43"/>
+    <p:sldId id="265" r:id="rId44"/>
+    <p:sldId id="267" r:id="rId45"/>
+    <p:sldId id="268" r:id="rId46"/>
+    <p:sldId id="269" r:id="rId47"/>
+    <p:sldId id="277" r:id="rId48"/>
+    <p:sldId id="273" r:id="rId49"/>
+    <p:sldId id="309" r:id="rId50"/>
+    <p:sldId id="310" r:id="rId51"/>
+    <p:sldId id="314" r:id="rId52"/>
+    <p:sldId id="311" r:id="rId53"/>
+    <p:sldId id="312" r:id="rId54"/>
+    <p:sldId id="313" r:id="rId55"/>
+    <p:sldId id="279" r:id="rId56"/>
+    <p:sldId id="275" r:id="rId57"/>
+    <p:sldId id="276" r:id="rId58"/>
   </p:sldIdLst>
   <p:sldSz cx="12192000" cy="6858000"/>
   <p:notesSz cx="6858000" cy="9144000"/>
@@ -250,7 +253,7 @@
           <a:p>
             <a:fld id="{D65FA38F-B7EE-40A5-BF0A-424611451B5A}" type="datetimeFigureOut">
               <a:rPr lang="en-US" smtClean="0"/>
-              <a:t>9/11/2020</a:t>
+              <a:t>9/12/2020</a:t>
             </a:fld>
             <a:endParaRPr lang="en-US"/>
           </a:p>
@@ -693,7 +696,7 @@
             <a:fld id="{C45E667B-40C4-4F6A-8EF0-B6EBD52DE697}" type="datetimeFigureOut">
               <a:rPr lang="en-US" smtClean="0"/>
               <a:pPr/>
-              <a:t>9/11/2020</a:t>
+              <a:t>9/12/2020</a:t>
             </a:fld>
             <a:endParaRPr lang="en-US" dirty="0"/>
           </a:p>
@@ -909,7 +912,7 @@
           <a:p>
             <a:fld id="{C45E667B-40C4-4F6A-8EF0-B6EBD52DE697}" type="datetimeFigureOut">
               <a:rPr lang="en-US" smtClean="0"/>
-              <a:t>9/11/2020</a:t>
+              <a:t>9/12/2020</a:t>
             </a:fld>
             <a:endParaRPr lang="en-US"/>
           </a:p>
@@ -1117,7 +1120,7 @@
           <a:p>
             <a:fld id="{C45E667B-40C4-4F6A-8EF0-B6EBD52DE697}" type="datetimeFigureOut">
               <a:rPr lang="en-US" smtClean="0"/>
-              <a:t>9/11/2020</a:t>
+              <a:t>9/12/2020</a:t>
             </a:fld>
             <a:endParaRPr lang="en-US"/>
           </a:p>
@@ -1377,7 +1380,7 @@
           <a:p>
             <a:fld id="{C45E667B-40C4-4F6A-8EF0-B6EBD52DE697}" type="datetimeFigureOut">
               <a:rPr lang="en-US" smtClean="0"/>
-              <a:t>9/11/2020</a:t>
+              <a:t>9/12/2020</a:t>
             </a:fld>
             <a:endParaRPr lang="en-US"/>
           </a:p>
@@ -1660,7 +1663,7 @@
           <a:p>
             <a:fld id="{C45E667B-40C4-4F6A-8EF0-B6EBD52DE697}" type="datetimeFigureOut">
               <a:rPr lang="en-US" smtClean="0"/>
-              <a:t>9/11/2020</a:t>
+              <a:t>9/12/2020</a:t>
             </a:fld>
             <a:endParaRPr lang="en-US"/>
           </a:p>
@@ -2038,7 +2041,7 @@
           <a:p>
             <a:fld id="{C45E667B-40C4-4F6A-8EF0-B6EBD52DE697}" type="datetimeFigureOut">
               <a:rPr lang="en-US" smtClean="0"/>
-              <a:t>9/11/2020</a:t>
+              <a:t>9/12/2020</a:t>
             </a:fld>
             <a:endParaRPr lang="en-US"/>
           </a:p>
@@ -2450,7 +2453,7 @@
           <a:p>
             <a:fld id="{C45E667B-40C4-4F6A-8EF0-B6EBD52DE697}" type="datetimeFigureOut">
               <a:rPr lang="en-US" smtClean="0"/>
-              <a:t>9/11/2020</a:t>
+              <a:t>9/12/2020</a:t>
             </a:fld>
             <a:endParaRPr lang="en-US"/>
           </a:p>
@@ -2591,7 +2594,7 @@
           <a:p>
             <a:fld id="{C45E667B-40C4-4F6A-8EF0-B6EBD52DE697}" type="datetimeFigureOut">
               <a:rPr lang="en-US" smtClean="0"/>
-              <a:t>9/11/2020</a:t>
+              <a:t>9/12/2020</a:t>
             </a:fld>
             <a:endParaRPr lang="en-US"/>
           </a:p>
@@ -2704,7 +2707,7 @@
           <a:p>
             <a:fld id="{C45E667B-40C4-4F6A-8EF0-B6EBD52DE697}" type="datetimeFigureOut">
               <a:rPr lang="en-US" smtClean="0"/>
-              <a:t>9/11/2020</a:t>
+              <a:t>9/12/2020</a:t>
             </a:fld>
             <a:endParaRPr lang="en-US"/>
           </a:p>
@@ -3015,7 +3018,7 @@
           <a:p>
             <a:fld id="{C45E667B-40C4-4F6A-8EF0-B6EBD52DE697}" type="datetimeFigureOut">
               <a:rPr lang="en-US" smtClean="0"/>
-              <a:t>9/11/2020</a:t>
+              <a:t>9/12/2020</a:t>
             </a:fld>
             <a:endParaRPr lang="en-US"/>
           </a:p>
@@ -3303,7 +3306,7 @@
           <a:p>
             <a:fld id="{C45E667B-40C4-4F6A-8EF0-B6EBD52DE697}" type="datetimeFigureOut">
               <a:rPr lang="en-US" smtClean="0"/>
-              <a:t>9/11/2020</a:t>
+              <a:t>9/12/2020</a:t>
             </a:fld>
             <a:endParaRPr lang="en-US"/>
           </a:p>
@@ -3553,7 +3556,7 @@
           <a:p>
             <a:fld id="{C45E667B-40C4-4F6A-8EF0-B6EBD52DE697}" type="datetimeFigureOut">
               <a:rPr lang="en-US" smtClean="0"/>
-              <a:t>9/11/2020</a:t>
+              <a:t>9/12/2020</a:t>
             </a:fld>
             <a:endParaRPr lang="en-US"/>
           </a:p>
@@ -7247,7 +7250,7 @@
           <p:cNvPr id="2" name="Title 1">
             <a:extLst>
               <a:ext uri="{FF2B5EF4-FFF2-40B4-BE49-F238E27FC236}">
-                <a16:creationId xmlns:a16="http://schemas.microsoft.com/office/drawing/2014/main" id="{A86B5833-62CF-4400-9A8D-F3E212C7B926}"/>
+                <a16:creationId xmlns:a16="http://schemas.microsoft.com/office/drawing/2014/main" id="{D637CBC3-E902-49CF-ACD3-D8F90FE417F5}"/>
               </a:ext>
             </a:extLst>
           </p:cNvPr>
@@ -7265,7 +7268,7 @@
           <a:p>
             <a:r>
               <a:rPr lang="en-US" dirty="0"/>
-              <a:t>Voronoi Hive Maps</a:t>
+              <a:t>DLA Variations</a:t>
             </a:r>
           </a:p>
         </p:txBody>
@@ -7275,7 +7278,7 @@
           <p:cNvPr id="3" name="Content Placeholder 2">
             <a:extLst>
               <a:ext uri="{FF2B5EF4-FFF2-40B4-BE49-F238E27FC236}">
-                <a16:creationId xmlns:a16="http://schemas.microsoft.com/office/drawing/2014/main" id="{9B116533-FB78-43F8-9FB7-C7AA0C566349}"/>
+                <a16:creationId xmlns:a16="http://schemas.microsoft.com/office/drawing/2014/main" id="{F066B7B8-B5DF-4D83-9832-36B7AB93C54D}"/>
               </a:ext>
             </a:extLst>
           </p:cNvPr>
@@ -7291,14 +7294,29 @@
           <a:bodyPr/>
           <a:lstStyle/>
           <a:p>
-            <a:endParaRPr lang="en-US"/>
+            <a:r>
+              <a:rPr lang="en-US" dirty="0"/>
+              <a:t>Change how the particle travels.</a:t>
+            </a:r>
+          </a:p>
+          <a:p>
+            <a:r>
+              <a:rPr lang="en-US" dirty="0"/>
+              <a:t>Outwards: start in the middle and keep going outwards until you hit a wall. Very similar to drunkard’s walk.</a:t>
+            </a:r>
+          </a:p>
+          <a:p>
+            <a:r>
+              <a:rPr lang="en-US" dirty="0"/>
+              <a:t>Attractor: attract particles towards a point, for an open center with random edges.</a:t>
+            </a:r>
           </a:p>
         </p:txBody>
       </p:sp>
     </p:spTree>
     <p:extLst>
       <p:ext uri="{BB962C8B-B14F-4D97-AF65-F5344CB8AC3E}">
-        <p14:creationId xmlns:p14="http://schemas.microsoft.com/office/powerpoint/2010/main" val="2865588890"/>
+        <p14:creationId xmlns:p14="http://schemas.microsoft.com/office/powerpoint/2010/main" val="1364245345"/>
       </p:ext>
     </p:extLst>
   </p:cSld>
@@ -7330,7 +7348,7 @@
           <p:cNvPr id="2" name="Title 1">
             <a:extLst>
               <a:ext uri="{FF2B5EF4-FFF2-40B4-BE49-F238E27FC236}">
-                <a16:creationId xmlns:a16="http://schemas.microsoft.com/office/drawing/2014/main" id="{64E18A49-DBDA-4CD7-A663-F9E8E2FFAFF0}"/>
+                <a16:creationId xmlns:a16="http://schemas.microsoft.com/office/drawing/2014/main" id="{1D0AAF2F-67B1-434F-BBA9-EFC63DCF060E}"/>
               </a:ext>
             </a:extLst>
           </p:cNvPr>
@@ -7348,57 +7366,55 @@
           <a:p>
             <a:r>
               <a:rPr lang="en-US" dirty="0"/>
-              <a:t>PART 2 – Meta-Builders</a:t>
-            </a:r>
-          </a:p>
-        </p:txBody>
-      </p:sp>
-      <p:sp>
-        <p:nvSpPr>
-          <p:cNvPr id="3" name="Content Placeholder 2">
-            <a:extLst>
-              <a:ext uri="{FF2B5EF4-FFF2-40B4-BE49-F238E27FC236}">
-                <a16:creationId xmlns:a16="http://schemas.microsoft.com/office/drawing/2014/main" id="{A6346E82-7C8C-4960-B9B3-A0E6B3AEF447}"/>
-              </a:ext>
-            </a:extLst>
-          </p:cNvPr>
-          <p:cNvSpPr>
-            <a:spLocks noGrp="1"/>
-          </p:cNvSpPr>
+              <a:t>Animated Central</a:t>
+            </a:r>
+            <a:r>
+              <a:rPr lang="en-US" baseline="0" dirty="0"/>
+              <a:t> Attractor DLA</a:t>
+            </a:r>
+            <a:endParaRPr lang="en-US" dirty="0"/>
+          </a:p>
+        </p:txBody>
+      </p:sp>
+      <p:pic>
+        <p:nvPicPr>
+          <p:cNvPr id="5" name="Content Placeholder 4">
+            <a:extLst>
+              <a:ext uri="{FF2B5EF4-FFF2-40B4-BE49-F238E27FC236}">
+                <a16:creationId xmlns:a16="http://schemas.microsoft.com/office/drawing/2014/main" id="{C09B8C3B-CC93-404D-80E8-6F0EA17E68E8}"/>
+              </a:ext>
+            </a:extLst>
+          </p:cNvPr>
+          <p:cNvPicPr>
+            <a:picLocks noGrp="1" noChangeAspect="1"/>
+          </p:cNvPicPr>
           <p:nvPr>
             <p:ph idx="1"/>
           </p:nvPr>
-        </p:nvSpPr>
-        <p:spPr/>
-        <p:txBody>
-          <a:bodyPr/>
-          <a:lstStyle/>
-          <a:p>
-            <a:r>
-              <a:rPr lang="en-US" dirty="0"/>
-              <a:t>One algorithm isn’t always enough.</a:t>
-            </a:r>
-          </a:p>
-          <a:p>
-            <a:r>
-              <a:rPr lang="en-US" dirty="0"/>
-              <a:t>You can always run a </a:t>
-            </a:r>
-            <a:r>
-              <a:rPr lang="en-US" i="1" dirty="0"/>
-              <a:t>second</a:t>
-            </a:r>
-            <a:r>
-              <a:rPr lang="en-US" dirty="0"/>
-              <a:t> algorithm using your first as its input.</a:t>
-            </a:r>
-          </a:p>
-        </p:txBody>
-      </p:sp>
+        </p:nvPicPr>
+        <p:blipFill>
+          <a:blip r:embed="rId2">
+            <a:extLst>
+              <a:ext uri="{28A0092B-C50C-407E-A947-70E740481C1C}">
+                <a14:useLocalDpi xmlns:a14="http://schemas.microsoft.com/office/drawing/2010/main" val="0"/>
+              </a:ext>
+            </a:extLst>
+          </a:blip>
+          <a:stretch>
+            <a:fillRect/>
+          </a:stretch>
+        </p:blipFill>
+        <p:spPr>
+          <a:xfrm>
+            <a:off x="3067050" y="2091531"/>
+            <a:ext cx="6057900" cy="3819525"/>
+          </a:xfrm>
+        </p:spPr>
+      </p:pic>
     </p:spTree>
     <p:extLst>
       <p:ext uri="{BB962C8B-B14F-4D97-AF65-F5344CB8AC3E}">
-        <p14:creationId xmlns:p14="http://schemas.microsoft.com/office/powerpoint/2010/main" val="137979892"/>
+        <p14:creationId xmlns:p14="http://schemas.microsoft.com/office/powerpoint/2010/main" val="3798626458"/>
       </p:ext>
     </p:extLst>
   </p:cSld>
@@ -7430,7 +7446,7 @@
           <p:cNvPr id="2" name="Title 1">
             <a:extLst>
               <a:ext uri="{FF2B5EF4-FFF2-40B4-BE49-F238E27FC236}">
-                <a16:creationId xmlns:a16="http://schemas.microsoft.com/office/drawing/2014/main" id="{41E81F0C-9813-4A7A-824E-C66E053B5032}"/>
+                <a16:creationId xmlns:a16="http://schemas.microsoft.com/office/drawing/2014/main" id="{6643D781-8BDC-431D-81B0-4983FB31A4AE}"/>
               </a:ext>
             </a:extLst>
           </p:cNvPr>
@@ -7448,40 +7464,50 @@
           <a:p>
             <a:r>
               <a:rPr lang="en-US" dirty="0"/>
-              <a:t>Eroding Maps</a:t>
-            </a:r>
-          </a:p>
-        </p:txBody>
-      </p:sp>
-      <p:sp>
-        <p:nvSpPr>
-          <p:cNvPr id="3" name="Content Placeholder 2">
-            <a:extLst>
-              <a:ext uri="{FF2B5EF4-FFF2-40B4-BE49-F238E27FC236}">
-                <a16:creationId xmlns:a16="http://schemas.microsoft.com/office/drawing/2014/main" id="{BF5F7A17-9452-4B16-A18A-86EBF039A787}"/>
-              </a:ext>
-            </a:extLst>
-          </p:cNvPr>
-          <p:cNvSpPr>
-            <a:spLocks noGrp="1"/>
-          </p:cNvSpPr>
+              <a:t>Symmetrical DLA</a:t>
+            </a:r>
+          </a:p>
+        </p:txBody>
+      </p:sp>
+      <p:pic>
+        <p:nvPicPr>
+          <p:cNvPr id="5" name="Content Placeholder 4">
+            <a:extLst>
+              <a:ext uri="{FF2B5EF4-FFF2-40B4-BE49-F238E27FC236}">
+                <a16:creationId xmlns:a16="http://schemas.microsoft.com/office/drawing/2014/main" id="{5C060987-5BBB-4C33-987B-8FD7494B7E2A}"/>
+              </a:ext>
+            </a:extLst>
+          </p:cNvPr>
+          <p:cNvPicPr>
+            <a:picLocks noGrp="1" noChangeAspect="1"/>
+          </p:cNvPicPr>
           <p:nvPr>
             <p:ph idx="1"/>
           </p:nvPr>
-        </p:nvSpPr>
-        <p:spPr/>
-        <p:txBody>
-          <a:bodyPr/>
-          <a:lstStyle/>
-          <a:p>
-            <a:endParaRPr lang="en-US"/>
-          </a:p>
-        </p:txBody>
-      </p:sp>
+        </p:nvPicPr>
+        <p:blipFill>
+          <a:blip r:embed="rId2">
+            <a:extLst>
+              <a:ext uri="{28A0092B-C50C-407E-A947-70E740481C1C}">
+                <a14:useLocalDpi xmlns:a14="http://schemas.microsoft.com/office/drawing/2010/main" val="0"/>
+              </a:ext>
+            </a:extLst>
+          </a:blip>
+          <a:stretch>
+            <a:fillRect/>
+          </a:stretch>
+        </p:blipFill>
+        <p:spPr>
+          <a:xfrm>
+            <a:off x="3067050" y="2091531"/>
+            <a:ext cx="6057900" cy="3819525"/>
+          </a:xfrm>
+        </p:spPr>
+      </p:pic>
     </p:spTree>
     <p:extLst>
       <p:ext uri="{BB962C8B-B14F-4D97-AF65-F5344CB8AC3E}">
-        <p14:creationId xmlns:p14="http://schemas.microsoft.com/office/powerpoint/2010/main" val="3467330287"/>
+        <p14:creationId xmlns:p14="http://schemas.microsoft.com/office/powerpoint/2010/main" val="817542309"/>
       </p:ext>
     </p:extLst>
   </p:cSld>
@@ -7513,7 +7539,7 @@
           <p:cNvPr id="2" name="Title 1">
             <a:extLst>
               <a:ext uri="{FF2B5EF4-FFF2-40B4-BE49-F238E27FC236}">
-                <a16:creationId xmlns:a16="http://schemas.microsoft.com/office/drawing/2014/main" id="{B6039A8A-4F8D-4655-8228-4ED9280DC988}"/>
+                <a16:creationId xmlns:a16="http://schemas.microsoft.com/office/drawing/2014/main" id="{A86B5833-62CF-4400-9A8D-F3E212C7B926}"/>
               </a:ext>
             </a:extLst>
           </p:cNvPr>
@@ -7531,7 +7557,7 @@
           <a:p>
             <a:r>
               <a:rPr lang="en-US" dirty="0"/>
-              <a:t>Combining Layers</a:t>
+              <a:t>Voronoi Hive Maps</a:t>
             </a:r>
           </a:p>
         </p:txBody>
@@ -7541,7 +7567,7 @@
           <p:cNvPr id="3" name="Content Placeholder 2">
             <a:extLst>
               <a:ext uri="{FF2B5EF4-FFF2-40B4-BE49-F238E27FC236}">
-                <a16:creationId xmlns:a16="http://schemas.microsoft.com/office/drawing/2014/main" id="{46D44358-4CED-48CA-B84A-FE789F2F3AF2}"/>
+                <a16:creationId xmlns:a16="http://schemas.microsoft.com/office/drawing/2014/main" id="{9B116533-FB78-43F8-9FB7-C7AA0C566349}"/>
               </a:ext>
             </a:extLst>
           </p:cNvPr>
@@ -7564,7 +7590,7 @@
     </p:spTree>
     <p:extLst>
       <p:ext uri="{BB962C8B-B14F-4D97-AF65-F5344CB8AC3E}">
-        <p14:creationId xmlns:p14="http://schemas.microsoft.com/office/powerpoint/2010/main" val="3639117625"/>
+        <p14:creationId xmlns:p14="http://schemas.microsoft.com/office/powerpoint/2010/main" val="2865588890"/>
       </p:ext>
     </p:extLst>
   </p:cSld>
@@ -7596,7 +7622,7 @@
           <p:cNvPr id="2" name="Title 1">
             <a:extLst>
               <a:ext uri="{FF2B5EF4-FFF2-40B4-BE49-F238E27FC236}">
-                <a16:creationId xmlns:a16="http://schemas.microsoft.com/office/drawing/2014/main" id="{F63898EB-EB14-4AA3-A2F3-93F16F823063}"/>
+                <a16:creationId xmlns:a16="http://schemas.microsoft.com/office/drawing/2014/main" id="{64E18A49-DBDA-4CD7-A663-F9E8E2FFAFF0}"/>
               </a:ext>
             </a:extLst>
           </p:cNvPr>
@@ -7614,7 +7640,7 @@
           <a:p>
             <a:r>
               <a:rPr lang="en-US" dirty="0"/>
-              <a:t>Waveform Collapse</a:t>
+              <a:t>PART 2 – Meta-Builders</a:t>
             </a:r>
           </a:p>
         </p:txBody>
@@ -7624,7 +7650,7 @@
           <p:cNvPr id="3" name="Content Placeholder 2">
             <a:extLst>
               <a:ext uri="{FF2B5EF4-FFF2-40B4-BE49-F238E27FC236}">
-                <a16:creationId xmlns:a16="http://schemas.microsoft.com/office/drawing/2014/main" id="{E769680E-43CF-41B6-8525-D20C6F361581}"/>
+                <a16:creationId xmlns:a16="http://schemas.microsoft.com/office/drawing/2014/main" id="{A6346E82-7C8C-4960-B9B3-A0E6B3AEF447}"/>
               </a:ext>
             </a:extLst>
           </p:cNvPr>
@@ -7640,14 +7666,31 @@
           <a:bodyPr/>
           <a:lstStyle/>
           <a:p>
-            <a:endParaRPr lang="en-US"/>
+            <a:r>
+              <a:rPr lang="en-US" dirty="0"/>
+              <a:t>One algorithm isn’t always enough.</a:t>
+            </a:r>
+          </a:p>
+          <a:p>
+            <a:r>
+              <a:rPr lang="en-US" dirty="0"/>
+              <a:t>You can always run a </a:t>
+            </a:r>
+            <a:r>
+              <a:rPr lang="en-US" i="1" dirty="0"/>
+              <a:t>second</a:t>
+            </a:r>
+            <a:r>
+              <a:rPr lang="en-US" dirty="0"/>
+              <a:t> algorithm using your first as its input.</a:t>
+            </a:r>
           </a:p>
         </p:txBody>
       </p:sp>
     </p:spTree>
     <p:extLst>
       <p:ext uri="{BB962C8B-B14F-4D97-AF65-F5344CB8AC3E}">
-        <p14:creationId xmlns:p14="http://schemas.microsoft.com/office/powerpoint/2010/main" val="1944686705"/>
+        <p14:creationId xmlns:p14="http://schemas.microsoft.com/office/powerpoint/2010/main" val="137979892"/>
       </p:ext>
     </p:extLst>
   </p:cSld>
@@ -7679,7 +7722,7 @@
           <p:cNvPr id="2" name="Title 1">
             <a:extLst>
               <a:ext uri="{FF2B5EF4-FFF2-40B4-BE49-F238E27FC236}">
-                <a16:creationId xmlns:a16="http://schemas.microsoft.com/office/drawing/2014/main" id="{CF0248D1-34B2-4B59-AA9F-4E5727216E39}"/>
+                <a16:creationId xmlns:a16="http://schemas.microsoft.com/office/drawing/2014/main" id="{41E81F0C-9813-4A7A-824E-C66E053B5032}"/>
               </a:ext>
             </a:extLst>
           </p:cNvPr>
@@ -7697,7 +7740,7 @@
           <a:p>
             <a:r>
               <a:rPr lang="en-US" dirty="0"/>
-              <a:t>PART 3 – Let’s Make Some Noise</a:t>
+              <a:t>Eroding Maps</a:t>
             </a:r>
           </a:p>
         </p:txBody>
@@ -7707,7 +7750,7 @@
           <p:cNvPr id="3" name="Content Placeholder 2">
             <a:extLst>
               <a:ext uri="{FF2B5EF4-FFF2-40B4-BE49-F238E27FC236}">
-                <a16:creationId xmlns:a16="http://schemas.microsoft.com/office/drawing/2014/main" id="{B5B32EE5-7262-4D89-A488-48E76C108615}"/>
+                <a16:creationId xmlns:a16="http://schemas.microsoft.com/office/drawing/2014/main" id="{BF5F7A17-9452-4B16-A18A-86EBF039A787}"/>
               </a:ext>
             </a:extLst>
           </p:cNvPr>
@@ -7730,7 +7773,7 @@
     </p:spTree>
     <p:extLst>
       <p:ext uri="{BB962C8B-B14F-4D97-AF65-F5344CB8AC3E}">
-        <p14:creationId xmlns:p14="http://schemas.microsoft.com/office/powerpoint/2010/main" val="2418747065"/>
+        <p14:creationId xmlns:p14="http://schemas.microsoft.com/office/powerpoint/2010/main" val="3467330287"/>
       </p:ext>
     </p:extLst>
   </p:cSld>
@@ -7762,7 +7805,7 @@
           <p:cNvPr id="2" name="Title 1">
             <a:extLst>
               <a:ext uri="{FF2B5EF4-FFF2-40B4-BE49-F238E27FC236}">
-                <a16:creationId xmlns:a16="http://schemas.microsoft.com/office/drawing/2014/main" id="{628D99A4-1EA2-493B-83CD-BB4E75DE9353}"/>
+                <a16:creationId xmlns:a16="http://schemas.microsoft.com/office/drawing/2014/main" id="{B6039A8A-4F8D-4655-8228-4ED9280DC988}"/>
               </a:ext>
             </a:extLst>
           </p:cNvPr>
@@ -7780,7 +7823,7 @@
           <a:p>
             <a:r>
               <a:rPr lang="en-US" dirty="0"/>
-              <a:t>Perlin &amp; Simplex Noise</a:t>
+              <a:t>Combining Layers</a:t>
             </a:r>
           </a:p>
         </p:txBody>
@@ -7790,7 +7833,7 @@
           <p:cNvPr id="3" name="Content Placeholder 2">
             <a:extLst>
               <a:ext uri="{FF2B5EF4-FFF2-40B4-BE49-F238E27FC236}">
-                <a16:creationId xmlns:a16="http://schemas.microsoft.com/office/drawing/2014/main" id="{D18B9377-FA2C-480E-AA65-99D62880BC12}"/>
+                <a16:creationId xmlns:a16="http://schemas.microsoft.com/office/drawing/2014/main" id="{46D44358-4CED-48CA-B84A-FE789F2F3AF2}"/>
               </a:ext>
             </a:extLst>
           </p:cNvPr>
@@ -7813,7 +7856,7 @@
     </p:spTree>
     <p:extLst>
       <p:ext uri="{BB962C8B-B14F-4D97-AF65-F5344CB8AC3E}">
-        <p14:creationId xmlns:p14="http://schemas.microsoft.com/office/powerpoint/2010/main" val="2910018172"/>
+        <p14:creationId xmlns:p14="http://schemas.microsoft.com/office/powerpoint/2010/main" val="3639117625"/>
       </p:ext>
     </p:extLst>
   </p:cSld>
@@ -7845,7 +7888,7 @@
           <p:cNvPr id="2" name="Title 1">
             <a:extLst>
               <a:ext uri="{FF2B5EF4-FFF2-40B4-BE49-F238E27FC236}">
-                <a16:creationId xmlns:a16="http://schemas.microsoft.com/office/drawing/2014/main" id="{D7E58CAF-E99C-42EC-B01A-F7A95C035080}"/>
+                <a16:creationId xmlns:a16="http://schemas.microsoft.com/office/drawing/2014/main" id="{F63898EB-EB14-4AA3-A2F3-93F16F823063}"/>
               </a:ext>
             </a:extLst>
           </p:cNvPr>
@@ -7863,7 +7906,7 @@
           <a:p>
             <a:r>
               <a:rPr lang="en-US" dirty="0"/>
-              <a:t>What does a Noise Map look like?</a:t>
+              <a:t>Waveform Collapse</a:t>
             </a:r>
           </a:p>
         </p:txBody>
@@ -7873,7 +7916,7 @@
           <p:cNvPr id="3" name="Content Placeholder 2">
             <a:extLst>
               <a:ext uri="{FF2B5EF4-FFF2-40B4-BE49-F238E27FC236}">
-                <a16:creationId xmlns:a16="http://schemas.microsoft.com/office/drawing/2014/main" id="{4561E8F3-1A17-4F34-97E9-29D323924418}"/>
+                <a16:creationId xmlns:a16="http://schemas.microsoft.com/office/drawing/2014/main" id="{E769680E-43CF-41B6-8525-D20C6F361581}"/>
               </a:ext>
             </a:extLst>
           </p:cNvPr>
@@ -7896,7 +7939,7 @@
     </p:spTree>
     <p:extLst>
       <p:ext uri="{BB962C8B-B14F-4D97-AF65-F5344CB8AC3E}">
-        <p14:creationId xmlns:p14="http://schemas.microsoft.com/office/powerpoint/2010/main" val="2677423220"/>
+        <p14:creationId xmlns:p14="http://schemas.microsoft.com/office/powerpoint/2010/main" val="1944686705"/>
       </p:ext>
     </p:extLst>
   </p:cSld>
@@ -7928,7 +7971,7 @@
           <p:cNvPr id="2" name="Title 1">
             <a:extLst>
               <a:ext uri="{FF2B5EF4-FFF2-40B4-BE49-F238E27FC236}">
-                <a16:creationId xmlns:a16="http://schemas.microsoft.com/office/drawing/2014/main" id="{B519C23B-C326-43A9-82A3-E417057CA84F}"/>
+                <a16:creationId xmlns:a16="http://schemas.microsoft.com/office/drawing/2014/main" id="{CF0248D1-34B2-4B59-AA9F-4E5727216E39}"/>
               </a:ext>
             </a:extLst>
           </p:cNvPr>
@@ -7946,17 +7989,8 @@
           <a:p>
             <a:r>
               <a:rPr lang="en-US" dirty="0"/>
-              <a:t>Noise</a:t>
-            </a:r>
-            <a:r>
-              <a:rPr lang="en-US" baseline="0" dirty="0"/>
-              <a:t> </a:t>
-            </a:r>
-            <a:r>
-              <a:rPr lang="en-US" baseline="0" dirty="0" err="1"/>
-              <a:t>Tunables</a:t>
-            </a:r>
-            <a:endParaRPr lang="en-US" dirty="0"/>
+              <a:t>PART 3 – Let’s Make Some Noise</a:t>
+            </a:r>
           </a:p>
         </p:txBody>
       </p:sp>
@@ -7965,7 +7999,7 @@
           <p:cNvPr id="3" name="Content Placeholder 2">
             <a:extLst>
               <a:ext uri="{FF2B5EF4-FFF2-40B4-BE49-F238E27FC236}">
-                <a16:creationId xmlns:a16="http://schemas.microsoft.com/office/drawing/2014/main" id="{282A21B9-4BE6-46F8-B5A4-D367A29441C6}"/>
+                <a16:creationId xmlns:a16="http://schemas.microsoft.com/office/drawing/2014/main" id="{B5B32EE5-7262-4D89-A488-48E76C108615}"/>
               </a:ext>
             </a:extLst>
           </p:cNvPr>
@@ -7988,7 +8022,7 @@
     </p:spTree>
     <p:extLst>
       <p:ext uri="{BB962C8B-B14F-4D97-AF65-F5344CB8AC3E}">
-        <p14:creationId xmlns:p14="http://schemas.microsoft.com/office/powerpoint/2010/main" val="1685054292"/>
+        <p14:creationId xmlns:p14="http://schemas.microsoft.com/office/powerpoint/2010/main" val="2418747065"/>
       </p:ext>
     </p:extLst>
   </p:cSld>
@@ -8020,7 +8054,7 @@
           <p:cNvPr id="2" name="Title 1">
             <a:extLst>
               <a:ext uri="{FF2B5EF4-FFF2-40B4-BE49-F238E27FC236}">
-                <a16:creationId xmlns:a16="http://schemas.microsoft.com/office/drawing/2014/main" id="{CA980F56-6CDE-4DF0-95FB-C7D83D27BD60}"/>
+                <a16:creationId xmlns:a16="http://schemas.microsoft.com/office/drawing/2014/main" id="{628D99A4-1EA2-493B-83CD-BB4E75DE9353}"/>
               </a:ext>
             </a:extLst>
           </p:cNvPr>
@@ -8038,7 +8072,7 @@
           <a:p>
             <a:r>
               <a:rPr lang="en-US" dirty="0"/>
-              <a:t>Making an Overworld</a:t>
+              <a:t>Perlin &amp; Simplex Noise</a:t>
             </a:r>
           </a:p>
         </p:txBody>
@@ -8048,7 +8082,7 @@
           <p:cNvPr id="3" name="Content Placeholder 2">
             <a:extLst>
               <a:ext uri="{FF2B5EF4-FFF2-40B4-BE49-F238E27FC236}">
-                <a16:creationId xmlns:a16="http://schemas.microsoft.com/office/drawing/2014/main" id="{CD3195FE-6603-406D-947E-468A1C20EF00}"/>
+                <a16:creationId xmlns:a16="http://schemas.microsoft.com/office/drawing/2014/main" id="{D18B9377-FA2C-480E-AA65-99D62880BC12}"/>
               </a:ext>
             </a:extLst>
           </p:cNvPr>
@@ -8071,7 +8105,7 @@
     </p:spTree>
     <p:extLst>
       <p:ext uri="{BB962C8B-B14F-4D97-AF65-F5344CB8AC3E}">
-        <p14:creationId xmlns:p14="http://schemas.microsoft.com/office/powerpoint/2010/main" val="930639465"/>
+        <p14:creationId xmlns:p14="http://schemas.microsoft.com/office/powerpoint/2010/main" val="2910018172"/>
       </p:ext>
     </p:extLst>
   </p:cSld>
@@ -8186,7 +8220,7 @@
           <p:cNvPr id="2" name="Title 1">
             <a:extLst>
               <a:ext uri="{FF2B5EF4-FFF2-40B4-BE49-F238E27FC236}">
-                <a16:creationId xmlns:a16="http://schemas.microsoft.com/office/drawing/2014/main" id="{80256ECF-6539-4DC7-9F1A-D36F4CDC03D0}"/>
+                <a16:creationId xmlns:a16="http://schemas.microsoft.com/office/drawing/2014/main" id="{D7E58CAF-E99C-42EC-B01A-F7A95C035080}"/>
               </a:ext>
             </a:extLst>
           </p:cNvPr>
@@ -8204,13 +8238,8 @@
           <a:p>
             <a:r>
               <a:rPr lang="en-US" dirty="0"/>
-              <a:t>Making a Spherical</a:t>
-            </a:r>
-            <a:r>
-              <a:rPr lang="en-US" baseline="0" dirty="0"/>
-              <a:t> World</a:t>
-            </a:r>
-            <a:endParaRPr lang="en-US" dirty="0"/>
+              <a:t>What does a Noise Map look like?</a:t>
+            </a:r>
           </a:p>
         </p:txBody>
       </p:sp>
@@ -8219,7 +8248,7 @@
           <p:cNvPr id="3" name="Content Placeholder 2">
             <a:extLst>
               <a:ext uri="{FF2B5EF4-FFF2-40B4-BE49-F238E27FC236}">
-                <a16:creationId xmlns:a16="http://schemas.microsoft.com/office/drawing/2014/main" id="{D8DDC5B9-71DA-44C0-A52E-35F421B906D6}"/>
+                <a16:creationId xmlns:a16="http://schemas.microsoft.com/office/drawing/2014/main" id="{4561E8F3-1A17-4F34-97E9-29D323924418}"/>
               </a:ext>
             </a:extLst>
           </p:cNvPr>
@@ -8242,7 +8271,7 @@
     </p:spTree>
     <p:extLst>
       <p:ext uri="{BB962C8B-B14F-4D97-AF65-F5344CB8AC3E}">
-        <p14:creationId xmlns:p14="http://schemas.microsoft.com/office/powerpoint/2010/main" val="3243957107"/>
+        <p14:creationId xmlns:p14="http://schemas.microsoft.com/office/powerpoint/2010/main" val="2677423220"/>
       </p:ext>
     </p:extLst>
   </p:cSld>
@@ -8274,7 +8303,7 @@
           <p:cNvPr id="2" name="Title 1">
             <a:extLst>
               <a:ext uri="{FF2B5EF4-FFF2-40B4-BE49-F238E27FC236}">
-                <a16:creationId xmlns:a16="http://schemas.microsoft.com/office/drawing/2014/main" id="{0B94EFC4-40E6-42F5-A41F-DA36D8AA9438}"/>
+                <a16:creationId xmlns:a16="http://schemas.microsoft.com/office/drawing/2014/main" id="{B519C23B-C326-43A9-82A3-E417057CA84F}"/>
               </a:ext>
             </a:extLst>
           </p:cNvPr>
@@ -8292,8 +8321,17 @@
           <a:p>
             <a:r>
               <a:rPr lang="en-US" dirty="0"/>
-              <a:t>Making a 3D Map</a:t>
-            </a:r>
+              <a:t>Noise</a:t>
+            </a:r>
+            <a:r>
+              <a:rPr lang="en-US" baseline="0" dirty="0"/>
+              <a:t> </a:t>
+            </a:r>
+            <a:r>
+              <a:rPr lang="en-US" baseline="0" dirty="0" err="1"/>
+              <a:t>Tunables</a:t>
+            </a:r>
+            <a:endParaRPr lang="en-US" dirty="0"/>
           </a:p>
         </p:txBody>
       </p:sp>
@@ -8302,7 +8340,7 @@
           <p:cNvPr id="3" name="Content Placeholder 2">
             <a:extLst>
               <a:ext uri="{FF2B5EF4-FFF2-40B4-BE49-F238E27FC236}">
-                <a16:creationId xmlns:a16="http://schemas.microsoft.com/office/drawing/2014/main" id="{6589C3BB-E964-45B9-A53E-56910758DD06}"/>
+                <a16:creationId xmlns:a16="http://schemas.microsoft.com/office/drawing/2014/main" id="{282A21B9-4BE6-46F8-B5A4-D367A29441C6}"/>
               </a:ext>
             </a:extLst>
           </p:cNvPr>
@@ -8325,7 +8363,7 @@
     </p:spTree>
     <p:extLst>
       <p:ext uri="{BB962C8B-B14F-4D97-AF65-F5344CB8AC3E}">
-        <p14:creationId xmlns:p14="http://schemas.microsoft.com/office/powerpoint/2010/main" val="3081661649"/>
+        <p14:creationId xmlns:p14="http://schemas.microsoft.com/office/powerpoint/2010/main" val="1685054292"/>
       </p:ext>
     </p:extLst>
   </p:cSld>
@@ -8357,7 +8395,7 @@
           <p:cNvPr id="2" name="Title 1">
             <a:extLst>
               <a:ext uri="{FF2B5EF4-FFF2-40B4-BE49-F238E27FC236}">
-                <a16:creationId xmlns:a16="http://schemas.microsoft.com/office/drawing/2014/main" id="{89C36EFD-6BB0-4705-BD82-297BA51C0014}"/>
+                <a16:creationId xmlns:a16="http://schemas.microsoft.com/office/drawing/2014/main" id="{CA980F56-6CDE-4DF0-95FB-C7D83D27BD60}"/>
               </a:ext>
             </a:extLst>
           </p:cNvPr>
@@ -8375,7 +8413,7 @@
           <a:p>
             <a:r>
               <a:rPr lang="en-US" dirty="0"/>
-              <a:t>PART 4 – Prefabs/Vaults</a:t>
+              <a:t>Making an Overworld</a:t>
             </a:r>
           </a:p>
         </p:txBody>
@@ -8385,7 +8423,7 @@
           <p:cNvPr id="3" name="Content Placeholder 2">
             <a:extLst>
               <a:ext uri="{FF2B5EF4-FFF2-40B4-BE49-F238E27FC236}">
-                <a16:creationId xmlns:a16="http://schemas.microsoft.com/office/drawing/2014/main" id="{16DFB016-3A47-4BD6-9336-E19F787A0A4A}"/>
+                <a16:creationId xmlns:a16="http://schemas.microsoft.com/office/drawing/2014/main" id="{CD3195FE-6603-406D-947E-468A1C20EF00}"/>
               </a:ext>
             </a:extLst>
           </p:cNvPr>
@@ -8408,7 +8446,7 @@
     </p:spTree>
     <p:extLst>
       <p:ext uri="{BB962C8B-B14F-4D97-AF65-F5344CB8AC3E}">
-        <p14:creationId xmlns:p14="http://schemas.microsoft.com/office/powerpoint/2010/main" val="1537678333"/>
+        <p14:creationId xmlns:p14="http://schemas.microsoft.com/office/powerpoint/2010/main" val="930639465"/>
       </p:ext>
     </p:extLst>
   </p:cSld>
@@ -8440,6 +8478,260 @@
           <p:cNvPr id="2" name="Title 1">
             <a:extLst>
               <a:ext uri="{FF2B5EF4-FFF2-40B4-BE49-F238E27FC236}">
+                <a16:creationId xmlns:a16="http://schemas.microsoft.com/office/drawing/2014/main" id="{80256ECF-6539-4DC7-9F1A-D36F4CDC03D0}"/>
+              </a:ext>
+            </a:extLst>
+          </p:cNvPr>
+          <p:cNvSpPr>
+            <a:spLocks noGrp="1"/>
+          </p:cNvSpPr>
+          <p:nvPr>
+            <p:ph type="title"/>
+          </p:nvPr>
+        </p:nvSpPr>
+        <p:spPr/>
+        <p:txBody>
+          <a:bodyPr/>
+          <a:lstStyle/>
+          <a:p>
+            <a:r>
+              <a:rPr lang="en-US" dirty="0"/>
+              <a:t>Making a Spherical</a:t>
+            </a:r>
+            <a:r>
+              <a:rPr lang="en-US" baseline="0" dirty="0"/>
+              <a:t> World</a:t>
+            </a:r>
+            <a:endParaRPr lang="en-US" dirty="0"/>
+          </a:p>
+        </p:txBody>
+      </p:sp>
+      <p:sp>
+        <p:nvSpPr>
+          <p:cNvPr id="3" name="Content Placeholder 2">
+            <a:extLst>
+              <a:ext uri="{FF2B5EF4-FFF2-40B4-BE49-F238E27FC236}">
+                <a16:creationId xmlns:a16="http://schemas.microsoft.com/office/drawing/2014/main" id="{D8DDC5B9-71DA-44C0-A52E-35F421B906D6}"/>
+              </a:ext>
+            </a:extLst>
+          </p:cNvPr>
+          <p:cNvSpPr>
+            <a:spLocks noGrp="1"/>
+          </p:cNvSpPr>
+          <p:nvPr>
+            <p:ph idx="1"/>
+          </p:nvPr>
+        </p:nvSpPr>
+        <p:spPr/>
+        <p:txBody>
+          <a:bodyPr/>
+          <a:lstStyle/>
+          <a:p>
+            <a:endParaRPr lang="en-US"/>
+          </a:p>
+        </p:txBody>
+      </p:sp>
+    </p:spTree>
+    <p:extLst>
+      <p:ext uri="{BB962C8B-B14F-4D97-AF65-F5344CB8AC3E}">
+        <p14:creationId xmlns:p14="http://schemas.microsoft.com/office/powerpoint/2010/main" val="3243957107"/>
+      </p:ext>
+    </p:extLst>
+  </p:cSld>
+  <p:clrMapOvr>
+    <a:masterClrMapping/>
+  </p:clrMapOvr>
+</p:sld>
+</file>
+
+<file path=ppt/slides/slide54.xml><?xml version="1.0" encoding="utf-8"?>
+<p:sld xmlns:a="http://schemas.openxmlformats.org/drawingml/2006/main" xmlns:r="http://schemas.openxmlformats.org/officeDocument/2006/relationships" xmlns:p="http://schemas.openxmlformats.org/presentationml/2006/main">
+  <p:cSld>
+    <p:spTree>
+      <p:nvGrpSpPr>
+        <p:cNvPr id="1" name=""/>
+        <p:cNvGrpSpPr/>
+        <p:nvPr/>
+      </p:nvGrpSpPr>
+      <p:grpSpPr>
+        <a:xfrm>
+          <a:off x="0" y="0"/>
+          <a:ext cx="0" cy="0"/>
+          <a:chOff x="0" y="0"/>
+          <a:chExt cx="0" cy="0"/>
+        </a:xfrm>
+      </p:grpSpPr>
+      <p:sp>
+        <p:nvSpPr>
+          <p:cNvPr id="2" name="Title 1">
+            <a:extLst>
+              <a:ext uri="{FF2B5EF4-FFF2-40B4-BE49-F238E27FC236}">
+                <a16:creationId xmlns:a16="http://schemas.microsoft.com/office/drawing/2014/main" id="{0B94EFC4-40E6-42F5-A41F-DA36D8AA9438}"/>
+              </a:ext>
+            </a:extLst>
+          </p:cNvPr>
+          <p:cNvSpPr>
+            <a:spLocks noGrp="1"/>
+          </p:cNvSpPr>
+          <p:nvPr>
+            <p:ph type="title"/>
+          </p:nvPr>
+        </p:nvSpPr>
+        <p:spPr/>
+        <p:txBody>
+          <a:bodyPr/>
+          <a:lstStyle/>
+          <a:p>
+            <a:r>
+              <a:rPr lang="en-US" dirty="0"/>
+              <a:t>Making a 3D Map</a:t>
+            </a:r>
+          </a:p>
+        </p:txBody>
+      </p:sp>
+      <p:sp>
+        <p:nvSpPr>
+          <p:cNvPr id="3" name="Content Placeholder 2">
+            <a:extLst>
+              <a:ext uri="{FF2B5EF4-FFF2-40B4-BE49-F238E27FC236}">
+                <a16:creationId xmlns:a16="http://schemas.microsoft.com/office/drawing/2014/main" id="{6589C3BB-E964-45B9-A53E-56910758DD06}"/>
+              </a:ext>
+            </a:extLst>
+          </p:cNvPr>
+          <p:cNvSpPr>
+            <a:spLocks noGrp="1"/>
+          </p:cNvSpPr>
+          <p:nvPr>
+            <p:ph idx="1"/>
+          </p:nvPr>
+        </p:nvSpPr>
+        <p:spPr/>
+        <p:txBody>
+          <a:bodyPr/>
+          <a:lstStyle/>
+          <a:p>
+            <a:endParaRPr lang="en-US"/>
+          </a:p>
+        </p:txBody>
+      </p:sp>
+    </p:spTree>
+    <p:extLst>
+      <p:ext uri="{BB962C8B-B14F-4D97-AF65-F5344CB8AC3E}">
+        <p14:creationId xmlns:p14="http://schemas.microsoft.com/office/powerpoint/2010/main" val="3081661649"/>
+      </p:ext>
+    </p:extLst>
+  </p:cSld>
+  <p:clrMapOvr>
+    <a:masterClrMapping/>
+  </p:clrMapOvr>
+</p:sld>
+</file>
+
+<file path=ppt/slides/slide55.xml><?xml version="1.0" encoding="utf-8"?>
+<p:sld xmlns:a="http://schemas.openxmlformats.org/drawingml/2006/main" xmlns:r="http://schemas.openxmlformats.org/officeDocument/2006/relationships" xmlns:p="http://schemas.openxmlformats.org/presentationml/2006/main">
+  <p:cSld>
+    <p:spTree>
+      <p:nvGrpSpPr>
+        <p:cNvPr id="1" name=""/>
+        <p:cNvGrpSpPr/>
+        <p:nvPr/>
+      </p:nvGrpSpPr>
+      <p:grpSpPr>
+        <a:xfrm>
+          <a:off x="0" y="0"/>
+          <a:ext cx="0" cy="0"/>
+          <a:chOff x="0" y="0"/>
+          <a:chExt cx="0" cy="0"/>
+        </a:xfrm>
+      </p:grpSpPr>
+      <p:sp>
+        <p:nvSpPr>
+          <p:cNvPr id="2" name="Title 1">
+            <a:extLst>
+              <a:ext uri="{FF2B5EF4-FFF2-40B4-BE49-F238E27FC236}">
+                <a16:creationId xmlns:a16="http://schemas.microsoft.com/office/drawing/2014/main" id="{89C36EFD-6BB0-4705-BD82-297BA51C0014}"/>
+              </a:ext>
+            </a:extLst>
+          </p:cNvPr>
+          <p:cNvSpPr>
+            <a:spLocks noGrp="1"/>
+          </p:cNvSpPr>
+          <p:nvPr>
+            <p:ph type="title"/>
+          </p:nvPr>
+        </p:nvSpPr>
+        <p:spPr/>
+        <p:txBody>
+          <a:bodyPr/>
+          <a:lstStyle/>
+          <a:p>
+            <a:r>
+              <a:rPr lang="en-US" dirty="0"/>
+              <a:t>PART 4 – Prefabs/Vaults</a:t>
+            </a:r>
+          </a:p>
+        </p:txBody>
+      </p:sp>
+      <p:sp>
+        <p:nvSpPr>
+          <p:cNvPr id="3" name="Content Placeholder 2">
+            <a:extLst>
+              <a:ext uri="{FF2B5EF4-FFF2-40B4-BE49-F238E27FC236}">
+                <a16:creationId xmlns:a16="http://schemas.microsoft.com/office/drawing/2014/main" id="{16DFB016-3A47-4BD6-9336-E19F787A0A4A}"/>
+              </a:ext>
+            </a:extLst>
+          </p:cNvPr>
+          <p:cNvSpPr>
+            <a:spLocks noGrp="1"/>
+          </p:cNvSpPr>
+          <p:nvPr>
+            <p:ph idx="1"/>
+          </p:nvPr>
+        </p:nvSpPr>
+        <p:spPr/>
+        <p:txBody>
+          <a:bodyPr/>
+          <a:lstStyle/>
+          <a:p>
+            <a:endParaRPr lang="en-US"/>
+          </a:p>
+        </p:txBody>
+      </p:sp>
+    </p:spTree>
+    <p:extLst>
+      <p:ext uri="{BB962C8B-B14F-4D97-AF65-F5344CB8AC3E}">
+        <p14:creationId xmlns:p14="http://schemas.microsoft.com/office/powerpoint/2010/main" val="1537678333"/>
+      </p:ext>
+    </p:extLst>
+  </p:cSld>
+  <p:clrMapOvr>
+    <a:masterClrMapping/>
+  </p:clrMapOvr>
+</p:sld>
+</file>
+
+<file path=ppt/slides/slide56.xml><?xml version="1.0" encoding="utf-8"?>
+<p:sld xmlns:a="http://schemas.openxmlformats.org/drawingml/2006/main" xmlns:r="http://schemas.openxmlformats.org/officeDocument/2006/relationships" xmlns:p="http://schemas.openxmlformats.org/presentationml/2006/main">
+  <p:cSld>
+    <p:spTree>
+      <p:nvGrpSpPr>
+        <p:cNvPr id="1" name=""/>
+        <p:cNvGrpSpPr/>
+        <p:nvPr/>
+      </p:nvGrpSpPr>
+      <p:grpSpPr>
+        <a:xfrm>
+          <a:off x="0" y="0"/>
+          <a:ext cx="0" cy="0"/>
+          <a:chOff x="0" y="0"/>
+          <a:chExt cx="0" cy="0"/>
+        </a:xfrm>
+      </p:grpSpPr>
+      <p:sp>
+        <p:nvSpPr>
+          <p:cNvPr id="2" name="Title 1">
+            <a:extLst>
+              <a:ext uri="{FF2B5EF4-FFF2-40B4-BE49-F238E27FC236}">
                 <a16:creationId xmlns:a16="http://schemas.microsoft.com/office/drawing/2014/main" id="{954AC10A-DCC4-40DF-8C7C-80872799F6B6}"/>
               </a:ext>
             </a:extLst>
@@ -8501,7 +8793,7 @@
 </p:sld>
 </file>
 
-<file path=ppt/slides/slide54.xml><?xml version="1.0" encoding="utf-8"?>
+<file path=ppt/slides/slide57.xml><?xml version="1.0" encoding="utf-8"?>
 <p:sld xmlns:a="http://schemas.openxmlformats.org/drawingml/2006/main" xmlns:r="http://schemas.openxmlformats.org/officeDocument/2006/relationships" xmlns:p="http://schemas.openxmlformats.org/presentationml/2006/main">
   <p:cSld>
     <p:spTree>

--- a/Procedural Map Generation Techniques.pptx
+++ b/Procedural Map Generation Techniques.pptx
@@ -5,7 +5,7 @@
     <p:sldMasterId id="2147483648" r:id="rId1"/>
   </p:sldMasterIdLst>
   <p:notesMasterIdLst>
-    <p:notesMasterId r:id="rId59"/>
+    <p:notesMasterId r:id="rId61"/>
   </p:notesMasterIdLst>
   <p:sldIdLst>
     <p:sldId id="256" r:id="rId2"/>
@@ -50,21 +50,23 @@
     <p:sldId id="319" r:id="rId41"/>
     <p:sldId id="320" r:id="rId42"/>
     <p:sldId id="321" r:id="rId43"/>
-    <p:sldId id="265" r:id="rId44"/>
-    <p:sldId id="267" r:id="rId45"/>
-    <p:sldId id="268" r:id="rId46"/>
-    <p:sldId id="269" r:id="rId47"/>
-    <p:sldId id="277" r:id="rId48"/>
-    <p:sldId id="273" r:id="rId49"/>
-    <p:sldId id="309" r:id="rId50"/>
-    <p:sldId id="310" r:id="rId51"/>
-    <p:sldId id="314" r:id="rId52"/>
-    <p:sldId id="311" r:id="rId53"/>
-    <p:sldId id="312" r:id="rId54"/>
-    <p:sldId id="313" r:id="rId55"/>
-    <p:sldId id="279" r:id="rId56"/>
-    <p:sldId id="275" r:id="rId57"/>
-    <p:sldId id="276" r:id="rId58"/>
+    <p:sldId id="267" r:id="rId44"/>
+    <p:sldId id="268" r:id="rId45"/>
+    <p:sldId id="322" r:id="rId46"/>
+    <p:sldId id="323" r:id="rId47"/>
+    <p:sldId id="324" r:id="rId48"/>
+    <p:sldId id="269" r:id="rId49"/>
+    <p:sldId id="277" r:id="rId50"/>
+    <p:sldId id="273" r:id="rId51"/>
+    <p:sldId id="309" r:id="rId52"/>
+    <p:sldId id="310" r:id="rId53"/>
+    <p:sldId id="314" r:id="rId54"/>
+    <p:sldId id="311" r:id="rId55"/>
+    <p:sldId id="312" r:id="rId56"/>
+    <p:sldId id="313" r:id="rId57"/>
+    <p:sldId id="279" r:id="rId58"/>
+    <p:sldId id="275" r:id="rId59"/>
+    <p:sldId id="276" r:id="rId60"/>
   </p:sldIdLst>
   <p:sldSz cx="12192000" cy="6858000"/>
   <p:notesSz cx="6858000" cy="9144000"/>
@@ -7539,7 +7541,7 @@
           <p:cNvPr id="2" name="Title 1">
             <a:extLst>
               <a:ext uri="{FF2B5EF4-FFF2-40B4-BE49-F238E27FC236}">
-                <a16:creationId xmlns:a16="http://schemas.microsoft.com/office/drawing/2014/main" id="{A86B5833-62CF-4400-9A8D-F3E212C7B926}"/>
+                <a16:creationId xmlns:a16="http://schemas.microsoft.com/office/drawing/2014/main" id="{64E18A49-DBDA-4CD7-A663-F9E8E2FFAFF0}"/>
               </a:ext>
             </a:extLst>
           </p:cNvPr>
@@ -7557,7 +7559,7 @@
           <a:p>
             <a:r>
               <a:rPr lang="en-US" dirty="0"/>
-              <a:t>Voronoi Hive Maps</a:t>
+              <a:t>PART 2 – Meta-Builders</a:t>
             </a:r>
           </a:p>
         </p:txBody>
@@ -7567,7 +7569,7 @@
           <p:cNvPr id="3" name="Content Placeholder 2">
             <a:extLst>
               <a:ext uri="{FF2B5EF4-FFF2-40B4-BE49-F238E27FC236}">
-                <a16:creationId xmlns:a16="http://schemas.microsoft.com/office/drawing/2014/main" id="{9B116533-FB78-43F8-9FB7-C7AA0C566349}"/>
+                <a16:creationId xmlns:a16="http://schemas.microsoft.com/office/drawing/2014/main" id="{A6346E82-7C8C-4960-B9B3-A0E6B3AEF447}"/>
               </a:ext>
             </a:extLst>
           </p:cNvPr>
@@ -7583,14 +7585,31 @@
           <a:bodyPr/>
           <a:lstStyle/>
           <a:p>
-            <a:endParaRPr lang="en-US"/>
+            <a:r>
+              <a:rPr lang="en-US" dirty="0"/>
+              <a:t>One algorithm isn’t always enough.</a:t>
+            </a:r>
+          </a:p>
+          <a:p>
+            <a:r>
+              <a:rPr lang="en-US" dirty="0"/>
+              <a:t>You can always run a </a:t>
+            </a:r>
+            <a:r>
+              <a:rPr lang="en-US" i="1" dirty="0"/>
+              <a:t>second</a:t>
+            </a:r>
+            <a:r>
+              <a:rPr lang="en-US" dirty="0"/>
+              <a:t> algorithm using your first as its input.</a:t>
+            </a:r>
           </a:p>
         </p:txBody>
       </p:sp>
     </p:spTree>
     <p:extLst>
       <p:ext uri="{BB962C8B-B14F-4D97-AF65-F5344CB8AC3E}">
-        <p14:creationId xmlns:p14="http://schemas.microsoft.com/office/powerpoint/2010/main" val="2865588890"/>
+        <p14:creationId xmlns:p14="http://schemas.microsoft.com/office/powerpoint/2010/main" val="137979892"/>
       </p:ext>
     </p:extLst>
   </p:cSld>
@@ -7622,7 +7641,7 @@
           <p:cNvPr id="2" name="Title 1">
             <a:extLst>
               <a:ext uri="{FF2B5EF4-FFF2-40B4-BE49-F238E27FC236}">
-                <a16:creationId xmlns:a16="http://schemas.microsoft.com/office/drawing/2014/main" id="{64E18A49-DBDA-4CD7-A663-F9E8E2FFAFF0}"/>
+                <a16:creationId xmlns:a16="http://schemas.microsoft.com/office/drawing/2014/main" id="{41E81F0C-9813-4A7A-824E-C66E053B5032}"/>
               </a:ext>
             </a:extLst>
           </p:cNvPr>
@@ -7640,57 +7659,47 @@
           <a:p>
             <a:r>
               <a:rPr lang="en-US" dirty="0"/>
-              <a:t>PART 2 – Meta-Builders</a:t>
-            </a:r>
-          </a:p>
-        </p:txBody>
-      </p:sp>
-      <p:sp>
-        <p:nvSpPr>
-          <p:cNvPr id="3" name="Content Placeholder 2">
-            <a:extLst>
-              <a:ext uri="{FF2B5EF4-FFF2-40B4-BE49-F238E27FC236}">
-                <a16:creationId xmlns:a16="http://schemas.microsoft.com/office/drawing/2014/main" id="{A6346E82-7C8C-4960-B9B3-A0E6B3AEF447}"/>
-              </a:ext>
-            </a:extLst>
-          </p:cNvPr>
-          <p:cNvSpPr>
-            <a:spLocks noGrp="1"/>
-          </p:cNvSpPr>
+              <a:t>Eroding Maps with DLA</a:t>
+            </a:r>
+          </a:p>
+        </p:txBody>
+      </p:sp>
+      <p:pic>
+        <p:nvPicPr>
+          <p:cNvPr id="4" name="Content Placeholder 3">
+            <a:extLst>
+              <a:ext uri="{FF2B5EF4-FFF2-40B4-BE49-F238E27FC236}">
+                <a16:creationId xmlns:a16="http://schemas.microsoft.com/office/drawing/2014/main" id="{0F2525E6-0893-4F2B-8E08-AC675D074159}"/>
+              </a:ext>
+            </a:extLst>
+          </p:cNvPr>
+          <p:cNvPicPr>
+            <a:picLocks noGrp="1" noChangeAspect="1"/>
+          </p:cNvPicPr>
           <p:nvPr>
             <p:ph idx="1"/>
           </p:nvPr>
-        </p:nvSpPr>
-        <p:spPr/>
-        <p:txBody>
-          <a:bodyPr/>
-          <a:lstStyle/>
-          <a:p>
-            <a:r>
-              <a:rPr lang="en-US" dirty="0"/>
-              <a:t>One algorithm isn’t always enough.</a:t>
-            </a:r>
-          </a:p>
-          <a:p>
-            <a:r>
-              <a:rPr lang="en-US" dirty="0"/>
-              <a:t>You can always run a </a:t>
-            </a:r>
-            <a:r>
-              <a:rPr lang="en-US" i="1" dirty="0"/>
-              <a:t>second</a:t>
-            </a:r>
-            <a:r>
-              <a:rPr lang="en-US" dirty="0"/>
-              <a:t> algorithm using your first as its input.</a:t>
-            </a:r>
-          </a:p>
-        </p:txBody>
-      </p:sp>
+        </p:nvPicPr>
+        <p:blipFill>
+          <a:blip r:embed="rId2"/>
+          <a:stretch>
+            <a:fillRect/>
+          </a:stretch>
+        </p:blipFill>
+        <p:spPr>
+          <a:xfrm>
+            <a:off x="3038475" y="1943894"/>
+            <a:ext cx="6115050" cy="4114800"/>
+          </a:xfrm>
+          <a:prstGeom prst="rect">
+            <a:avLst/>
+          </a:prstGeom>
+        </p:spPr>
+      </p:pic>
     </p:spTree>
     <p:extLst>
       <p:ext uri="{BB962C8B-B14F-4D97-AF65-F5344CB8AC3E}">
-        <p14:creationId xmlns:p14="http://schemas.microsoft.com/office/powerpoint/2010/main" val="137979892"/>
+        <p14:creationId xmlns:p14="http://schemas.microsoft.com/office/powerpoint/2010/main" val="3467330287"/>
       </p:ext>
     </p:extLst>
   </p:cSld>
@@ -7722,7 +7731,7 @@
           <p:cNvPr id="2" name="Title 1">
             <a:extLst>
               <a:ext uri="{FF2B5EF4-FFF2-40B4-BE49-F238E27FC236}">
-                <a16:creationId xmlns:a16="http://schemas.microsoft.com/office/drawing/2014/main" id="{41E81F0C-9813-4A7A-824E-C66E053B5032}"/>
+                <a16:creationId xmlns:a16="http://schemas.microsoft.com/office/drawing/2014/main" id="{3C329BAD-2262-4715-9CB1-D5D4AD1F7D55}"/>
               </a:ext>
             </a:extLst>
           </p:cNvPr>
@@ -7735,45 +7744,54 @@
         </p:nvSpPr>
         <p:spPr/>
         <p:txBody>
-          <a:bodyPr/>
-          <a:lstStyle/>
-          <a:p>
-            <a:r>
-              <a:rPr lang="en-US" dirty="0"/>
-              <a:t>Eroding Maps</a:t>
-            </a:r>
-          </a:p>
-        </p:txBody>
-      </p:sp>
-      <p:sp>
-        <p:nvSpPr>
-          <p:cNvPr id="3" name="Content Placeholder 2">
-            <a:extLst>
-              <a:ext uri="{FF2B5EF4-FFF2-40B4-BE49-F238E27FC236}">
-                <a16:creationId xmlns:a16="http://schemas.microsoft.com/office/drawing/2014/main" id="{BF5F7A17-9452-4B16-A18A-86EBF039A787}"/>
-              </a:ext>
-            </a:extLst>
-          </p:cNvPr>
-          <p:cNvSpPr>
-            <a:spLocks noGrp="1"/>
-          </p:cNvSpPr>
+          <a:bodyPr>
+            <a:normAutofit fontScale="90000"/>
+          </a:bodyPr>
+          <a:lstStyle/>
+          <a:p>
+            <a:r>
+              <a:rPr lang="en-US" dirty="0"/>
+              <a:t>Erosion – Pick a starting point, path randomly until you hit a wall. Dig.</a:t>
+            </a:r>
+          </a:p>
+        </p:txBody>
+      </p:sp>
+      <p:pic>
+        <p:nvPicPr>
+          <p:cNvPr id="4" name="Content Placeholder 3">
+            <a:extLst>
+              <a:ext uri="{FF2B5EF4-FFF2-40B4-BE49-F238E27FC236}">
+                <a16:creationId xmlns:a16="http://schemas.microsoft.com/office/drawing/2014/main" id="{5AA867DE-90EA-4DEC-8AA3-9BB6ADFB2878}"/>
+              </a:ext>
+            </a:extLst>
+          </p:cNvPr>
+          <p:cNvPicPr>
+            <a:picLocks noGrp="1" noChangeAspect="1"/>
+          </p:cNvPicPr>
           <p:nvPr>
             <p:ph idx="1"/>
           </p:nvPr>
-        </p:nvSpPr>
-        <p:spPr/>
-        <p:txBody>
-          <a:bodyPr/>
-          <a:lstStyle/>
-          <a:p>
-            <a:endParaRPr lang="en-US"/>
-          </a:p>
-        </p:txBody>
-      </p:sp>
+        </p:nvPicPr>
+        <p:blipFill>
+          <a:blip r:embed="rId2"/>
+          <a:stretch>
+            <a:fillRect/>
+          </a:stretch>
+        </p:blipFill>
+        <p:spPr>
+          <a:xfrm>
+            <a:off x="3038475" y="1943894"/>
+            <a:ext cx="6115050" cy="4114800"/>
+          </a:xfrm>
+          <a:prstGeom prst="rect">
+            <a:avLst/>
+          </a:prstGeom>
+        </p:spPr>
+      </p:pic>
     </p:spTree>
     <p:extLst>
       <p:ext uri="{BB962C8B-B14F-4D97-AF65-F5344CB8AC3E}">
-        <p14:creationId xmlns:p14="http://schemas.microsoft.com/office/powerpoint/2010/main" val="3467330287"/>
+        <p14:creationId xmlns:p14="http://schemas.microsoft.com/office/powerpoint/2010/main" val="2030771802"/>
       </p:ext>
     </p:extLst>
   </p:cSld>
@@ -7805,7 +7823,7 @@
           <p:cNvPr id="2" name="Title 1">
             <a:extLst>
               <a:ext uri="{FF2B5EF4-FFF2-40B4-BE49-F238E27FC236}">
-                <a16:creationId xmlns:a16="http://schemas.microsoft.com/office/drawing/2014/main" id="{B6039A8A-4F8D-4655-8228-4ED9280DC988}"/>
+                <a16:creationId xmlns:a16="http://schemas.microsoft.com/office/drawing/2014/main" id="{E0DCB547-E45B-418D-AAF7-40FAE04ACC2D}"/>
               </a:ext>
             </a:extLst>
           </p:cNvPr>
@@ -7823,40 +7841,47 @@
           <a:p>
             <a:r>
               <a:rPr lang="en-US" dirty="0"/>
-              <a:t>Combining Layers</a:t>
-            </a:r>
-          </a:p>
-        </p:txBody>
-      </p:sp>
-      <p:sp>
-        <p:nvSpPr>
-          <p:cNvPr id="3" name="Content Placeholder 2">
-            <a:extLst>
-              <a:ext uri="{FF2B5EF4-FFF2-40B4-BE49-F238E27FC236}">
-                <a16:creationId xmlns:a16="http://schemas.microsoft.com/office/drawing/2014/main" id="{46D44358-4CED-48CA-B84A-FE789F2F3AF2}"/>
-              </a:ext>
-            </a:extLst>
-          </p:cNvPr>
-          <p:cNvSpPr>
-            <a:spLocks noGrp="1"/>
-          </p:cNvSpPr>
+              <a:t>Erosion – Keep Digging!</a:t>
+            </a:r>
+          </a:p>
+        </p:txBody>
+      </p:sp>
+      <p:pic>
+        <p:nvPicPr>
+          <p:cNvPr id="4" name="Content Placeholder 3">
+            <a:extLst>
+              <a:ext uri="{FF2B5EF4-FFF2-40B4-BE49-F238E27FC236}">
+                <a16:creationId xmlns:a16="http://schemas.microsoft.com/office/drawing/2014/main" id="{289BC46D-8742-44D1-9D2F-0C7B47348A31}"/>
+              </a:ext>
+            </a:extLst>
+          </p:cNvPr>
+          <p:cNvPicPr>
+            <a:picLocks noGrp="1" noChangeAspect="1"/>
+          </p:cNvPicPr>
           <p:nvPr>
             <p:ph idx="1"/>
           </p:nvPr>
-        </p:nvSpPr>
-        <p:spPr/>
-        <p:txBody>
-          <a:bodyPr/>
-          <a:lstStyle/>
-          <a:p>
-            <a:endParaRPr lang="en-US"/>
-          </a:p>
-        </p:txBody>
-      </p:sp>
+        </p:nvPicPr>
+        <p:blipFill>
+          <a:blip r:embed="rId2"/>
+          <a:stretch>
+            <a:fillRect/>
+          </a:stretch>
+        </p:blipFill>
+        <p:spPr>
+          <a:xfrm>
+            <a:off x="3038475" y="1943894"/>
+            <a:ext cx="6115050" cy="4114800"/>
+          </a:xfrm>
+          <a:prstGeom prst="rect">
+            <a:avLst/>
+          </a:prstGeom>
+        </p:spPr>
+      </p:pic>
     </p:spTree>
     <p:extLst>
       <p:ext uri="{BB962C8B-B14F-4D97-AF65-F5344CB8AC3E}">
-        <p14:creationId xmlns:p14="http://schemas.microsoft.com/office/powerpoint/2010/main" val="3639117625"/>
+        <p14:creationId xmlns:p14="http://schemas.microsoft.com/office/powerpoint/2010/main" val="105943720"/>
       </p:ext>
     </p:extLst>
   </p:cSld>
@@ -7888,7 +7913,7 @@
           <p:cNvPr id="2" name="Title 1">
             <a:extLst>
               <a:ext uri="{FF2B5EF4-FFF2-40B4-BE49-F238E27FC236}">
-                <a16:creationId xmlns:a16="http://schemas.microsoft.com/office/drawing/2014/main" id="{F63898EB-EB14-4AA3-A2F3-93F16F823063}"/>
+                <a16:creationId xmlns:a16="http://schemas.microsoft.com/office/drawing/2014/main" id="{19AF1477-8C24-40B4-9729-6049C554FE4A}"/>
               </a:ext>
             </a:extLst>
           </p:cNvPr>
@@ -7906,40 +7931,50 @@
           <a:p>
             <a:r>
               <a:rPr lang="en-US" dirty="0"/>
-              <a:t>Waveform Collapse</a:t>
-            </a:r>
-          </a:p>
-        </p:txBody>
-      </p:sp>
-      <p:sp>
-        <p:nvSpPr>
-          <p:cNvPr id="3" name="Content Placeholder 2">
-            <a:extLst>
-              <a:ext uri="{FF2B5EF4-FFF2-40B4-BE49-F238E27FC236}">
-                <a16:creationId xmlns:a16="http://schemas.microsoft.com/office/drawing/2014/main" id="{E769680E-43CF-41B6-8525-D20C6F361581}"/>
-              </a:ext>
-            </a:extLst>
-          </p:cNvPr>
-          <p:cNvSpPr>
-            <a:spLocks noGrp="1"/>
-          </p:cNvSpPr>
+              <a:t>Animated Erosion</a:t>
+            </a:r>
+          </a:p>
+        </p:txBody>
+      </p:sp>
+      <p:pic>
+        <p:nvPicPr>
+          <p:cNvPr id="5" name="Content Placeholder 4">
+            <a:extLst>
+              <a:ext uri="{FF2B5EF4-FFF2-40B4-BE49-F238E27FC236}">
+                <a16:creationId xmlns:a16="http://schemas.microsoft.com/office/drawing/2014/main" id="{3FE69048-5A4E-42F2-8ABF-0F7F443CBB1F}"/>
+              </a:ext>
+            </a:extLst>
+          </p:cNvPr>
+          <p:cNvPicPr>
+            <a:picLocks noGrp="1" noChangeAspect="1"/>
+          </p:cNvPicPr>
           <p:nvPr>
             <p:ph idx="1"/>
           </p:nvPr>
-        </p:nvSpPr>
-        <p:spPr/>
-        <p:txBody>
-          <a:bodyPr/>
-          <a:lstStyle/>
-          <a:p>
-            <a:endParaRPr lang="en-US"/>
-          </a:p>
-        </p:txBody>
-      </p:sp>
+        </p:nvPicPr>
+        <p:blipFill>
+          <a:blip r:embed="rId2">
+            <a:extLst>
+              <a:ext uri="{28A0092B-C50C-407E-A947-70E740481C1C}">
+                <a14:useLocalDpi xmlns:a14="http://schemas.microsoft.com/office/drawing/2010/main" val="0"/>
+              </a:ext>
+            </a:extLst>
+          </a:blip>
+          <a:stretch>
+            <a:fillRect/>
+          </a:stretch>
+        </p:blipFill>
+        <p:spPr>
+          <a:xfrm>
+            <a:off x="3067050" y="2091531"/>
+            <a:ext cx="6057900" cy="3819525"/>
+          </a:xfrm>
+        </p:spPr>
+      </p:pic>
     </p:spTree>
     <p:extLst>
       <p:ext uri="{BB962C8B-B14F-4D97-AF65-F5344CB8AC3E}">
-        <p14:creationId xmlns:p14="http://schemas.microsoft.com/office/powerpoint/2010/main" val="1944686705"/>
+        <p14:creationId xmlns:p14="http://schemas.microsoft.com/office/powerpoint/2010/main" val="2889955980"/>
       </p:ext>
     </p:extLst>
   </p:cSld>
@@ -7971,7 +8006,7 @@
           <p:cNvPr id="2" name="Title 1">
             <a:extLst>
               <a:ext uri="{FF2B5EF4-FFF2-40B4-BE49-F238E27FC236}">
-                <a16:creationId xmlns:a16="http://schemas.microsoft.com/office/drawing/2014/main" id="{CF0248D1-34B2-4B59-AA9F-4E5727216E39}"/>
+                <a16:creationId xmlns:a16="http://schemas.microsoft.com/office/drawing/2014/main" id="{B6039A8A-4F8D-4655-8228-4ED9280DC988}"/>
               </a:ext>
             </a:extLst>
           </p:cNvPr>
@@ -7989,7 +8024,7 @@
           <a:p>
             <a:r>
               <a:rPr lang="en-US" dirty="0"/>
-              <a:t>PART 3 – Let’s Make Some Noise</a:t>
+              <a:t>Combining Layers</a:t>
             </a:r>
           </a:p>
         </p:txBody>
@@ -7999,7 +8034,7 @@
           <p:cNvPr id="3" name="Content Placeholder 2">
             <a:extLst>
               <a:ext uri="{FF2B5EF4-FFF2-40B4-BE49-F238E27FC236}">
-                <a16:creationId xmlns:a16="http://schemas.microsoft.com/office/drawing/2014/main" id="{B5B32EE5-7262-4D89-A488-48E76C108615}"/>
+                <a16:creationId xmlns:a16="http://schemas.microsoft.com/office/drawing/2014/main" id="{46D44358-4CED-48CA-B84A-FE789F2F3AF2}"/>
               </a:ext>
             </a:extLst>
           </p:cNvPr>
@@ -8022,7 +8057,7 @@
     </p:spTree>
     <p:extLst>
       <p:ext uri="{BB962C8B-B14F-4D97-AF65-F5344CB8AC3E}">
-        <p14:creationId xmlns:p14="http://schemas.microsoft.com/office/powerpoint/2010/main" val="2418747065"/>
+        <p14:creationId xmlns:p14="http://schemas.microsoft.com/office/powerpoint/2010/main" val="3639117625"/>
       </p:ext>
     </p:extLst>
   </p:cSld>
@@ -8054,7 +8089,7 @@
           <p:cNvPr id="2" name="Title 1">
             <a:extLst>
               <a:ext uri="{FF2B5EF4-FFF2-40B4-BE49-F238E27FC236}">
-                <a16:creationId xmlns:a16="http://schemas.microsoft.com/office/drawing/2014/main" id="{628D99A4-1EA2-493B-83CD-BB4E75DE9353}"/>
+                <a16:creationId xmlns:a16="http://schemas.microsoft.com/office/drawing/2014/main" id="{F63898EB-EB14-4AA3-A2F3-93F16F823063}"/>
               </a:ext>
             </a:extLst>
           </p:cNvPr>
@@ -8072,7 +8107,7 @@
           <a:p>
             <a:r>
               <a:rPr lang="en-US" dirty="0"/>
-              <a:t>Perlin &amp; Simplex Noise</a:t>
+              <a:t>Waveform Collapse</a:t>
             </a:r>
           </a:p>
         </p:txBody>
@@ -8082,7 +8117,7 @@
           <p:cNvPr id="3" name="Content Placeholder 2">
             <a:extLst>
               <a:ext uri="{FF2B5EF4-FFF2-40B4-BE49-F238E27FC236}">
-                <a16:creationId xmlns:a16="http://schemas.microsoft.com/office/drawing/2014/main" id="{D18B9377-FA2C-480E-AA65-99D62880BC12}"/>
+                <a16:creationId xmlns:a16="http://schemas.microsoft.com/office/drawing/2014/main" id="{E769680E-43CF-41B6-8525-D20C6F361581}"/>
               </a:ext>
             </a:extLst>
           </p:cNvPr>
@@ -8105,7 +8140,7 @@
     </p:spTree>
     <p:extLst>
       <p:ext uri="{BB962C8B-B14F-4D97-AF65-F5344CB8AC3E}">
-        <p14:creationId xmlns:p14="http://schemas.microsoft.com/office/powerpoint/2010/main" val="2910018172"/>
+        <p14:creationId xmlns:p14="http://schemas.microsoft.com/office/powerpoint/2010/main" val="1944686705"/>
       </p:ext>
     </p:extLst>
   </p:cSld>
@@ -8220,7 +8255,7 @@
           <p:cNvPr id="2" name="Title 1">
             <a:extLst>
               <a:ext uri="{FF2B5EF4-FFF2-40B4-BE49-F238E27FC236}">
-                <a16:creationId xmlns:a16="http://schemas.microsoft.com/office/drawing/2014/main" id="{D7E58CAF-E99C-42EC-B01A-F7A95C035080}"/>
+                <a16:creationId xmlns:a16="http://schemas.microsoft.com/office/drawing/2014/main" id="{CF0248D1-34B2-4B59-AA9F-4E5727216E39}"/>
               </a:ext>
             </a:extLst>
           </p:cNvPr>
@@ -8238,7 +8273,7 @@
           <a:p>
             <a:r>
               <a:rPr lang="en-US" dirty="0"/>
-              <a:t>What does a Noise Map look like?</a:t>
+              <a:t>PART 3 – Let’s Make Some Noise</a:t>
             </a:r>
           </a:p>
         </p:txBody>
@@ -8248,7 +8283,7 @@
           <p:cNvPr id="3" name="Content Placeholder 2">
             <a:extLst>
               <a:ext uri="{FF2B5EF4-FFF2-40B4-BE49-F238E27FC236}">
-                <a16:creationId xmlns:a16="http://schemas.microsoft.com/office/drawing/2014/main" id="{4561E8F3-1A17-4F34-97E9-29D323924418}"/>
+                <a16:creationId xmlns:a16="http://schemas.microsoft.com/office/drawing/2014/main" id="{B5B32EE5-7262-4D89-A488-48E76C108615}"/>
               </a:ext>
             </a:extLst>
           </p:cNvPr>
@@ -8271,7 +8306,7 @@
     </p:spTree>
     <p:extLst>
       <p:ext uri="{BB962C8B-B14F-4D97-AF65-F5344CB8AC3E}">
-        <p14:creationId xmlns:p14="http://schemas.microsoft.com/office/powerpoint/2010/main" val="2677423220"/>
+        <p14:creationId xmlns:p14="http://schemas.microsoft.com/office/powerpoint/2010/main" val="2418747065"/>
       </p:ext>
     </p:extLst>
   </p:cSld>
@@ -8303,7 +8338,7 @@
           <p:cNvPr id="2" name="Title 1">
             <a:extLst>
               <a:ext uri="{FF2B5EF4-FFF2-40B4-BE49-F238E27FC236}">
-                <a16:creationId xmlns:a16="http://schemas.microsoft.com/office/drawing/2014/main" id="{B519C23B-C326-43A9-82A3-E417057CA84F}"/>
+                <a16:creationId xmlns:a16="http://schemas.microsoft.com/office/drawing/2014/main" id="{628D99A4-1EA2-493B-83CD-BB4E75DE9353}"/>
               </a:ext>
             </a:extLst>
           </p:cNvPr>
@@ -8321,17 +8356,8 @@
           <a:p>
             <a:r>
               <a:rPr lang="en-US" dirty="0"/>
-              <a:t>Noise</a:t>
-            </a:r>
-            <a:r>
-              <a:rPr lang="en-US" baseline="0" dirty="0"/>
-              <a:t> </a:t>
-            </a:r>
-            <a:r>
-              <a:rPr lang="en-US" baseline="0" dirty="0" err="1"/>
-              <a:t>Tunables</a:t>
-            </a:r>
-            <a:endParaRPr lang="en-US" dirty="0"/>
+              <a:t>Perlin &amp; Simplex Noise</a:t>
+            </a:r>
           </a:p>
         </p:txBody>
       </p:sp>
@@ -8340,7 +8366,7 @@
           <p:cNvPr id="3" name="Content Placeholder 2">
             <a:extLst>
               <a:ext uri="{FF2B5EF4-FFF2-40B4-BE49-F238E27FC236}">
-                <a16:creationId xmlns:a16="http://schemas.microsoft.com/office/drawing/2014/main" id="{282A21B9-4BE6-46F8-B5A4-D367A29441C6}"/>
+                <a16:creationId xmlns:a16="http://schemas.microsoft.com/office/drawing/2014/main" id="{D18B9377-FA2C-480E-AA65-99D62880BC12}"/>
               </a:ext>
             </a:extLst>
           </p:cNvPr>
@@ -8363,7 +8389,7 @@
     </p:spTree>
     <p:extLst>
       <p:ext uri="{BB962C8B-B14F-4D97-AF65-F5344CB8AC3E}">
-        <p14:creationId xmlns:p14="http://schemas.microsoft.com/office/powerpoint/2010/main" val="1685054292"/>
+        <p14:creationId xmlns:p14="http://schemas.microsoft.com/office/powerpoint/2010/main" val="2910018172"/>
       </p:ext>
     </p:extLst>
   </p:cSld>
@@ -8395,7 +8421,7 @@
           <p:cNvPr id="2" name="Title 1">
             <a:extLst>
               <a:ext uri="{FF2B5EF4-FFF2-40B4-BE49-F238E27FC236}">
-                <a16:creationId xmlns:a16="http://schemas.microsoft.com/office/drawing/2014/main" id="{CA980F56-6CDE-4DF0-95FB-C7D83D27BD60}"/>
+                <a16:creationId xmlns:a16="http://schemas.microsoft.com/office/drawing/2014/main" id="{D7E58CAF-E99C-42EC-B01A-F7A95C035080}"/>
               </a:ext>
             </a:extLst>
           </p:cNvPr>
@@ -8413,7 +8439,7 @@
           <a:p>
             <a:r>
               <a:rPr lang="en-US" dirty="0"/>
-              <a:t>Making an Overworld</a:t>
+              <a:t>What does a Noise Map look like?</a:t>
             </a:r>
           </a:p>
         </p:txBody>
@@ -8423,7 +8449,7 @@
           <p:cNvPr id="3" name="Content Placeholder 2">
             <a:extLst>
               <a:ext uri="{FF2B5EF4-FFF2-40B4-BE49-F238E27FC236}">
-                <a16:creationId xmlns:a16="http://schemas.microsoft.com/office/drawing/2014/main" id="{CD3195FE-6603-406D-947E-468A1C20EF00}"/>
+                <a16:creationId xmlns:a16="http://schemas.microsoft.com/office/drawing/2014/main" id="{4561E8F3-1A17-4F34-97E9-29D323924418}"/>
               </a:ext>
             </a:extLst>
           </p:cNvPr>
@@ -8446,7 +8472,7 @@
     </p:spTree>
     <p:extLst>
       <p:ext uri="{BB962C8B-B14F-4D97-AF65-F5344CB8AC3E}">
-        <p14:creationId xmlns:p14="http://schemas.microsoft.com/office/powerpoint/2010/main" val="930639465"/>
+        <p14:creationId xmlns:p14="http://schemas.microsoft.com/office/powerpoint/2010/main" val="2677423220"/>
       </p:ext>
     </p:extLst>
   </p:cSld>
@@ -8478,7 +8504,7 @@
           <p:cNvPr id="2" name="Title 1">
             <a:extLst>
               <a:ext uri="{FF2B5EF4-FFF2-40B4-BE49-F238E27FC236}">
-                <a16:creationId xmlns:a16="http://schemas.microsoft.com/office/drawing/2014/main" id="{80256ECF-6539-4DC7-9F1A-D36F4CDC03D0}"/>
+                <a16:creationId xmlns:a16="http://schemas.microsoft.com/office/drawing/2014/main" id="{B519C23B-C326-43A9-82A3-E417057CA84F}"/>
               </a:ext>
             </a:extLst>
           </p:cNvPr>
@@ -8496,11 +8522,15 @@
           <a:p>
             <a:r>
               <a:rPr lang="en-US" dirty="0"/>
-              <a:t>Making a Spherical</a:t>
+              <a:t>Noise</a:t>
             </a:r>
             <a:r>
               <a:rPr lang="en-US" baseline="0" dirty="0"/>
-              <a:t> World</a:t>
+              <a:t> </a:t>
+            </a:r>
+            <a:r>
+              <a:rPr lang="en-US" baseline="0" dirty="0" err="1"/>
+              <a:t>Tunables</a:t>
             </a:r>
             <a:endParaRPr lang="en-US" dirty="0"/>
           </a:p>
@@ -8511,7 +8541,7 @@
           <p:cNvPr id="3" name="Content Placeholder 2">
             <a:extLst>
               <a:ext uri="{FF2B5EF4-FFF2-40B4-BE49-F238E27FC236}">
-                <a16:creationId xmlns:a16="http://schemas.microsoft.com/office/drawing/2014/main" id="{D8DDC5B9-71DA-44C0-A52E-35F421B906D6}"/>
+                <a16:creationId xmlns:a16="http://schemas.microsoft.com/office/drawing/2014/main" id="{282A21B9-4BE6-46F8-B5A4-D367A29441C6}"/>
               </a:ext>
             </a:extLst>
           </p:cNvPr>
@@ -8534,7 +8564,7 @@
     </p:spTree>
     <p:extLst>
       <p:ext uri="{BB962C8B-B14F-4D97-AF65-F5344CB8AC3E}">
-        <p14:creationId xmlns:p14="http://schemas.microsoft.com/office/powerpoint/2010/main" val="3243957107"/>
+        <p14:creationId xmlns:p14="http://schemas.microsoft.com/office/powerpoint/2010/main" val="1685054292"/>
       </p:ext>
     </p:extLst>
   </p:cSld>
@@ -8566,7 +8596,7 @@
           <p:cNvPr id="2" name="Title 1">
             <a:extLst>
               <a:ext uri="{FF2B5EF4-FFF2-40B4-BE49-F238E27FC236}">
-                <a16:creationId xmlns:a16="http://schemas.microsoft.com/office/drawing/2014/main" id="{0B94EFC4-40E6-42F5-A41F-DA36D8AA9438}"/>
+                <a16:creationId xmlns:a16="http://schemas.microsoft.com/office/drawing/2014/main" id="{CA980F56-6CDE-4DF0-95FB-C7D83D27BD60}"/>
               </a:ext>
             </a:extLst>
           </p:cNvPr>
@@ -8584,7 +8614,7 @@
           <a:p>
             <a:r>
               <a:rPr lang="en-US" dirty="0"/>
-              <a:t>Making a 3D Map</a:t>
+              <a:t>Making an Overworld</a:t>
             </a:r>
           </a:p>
         </p:txBody>
@@ -8594,7 +8624,7 @@
           <p:cNvPr id="3" name="Content Placeholder 2">
             <a:extLst>
               <a:ext uri="{FF2B5EF4-FFF2-40B4-BE49-F238E27FC236}">
-                <a16:creationId xmlns:a16="http://schemas.microsoft.com/office/drawing/2014/main" id="{6589C3BB-E964-45B9-A53E-56910758DD06}"/>
+                <a16:creationId xmlns:a16="http://schemas.microsoft.com/office/drawing/2014/main" id="{CD3195FE-6603-406D-947E-468A1C20EF00}"/>
               </a:ext>
             </a:extLst>
           </p:cNvPr>
@@ -8617,7 +8647,7 @@
     </p:spTree>
     <p:extLst>
       <p:ext uri="{BB962C8B-B14F-4D97-AF65-F5344CB8AC3E}">
-        <p14:creationId xmlns:p14="http://schemas.microsoft.com/office/powerpoint/2010/main" val="3081661649"/>
+        <p14:creationId xmlns:p14="http://schemas.microsoft.com/office/powerpoint/2010/main" val="930639465"/>
       </p:ext>
     </p:extLst>
   </p:cSld>
@@ -8649,7 +8679,7 @@
           <p:cNvPr id="2" name="Title 1">
             <a:extLst>
               <a:ext uri="{FF2B5EF4-FFF2-40B4-BE49-F238E27FC236}">
-                <a16:creationId xmlns:a16="http://schemas.microsoft.com/office/drawing/2014/main" id="{89C36EFD-6BB0-4705-BD82-297BA51C0014}"/>
+                <a16:creationId xmlns:a16="http://schemas.microsoft.com/office/drawing/2014/main" id="{80256ECF-6539-4DC7-9F1A-D36F4CDC03D0}"/>
               </a:ext>
             </a:extLst>
           </p:cNvPr>
@@ -8667,8 +8697,13 @@
           <a:p>
             <a:r>
               <a:rPr lang="en-US" dirty="0"/>
-              <a:t>PART 4 – Prefabs/Vaults</a:t>
-            </a:r>
+              <a:t>Making a Spherical</a:t>
+            </a:r>
+            <a:r>
+              <a:rPr lang="en-US" baseline="0" dirty="0"/>
+              <a:t> World</a:t>
+            </a:r>
+            <a:endParaRPr lang="en-US" dirty="0"/>
           </a:p>
         </p:txBody>
       </p:sp>
@@ -8677,7 +8712,7 @@
           <p:cNvPr id="3" name="Content Placeholder 2">
             <a:extLst>
               <a:ext uri="{FF2B5EF4-FFF2-40B4-BE49-F238E27FC236}">
-                <a16:creationId xmlns:a16="http://schemas.microsoft.com/office/drawing/2014/main" id="{16DFB016-3A47-4BD6-9336-E19F787A0A4A}"/>
+                <a16:creationId xmlns:a16="http://schemas.microsoft.com/office/drawing/2014/main" id="{D8DDC5B9-71DA-44C0-A52E-35F421B906D6}"/>
               </a:ext>
             </a:extLst>
           </p:cNvPr>
@@ -8700,7 +8735,7 @@
     </p:spTree>
     <p:extLst>
       <p:ext uri="{BB962C8B-B14F-4D97-AF65-F5344CB8AC3E}">
-        <p14:creationId xmlns:p14="http://schemas.microsoft.com/office/powerpoint/2010/main" val="1537678333"/>
+        <p14:creationId xmlns:p14="http://schemas.microsoft.com/office/powerpoint/2010/main" val="3243957107"/>
       </p:ext>
     </p:extLst>
   </p:cSld>
@@ -8732,6 +8767,172 @@
           <p:cNvPr id="2" name="Title 1">
             <a:extLst>
               <a:ext uri="{FF2B5EF4-FFF2-40B4-BE49-F238E27FC236}">
+                <a16:creationId xmlns:a16="http://schemas.microsoft.com/office/drawing/2014/main" id="{0B94EFC4-40E6-42F5-A41F-DA36D8AA9438}"/>
+              </a:ext>
+            </a:extLst>
+          </p:cNvPr>
+          <p:cNvSpPr>
+            <a:spLocks noGrp="1"/>
+          </p:cNvSpPr>
+          <p:nvPr>
+            <p:ph type="title"/>
+          </p:nvPr>
+        </p:nvSpPr>
+        <p:spPr/>
+        <p:txBody>
+          <a:bodyPr/>
+          <a:lstStyle/>
+          <a:p>
+            <a:r>
+              <a:rPr lang="en-US" dirty="0"/>
+              <a:t>Making a 3D Map</a:t>
+            </a:r>
+          </a:p>
+        </p:txBody>
+      </p:sp>
+      <p:sp>
+        <p:nvSpPr>
+          <p:cNvPr id="3" name="Content Placeholder 2">
+            <a:extLst>
+              <a:ext uri="{FF2B5EF4-FFF2-40B4-BE49-F238E27FC236}">
+                <a16:creationId xmlns:a16="http://schemas.microsoft.com/office/drawing/2014/main" id="{6589C3BB-E964-45B9-A53E-56910758DD06}"/>
+              </a:ext>
+            </a:extLst>
+          </p:cNvPr>
+          <p:cNvSpPr>
+            <a:spLocks noGrp="1"/>
+          </p:cNvSpPr>
+          <p:nvPr>
+            <p:ph idx="1"/>
+          </p:nvPr>
+        </p:nvSpPr>
+        <p:spPr/>
+        <p:txBody>
+          <a:bodyPr/>
+          <a:lstStyle/>
+          <a:p>
+            <a:endParaRPr lang="en-US"/>
+          </a:p>
+        </p:txBody>
+      </p:sp>
+    </p:spTree>
+    <p:extLst>
+      <p:ext uri="{BB962C8B-B14F-4D97-AF65-F5344CB8AC3E}">
+        <p14:creationId xmlns:p14="http://schemas.microsoft.com/office/powerpoint/2010/main" val="3081661649"/>
+      </p:ext>
+    </p:extLst>
+  </p:cSld>
+  <p:clrMapOvr>
+    <a:masterClrMapping/>
+  </p:clrMapOvr>
+</p:sld>
+</file>
+
+<file path=ppt/slides/slide57.xml><?xml version="1.0" encoding="utf-8"?>
+<p:sld xmlns:a="http://schemas.openxmlformats.org/drawingml/2006/main" xmlns:r="http://schemas.openxmlformats.org/officeDocument/2006/relationships" xmlns:p="http://schemas.openxmlformats.org/presentationml/2006/main">
+  <p:cSld>
+    <p:spTree>
+      <p:nvGrpSpPr>
+        <p:cNvPr id="1" name=""/>
+        <p:cNvGrpSpPr/>
+        <p:nvPr/>
+      </p:nvGrpSpPr>
+      <p:grpSpPr>
+        <a:xfrm>
+          <a:off x="0" y="0"/>
+          <a:ext cx="0" cy="0"/>
+          <a:chOff x="0" y="0"/>
+          <a:chExt cx="0" cy="0"/>
+        </a:xfrm>
+      </p:grpSpPr>
+      <p:sp>
+        <p:nvSpPr>
+          <p:cNvPr id="2" name="Title 1">
+            <a:extLst>
+              <a:ext uri="{FF2B5EF4-FFF2-40B4-BE49-F238E27FC236}">
+                <a16:creationId xmlns:a16="http://schemas.microsoft.com/office/drawing/2014/main" id="{89C36EFD-6BB0-4705-BD82-297BA51C0014}"/>
+              </a:ext>
+            </a:extLst>
+          </p:cNvPr>
+          <p:cNvSpPr>
+            <a:spLocks noGrp="1"/>
+          </p:cNvSpPr>
+          <p:nvPr>
+            <p:ph type="title"/>
+          </p:nvPr>
+        </p:nvSpPr>
+        <p:spPr/>
+        <p:txBody>
+          <a:bodyPr/>
+          <a:lstStyle/>
+          <a:p>
+            <a:r>
+              <a:rPr lang="en-US" dirty="0"/>
+              <a:t>PART 4 – Prefabs/Vaults</a:t>
+            </a:r>
+          </a:p>
+        </p:txBody>
+      </p:sp>
+      <p:sp>
+        <p:nvSpPr>
+          <p:cNvPr id="3" name="Content Placeholder 2">
+            <a:extLst>
+              <a:ext uri="{FF2B5EF4-FFF2-40B4-BE49-F238E27FC236}">
+                <a16:creationId xmlns:a16="http://schemas.microsoft.com/office/drawing/2014/main" id="{16DFB016-3A47-4BD6-9336-E19F787A0A4A}"/>
+              </a:ext>
+            </a:extLst>
+          </p:cNvPr>
+          <p:cNvSpPr>
+            <a:spLocks noGrp="1"/>
+          </p:cNvSpPr>
+          <p:nvPr>
+            <p:ph idx="1"/>
+          </p:nvPr>
+        </p:nvSpPr>
+        <p:spPr/>
+        <p:txBody>
+          <a:bodyPr/>
+          <a:lstStyle/>
+          <a:p>
+            <a:endParaRPr lang="en-US"/>
+          </a:p>
+        </p:txBody>
+      </p:sp>
+    </p:spTree>
+    <p:extLst>
+      <p:ext uri="{BB962C8B-B14F-4D97-AF65-F5344CB8AC3E}">
+        <p14:creationId xmlns:p14="http://schemas.microsoft.com/office/powerpoint/2010/main" val="1537678333"/>
+      </p:ext>
+    </p:extLst>
+  </p:cSld>
+  <p:clrMapOvr>
+    <a:masterClrMapping/>
+  </p:clrMapOvr>
+</p:sld>
+</file>
+
+<file path=ppt/slides/slide58.xml><?xml version="1.0" encoding="utf-8"?>
+<p:sld xmlns:a="http://schemas.openxmlformats.org/drawingml/2006/main" xmlns:r="http://schemas.openxmlformats.org/officeDocument/2006/relationships" xmlns:p="http://schemas.openxmlformats.org/presentationml/2006/main">
+  <p:cSld>
+    <p:spTree>
+      <p:nvGrpSpPr>
+        <p:cNvPr id="1" name=""/>
+        <p:cNvGrpSpPr/>
+        <p:nvPr/>
+      </p:nvGrpSpPr>
+      <p:grpSpPr>
+        <a:xfrm>
+          <a:off x="0" y="0"/>
+          <a:ext cx="0" cy="0"/>
+          <a:chOff x="0" y="0"/>
+          <a:chExt cx="0" cy="0"/>
+        </a:xfrm>
+      </p:grpSpPr>
+      <p:sp>
+        <p:nvSpPr>
+          <p:cNvPr id="2" name="Title 1">
+            <a:extLst>
+              <a:ext uri="{FF2B5EF4-FFF2-40B4-BE49-F238E27FC236}">
                 <a16:creationId xmlns:a16="http://schemas.microsoft.com/office/drawing/2014/main" id="{954AC10A-DCC4-40DF-8C7C-80872799F6B6}"/>
               </a:ext>
             </a:extLst>
@@ -8793,7 +8994,7 @@
 </p:sld>
 </file>
 
-<file path=ppt/slides/slide57.xml><?xml version="1.0" encoding="utf-8"?>
+<file path=ppt/slides/slide59.xml><?xml version="1.0" encoding="utf-8"?>
 <p:sld xmlns:a="http://schemas.openxmlformats.org/drawingml/2006/main" xmlns:r="http://schemas.openxmlformats.org/officeDocument/2006/relationships" xmlns:p="http://schemas.openxmlformats.org/presentationml/2006/main">
   <p:cSld>
     <p:spTree>

--- a/Procedural Map Generation Techniques.pptx
+++ b/Procedural Map Generation Techniques.pptx
@@ -9060,7 +9060,87 @@
           <a:bodyPr/>
           <a:lstStyle/>
           <a:p>
-            <a:endParaRPr lang="en-US"/>
+            <a:pPr algn="ctr"/>
+            <a:r>
+              <a:rPr lang="en-US" dirty="0"/>
+              <a:t>Source code: </a:t>
+            </a:r>
+            <a:br>
+              <a:rPr lang="en-US" dirty="0"/>
+            </a:br>
+            <a:r>
+              <a:rPr lang="en-US" dirty="0">
+                <a:solidFill>
+                  <a:schemeClr val="accent5">
+                    <a:lumMod val="20000"/>
+                    <a:lumOff val="80000"/>
+                  </a:schemeClr>
+                </a:solidFill>
+              </a:rPr>
+              <a:t>https://github.com/thebracket/roguelike-celebration-2020</a:t>
+            </a:r>
+            <a:br>
+              <a:rPr lang="en-US" dirty="0">
+                <a:solidFill>
+                  <a:schemeClr val="accent5">
+                    <a:lumMod val="20000"/>
+                    <a:lumOff val="80000"/>
+                  </a:schemeClr>
+                </a:solidFill>
+              </a:rPr>
+            </a:br>
+            <a:endParaRPr lang="en-US" dirty="0">
+              <a:solidFill>
+                <a:schemeClr val="accent5">
+                  <a:lumMod val="20000"/>
+                  <a:lumOff val="80000"/>
+                </a:schemeClr>
+              </a:solidFill>
+            </a:endParaRPr>
+          </a:p>
+          <a:p>
+            <a:pPr algn="ctr"/>
+            <a:r>
+              <a:rPr lang="en-US" dirty="0"/>
+              <a:t>I wrote a book:</a:t>
+            </a:r>
+          </a:p>
+          <a:p>
+            <a:pPr marL="0" indent="0" algn="ctr">
+              <a:buNone/>
+            </a:pPr>
+            <a:r>
+              <a:rPr lang="en-US" dirty="0">
+                <a:solidFill>
+                  <a:schemeClr val="accent3">
+                    <a:lumMod val="20000"/>
+                    <a:lumOff val="80000"/>
+                  </a:schemeClr>
+                </a:solidFill>
+              </a:rPr>
+              <a:t>Learn Rust: Build 2D Games</a:t>
+            </a:r>
+            <a:br>
+              <a:rPr lang="en-US" dirty="0">
+                <a:solidFill>
+                  <a:schemeClr val="accent3">
+                    <a:lumMod val="20000"/>
+                    <a:lumOff val="80000"/>
+                  </a:schemeClr>
+                </a:solidFill>
+              </a:rPr>
+            </a:br>
+            <a:r>
+              <a:rPr lang="en-US" i="1" dirty="0">
+                <a:solidFill>
+                  <a:schemeClr val="accent3">
+                    <a:lumMod val="20000"/>
+                    <a:lumOff val="80000"/>
+                  </a:schemeClr>
+                </a:solidFill>
+              </a:rPr>
+              <a:t>Available soon from PragProg.com</a:t>
+            </a:r>
           </a:p>
         </p:txBody>
       </p:sp>

--- a/Procedural Map Generation Techniques.pptx
+++ b/Procedural Map Generation Techniques.pptx
@@ -5,7 +5,7 @@
     <p:sldMasterId id="2147483648" r:id="rId1"/>
   </p:sldMasterIdLst>
   <p:notesMasterIdLst>
-    <p:notesMasterId r:id="rId61"/>
+    <p:notesMasterId r:id="rId65"/>
   </p:notesMasterIdLst>
   <p:sldIdLst>
     <p:sldId id="256" r:id="rId2"/>
@@ -56,17 +56,21 @@
     <p:sldId id="323" r:id="rId47"/>
     <p:sldId id="324" r:id="rId48"/>
     <p:sldId id="269" r:id="rId49"/>
-    <p:sldId id="277" r:id="rId50"/>
-    <p:sldId id="273" r:id="rId51"/>
-    <p:sldId id="309" r:id="rId52"/>
-    <p:sldId id="310" r:id="rId53"/>
-    <p:sldId id="314" r:id="rId54"/>
-    <p:sldId id="311" r:id="rId55"/>
-    <p:sldId id="312" r:id="rId56"/>
-    <p:sldId id="313" r:id="rId57"/>
-    <p:sldId id="279" r:id="rId58"/>
-    <p:sldId id="275" r:id="rId59"/>
-    <p:sldId id="276" r:id="rId60"/>
+    <p:sldId id="325" r:id="rId50"/>
+    <p:sldId id="326" r:id="rId51"/>
+    <p:sldId id="327" r:id="rId52"/>
+    <p:sldId id="328" r:id="rId53"/>
+    <p:sldId id="277" r:id="rId54"/>
+    <p:sldId id="273" r:id="rId55"/>
+    <p:sldId id="309" r:id="rId56"/>
+    <p:sldId id="310" r:id="rId57"/>
+    <p:sldId id="314" r:id="rId58"/>
+    <p:sldId id="311" r:id="rId59"/>
+    <p:sldId id="312" r:id="rId60"/>
+    <p:sldId id="313" r:id="rId61"/>
+    <p:sldId id="279" r:id="rId62"/>
+    <p:sldId id="275" r:id="rId63"/>
+    <p:sldId id="276" r:id="rId64"/>
   </p:sldIdLst>
   <p:sldSz cx="12192000" cy="6858000"/>
   <p:notesSz cx="6858000" cy="9144000"/>
@@ -8050,7 +8054,16 @@
           <a:bodyPr/>
           <a:lstStyle/>
           <a:p>
-            <a:endParaRPr lang="en-US"/>
+            <a:r>
+              <a:rPr lang="en-US" dirty="0"/>
+              <a:t>You don’t have to use just one technique on a map.</a:t>
+            </a:r>
+          </a:p>
+          <a:p>
+            <a:r>
+              <a:rPr lang="en-US" dirty="0"/>
+              <a:t>Transition maps really benefit from layering multiple techniques.</a:t>
+            </a:r>
           </a:p>
         </p:txBody>
       </p:sp>
@@ -8089,7 +8102,7 @@
           <p:cNvPr id="2" name="Title 1">
             <a:extLst>
               <a:ext uri="{FF2B5EF4-FFF2-40B4-BE49-F238E27FC236}">
-                <a16:creationId xmlns:a16="http://schemas.microsoft.com/office/drawing/2014/main" id="{F63898EB-EB14-4AA3-A2F3-93F16F823063}"/>
+                <a16:creationId xmlns:a16="http://schemas.microsoft.com/office/drawing/2014/main" id="{D6A14210-B319-44F7-910E-4734E608F317}"/>
               </a:ext>
             </a:extLst>
           </p:cNvPr>
@@ -8107,40 +8120,52 @@
           <a:p>
             <a:r>
               <a:rPr lang="en-US" dirty="0"/>
-              <a:t>Waveform Collapse</a:t>
-            </a:r>
-          </a:p>
-        </p:txBody>
-      </p:sp>
-      <p:sp>
-        <p:nvSpPr>
-          <p:cNvPr id="3" name="Content Placeholder 2">
-            <a:extLst>
-              <a:ext uri="{FF2B5EF4-FFF2-40B4-BE49-F238E27FC236}">
-                <a16:creationId xmlns:a16="http://schemas.microsoft.com/office/drawing/2014/main" id="{E769680E-43CF-41B6-8525-D20C6F361581}"/>
-              </a:ext>
-            </a:extLst>
-          </p:cNvPr>
-          <p:cNvSpPr>
-            <a:spLocks noGrp="1"/>
-          </p:cNvSpPr>
+              <a:t>Layers:</a:t>
+            </a:r>
+            <a:r>
+              <a:rPr lang="en-US" baseline="0" dirty="0"/>
+              <a:t> Start with a Room Map</a:t>
+            </a:r>
+            <a:endParaRPr lang="en-US" dirty="0"/>
+          </a:p>
+        </p:txBody>
+      </p:sp>
+      <p:pic>
+        <p:nvPicPr>
+          <p:cNvPr id="4" name="Content Placeholder 3">
+            <a:extLst>
+              <a:ext uri="{FF2B5EF4-FFF2-40B4-BE49-F238E27FC236}">
+                <a16:creationId xmlns:a16="http://schemas.microsoft.com/office/drawing/2014/main" id="{AA9E3403-B0D2-4919-92E4-FDB0A45B3562}"/>
+              </a:ext>
+            </a:extLst>
+          </p:cNvPr>
+          <p:cNvPicPr>
+            <a:picLocks noGrp="1" noChangeAspect="1"/>
+          </p:cNvPicPr>
           <p:nvPr>
             <p:ph idx="1"/>
           </p:nvPr>
-        </p:nvSpPr>
-        <p:spPr/>
-        <p:txBody>
-          <a:bodyPr/>
-          <a:lstStyle/>
-          <a:p>
-            <a:endParaRPr lang="en-US"/>
-          </a:p>
-        </p:txBody>
-      </p:sp>
+        </p:nvPicPr>
+        <p:blipFill>
+          <a:blip r:embed="rId2"/>
+          <a:stretch>
+            <a:fillRect/>
+          </a:stretch>
+        </p:blipFill>
+        <p:spPr>
+          <a:xfrm>
+            <a:off x="3038475" y="1943894"/>
+            <a:ext cx="6115050" cy="4114800"/>
+          </a:xfrm>
+          <a:prstGeom prst="rect">
+            <a:avLst/>
+          </a:prstGeom>
+        </p:spPr>
+      </p:pic>
     </p:spTree>
     <p:extLst>
       <p:ext uri="{BB962C8B-B14F-4D97-AF65-F5344CB8AC3E}">
-        <p14:creationId xmlns:p14="http://schemas.microsoft.com/office/powerpoint/2010/main" val="1944686705"/>
+        <p14:creationId xmlns:p14="http://schemas.microsoft.com/office/powerpoint/2010/main" val="4162114471"/>
       </p:ext>
     </p:extLst>
   </p:cSld>
@@ -8255,7 +8280,7 @@
           <p:cNvPr id="2" name="Title 1">
             <a:extLst>
               <a:ext uri="{FF2B5EF4-FFF2-40B4-BE49-F238E27FC236}">
-                <a16:creationId xmlns:a16="http://schemas.microsoft.com/office/drawing/2014/main" id="{CF0248D1-34B2-4B59-AA9F-4E5727216E39}"/>
+                <a16:creationId xmlns:a16="http://schemas.microsoft.com/office/drawing/2014/main" id="{BE3711E9-765A-4365-91BF-8C5FA296C1AF}"/>
               </a:ext>
             </a:extLst>
           </p:cNvPr>
@@ -8273,40 +8298,47 @@
           <a:p>
             <a:r>
               <a:rPr lang="en-US" dirty="0"/>
-              <a:t>PART 3 – Let’s Make Some Noise</a:t>
-            </a:r>
-          </a:p>
-        </p:txBody>
-      </p:sp>
-      <p:sp>
-        <p:nvSpPr>
-          <p:cNvPr id="3" name="Content Placeholder 2">
-            <a:extLst>
-              <a:ext uri="{FF2B5EF4-FFF2-40B4-BE49-F238E27FC236}">
-                <a16:creationId xmlns:a16="http://schemas.microsoft.com/office/drawing/2014/main" id="{B5B32EE5-7262-4D89-A488-48E76C108615}"/>
-              </a:ext>
-            </a:extLst>
-          </p:cNvPr>
-          <p:cNvSpPr>
-            <a:spLocks noGrp="1"/>
-          </p:cNvSpPr>
+              <a:t>Layers: Make a Cellular Automata Map</a:t>
+            </a:r>
+          </a:p>
+        </p:txBody>
+      </p:sp>
+      <p:pic>
+        <p:nvPicPr>
+          <p:cNvPr id="4" name="Content Placeholder 3">
+            <a:extLst>
+              <a:ext uri="{FF2B5EF4-FFF2-40B4-BE49-F238E27FC236}">
+                <a16:creationId xmlns:a16="http://schemas.microsoft.com/office/drawing/2014/main" id="{19B3978D-7A20-4EBC-BEA2-F4CDF6DFF050}"/>
+              </a:ext>
+            </a:extLst>
+          </p:cNvPr>
+          <p:cNvPicPr>
+            <a:picLocks noGrp="1" noChangeAspect="1"/>
+          </p:cNvPicPr>
           <p:nvPr>
             <p:ph idx="1"/>
           </p:nvPr>
-        </p:nvSpPr>
-        <p:spPr/>
-        <p:txBody>
-          <a:bodyPr/>
-          <a:lstStyle/>
-          <a:p>
-            <a:endParaRPr lang="en-US"/>
-          </a:p>
-        </p:txBody>
-      </p:sp>
+        </p:nvPicPr>
+        <p:blipFill>
+          <a:blip r:embed="rId2"/>
+          <a:stretch>
+            <a:fillRect/>
+          </a:stretch>
+        </p:blipFill>
+        <p:spPr>
+          <a:xfrm>
+            <a:off x="3038475" y="1943894"/>
+            <a:ext cx="6115050" cy="4114800"/>
+          </a:xfrm>
+          <a:prstGeom prst="rect">
+            <a:avLst/>
+          </a:prstGeom>
+        </p:spPr>
+      </p:pic>
     </p:spTree>
     <p:extLst>
       <p:ext uri="{BB962C8B-B14F-4D97-AF65-F5344CB8AC3E}">
-        <p14:creationId xmlns:p14="http://schemas.microsoft.com/office/powerpoint/2010/main" val="2418747065"/>
+        <p14:creationId xmlns:p14="http://schemas.microsoft.com/office/powerpoint/2010/main" val="866022028"/>
       </p:ext>
     </p:extLst>
   </p:cSld>
@@ -8338,7 +8370,7 @@
           <p:cNvPr id="2" name="Title 1">
             <a:extLst>
               <a:ext uri="{FF2B5EF4-FFF2-40B4-BE49-F238E27FC236}">
-                <a16:creationId xmlns:a16="http://schemas.microsoft.com/office/drawing/2014/main" id="{628D99A4-1EA2-493B-83CD-BB4E75DE9353}"/>
+                <a16:creationId xmlns:a16="http://schemas.microsoft.com/office/drawing/2014/main" id="{C2390062-B6D9-49C6-92E9-9571A01CBECD}"/>
               </a:ext>
             </a:extLst>
           </p:cNvPr>
@@ -8356,40 +8388,52 @@
           <a:p>
             <a:r>
               <a:rPr lang="en-US" dirty="0"/>
-              <a:t>Perlin &amp; Simplex Noise</a:t>
-            </a:r>
-          </a:p>
-        </p:txBody>
-      </p:sp>
-      <p:sp>
-        <p:nvSpPr>
-          <p:cNvPr id="3" name="Content Placeholder 2">
-            <a:extLst>
-              <a:ext uri="{FF2B5EF4-FFF2-40B4-BE49-F238E27FC236}">
-                <a16:creationId xmlns:a16="http://schemas.microsoft.com/office/drawing/2014/main" id="{D18B9377-FA2C-480E-AA65-99D62880BC12}"/>
-              </a:ext>
-            </a:extLst>
-          </p:cNvPr>
-          <p:cNvSpPr>
-            <a:spLocks noGrp="1"/>
-          </p:cNvSpPr>
+              <a:t>Layers: Add</a:t>
+            </a:r>
+            <a:r>
+              <a:rPr lang="en-US" baseline="0" dirty="0"/>
+              <a:t> them together</a:t>
+            </a:r>
+            <a:endParaRPr lang="en-US" dirty="0"/>
+          </a:p>
+        </p:txBody>
+      </p:sp>
+      <p:pic>
+        <p:nvPicPr>
+          <p:cNvPr id="4" name="Content Placeholder 3">
+            <a:extLst>
+              <a:ext uri="{FF2B5EF4-FFF2-40B4-BE49-F238E27FC236}">
+                <a16:creationId xmlns:a16="http://schemas.microsoft.com/office/drawing/2014/main" id="{366168BE-4B93-4FD3-BEC5-D9F81F8C0915}"/>
+              </a:ext>
+            </a:extLst>
+          </p:cNvPr>
+          <p:cNvPicPr>
+            <a:picLocks noGrp="1" noChangeAspect="1"/>
+          </p:cNvPicPr>
           <p:nvPr>
             <p:ph idx="1"/>
           </p:nvPr>
-        </p:nvSpPr>
-        <p:spPr/>
-        <p:txBody>
-          <a:bodyPr/>
-          <a:lstStyle/>
-          <a:p>
-            <a:endParaRPr lang="en-US"/>
-          </a:p>
-        </p:txBody>
-      </p:sp>
+        </p:nvPicPr>
+        <p:blipFill>
+          <a:blip r:embed="rId2"/>
+          <a:stretch>
+            <a:fillRect/>
+          </a:stretch>
+        </p:blipFill>
+        <p:spPr>
+          <a:xfrm>
+            <a:off x="3038475" y="1943894"/>
+            <a:ext cx="6115050" cy="4114800"/>
+          </a:xfrm>
+          <a:prstGeom prst="rect">
+            <a:avLst/>
+          </a:prstGeom>
+        </p:spPr>
+      </p:pic>
     </p:spTree>
     <p:extLst>
       <p:ext uri="{BB962C8B-B14F-4D97-AF65-F5344CB8AC3E}">
-        <p14:creationId xmlns:p14="http://schemas.microsoft.com/office/powerpoint/2010/main" val="2910018172"/>
+        <p14:creationId xmlns:p14="http://schemas.microsoft.com/office/powerpoint/2010/main" val="1604476705"/>
       </p:ext>
     </p:extLst>
   </p:cSld>
@@ -8421,7 +8465,7 @@
           <p:cNvPr id="2" name="Title 1">
             <a:extLst>
               <a:ext uri="{FF2B5EF4-FFF2-40B4-BE49-F238E27FC236}">
-                <a16:creationId xmlns:a16="http://schemas.microsoft.com/office/drawing/2014/main" id="{D7E58CAF-E99C-42EC-B01A-F7A95C035080}"/>
+                <a16:creationId xmlns:a16="http://schemas.microsoft.com/office/drawing/2014/main" id="{E7DAEC69-0662-4CC4-B2F8-DB2B4808FF58}"/>
               </a:ext>
             </a:extLst>
           </p:cNvPr>
@@ -8439,40 +8483,47 @@
           <a:p>
             <a:r>
               <a:rPr lang="en-US" dirty="0"/>
-              <a:t>What does a Noise Map look like?</a:t>
-            </a:r>
-          </a:p>
-        </p:txBody>
-      </p:sp>
-      <p:sp>
-        <p:nvSpPr>
-          <p:cNvPr id="3" name="Content Placeholder 2">
-            <a:extLst>
-              <a:ext uri="{FF2B5EF4-FFF2-40B4-BE49-F238E27FC236}">
-                <a16:creationId xmlns:a16="http://schemas.microsoft.com/office/drawing/2014/main" id="{4561E8F3-1A17-4F34-97E9-29D323924418}"/>
-              </a:ext>
-            </a:extLst>
-          </p:cNvPr>
-          <p:cNvSpPr>
-            <a:spLocks noGrp="1"/>
-          </p:cNvSpPr>
+              <a:t>Layers: Extra Fancy with a Prefab</a:t>
+            </a:r>
+          </a:p>
+        </p:txBody>
+      </p:sp>
+      <p:pic>
+        <p:nvPicPr>
+          <p:cNvPr id="4" name="Content Placeholder 3">
+            <a:extLst>
+              <a:ext uri="{FF2B5EF4-FFF2-40B4-BE49-F238E27FC236}">
+                <a16:creationId xmlns:a16="http://schemas.microsoft.com/office/drawing/2014/main" id="{012E8CFB-25CF-42C3-9DF2-DF8B0802DC49}"/>
+              </a:ext>
+            </a:extLst>
+          </p:cNvPr>
+          <p:cNvPicPr>
+            <a:picLocks noGrp="1" noChangeAspect="1"/>
+          </p:cNvPicPr>
           <p:nvPr>
             <p:ph idx="1"/>
           </p:nvPr>
-        </p:nvSpPr>
-        <p:spPr/>
-        <p:txBody>
-          <a:bodyPr/>
-          <a:lstStyle/>
-          <a:p>
-            <a:endParaRPr lang="en-US"/>
-          </a:p>
-        </p:txBody>
-      </p:sp>
+        </p:nvPicPr>
+        <p:blipFill>
+          <a:blip r:embed="rId2"/>
+          <a:stretch>
+            <a:fillRect/>
+          </a:stretch>
+        </p:blipFill>
+        <p:spPr>
+          <a:xfrm>
+            <a:off x="3038475" y="1943894"/>
+            <a:ext cx="6115050" cy="4114800"/>
+          </a:xfrm>
+          <a:prstGeom prst="rect">
+            <a:avLst/>
+          </a:prstGeom>
+        </p:spPr>
+      </p:pic>
     </p:spTree>
     <p:extLst>
       <p:ext uri="{BB962C8B-B14F-4D97-AF65-F5344CB8AC3E}">
-        <p14:creationId xmlns:p14="http://schemas.microsoft.com/office/powerpoint/2010/main" val="2677423220"/>
+        <p14:creationId xmlns:p14="http://schemas.microsoft.com/office/powerpoint/2010/main" val="1885773870"/>
       </p:ext>
     </p:extLst>
   </p:cSld>
@@ -8504,7 +8555,7 @@
           <p:cNvPr id="2" name="Title 1">
             <a:extLst>
               <a:ext uri="{FF2B5EF4-FFF2-40B4-BE49-F238E27FC236}">
-                <a16:creationId xmlns:a16="http://schemas.microsoft.com/office/drawing/2014/main" id="{B519C23B-C326-43A9-82A3-E417057CA84F}"/>
+                <a16:creationId xmlns:a16="http://schemas.microsoft.com/office/drawing/2014/main" id="{F63898EB-EB14-4AA3-A2F3-93F16F823063}"/>
               </a:ext>
             </a:extLst>
           </p:cNvPr>
@@ -8522,17 +8573,8 @@
           <a:p>
             <a:r>
               <a:rPr lang="en-US" dirty="0"/>
-              <a:t>Noise</a:t>
-            </a:r>
-            <a:r>
-              <a:rPr lang="en-US" baseline="0" dirty="0"/>
-              <a:t> </a:t>
-            </a:r>
-            <a:r>
-              <a:rPr lang="en-US" baseline="0" dirty="0" err="1"/>
-              <a:t>Tunables</a:t>
-            </a:r>
-            <a:endParaRPr lang="en-US" dirty="0"/>
+              <a:t>Waveform Collapse</a:t>
+            </a:r>
           </a:p>
         </p:txBody>
       </p:sp>
@@ -8541,7 +8583,7 @@
           <p:cNvPr id="3" name="Content Placeholder 2">
             <a:extLst>
               <a:ext uri="{FF2B5EF4-FFF2-40B4-BE49-F238E27FC236}">
-                <a16:creationId xmlns:a16="http://schemas.microsoft.com/office/drawing/2014/main" id="{282A21B9-4BE6-46F8-B5A4-D367A29441C6}"/>
+                <a16:creationId xmlns:a16="http://schemas.microsoft.com/office/drawing/2014/main" id="{E769680E-43CF-41B6-8525-D20C6F361581}"/>
               </a:ext>
             </a:extLst>
           </p:cNvPr>
@@ -8564,7 +8606,7 @@
     </p:spTree>
     <p:extLst>
       <p:ext uri="{BB962C8B-B14F-4D97-AF65-F5344CB8AC3E}">
-        <p14:creationId xmlns:p14="http://schemas.microsoft.com/office/powerpoint/2010/main" val="1685054292"/>
+        <p14:creationId xmlns:p14="http://schemas.microsoft.com/office/powerpoint/2010/main" val="1944686705"/>
       </p:ext>
     </p:extLst>
   </p:cSld>
@@ -8596,7 +8638,7 @@
           <p:cNvPr id="2" name="Title 1">
             <a:extLst>
               <a:ext uri="{FF2B5EF4-FFF2-40B4-BE49-F238E27FC236}">
-                <a16:creationId xmlns:a16="http://schemas.microsoft.com/office/drawing/2014/main" id="{CA980F56-6CDE-4DF0-95FB-C7D83D27BD60}"/>
+                <a16:creationId xmlns:a16="http://schemas.microsoft.com/office/drawing/2014/main" id="{CF0248D1-34B2-4B59-AA9F-4E5727216E39}"/>
               </a:ext>
             </a:extLst>
           </p:cNvPr>
@@ -8614,7 +8656,7 @@
           <a:p>
             <a:r>
               <a:rPr lang="en-US" dirty="0"/>
-              <a:t>Making an Overworld</a:t>
+              <a:t>PART 3 – Let’s Make Some Noise</a:t>
             </a:r>
           </a:p>
         </p:txBody>
@@ -8624,7 +8666,7 @@
           <p:cNvPr id="3" name="Content Placeholder 2">
             <a:extLst>
               <a:ext uri="{FF2B5EF4-FFF2-40B4-BE49-F238E27FC236}">
-                <a16:creationId xmlns:a16="http://schemas.microsoft.com/office/drawing/2014/main" id="{CD3195FE-6603-406D-947E-468A1C20EF00}"/>
+                <a16:creationId xmlns:a16="http://schemas.microsoft.com/office/drawing/2014/main" id="{B5B32EE5-7262-4D89-A488-48E76C108615}"/>
               </a:ext>
             </a:extLst>
           </p:cNvPr>
@@ -8647,7 +8689,7 @@
     </p:spTree>
     <p:extLst>
       <p:ext uri="{BB962C8B-B14F-4D97-AF65-F5344CB8AC3E}">
-        <p14:creationId xmlns:p14="http://schemas.microsoft.com/office/powerpoint/2010/main" val="930639465"/>
+        <p14:creationId xmlns:p14="http://schemas.microsoft.com/office/powerpoint/2010/main" val="2418747065"/>
       </p:ext>
     </p:extLst>
   </p:cSld>
@@ -8679,7 +8721,7 @@
           <p:cNvPr id="2" name="Title 1">
             <a:extLst>
               <a:ext uri="{FF2B5EF4-FFF2-40B4-BE49-F238E27FC236}">
-                <a16:creationId xmlns:a16="http://schemas.microsoft.com/office/drawing/2014/main" id="{80256ECF-6539-4DC7-9F1A-D36F4CDC03D0}"/>
+                <a16:creationId xmlns:a16="http://schemas.microsoft.com/office/drawing/2014/main" id="{628D99A4-1EA2-493B-83CD-BB4E75DE9353}"/>
               </a:ext>
             </a:extLst>
           </p:cNvPr>
@@ -8697,13 +8739,8 @@
           <a:p>
             <a:r>
               <a:rPr lang="en-US" dirty="0"/>
-              <a:t>Making a Spherical</a:t>
-            </a:r>
-            <a:r>
-              <a:rPr lang="en-US" baseline="0" dirty="0"/>
-              <a:t> World</a:t>
-            </a:r>
-            <a:endParaRPr lang="en-US" dirty="0"/>
+              <a:t>Perlin &amp; Simplex Noise</a:t>
+            </a:r>
           </a:p>
         </p:txBody>
       </p:sp>
@@ -8712,7 +8749,7 @@
           <p:cNvPr id="3" name="Content Placeholder 2">
             <a:extLst>
               <a:ext uri="{FF2B5EF4-FFF2-40B4-BE49-F238E27FC236}">
-                <a16:creationId xmlns:a16="http://schemas.microsoft.com/office/drawing/2014/main" id="{D8DDC5B9-71DA-44C0-A52E-35F421B906D6}"/>
+                <a16:creationId xmlns:a16="http://schemas.microsoft.com/office/drawing/2014/main" id="{D18B9377-FA2C-480E-AA65-99D62880BC12}"/>
               </a:ext>
             </a:extLst>
           </p:cNvPr>
@@ -8735,7 +8772,7 @@
     </p:spTree>
     <p:extLst>
       <p:ext uri="{BB962C8B-B14F-4D97-AF65-F5344CB8AC3E}">
-        <p14:creationId xmlns:p14="http://schemas.microsoft.com/office/powerpoint/2010/main" val="3243957107"/>
+        <p14:creationId xmlns:p14="http://schemas.microsoft.com/office/powerpoint/2010/main" val="2910018172"/>
       </p:ext>
     </p:extLst>
   </p:cSld>
@@ -8767,7 +8804,7 @@
           <p:cNvPr id="2" name="Title 1">
             <a:extLst>
               <a:ext uri="{FF2B5EF4-FFF2-40B4-BE49-F238E27FC236}">
-                <a16:creationId xmlns:a16="http://schemas.microsoft.com/office/drawing/2014/main" id="{0B94EFC4-40E6-42F5-A41F-DA36D8AA9438}"/>
+                <a16:creationId xmlns:a16="http://schemas.microsoft.com/office/drawing/2014/main" id="{D7E58CAF-E99C-42EC-B01A-F7A95C035080}"/>
               </a:ext>
             </a:extLst>
           </p:cNvPr>
@@ -8785,7 +8822,7 @@
           <a:p>
             <a:r>
               <a:rPr lang="en-US" dirty="0"/>
-              <a:t>Making a 3D Map</a:t>
+              <a:t>What does a Noise Map look like?</a:t>
             </a:r>
           </a:p>
         </p:txBody>
@@ -8795,7 +8832,7 @@
           <p:cNvPr id="3" name="Content Placeholder 2">
             <a:extLst>
               <a:ext uri="{FF2B5EF4-FFF2-40B4-BE49-F238E27FC236}">
-                <a16:creationId xmlns:a16="http://schemas.microsoft.com/office/drawing/2014/main" id="{6589C3BB-E964-45B9-A53E-56910758DD06}"/>
+                <a16:creationId xmlns:a16="http://schemas.microsoft.com/office/drawing/2014/main" id="{4561E8F3-1A17-4F34-97E9-29D323924418}"/>
               </a:ext>
             </a:extLst>
           </p:cNvPr>
@@ -8818,7 +8855,7 @@
     </p:spTree>
     <p:extLst>
       <p:ext uri="{BB962C8B-B14F-4D97-AF65-F5344CB8AC3E}">
-        <p14:creationId xmlns:p14="http://schemas.microsoft.com/office/powerpoint/2010/main" val="3081661649"/>
+        <p14:creationId xmlns:p14="http://schemas.microsoft.com/office/powerpoint/2010/main" val="2677423220"/>
       </p:ext>
     </p:extLst>
   </p:cSld>
@@ -8850,7 +8887,7 @@
           <p:cNvPr id="2" name="Title 1">
             <a:extLst>
               <a:ext uri="{FF2B5EF4-FFF2-40B4-BE49-F238E27FC236}">
-                <a16:creationId xmlns:a16="http://schemas.microsoft.com/office/drawing/2014/main" id="{89C36EFD-6BB0-4705-BD82-297BA51C0014}"/>
+                <a16:creationId xmlns:a16="http://schemas.microsoft.com/office/drawing/2014/main" id="{B519C23B-C326-43A9-82A3-E417057CA84F}"/>
               </a:ext>
             </a:extLst>
           </p:cNvPr>
@@ -8868,8 +8905,17 @@
           <a:p>
             <a:r>
               <a:rPr lang="en-US" dirty="0"/>
-              <a:t>PART 4 – Prefabs/Vaults</a:t>
-            </a:r>
+              <a:t>Noise</a:t>
+            </a:r>
+            <a:r>
+              <a:rPr lang="en-US" baseline="0" dirty="0"/>
+              <a:t> </a:t>
+            </a:r>
+            <a:r>
+              <a:rPr lang="en-US" baseline="0" dirty="0" err="1"/>
+              <a:t>Tunables</a:t>
+            </a:r>
+            <a:endParaRPr lang="en-US" dirty="0"/>
           </a:p>
         </p:txBody>
       </p:sp>
@@ -8878,7 +8924,7 @@
           <p:cNvPr id="3" name="Content Placeholder 2">
             <a:extLst>
               <a:ext uri="{FF2B5EF4-FFF2-40B4-BE49-F238E27FC236}">
-                <a16:creationId xmlns:a16="http://schemas.microsoft.com/office/drawing/2014/main" id="{16DFB016-3A47-4BD6-9336-E19F787A0A4A}"/>
+                <a16:creationId xmlns:a16="http://schemas.microsoft.com/office/drawing/2014/main" id="{282A21B9-4BE6-46F8-B5A4-D367A29441C6}"/>
               </a:ext>
             </a:extLst>
           </p:cNvPr>
@@ -8901,7 +8947,7 @@
     </p:spTree>
     <p:extLst>
       <p:ext uri="{BB962C8B-B14F-4D97-AF65-F5344CB8AC3E}">
-        <p14:creationId xmlns:p14="http://schemas.microsoft.com/office/powerpoint/2010/main" val="1537678333"/>
+        <p14:creationId xmlns:p14="http://schemas.microsoft.com/office/powerpoint/2010/main" val="1685054292"/>
       </p:ext>
     </p:extLst>
   </p:cSld>
@@ -8933,7 +8979,7 @@
           <p:cNvPr id="2" name="Title 1">
             <a:extLst>
               <a:ext uri="{FF2B5EF4-FFF2-40B4-BE49-F238E27FC236}">
-                <a16:creationId xmlns:a16="http://schemas.microsoft.com/office/drawing/2014/main" id="{954AC10A-DCC4-40DF-8C7C-80872799F6B6}"/>
+                <a16:creationId xmlns:a16="http://schemas.microsoft.com/office/drawing/2014/main" id="{CA980F56-6CDE-4DF0-95FB-C7D83D27BD60}"/>
               </a:ext>
             </a:extLst>
           </p:cNvPr>
@@ -8951,7 +8997,7 @@
           <a:p>
             <a:r>
               <a:rPr lang="en-US" dirty="0"/>
-              <a:t>Wrap-Up</a:t>
+              <a:t>Making an Overworld</a:t>
             </a:r>
           </a:p>
         </p:txBody>
@@ -8961,7 +9007,7 @@
           <p:cNvPr id="3" name="Content Placeholder 2">
             <a:extLst>
               <a:ext uri="{FF2B5EF4-FFF2-40B4-BE49-F238E27FC236}">
-                <a16:creationId xmlns:a16="http://schemas.microsoft.com/office/drawing/2014/main" id="{2C7309C8-A67C-4390-B961-6CAD02F1DE9D}"/>
+                <a16:creationId xmlns:a16="http://schemas.microsoft.com/office/drawing/2014/main" id="{CD3195FE-6603-406D-947E-468A1C20EF00}"/>
               </a:ext>
             </a:extLst>
           </p:cNvPr>
@@ -8984,7 +9030,7 @@
     </p:spTree>
     <p:extLst>
       <p:ext uri="{BB962C8B-B14F-4D97-AF65-F5344CB8AC3E}">
-        <p14:creationId xmlns:p14="http://schemas.microsoft.com/office/powerpoint/2010/main" val="2244430420"/>
+        <p14:creationId xmlns:p14="http://schemas.microsoft.com/office/powerpoint/2010/main" val="930639465"/>
       </p:ext>
     </p:extLst>
   </p:cSld>
@@ -9016,7 +9062,7 @@
           <p:cNvPr id="2" name="Title 1">
             <a:extLst>
               <a:ext uri="{FF2B5EF4-FFF2-40B4-BE49-F238E27FC236}">
-                <a16:creationId xmlns:a16="http://schemas.microsoft.com/office/drawing/2014/main" id="{832E6675-6F28-4DC1-A4B0-55EDC2B3889D}"/>
+                <a16:creationId xmlns:a16="http://schemas.microsoft.com/office/drawing/2014/main" id="{80256ECF-6539-4DC7-9F1A-D36F4CDC03D0}"/>
               </a:ext>
             </a:extLst>
           </p:cNvPr>
@@ -9034,8 +9080,13 @@
           <a:p>
             <a:r>
               <a:rPr lang="en-US" dirty="0"/>
-              <a:t>Questions?</a:t>
-            </a:r>
+              <a:t>Making a Spherical</a:t>
+            </a:r>
+            <a:r>
+              <a:rPr lang="en-US" baseline="0" dirty="0"/>
+              <a:t> World</a:t>
+            </a:r>
+            <a:endParaRPr lang="en-US" dirty="0"/>
           </a:p>
         </p:txBody>
       </p:sp>
@@ -9044,7 +9095,7 @@
           <p:cNvPr id="3" name="Content Placeholder 2">
             <a:extLst>
               <a:ext uri="{FF2B5EF4-FFF2-40B4-BE49-F238E27FC236}">
-                <a16:creationId xmlns:a16="http://schemas.microsoft.com/office/drawing/2014/main" id="{0EC89C96-7CA0-48DB-8F09-1F603365128B}"/>
+                <a16:creationId xmlns:a16="http://schemas.microsoft.com/office/drawing/2014/main" id="{D8DDC5B9-71DA-44C0-A52E-35F421B906D6}"/>
               </a:ext>
             </a:extLst>
           </p:cNvPr>
@@ -9060,94 +9111,14 @@
           <a:bodyPr/>
           <a:lstStyle/>
           <a:p>
-            <a:pPr algn="ctr"/>
-            <a:r>
-              <a:rPr lang="en-US" dirty="0"/>
-              <a:t>Source code: </a:t>
-            </a:r>
-            <a:br>
-              <a:rPr lang="en-US" dirty="0"/>
-            </a:br>
-            <a:r>
-              <a:rPr lang="en-US" dirty="0">
-                <a:solidFill>
-                  <a:schemeClr val="accent5">
-                    <a:lumMod val="20000"/>
-                    <a:lumOff val="80000"/>
-                  </a:schemeClr>
-                </a:solidFill>
-              </a:rPr>
-              <a:t>https://github.com/thebracket/roguelike-celebration-2020</a:t>
-            </a:r>
-            <a:br>
-              <a:rPr lang="en-US" dirty="0">
-                <a:solidFill>
-                  <a:schemeClr val="accent5">
-                    <a:lumMod val="20000"/>
-                    <a:lumOff val="80000"/>
-                  </a:schemeClr>
-                </a:solidFill>
-              </a:rPr>
-            </a:br>
-            <a:endParaRPr lang="en-US" dirty="0">
-              <a:solidFill>
-                <a:schemeClr val="accent5">
-                  <a:lumMod val="20000"/>
-                  <a:lumOff val="80000"/>
-                </a:schemeClr>
-              </a:solidFill>
-            </a:endParaRPr>
-          </a:p>
-          <a:p>
-            <a:pPr algn="ctr"/>
-            <a:r>
-              <a:rPr lang="en-US" dirty="0"/>
-              <a:t>I wrote a book:</a:t>
-            </a:r>
-          </a:p>
-          <a:p>
-            <a:pPr marL="0" indent="0" algn="ctr">
-              <a:buNone/>
-            </a:pPr>
-            <a:r>
-              <a:rPr lang="en-US" dirty="0">
-                <a:solidFill>
-                  <a:schemeClr val="accent3">
-                    <a:lumMod val="20000"/>
-                    <a:lumOff val="80000"/>
-                  </a:schemeClr>
-                </a:solidFill>
-              </a:rPr>
-              <a:t>Learn Rust: Build 2D Games</a:t>
-            </a:r>
-            <a:br>
-              <a:rPr lang="en-US" dirty="0">
-                <a:solidFill>
-                  <a:schemeClr val="accent3">
-                    <a:lumMod val="20000"/>
-                    <a:lumOff val="80000"/>
-                  </a:schemeClr>
-                </a:solidFill>
-              </a:rPr>
-            </a:br>
-            <a:r>
-              <a:rPr lang="en-US" i="1" dirty="0">
-                <a:solidFill>
-                  <a:schemeClr val="accent3">
-                    <a:lumMod val="20000"/>
-                    <a:lumOff val="80000"/>
-                  </a:schemeClr>
-                </a:solidFill>
-              </a:rPr>
-              <a:t>Available soon from PragProg.com</a:t>
-            </a:r>
+            <a:endParaRPr lang="en-US"/>
           </a:p>
         </p:txBody>
       </p:sp>
     </p:spTree>
     <p:extLst>
       <p:ext uri="{BB962C8B-B14F-4D97-AF65-F5344CB8AC3E}">
-        <p14:creationId xmlns:p14="http://schemas.microsoft.com/office/powerpoint/2010/main" val="605060820"/>
+        <p14:creationId xmlns:p14="http://schemas.microsoft.com/office/powerpoint/2010/main" val="3243957107"/>
       </p:ext>
     </p:extLst>
   </p:cSld>
@@ -9231,6 +9202,418 @@
     <p:extLst>
       <p:ext uri="{BB962C8B-B14F-4D97-AF65-F5344CB8AC3E}">
         <p14:creationId xmlns:p14="http://schemas.microsoft.com/office/powerpoint/2010/main" val="53523177"/>
+      </p:ext>
+    </p:extLst>
+  </p:cSld>
+  <p:clrMapOvr>
+    <a:masterClrMapping/>
+  </p:clrMapOvr>
+</p:sld>
+</file>
+
+<file path=ppt/slides/slide60.xml><?xml version="1.0" encoding="utf-8"?>
+<p:sld xmlns:a="http://schemas.openxmlformats.org/drawingml/2006/main" xmlns:r="http://schemas.openxmlformats.org/officeDocument/2006/relationships" xmlns:p="http://schemas.openxmlformats.org/presentationml/2006/main">
+  <p:cSld>
+    <p:spTree>
+      <p:nvGrpSpPr>
+        <p:cNvPr id="1" name=""/>
+        <p:cNvGrpSpPr/>
+        <p:nvPr/>
+      </p:nvGrpSpPr>
+      <p:grpSpPr>
+        <a:xfrm>
+          <a:off x="0" y="0"/>
+          <a:ext cx="0" cy="0"/>
+          <a:chOff x="0" y="0"/>
+          <a:chExt cx="0" cy="0"/>
+        </a:xfrm>
+      </p:grpSpPr>
+      <p:sp>
+        <p:nvSpPr>
+          <p:cNvPr id="2" name="Title 1">
+            <a:extLst>
+              <a:ext uri="{FF2B5EF4-FFF2-40B4-BE49-F238E27FC236}">
+                <a16:creationId xmlns:a16="http://schemas.microsoft.com/office/drawing/2014/main" id="{0B94EFC4-40E6-42F5-A41F-DA36D8AA9438}"/>
+              </a:ext>
+            </a:extLst>
+          </p:cNvPr>
+          <p:cNvSpPr>
+            <a:spLocks noGrp="1"/>
+          </p:cNvSpPr>
+          <p:nvPr>
+            <p:ph type="title"/>
+          </p:nvPr>
+        </p:nvSpPr>
+        <p:spPr/>
+        <p:txBody>
+          <a:bodyPr/>
+          <a:lstStyle/>
+          <a:p>
+            <a:r>
+              <a:rPr lang="en-US" dirty="0"/>
+              <a:t>Making a 3D Map</a:t>
+            </a:r>
+          </a:p>
+        </p:txBody>
+      </p:sp>
+      <p:sp>
+        <p:nvSpPr>
+          <p:cNvPr id="3" name="Content Placeholder 2">
+            <a:extLst>
+              <a:ext uri="{FF2B5EF4-FFF2-40B4-BE49-F238E27FC236}">
+                <a16:creationId xmlns:a16="http://schemas.microsoft.com/office/drawing/2014/main" id="{6589C3BB-E964-45B9-A53E-56910758DD06}"/>
+              </a:ext>
+            </a:extLst>
+          </p:cNvPr>
+          <p:cNvSpPr>
+            <a:spLocks noGrp="1"/>
+          </p:cNvSpPr>
+          <p:nvPr>
+            <p:ph idx="1"/>
+          </p:nvPr>
+        </p:nvSpPr>
+        <p:spPr/>
+        <p:txBody>
+          <a:bodyPr/>
+          <a:lstStyle/>
+          <a:p>
+            <a:endParaRPr lang="en-US"/>
+          </a:p>
+        </p:txBody>
+      </p:sp>
+    </p:spTree>
+    <p:extLst>
+      <p:ext uri="{BB962C8B-B14F-4D97-AF65-F5344CB8AC3E}">
+        <p14:creationId xmlns:p14="http://schemas.microsoft.com/office/powerpoint/2010/main" val="3081661649"/>
+      </p:ext>
+    </p:extLst>
+  </p:cSld>
+  <p:clrMapOvr>
+    <a:masterClrMapping/>
+  </p:clrMapOvr>
+</p:sld>
+</file>
+
+<file path=ppt/slides/slide61.xml><?xml version="1.0" encoding="utf-8"?>
+<p:sld xmlns:a="http://schemas.openxmlformats.org/drawingml/2006/main" xmlns:r="http://schemas.openxmlformats.org/officeDocument/2006/relationships" xmlns:p="http://schemas.openxmlformats.org/presentationml/2006/main">
+  <p:cSld>
+    <p:spTree>
+      <p:nvGrpSpPr>
+        <p:cNvPr id="1" name=""/>
+        <p:cNvGrpSpPr/>
+        <p:nvPr/>
+      </p:nvGrpSpPr>
+      <p:grpSpPr>
+        <a:xfrm>
+          <a:off x="0" y="0"/>
+          <a:ext cx="0" cy="0"/>
+          <a:chOff x="0" y="0"/>
+          <a:chExt cx="0" cy="0"/>
+        </a:xfrm>
+      </p:grpSpPr>
+      <p:sp>
+        <p:nvSpPr>
+          <p:cNvPr id="2" name="Title 1">
+            <a:extLst>
+              <a:ext uri="{FF2B5EF4-FFF2-40B4-BE49-F238E27FC236}">
+                <a16:creationId xmlns:a16="http://schemas.microsoft.com/office/drawing/2014/main" id="{89C36EFD-6BB0-4705-BD82-297BA51C0014}"/>
+              </a:ext>
+            </a:extLst>
+          </p:cNvPr>
+          <p:cNvSpPr>
+            <a:spLocks noGrp="1"/>
+          </p:cNvSpPr>
+          <p:nvPr>
+            <p:ph type="title"/>
+          </p:nvPr>
+        </p:nvSpPr>
+        <p:spPr/>
+        <p:txBody>
+          <a:bodyPr/>
+          <a:lstStyle/>
+          <a:p>
+            <a:r>
+              <a:rPr lang="en-US" dirty="0"/>
+              <a:t>PART 4 – Prefabs/Vaults</a:t>
+            </a:r>
+          </a:p>
+        </p:txBody>
+      </p:sp>
+      <p:sp>
+        <p:nvSpPr>
+          <p:cNvPr id="3" name="Content Placeholder 2">
+            <a:extLst>
+              <a:ext uri="{FF2B5EF4-FFF2-40B4-BE49-F238E27FC236}">
+                <a16:creationId xmlns:a16="http://schemas.microsoft.com/office/drawing/2014/main" id="{16DFB016-3A47-4BD6-9336-E19F787A0A4A}"/>
+              </a:ext>
+            </a:extLst>
+          </p:cNvPr>
+          <p:cNvSpPr>
+            <a:spLocks noGrp="1"/>
+          </p:cNvSpPr>
+          <p:nvPr>
+            <p:ph idx="1"/>
+          </p:nvPr>
+        </p:nvSpPr>
+        <p:spPr/>
+        <p:txBody>
+          <a:bodyPr/>
+          <a:lstStyle/>
+          <a:p>
+            <a:endParaRPr lang="en-US"/>
+          </a:p>
+        </p:txBody>
+      </p:sp>
+    </p:spTree>
+    <p:extLst>
+      <p:ext uri="{BB962C8B-B14F-4D97-AF65-F5344CB8AC3E}">
+        <p14:creationId xmlns:p14="http://schemas.microsoft.com/office/powerpoint/2010/main" val="1537678333"/>
+      </p:ext>
+    </p:extLst>
+  </p:cSld>
+  <p:clrMapOvr>
+    <a:masterClrMapping/>
+  </p:clrMapOvr>
+</p:sld>
+</file>
+
+<file path=ppt/slides/slide62.xml><?xml version="1.0" encoding="utf-8"?>
+<p:sld xmlns:a="http://schemas.openxmlformats.org/drawingml/2006/main" xmlns:r="http://schemas.openxmlformats.org/officeDocument/2006/relationships" xmlns:p="http://schemas.openxmlformats.org/presentationml/2006/main">
+  <p:cSld>
+    <p:spTree>
+      <p:nvGrpSpPr>
+        <p:cNvPr id="1" name=""/>
+        <p:cNvGrpSpPr/>
+        <p:nvPr/>
+      </p:nvGrpSpPr>
+      <p:grpSpPr>
+        <a:xfrm>
+          <a:off x="0" y="0"/>
+          <a:ext cx="0" cy="0"/>
+          <a:chOff x="0" y="0"/>
+          <a:chExt cx="0" cy="0"/>
+        </a:xfrm>
+      </p:grpSpPr>
+      <p:sp>
+        <p:nvSpPr>
+          <p:cNvPr id="2" name="Title 1">
+            <a:extLst>
+              <a:ext uri="{FF2B5EF4-FFF2-40B4-BE49-F238E27FC236}">
+                <a16:creationId xmlns:a16="http://schemas.microsoft.com/office/drawing/2014/main" id="{954AC10A-DCC4-40DF-8C7C-80872799F6B6}"/>
+              </a:ext>
+            </a:extLst>
+          </p:cNvPr>
+          <p:cNvSpPr>
+            <a:spLocks noGrp="1"/>
+          </p:cNvSpPr>
+          <p:nvPr>
+            <p:ph type="title"/>
+          </p:nvPr>
+        </p:nvSpPr>
+        <p:spPr/>
+        <p:txBody>
+          <a:bodyPr/>
+          <a:lstStyle/>
+          <a:p>
+            <a:r>
+              <a:rPr lang="en-US" dirty="0"/>
+              <a:t>Wrap-Up</a:t>
+            </a:r>
+          </a:p>
+        </p:txBody>
+      </p:sp>
+      <p:sp>
+        <p:nvSpPr>
+          <p:cNvPr id="3" name="Content Placeholder 2">
+            <a:extLst>
+              <a:ext uri="{FF2B5EF4-FFF2-40B4-BE49-F238E27FC236}">
+                <a16:creationId xmlns:a16="http://schemas.microsoft.com/office/drawing/2014/main" id="{2C7309C8-A67C-4390-B961-6CAD02F1DE9D}"/>
+              </a:ext>
+            </a:extLst>
+          </p:cNvPr>
+          <p:cNvSpPr>
+            <a:spLocks noGrp="1"/>
+          </p:cNvSpPr>
+          <p:nvPr>
+            <p:ph idx="1"/>
+          </p:nvPr>
+        </p:nvSpPr>
+        <p:spPr/>
+        <p:txBody>
+          <a:bodyPr/>
+          <a:lstStyle/>
+          <a:p>
+            <a:endParaRPr lang="en-US"/>
+          </a:p>
+        </p:txBody>
+      </p:sp>
+    </p:spTree>
+    <p:extLst>
+      <p:ext uri="{BB962C8B-B14F-4D97-AF65-F5344CB8AC3E}">
+        <p14:creationId xmlns:p14="http://schemas.microsoft.com/office/powerpoint/2010/main" val="2244430420"/>
+      </p:ext>
+    </p:extLst>
+  </p:cSld>
+  <p:clrMapOvr>
+    <a:masterClrMapping/>
+  </p:clrMapOvr>
+</p:sld>
+</file>
+
+<file path=ppt/slides/slide63.xml><?xml version="1.0" encoding="utf-8"?>
+<p:sld xmlns:a="http://schemas.openxmlformats.org/drawingml/2006/main" xmlns:r="http://schemas.openxmlformats.org/officeDocument/2006/relationships" xmlns:p="http://schemas.openxmlformats.org/presentationml/2006/main">
+  <p:cSld>
+    <p:spTree>
+      <p:nvGrpSpPr>
+        <p:cNvPr id="1" name=""/>
+        <p:cNvGrpSpPr/>
+        <p:nvPr/>
+      </p:nvGrpSpPr>
+      <p:grpSpPr>
+        <a:xfrm>
+          <a:off x="0" y="0"/>
+          <a:ext cx="0" cy="0"/>
+          <a:chOff x="0" y="0"/>
+          <a:chExt cx="0" cy="0"/>
+        </a:xfrm>
+      </p:grpSpPr>
+      <p:sp>
+        <p:nvSpPr>
+          <p:cNvPr id="2" name="Title 1">
+            <a:extLst>
+              <a:ext uri="{FF2B5EF4-FFF2-40B4-BE49-F238E27FC236}">
+                <a16:creationId xmlns:a16="http://schemas.microsoft.com/office/drawing/2014/main" id="{832E6675-6F28-4DC1-A4B0-55EDC2B3889D}"/>
+              </a:ext>
+            </a:extLst>
+          </p:cNvPr>
+          <p:cNvSpPr>
+            <a:spLocks noGrp="1"/>
+          </p:cNvSpPr>
+          <p:nvPr>
+            <p:ph type="title"/>
+          </p:nvPr>
+        </p:nvSpPr>
+        <p:spPr/>
+        <p:txBody>
+          <a:bodyPr/>
+          <a:lstStyle/>
+          <a:p>
+            <a:r>
+              <a:rPr lang="en-US" dirty="0"/>
+              <a:t>Questions?</a:t>
+            </a:r>
+          </a:p>
+        </p:txBody>
+      </p:sp>
+      <p:sp>
+        <p:nvSpPr>
+          <p:cNvPr id="3" name="Content Placeholder 2">
+            <a:extLst>
+              <a:ext uri="{FF2B5EF4-FFF2-40B4-BE49-F238E27FC236}">
+                <a16:creationId xmlns:a16="http://schemas.microsoft.com/office/drawing/2014/main" id="{0EC89C96-7CA0-48DB-8F09-1F603365128B}"/>
+              </a:ext>
+            </a:extLst>
+          </p:cNvPr>
+          <p:cNvSpPr>
+            <a:spLocks noGrp="1"/>
+          </p:cNvSpPr>
+          <p:nvPr>
+            <p:ph idx="1"/>
+          </p:nvPr>
+        </p:nvSpPr>
+        <p:spPr/>
+        <p:txBody>
+          <a:bodyPr/>
+          <a:lstStyle/>
+          <a:p>
+            <a:pPr algn="ctr"/>
+            <a:r>
+              <a:rPr lang="en-US" dirty="0"/>
+              <a:t>Source code: </a:t>
+            </a:r>
+            <a:br>
+              <a:rPr lang="en-US" dirty="0"/>
+            </a:br>
+            <a:r>
+              <a:rPr lang="en-US" dirty="0">
+                <a:solidFill>
+                  <a:schemeClr val="accent5">
+                    <a:lumMod val="20000"/>
+                    <a:lumOff val="80000"/>
+                  </a:schemeClr>
+                </a:solidFill>
+              </a:rPr>
+              <a:t>https://github.com/thebracket/roguelike-celebration-2020</a:t>
+            </a:r>
+            <a:br>
+              <a:rPr lang="en-US" dirty="0">
+                <a:solidFill>
+                  <a:schemeClr val="accent5">
+                    <a:lumMod val="20000"/>
+                    <a:lumOff val="80000"/>
+                  </a:schemeClr>
+                </a:solidFill>
+              </a:rPr>
+            </a:br>
+            <a:endParaRPr lang="en-US" dirty="0">
+              <a:solidFill>
+                <a:schemeClr val="accent5">
+                  <a:lumMod val="20000"/>
+                  <a:lumOff val="80000"/>
+                </a:schemeClr>
+              </a:solidFill>
+            </a:endParaRPr>
+          </a:p>
+          <a:p>
+            <a:pPr algn="ctr"/>
+            <a:r>
+              <a:rPr lang="en-US" dirty="0"/>
+              <a:t>I wrote a book:</a:t>
+            </a:r>
+          </a:p>
+          <a:p>
+            <a:pPr marL="0" indent="0" algn="ctr">
+              <a:buNone/>
+            </a:pPr>
+            <a:r>
+              <a:rPr lang="en-US" dirty="0">
+                <a:solidFill>
+                  <a:schemeClr val="accent3">
+                    <a:lumMod val="20000"/>
+                    <a:lumOff val="80000"/>
+                  </a:schemeClr>
+                </a:solidFill>
+              </a:rPr>
+              <a:t>Learn Rust: Build 2D Games</a:t>
+            </a:r>
+            <a:br>
+              <a:rPr lang="en-US" dirty="0">
+                <a:solidFill>
+                  <a:schemeClr val="accent3">
+                    <a:lumMod val="20000"/>
+                    <a:lumOff val="80000"/>
+                  </a:schemeClr>
+                </a:solidFill>
+              </a:rPr>
+            </a:br>
+            <a:r>
+              <a:rPr lang="en-US" i="1" dirty="0">
+                <a:solidFill>
+                  <a:schemeClr val="accent3">
+                    <a:lumMod val="20000"/>
+                    <a:lumOff val="80000"/>
+                  </a:schemeClr>
+                </a:solidFill>
+              </a:rPr>
+              <a:t>Available soon from PragProg.com</a:t>
+            </a:r>
+          </a:p>
+        </p:txBody>
+      </p:sp>
+    </p:spTree>
+    <p:extLst>
+      <p:ext uri="{BB962C8B-B14F-4D97-AF65-F5344CB8AC3E}">
+        <p14:creationId xmlns:p14="http://schemas.microsoft.com/office/powerpoint/2010/main" val="605060820"/>
       </p:ext>
     </p:extLst>
   </p:cSld>
